--- a/Supporting_files/Weekly_thesis_meeting.pptx
+++ b/Supporting_files/Weekly_thesis_meeting.pptx
@@ -7,17 +7,18 @@
   <p:sldIdLst>
     <p:sldId id="272" r:id="rId2"/>
     <p:sldId id="273" r:id="rId3"/>
-    <p:sldId id="274" r:id="rId4"/>
-    <p:sldId id="271" r:id="rId5"/>
-    <p:sldId id="270" r:id="rId6"/>
-    <p:sldId id="268" r:id="rId7"/>
-    <p:sldId id="266" r:id="rId8"/>
-    <p:sldId id="256" r:id="rId9"/>
-    <p:sldId id="262" r:id="rId10"/>
-    <p:sldId id="263" r:id="rId11"/>
-    <p:sldId id="267" r:id="rId12"/>
-    <p:sldId id="257" r:id="rId13"/>
-    <p:sldId id="258" r:id="rId14"/>
+    <p:sldId id="275" r:id="rId4"/>
+    <p:sldId id="274" r:id="rId5"/>
+    <p:sldId id="271" r:id="rId6"/>
+    <p:sldId id="270" r:id="rId7"/>
+    <p:sldId id="268" r:id="rId8"/>
+    <p:sldId id="266" r:id="rId9"/>
+    <p:sldId id="256" r:id="rId10"/>
+    <p:sldId id="262" r:id="rId11"/>
+    <p:sldId id="263" r:id="rId12"/>
+    <p:sldId id="267" r:id="rId13"/>
+    <p:sldId id="257" r:id="rId14"/>
+    <p:sldId id="258" r:id="rId15"/>
   </p:sldIdLst>
   <p:sldSz cx="12192000" cy="6858000"/>
   <p:notesSz cx="6858000" cy="9144000"/>
@@ -273,7 +274,7 @@
           <a:p>
             <a:fld id="{EF252827-A727-7A48-98A8-A94B1A953A0F}" type="datetimeFigureOut">
               <a:rPr lang="en-NL" smtClean="0"/>
-              <a:t>28/04/2022</a:t>
+              <a:t>02/05/2022</a:t>
             </a:fld>
             <a:endParaRPr lang="en-NL"/>
           </a:p>
@@ -473,7 +474,7 @@
           <a:p>
             <a:fld id="{EF252827-A727-7A48-98A8-A94B1A953A0F}" type="datetimeFigureOut">
               <a:rPr lang="en-NL" smtClean="0"/>
-              <a:t>28/04/2022</a:t>
+              <a:t>02/05/2022</a:t>
             </a:fld>
             <a:endParaRPr lang="en-NL"/>
           </a:p>
@@ -683,7 +684,7 @@
           <a:p>
             <a:fld id="{EF252827-A727-7A48-98A8-A94B1A953A0F}" type="datetimeFigureOut">
               <a:rPr lang="en-NL" smtClean="0"/>
-              <a:t>28/04/2022</a:t>
+              <a:t>02/05/2022</a:t>
             </a:fld>
             <a:endParaRPr lang="en-NL"/>
           </a:p>
@@ -883,7 +884,7 @@
           <a:p>
             <a:fld id="{EF252827-A727-7A48-98A8-A94B1A953A0F}" type="datetimeFigureOut">
               <a:rPr lang="en-NL" smtClean="0"/>
-              <a:t>28/04/2022</a:t>
+              <a:t>02/05/2022</a:t>
             </a:fld>
             <a:endParaRPr lang="en-NL"/>
           </a:p>
@@ -1159,7 +1160,7 @@
           <a:p>
             <a:fld id="{EF252827-A727-7A48-98A8-A94B1A953A0F}" type="datetimeFigureOut">
               <a:rPr lang="en-NL" smtClean="0"/>
-              <a:t>28/04/2022</a:t>
+              <a:t>02/05/2022</a:t>
             </a:fld>
             <a:endParaRPr lang="en-NL"/>
           </a:p>
@@ -1427,7 +1428,7 @@
           <a:p>
             <a:fld id="{EF252827-A727-7A48-98A8-A94B1A953A0F}" type="datetimeFigureOut">
               <a:rPr lang="en-NL" smtClean="0"/>
-              <a:t>28/04/2022</a:t>
+              <a:t>02/05/2022</a:t>
             </a:fld>
             <a:endParaRPr lang="en-NL"/>
           </a:p>
@@ -1842,7 +1843,7 @@
           <a:p>
             <a:fld id="{EF252827-A727-7A48-98A8-A94B1A953A0F}" type="datetimeFigureOut">
               <a:rPr lang="en-NL" smtClean="0"/>
-              <a:t>28/04/2022</a:t>
+              <a:t>02/05/2022</a:t>
             </a:fld>
             <a:endParaRPr lang="en-NL"/>
           </a:p>
@@ -1984,7 +1985,7 @@
           <a:p>
             <a:fld id="{EF252827-A727-7A48-98A8-A94B1A953A0F}" type="datetimeFigureOut">
               <a:rPr lang="en-NL" smtClean="0"/>
-              <a:t>28/04/2022</a:t>
+              <a:t>02/05/2022</a:t>
             </a:fld>
             <a:endParaRPr lang="en-NL"/>
           </a:p>
@@ -2097,7 +2098,7 @@
           <a:p>
             <a:fld id="{EF252827-A727-7A48-98A8-A94B1A953A0F}" type="datetimeFigureOut">
               <a:rPr lang="en-NL" smtClean="0"/>
-              <a:t>28/04/2022</a:t>
+              <a:t>02/05/2022</a:t>
             </a:fld>
             <a:endParaRPr lang="en-NL"/>
           </a:p>
@@ -2410,7 +2411,7 @@
           <a:p>
             <a:fld id="{EF252827-A727-7A48-98A8-A94B1A953A0F}" type="datetimeFigureOut">
               <a:rPr lang="en-NL" smtClean="0"/>
-              <a:t>28/04/2022</a:t>
+              <a:t>02/05/2022</a:t>
             </a:fld>
             <a:endParaRPr lang="en-NL"/>
           </a:p>
@@ -2699,7 +2700,7 @@
           <a:p>
             <a:fld id="{EF252827-A727-7A48-98A8-A94B1A953A0F}" type="datetimeFigureOut">
               <a:rPr lang="en-NL" smtClean="0"/>
-              <a:t>28/04/2022</a:t>
+              <a:t>02/05/2022</a:t>
             </a:fld>
             <a:endParaRPr lang="en-NL"/>
           </a:p>
@@ -2942,7 +2943,7 @@
           <a:p>
             <a:fld id="{EF252827-A727-7A48-98A8-A94B1A953A0F}" type="datetimeFigureOut">
               <a:rPr lang="en-NL" smtClean="0"/>
-              <a:t>28/04/2022</a:t>
+              <a:t>02/05/2022</a:t>
             </a:fld>
             <a:endParaRPr lang="en-NL"/>
           </a:p>
@@ -3551,18 +3552,11 @@
             <a:pPr algn="r"/>
             <a:r>
               <a:rPr lang="en-US" dirty="0"/>
-              <a:t>May 2</a:t>
-            </a:r>
-            <a:r>
-              <a:rPr lang="en-US" kern="1200" baseline="30000" dirty="0">
-                <a:solidFill>
-                  <a:schemeClr val="tx1"/>
-                </a:solidFill>
-                <a:latin typeface="+mn-lt"/>
-                <a:ea typeface="+mn-ea"/>
-                <a:cs typeface="+mn-cs"/>
-              </a:rPr>
-              <a:t>nd</a:t>
+              <a:t>May 3</a:t>
+            </a:r>
+            <a:r>
+              <a:rPr lang="en-US" baseline="30000" dirty="0"/>
+              <a:t>th</a:t>
             </a:r>
             <a:r>
               <a:rPr lang="en-US" kern="1200" dirty="0">
@@ -3798,7 +3792,7 @@
           <p:cNvPr id="2" name="Title 1">
             <a:extLst>
               <a:ext uri="{FF2B5EF4-FFF2-40B4-BE49-F238E27FC236}">
-                <a16:creationId xmlns:a16="http://schemas.microsoft.com/office/drawing/2014/main" id="{42513509-FF5F-6F4B-B710-4A6B4EB3957D}"/>
+                <a16:creationId xmlns:a16="http://schemas.microsoft.com/office/drawing/2014/main" id="{54A8512E-CD77-B741-A177-AE655D089FC5}"/>
               </a:ext>
             </a:extLst>
           </p:cNvPr>
@@ -3816,7 +3810,7 @@
           <a:p>
             <a:r>
               <a:rPr lang="en-NL" dirty="0"/>
-              <a:t>Next week</a:t>
+              <a:t>Last week</a:t>
             </a:r>
           </a:p>
         </p:txBody>
@@ -3826,7 +3820,7 @@
           <p:cNvPr id="3" name="Content Placeholder 2">
             <a:extLst>
               <a:ext uri="{FF2B5EF4-FFF2-40B4-BE49-F238E27FC236}">
-                <a16:creationId xmlns:a16="http://schemas.microsoft.com/office/drawing/2014/main" id="{7DD25575-9BE7-F047-AC48-A6CCAD93EF01}"/>
+                <a16:creationId xmlns:a16="http://schemas.microsoft.com/office/drawing/2014/main" id="{CB282AAE-0D90-A14D-BBFF-3E663CE8B55B}"/>
               </a:ext>
             </a:extLst>
           </p:cNvPr>
@@ -3840,20 +3834,123 @@
         <p:spPr/>
         <p:txBody>
           <a:bodyPr>
-            <a:normAutofit/>
+            <a:normAutofit fontScale="85000" lnSpcReduction="20000"/>
           </a:bodyPr>
           <a:lstStyle/>
           <a:p>
             <a:r>
               <a:rPr lang="en-GB" dirty="0"/>
-              <a:t>Lecture on literature review </a:t>
+              <a:t>Gathering the first few documents</a:t>
+            </a:r>
+          </a:p>
+          <a:p>
+            <a:pPr lvl="1"/>
+            <a:r>
+              <a:rPr lang="en-GB" dirty="0"/>
+              <a:t>Wikipedia is very limited </a:t>
             </a:r>
             <a:r>
               <a:rPr lang="en-GB" dirty="0">
                 <a:sym typeface="Wingdings" pitchFamily="2" charset="2"/>
               </a:rPr>
-              <a:t> there is also a deliverable </a:t>
-            </a:r>
+              <a:t> acronyms are not very common</a:t>
+            </a:r>
+          </a:p>
+          <a:p>
+            <a:pPr lvl="1"/>
+            <a:r>
+              <a:rPr lang="en-GB" dirty="0">
+                <a:sym typeface="Wingdings" pitchFamily="2" charset="2"/>
+              </a:rPr>
+              <a:t>In-expansion sometimes include addition text (</a:t>
+            </a:r>
+            <a:r>
+              <a:rPr lang="en-GB" i="1" dirty="0">
+                <a:sym typeface="Wingdings" pitchFamily="2" charset="2"/>
+              </a:rPr>
+              <a:t>better known as</a:t>
+            </a:r>
+            <a:r>
+              <a:rPr lang="en-GB" dirty="0">
+                <a:sym typeface="Wingdings" pitchFamily="2" charset="2"/>
+              </a:rPr>
+              <a:t>)</a:t>
+            </a:r>
+          </a:p>
+          <a:p>
+            <a:pPr lvl="1"/>
+            <a:r>
+              <a:rPr lang="en-GB" dirty="0">
+                <a:sym typeface="Wingdings" pitchFamily="2" charset="2"/>
+              </a:rPr>
+              <a:t>Many English acronyms</a:t>
+            </a:r>
+          </a:p>
+          <a:p>
+            <a:pPr marL="457200" lvl="1" indent="0">
+              <a:buNone/>
+            </a:pPr>
+            <a:r>
+              <a:rPr lang="en-GB" dirty="0">
+                <a:sym typeface="Wingdings" pitchFamily="2" charset="2"/>
+              </a:rPr>
+              <a:t> </a:t>
+            </a:r>
+            <a:r>
+              <a:rPr lang="en-GB" dirty="0"/>
+              <a:t> </a:t>
+            </a:r>
+          </a:p>
+          <a:p>
+            <a:r>
+              <a:rPr lang="en-GB" dirty="0"/>
+              <a:t>Writing the app text</a:t>
+            </a:r>
+          </a:p>
+          <a:p>
+            <a:endParaRPr lang="en-GB" dirty="0"/>
+          </a:p>
+          <a:p>
+            <a:r>
+              <a:rPr lang="en-GB" dirty="0"/>
+              <a:t>Writing the report for the first thesis session </a:t>
+            </a:r>
+          </a:p>
+          <a:p>
+            <a:pPr lvl="1"/>
+            <a:r>
+              <a:rPr lang="en-GB" dirty="0"/>
+              <a:t>EDA report</a:t>
+            </a:r>
+          </a:p>
+          <a:p>
+            <a:endParaRPr lang="en-GB" dirty="0"/>
+          </a:p>
+          <a:p>
+            <a:r>
+              <a:rPr lang="en-GB" dirty="0"/>
+              <a:t>Question:</a:t>
+            </a:r>
+          </a:p>
+          <a:p>
+            <a:pPr lvl="1"/>
+            <a:r>
+              <a:rPr lang="en-GB" dirty="0"/>
+              <a:t>When do we call something an ‘in-expansion’</a:t>
+            </a:r>
+          </a:p>
+          <a:p>
+            <a:pPr lvl="1"/>
+            <a:r>
+              <a:rPr lang="en-GB" dirty="0"/>
+              <a:t>Issue with finding people for annotating the data</a:t>
+            </a:r>
+          </a:p>
+          <a:p>
+            <a:endParaRPr lang="en-GB" dirty="0"/>
+          </a:p>
+          <a:p>
+            <a:pPr lvl="1"/>
             <a:endParaRPr lang="en-GB" dirty="0"/>
           </a:p>
           <a:p>
@@ -3862,38 +3959,6 @@
             </a:pPr>
             <a:endParaRPr lang="en-GB" dirty="0"/>
           </a:p>
-          <a:p>
-            <a:r>
-              <a:rPr lang="en-GB" dirty="0"/>
-              <a:t>Preparations for the exams</a:t>
-            </a:r>
-          </a:p>
-          <a:p>
-            <a:endParaRPr lang="en-GB" dirty="0"/>
-          </a:p>
-          <a:p>
-            <a:r>
-              <a:rPr lang="en-GB" dirty="0"/>
-              <a:t>Gathering the first few documents</a:t>
-            </a:r>
-          </a:p>
-          <a:p>
-            <a:endParaRPr lang="en-GB" dirty="0"/>
-          </a:p>
-          <a:p>
-            <a:r>
-              <a:rPr lang="en-GB" dirty="0"/>
-              <a:t>Getting the </a:t>
-            </a:r>
-            <a:r>
-              <a:rPr lang="en-GB" dirty="0" err="1"/>
-              <a:t>AcX</a:t>
-            </a:r>
-            <a:r>
-              <a:rPr lang="en-GB" dirty="0"/>
-              <a:t> system running </a:t>
-            </a:r>
-          </a:p>
         </p:txBody>
       </p:sp>
       <p:sp>
@@ -3901,7 +3966,7 @@
           <p:cNvPr id="4" name="Rectangle 3">
             <a:extLst>
               <a:ext uri="{FF2B5EF4-FFF2-40B4-BE49-F238E27FC236}">
-                <a16:creationId xmlns:a16="http://schemas.microsoft.com/office/drawing/2014/main" id="{FD883EF6-485B-BA45-9F57-8B5919E8917B}"/>
+                <a16:creationId xmlns:a16="http://schemas.microsoft.com/office/drawing/2014/main" id="{F86B3DEB-B93F-614E-9E4C-D151112A9036}"/>
               </a:ext>
             </a:extLst>
           </p:cNvPr>
@@ -3951,7 +4016,7 @@
     </p:spTree>
     <p:extLst>
       <p:ext uri="{BB962C8B-B14F-4D97-AF65-F5344CB8AC3E}">
-        <p14:creationId xmlns:p14="http://schemas.microsoft.com/office/powerpoint/2010/main" val="2842171235"/>
+        <p14:creationId xmlns:p14="http://schemas.microsoft.com/office/powerpoint/2010/main" val="4050214476"/>
       </p:ext>
     </p:extLst>
   </p:cSld>
@@ -3980,231 +4045,69 @@
       </p:grpSpPr>
       <p:sp>
         <p:nvSpPr>
-          <p:cNvPr id="5" name="TextBox 4">
-            <a:extLst>
-              <a:ext uri="{FF2B5EF4-FFF2-40B4-BE49-F238E27FC236}">
-                <a16:creationId xmlns:a16="http://schemas.microsoft.com/office/drawing/2014/main" id="{9480897E-8F40-744B-A0A7-43CF8AF09C74}"/>
-              </a:ext>
-            </a:extLst>
-          </p:cNvPr>
-          <p:cNvSpPr txBox="1"/>
-          <p:nvPr/>
-        </p:nvSpPr>
-        <p:spPr>
-          <a:xfrm>
-            <a:off x="838199" y="1093788"/>
-            <a:ext cx="10506455" cy="2967208"/>
-          </a:xfrm>
-          <a:prstGeom prst="rect">
-            <a:avLst/>
-          </a:prstGeom>
-        </p:spPr>
-        <p:txBody>
-          <a:bodyPr vert="horz" lIns="91440" tIns="45720" rIns="91440" bIns="45720" rtlCol="0" anchor="b">
+          <p:cNvPr id="2" name="Title 1">
+            <a:extLst>
+              <a:ext uri="{FF2B5EF4-FFF2-40B4-BE49-F238E27FC236}">
+                <a16:creationId xmlns:a16="http://schemas.microsoft.com/office/drawing/2014/main" id="{42513509-FF5F-6F4B-B710-4A6B4EB3957D}"/>
+              </a:ext>
+            </a:extLst>
+          </p:cNvPr>
+          <p:cNvSpPr>
+            <a:spLocks noGrp="1"/>
+          </p:cNvSpPr>
+          <p:nvPr>
+            <p:ph type="title"/>
+          </p:nvPr>
+        </p:nvSpPr>
+        <p:spPr/>
+        <p:txBody>
+          <a:bodyPr/>
+          <a:lstStyle/>
+          <a:p>
+            <a:r>
+              <a:rPr lang="en-NL" dirty="0"/>
+              <a:t>Next week</a:t>
+            </a:r>
+          </a:p>
+        </p:txBody>
+      </p:sp>
+      <p:sp>
+        <p:nvSpPr>
+          <p:cNvPr id="3" name="Content Placeholder 2">
+            <a:extLst>
+              <a:ext uri="{FF2B5EF4-FFF2-40B4-BE49-F238E27FC236}">
+                <a16:creationId xmlns:a16="http://schemas.microsoft.com/office/drawing/2014/main" id="{7DD25575-9BE7-F047-AC48-A6CCAD93EF01}"/>
+              </a:ext>
+            </a:extLst>
+          </p:cNvPr>
+          <p:cNvSpPr>
+            <a:spLocks noGrp="1"/>
+          </p:cNvSpPr>
+          <p:nvPr>
+            <p:ph idx="1"/>
+          </p:nvPr>
+        </p:nvSpPr>
+        <p:spPr/>
+        <p:txBody>
+          <a:bodyPr>
             <a:normAutofit/>
           </a:bodyPr>
           <a:lstStyle/>
           <a:p>
-            <a:pPr>
-              <a:lnSpc>
-                <a:spcPct val="90000"/>
-              </a:lnSpc>
-              <a:spcBef>
-                <a:spcPct val="0"/>
-              </a:spcBef>
-              <a:spcAft>
-                <a:spcPts val="600"/>
-              </a:spcAft>
-            </a:pPr>
-            <a:r>
-              <a:rPr lang="en-US" sz="8000" kern="1200" dirty="0">
-                <a:solidFill>
-                  <a:schemeClr val="tx1"/>
-                </a:solidFill>
-                <a:latin typeface="+mj-lt"/>
-                <a:ea typeface="+mj-ea"/>
-                <a:cs typeface="+mj-cs"/>
+            <a:r>
+              <a:rPr lang="en-GB" dirty="0"/>
+              <a:t>Lecture on literature review </a:t>
+            </a:r>
+            <a:r>
+              <a:rPr lang="en-GB" dirty="0">
+                <a:sym typeface="Wingdings" pitchFamily="2" charset="2"/>
               </a:rPr>
-              <a:t>Weekly Thesis meeting</a:t>
-            </a:r>
-          </a:p>
-        </p:txBody>
-      </p:sp>
-      <p:sp>
-        <p:nvSpPr>
-          <p:cNvPr id="3" name="Subtitle 2">
-            <a:extLst>
-              <a:ext uri="{FF2B5EF4-FFF2-40B4-BE49-F238E27FC236}">
-                <a16:creationId xmlns:a16="http://schemas.microsoft.com/office/drawing/2014/main" id="{14E0F9EE-123A-DF41-B73D-0539E601A3C3}"/>
-              </a:ext>
-            </a:extLst>
-          </p:cNvPr>
-          <p:cNvSpPr>
-            <a:spLocks noGrp="1"/>
-          </p:cNvSpPr>
-          <p:nvPr>
-            <p:ph type="subTitle" idx="1"/>
-          </p:nvPr>
-        </p:nvSpPr>
-        <p:spPr>
-          <a:xfrm>
-            <a:off x="7400924" y="4619624"/>
-            <a:ext cx="3946779" cy="1038225"/>
-          </a:xfrm>
-        </p:spPr>
-        <p:txBody>
-          <a:bodyPr vert="horz" lIns="91440" tIns="45720" rIns="91440" bIns="45720" rtlCol="0">
-            <a:normAutofit/>
-          </a:bodyPr>
-          <a:lstStyle/>
-          <a:p>
-            <a:pPr algn="r"/>
-            <a:r>
-              <a:rPr lang="en-US" kern="1200" dirty="0">
-                <a:solidFill>
-                  <a:schemeClr val="tx1"/>
-                </a:solidFill>
-                <a:latin typeface="+mn-lt"/>
-                <a:ea typeface="+mn-ea"/>
-                <a:cs typeface="+mn-cs"/>
-              </a:rPr>
-              <a:t>March 18</a:t>
-            </a:r>
-            <a:r>
-              <a:rPr lang="en-US" kern="1200" baseline="30000" dirty="0">
-                <a:solidFill>
-                  <a:schemeClr val="tx1"/>
-                </a:solidFill>
-                <a:latin typeface="+mn-lt"/>
-                <a:ea typeface="+mn-ea"/>
-                <a:cs typeface="+mn-cs"/>
-              </a:rPr>
-              <a:t>th</a:t>
-            </a:r>
-            <a:r>
-              <a:rPr lang="en-US" kern="1200" dirty="0">
-                <a:solidFill>
-                  <a:schemeClr val="tx1"/>
-                </a:solidFill>
-                <a:latin typeface="+mn-lt"/>
-                <a:ea typeface="+mn-ea"/>
-                <a:cs typeface="+mn-cs"/>
-              </a:rPr>
-              <a:t>, 2022</a:t>
-            </a:r>
-          </a:p>
-        </p:txBody>
-      </p:sp>
-    </p:spTree>
-    <p:extLst>
-      <p:ext uri="{BB962C8B-B14F-4D97-AF65-F5344CB8AC3E}">
-        <p14:creationId xmlns:p14="http://schemas.microsoft.com/office/powerpoint/2010/main" val="1286959828"/>
-      </p:ext>
-    </p:extLst>
-  </p:cSld>
-  <p:clrMapOvr>
-    <a:masterClrMapping/>
-  </p:clrMapOvr>
-</p:sld>
-</file>
-
-<file path=ppt/slides/slide12.xml><?xml version="1.0" encoding="utf-8"?>
-<p:sld xmlns:a="http://schemas.openxmlformats.org/drawingml/2006/main" xmlns:r="http://schemas.openxmlformats.org/officeDocument/2006/relationships" xmlns:p="http://schemas.openxmlformats.org/presentationml/2006/main">
-  <p:cSld>
-    <p:spTree>
-      <p:nvGrpSpPr>
-        <p:cNvPr id="1" name=""/>
-        <p:cNvGrpSpPr/>
-        <p:nvPr/>
-      </p:nvGrpSpPr>
-      <p:grpSpPr>
-        <a:xfrm>
-          <a:off x="0" y="0"/>
-          <a:ext cx="0" cy="0"/>
-          <a:chOff x="0" y="0"/>
-          <a:chExt cx="0" cy="0"/>
-        </a:xfrm>
-      </p:grpSpPr>
-      <p:sp>
-        <p:nvSpPr>
-          <p:cNvPr id="2" name="Title 1">
-            <a:extLst>
-              <a:ext uri="{FF2B5EF4-FFF2-40B4-BE49-F238E27FC236}">
-                <a16:creationId xmlns:a16="http://schemas.microsoft.com/office/drawing/2014/main" id="{54A8512E-CD77-B741-A177-AE655D089FC5}"/>
-              </a:ext>
-            </a:extLst>
-          </p:cNvPr>
-          <p:cNvSpPr>
-            <a:spLocks noGrp="1"/>
-          </p:cNvSpPr>
-          <p:nvPr>
-            <p:ph type="title"/>
-          </p:nvPr>
-        </p:nvSpPr>
-        <p:spPr/>
-        <p:txBody>
-          <a:bodyPr/>
-          <a:lstStyle/>
-          <a:p>
-            <a:r>
-              <a:rPr lang="en-NL" dirty="0"/>
-              <a:t>Last week</a:t>
-            </a:r>
-          </a:p>
-        </p:txBody>
-      </p:sp>
-      <p:sp>
-        <p:nvSpPr>
-          <p:cNvPr id="3" name="Content Placeholder 2">
-            <a:extLst>
-              <a:ext uri="{FF2B5EF4-FFF2-40B4-BE49-F238E27FC236}">
-                <a16:creationId xmlns:a16="http://schemas.microsoft.com/office/drawing/2014/main" id="{CB282AAE-0D90-A14D-BBFF-3E663CE8B55B}"/>
-              </a:ext>
-            </a:extLst>
-          </p:cNvPr>
-          <p:cNvSpPr>
-            <a:spLocks noGrp="1"/>
-          </p:cNvSpPr>
-          <p:nvPr>
-            <p:ph idx="1"/>
-          </p:nvPr>
-        </p:nvSpPr>
-        <p:spPr/>
-        <p:txBody>
-          <a:bodyPr>
-            <a:normAutofit fontScale="85000" lnSpcReduction="20000"/>
-          </a:bodyPr>
-          <a:lstStyle/>
-          <a:p>
-            <a:r>
-              <a:rPr lang="en-GB" dirty="0"/>
-              <a:t>Tried to make </a:t>
-            </a:r>
-            <a:r>
-              <a:rPr lang="en-GB" dirty="0" err="1"/>
-              <a:t>Doccano</a:t>
-            </a:r>
-            <a:r>
-              <a:rPr lang="en-GB" dirty="0"/>
-              <a:t> work for acronyms</a:t>
-            </a:r>
-          </a:p>
-          <a:p>
-            <a:pPr lvl="1"/>
-            <a:r>
-              <a:rPr lang="en-GB" dirty="0"/>
-              <a:t>Tried out its different functions and created a general pipeline.</a:t>
-            </a:r>
-          </a:p>
-          <a:p>
-            <a:pPr lvl="1"/>
-            <a:r>
-              <a:rPr lang="en-GB" dirty="0"/>
-              <a:t>However, it turns out that it is not usable for out expansion, since it requires us to use a second framework.</a:t>
-            </a:r>
-          </a:p>
-          <a:p>
-            <a:pPr marL="0" indent="0">
+              <a:t> there is also a deliverable </a:t>
+            </a:r>
+            <a:endParaRPr lang="en-GB" dirty="0"/>
+          </a:p>
+          <a:p>
+            <a:pPr marL="457200" lvl="1" indent="0">
               <a:buNone/>
             </a:pPr>
             <a:endParaRPr lang="en-GB" dirty="0"/>
@@ -4212,68 +4115,34 @@
           <a:p>
             <a:r>
               <a:rPr lang="en-GB" dirty="0"/>
-              <a:t>Discussed the general idea about the data set and its requires </a:t>
-            </a:r>
-          </a:p>
-          <a:p>
-            <a:pPr lvl="1"/>
+              <a:t>Preparations for the exams</a:t>
+            </a:r>
+          </a:p>
+          <a:p>
+            <a:endParaRPr lang="en-GB" dirty="0"/>
+          </a:p>
+          <a:p>
             <a:r>
               <a:rPr lang="en-GB" dirty="0"/>
-              <a:t>See Slack. </a:t>
-            </a:r>
-          </a:p>
-          <a:p>
-            <a:pPr marL="457200" lvl="1" indent="0">
-              <a:buNone/>
-            </a:pPr>
+              <a:t>Gathering the first few documents</a:t>
+            </a:r>
+          </a:p>
+          <a:p>
             <a:endParaRPr lang="en-GB" dirty="0"/>
           </a:p>
           <a:p>
             <a:r>
               <a:rPr lang="en-GB" dirty="0"/>
-              <a:t>Started creating the main layout for the thesis introduction. </a:t>
-            </a:r>
-          </a:p>
-          <a:p>
-            <a:pPr marL="457200" lvl="1" indent="0">
-              <a:buNone/>
-            </a:pPr>
-            <a:endParaRPr lang="en-GB" dirty="0"/>
-          </a:p>
-          <a:p>
-            <a:pPr marL="457200" lvl="1" indent="0">
-              <a:buNone/>
-            </a:pPr>
-            <a:endParaRPr lang="en-GB" dirty="0"/>
-          </a:p>
-          <a:p>
+              <a:t>Getting the </a:t>
+            </a:r>
+            <a:r>
+              <a:rPr lang="en-GB" dirty="0" err="1"/>
+              <a:t>AcX</a:t>
+            </a:r>
             <a:r>
               <a:rPr lang="en-GB" dirty="0"/>
-              <a:t>Discussed the general idea about annotating the data</a:t>
-            </a:r>
-          </a:p>
-          <a:p>
-            <a:pPr lvl="1"/>
-            <a:r>
-              <a:rPr lang="en-GB" dirty="0"/>
-              <a:t>The idea is to use Google forms </a:t>
-            </a:r>
-          </a:p>
-          <a:p>
-            <a:endParaRPr lang="en-GB" dirty="0"/>
-          </a:p>
-          <a:p>
-            <a:endParaRPr lang="en-GB" dirty="0"/>
-          </a:p>
-          <a:p>
-            <a:pPr lvl="1"/>
-            <a:endParaRPr lang="en-GB" dirty="0"/>
-          </a:p>
-          <a:p>
-            <a:pPr marL="457200" lvl="1" indent="0">
-              <a:buNone/>
-            </a:pPr>
-            <a:endParaRPr lang="en-GB" dirty="0"/>
+              <a:t> system running </a:t>
+            </a:r>
           </a:p>
         </p:txBody>
       </p:sp>
@@ -4282,7 +4151,7 @@
           <p:cNvPr id="4" name="Rectangle 3">
             <a:extLst>
               <a:ext uri="{FF2B5EF4-FFF2-40B4-BE49-F238E27FC236}">
-                <a16:creationId xmlns:a16="http://schemas.microsoft.com/office/drawing/2014/main" id="{F86B3DEB-B93F-614E-9E4C-D151112A9036}"/>
+                <a16:creationId xmlns:a16="http://schemas.microsoft.com/office/drawing/2014/main" id="{FD883EF6-485B-BA45-9F57-8B5919E8917B}"/>
               </a:ext>
             </a:extLst>
           </p:cNvPr>
@@ -4332,7 +4201,154 @@
     </p:spTree>
     <p:extLst>
       <p:ext uri="{BB962C8B-B14F-4D97-AF65-F5344CB8AC3E}">
-        <p14:creationId xmlns:p14="http://schemas.microsoft.com/office/powerpoint/2010/main" val="347468629"/>
+        <p14:creationId xmlns:p14="http://schemas.microsoft.com/office/powerpoint/2010/main" val="2842171235"/>
+      </p:ext>
+    </p:extLst>
+  </p:cSld>
+  <p:clrMapOvr>
+    <a:masterClrMapping/>
+  </p:clrMapOvr>
+</p:sld>
+</file>
+
+<file path=ppt/slides/slide12.xml><?xml version="1.0" encoding="utf-8"?>
+<p:sld xmlns:a="http://schemas.openxmlformats.org/drawingml/2006/main" xmlns:r="http://schemas.openxmlformats.org/officeDocument/2006/relationships" xmlns:p="http://schemas.openxmlformats.org/presentationml/2006/main">
+  <p:cSld>
+    <p:spTree>
+      <p:nvGrpSpPr>
+        <p:cNvPr id="1" name=""/>
+        <p:cNvGrpSpPr/>
+        <p:nvPr/>
+      </p:nvGrpSpPr>
+      <p:grpSpPr>
+        <a:xfrm>
+          <a:off x="0" y="0"/>
+          <a:ext cx="0" cy="0"/>
+          <a:chOff x="0" y="0"/>
+          <a:chExt cx="0" cy="0"/>
+        </a:xfrm>
+      </p:grpSpPr>
+      <p:sp>
+        <p:nvSpPr>
+          <p:cNvPr id="5" name="TextBox 4">
+            <a:extLst>
+              <a:ext uri="{FF2B5EF4-FFF2-40B4-BE49-F238E27FC236}">
+                <a16:creationId xmlns:a16="http://schemas.microsoft.com/office/drawing/2014/main" id="{9480897E-8F40-744B-A0A7-43CF8AF09C74}"/>
+              </a:ext>
+            </a:extLst>
+          </p:cNvPr>
+          <p:cNvSpPr txBox="1"/>
+          <p:nvPr/>
+        </p:nvSpPr>
+        <p:spPr>
+          <a:xfrm>
+            <a:off x="838199" y="1093788"/>
+            <a:ext cx="10506455" cy="2967208"/>
+          </a:xfrm>
+          <a:prstGeom prst="rect">
+            <a:avLst/>
+          </a:prstGeom>
+        </p:spPr>
+        <p:txBody>
+          <a:bodyPr vert="horz" lIns="91440" tIns="45720" rIns="91440" bIns="45720" rtlCol="0" anchor="b">
+            <a:normAutofit/>
+          </a:bodyPr>
+          <a:lstStyle/>
+          <a:p>
+            <a:pPr>
+              <a:lnSpc>
+                <a:spcPct val="90000"/>
+              </a:lnSpc>
+              <a:spcBef>
+                <a:spcPct val="0"/>
+              </a:spcBef>
+              <a:spcAft>
+                <a:spcPts val="600"/>
+              </a:spcAft>
+            </a:pPr>
+            <a:r>
+              <a:rPr lang="en-US" sz="8000" kern="1200" dirty="0">
+                <a:solidFill>
+                  <a:schemeClr val="tx1"/>
+                </a:solidFill>
+                <a:latin typeface="+mj-lt"/>
+                <a:ea typeface="+mj-ea"/>
+                <a:cs typeface="+mj-cs"/>
+              </a:rPr>
+              <a:t>Weekly Thesis meeting</a:t>
+            </a:r>
+          </a:p>
+        </p:txBody>
+      </p:sp>
+      <p:sp>
+        <p:nvSpPr>
+          <p:cNvPr id="3" name="Subtitle 2">
+            <a:extLst>
+              <a:ext uri="{FF2B5EF4-FFF2-40B4-BE49-F238E27FC236}">
+                <a16:creationId xmlns:a16="http://schemas.microsoft.com/office/drawing/2014/main" id="{14E0F9EE-123A-DF41-B73D-0539E601A3C3}"/>
+              </a:ext>
+            </a:extLst>
+          </p:cNvPr>
+          <p:cNvSpPr>
+            <a:spLocks noGrp="1"/>
+          </p:cNvSpPr>
+          <p:nvPr>
+            <p:ph type="subTitle" idx="1"/>
+          </p:nvPr>
+        </p:nvSpPr>
+        <p:spPr>
+          <a:xfrm>
+            <a:off x="7400924" y="4619624"/>
+            <a:ext cx="3946779" cy="1038225"/>
+          </a:xfrm>
+        </p:spPr>
+        <p:txBody>
+          <a:bodyPr vert="horz" lIns="91440" tIns="45720" rIns="91440" bIns="45720" rtlCol="0">
+            <a:normAutofit/>
+          </a:bodyPr>
+          <a:lstStyle/>
+          <a:p>
+            <a:pPr algn="r"/>
+            <a:r>
+              <a:rPr lang="en-US" kern="1200" dirty="0">
+                <a:solidFill>
+                  <a:schemeClr val="tx1"/>
+                </a:solidFill>
+                <a:latin typeface="+mn-lt"/>
+                <a:ea typeface="+mn-ea"/>
+                <a:cs typeface="+mn-cs"/>
+              </a:rPr>
+              <a:t>March 18</a:t>
+            </a:r>
+            <a:r>
+              <a:rPr lang="en-US" kern="1200" baseline="30000" dirty="0">
+                <a:solidFill>
+                  <a:schemeClr val="tx1"/>
+                </a:solidFill>
+                <a:latin typeface="+mn-lt"/>
+                <a:ea typeface="+mn-ea"/>
+                <a:cs typeface="+mn-cs"/>
+              </a:rPr>
+              <a:t>th</a:t>
+            </a:r>
+            <a:r>
+              <a:rPr lang="en-US" kern="1200" dirty="0">
+                <a:solidFill>
+                  <a:schemeClr val="tx1"/>
+                </a:solidFill>
+                <a:latin typeface="+mn-lt"/>
+                <a:ea typeface="+mn-ea"/>
+                <a:cs typeface="+mn-cs"/>
+              </a:rPr>
+              <a:t>, 2022</a:t>
+            </a:r>
+          </a:p>
+        </p:txBody>
+      </p:sp>
+    </p:spTree>
+    <p:extLst>
+      <p:ext uri="{BB962C8B-B14F-4D97-AF65-F5344CB8AC3E}">
+        <p14:creationId xmlns:p14="http://schemas.microsoft.com/office/powerpoint/2010/main" val="1286959828"/>
       </p:ext>
     </p:extLst>
   </p:cSld>
@@ -4364,7 +4380,7 @@
           <p:cNvPr id="2" name="Title 1">
             <a:extLst>
               <a:ext uri="{FF2B5EF4-FFF2-40B4-BE49-F238E27FC236}">
-                <a16:creationId xmlns:a16="http://schemas.microsoft.com/office/drawing/2014/main" id="{42513509-FF5F-6F4B-B710-4A6B4EB3957D}"/>
+                <a16:creationId xmlns:a16="http://schemas.microsoft.com/office/drawing/2014/main" id="{54A8512E-CD77-B741-A177-AE655D089FC5}"/>
               </a:ext>
             </a:extLst>
           </p:cNvPr>
@@ -4382,7 +4398,7 @@
           <a:p>
             <a:r>
               <a:rPr lang="en-NL" dirty="0"/>
-              <a:t>Next week</a:t>
+              <a:t>Last week</a:t>
             </a:r>
           </a:p>
         </p:txBody>
@@ -4392,7 +4408,7 @@
           <p:cNvPr id="3" name="Content Placeholder 2">
             <a:extLst>
               <a:ext uri="{FF2B5EF4-FFF2-40B4-BE49-F238E27FC236}">
-                <a16:creationId xmlns:a16="http://schemas.microsoft.com/office/drawing/2014/main" id="{7DD25575-9BE7-F047-AC48-A6CCAD93EF01}"/>
+                <a16:creationId xmlns:a16="http://schemas.microsoft.com/office/drawing/2014/main" id="{CB282AAE-0D90-A14D-BBFF-3E663CE8B55B}"/>
               </a:ext>
             </a:extLst>
           </p:cNvPr>
@@ -4406,54 +4422,36 @@
         <p:spPr/>
         <p:txBody>
           <a:bodyPr>
-            <a:normAutofit fontScale="92500" lnSpcReduction="10000"/>
+            <a:normAutofit fontScale="85000" lnSpcReduction="20000"/>
           </a:bodyPr>
           <a:lstStyle/>
           <a:p>
             <a:r>
               <a:rPr lang="en-GB" dirty="0"/>
-              <a:t>Work on the annotation tool/pipeline</a:t>
-            </a:r>
-            <a:r>
-              <a:rPr lang="en-GB" sz="2000" dirty="0"/>
-              <a:t>* </a:t>
+              <a:t>Tried to make </a:t>
+            </a:r>
+            <a:r>
+              <a:rPr lang="en-GB" dirty="0" err="1"/>
+              <a:t>Doccano</a:t>
+            </a:r>
+            <a:r>
+              <a:rPr lang="en-GB" dirty="0"/>
+              <a:t> work for acronyms</a:t>
             </a:r>
           </a:p>
           <a:p>
             <a:pPr lvl="1"/>
             <a:r>
-              <a:rPr lang="en-GB" sz="1600" dirty="0"/>
-              <a:t>Creating an overview for the documents, Creating a </a:t>
-            </a:r>
-            <a:r>
-              <a:rPr lang="en-GB" sz="1600"/>
-              <a:t>google forms</a:t>
-            </a:r>
-            <a:endParaRPr lang="en-GB" sz="1600" dirty="0"/>
-          </a:p>
-          <a:p>
-            <a:endParaRPr lang="en-GB" dirty="0"/>
-          </a:p>
-          <a:p>
-            <a:r>
               <a:rPr lang="en-GB" dirty="0"/>
-              <a:t>Start gathering documents (and testing the google forms)</a:t>
-            </a:r>
-          </a:p>
-          <a:p>
-            <a:endParaRPr lang="en-GB" dirty="0"/>
-          </a:p>
-          <a:p>
+              <a:t>Tried out its different functions and created a general pipeline.</a:t>
+            </a:r>
+          </a:p>
+          <a:p>
+            <a:pPr lvl="1"/>
             <a:r>
               <a:rPr lang="en-GB" dirty="0"/>
-              <a:t>Start with the first sections of the introduction</a:t>
-            </a:r>
-          </a:p>
-          <a:p>
-            <a:endParaRPr lang="en-GB" dirty="0"/>
-          </a:p>
-          <a:p>
-            <a:endParaRPr lang="en-GB" dirty="0"/>
+              <a:t>However, it turns out that it is not usable for out expansion, since it requires us to use a second framework.</a:t>
+            </a:r>
           </a:p>
           <a:p>
             <a:pPr marL="0" indent="0">
@@ -4463,13 +4461,69 @@
           </a:p>
           <a:p>
             <a:r>
-              <a:rPr lang="en-GB" sz="2000" dirty="0"/>
-              <a:t>*</a:t>
-            </a:r>
-            <a:r>
               <a:rPr lang="en-GB" dirty="0"/>
-              <a:t> the focus will be on creating the annotation pipeline</a:t>
-            </a:r>
+              <a:t>Discussed the general idea about the data set and its requires </a:t>
+            </a:r>
+          </a:p>
+          <a:p>
+            <a:pPr lvl="1"/>
+            <a:r>
+              <a:rPr lang="en-GB" dirty="0"/>
+              <a:t>See Slack. </a:t>
+            </a:r>
+          </a:p>
+          <a:p>
+            <a:pPr marL="457200" lvl="1" indent="0">
+              <a:buNone/>
+            </a:pPr>
+            <a:endParaRPr lang="en-GB" dirty="0"/>
+          </a:p>
+          <a:p>
+            <a:r>
+              <a:rPr lang="en-GB" dirty="0"/>
+              <a:t>Started creating the main layout for the thesis introduction. </a:t>
+            </a:r>
+          </a:p>
+          <a:p>
+            <a:pPr marL="457200" lvl="1" indent="0">
+              <a:buNone/>
+            </a:pPr>
+            <a:endParaRPr lang="en-GB" dirty="0"/>
+          </a:p>
+          <a:p>
+            <a:pPr marL="457200" lvl="1" indent="0">
+              <a:buNone/>
+            </a:pPr>
+            <a:endParaRPr lang="en-GB" dirty="0"/>
+          </a:p>
+          <a:p>
+            <a:r>
+              <a:rPr lang="en-GB" dirty="0"/>
+              <a:t>Discussed the general idea about annotating the data</a:t>
+            </a:r>
+          </a:p>
+          <a:p>
+            <a:pPr lvl="1"/>
+            <a:r>
+              <a:rPr lang="en-GB" dirty="0"/>
+              <a:t>The idea is to use Google forms </a:t>
+            </a:r>
+          </a:p>
+          <a:p>
+            <a:endParaRPr lang="en-GB" dirty="0"/>
+          </a:p>
+          <a:p>
+            <a:endParaRPr lang="en-GB" dirty="0"/>
+          </a:p>
+          <a:p>
+            <a:pPr lvl="1"/>
+            <a:endParaRPr lang="en-GB" dirty="0"/>
+          </a:p>
+          <a:p>
+            <a:pPr marL="457200" lvl="1" indent="0">
+              <a:buNone/>
+            </a:pPr>
+            <a:endParaRPr lang="en-GB" dirty="0"/>
           </a:p>
         </p:txBody>
       </p:sp>
@@ -4478,7 +4532,7 @@
           <p:cNvPr id="4" name="Rectangle 3">
             <a:extLst>
               <a:ext uri="{FF2B5EF4-FFF2-40B4-BE49-F238E27FC236}">
-                <a16:creationId xmlns:a16="http://schemas.microsoft.com/office/drawing/2014/main" id="{FD883EF6-485B-BA45-9F57-8B5919E8917B}"/>
+                <a16:creationId xmlns:a16="http://schemas.microsoft.com/office/drawing/2014/main" id="{F86B3DEB-B93F-614E-9E4C-D151112A9036}"/>
               </a:ext>
             </a:extLst>
           </p:cNvPr>
@@ -4528,7 +4582,7 @@
     </p:spTree>
     <p:extLst>
       <p:ext uri="{BB962C8B-B14F-4D97-AF65-F5344CB8AC3E}">
-        <p14:creationId xmlns:p14="http://schemas.microsoft.com/office/powerpoint/2010/main" val="3297657988"/>
+        <p14:creationId xmlns:p14="http://schemas.microsoft.com/office/powerpoint/2010/main" val="347468629"/>
       </p:ext>
     </p:extLst>
   </p:cSld>
@@ -4538,7 +4592,7 @@
 </p:sld>
 </file>
 
-<file path=ppt/slides/slide2.xml><?xml version="1.0" encoding="utf-8"?>
+<file path=ppt/slides/slide14.xml><?xml version="1.0" encoding="utf-8"?>
 <p:sld xmlns:a="http://schemas.openxmlformats.org/drawingml/2006/main" xmlns:r="http://schemas.openxmlformats.org/officeDocument/2006/relationships" xmlns:p="http://schemas.openxmlformats.org/presentationml/2006/main">
   <p:cSld>
     <p:spTree>
@@ -4560,7 +4614,7 @@
           <p:cNvPr id="2" name="Title 1">
             <a:extLst>
               <a:ext uri="{FF2B5EF4-FFF2-40B4-BE49-F238E27FC236}">
-                <a16:creationId xmlns:a16="http://schemas.microsoft.com/office/drawing/2014/main" id="{54A8512E-CD77-B741-A177-AE655D089FC5}"/>
+                <a16:creationId xmlns:a16="http://schemas.microsoft.com/office/drawing/2014/main" id="{42513509-FF5F-6F4B-B710-4A6B4EB3957D}"/>
               </a:ext>
             </a:extLst>
           </p:cNvPr>
@@ -4577,98 +4631,96 @@
           <a:lstStyle/>
           <a:p>
             <a:r>
+              <a:rPr lang="en-NL" dirty="0"/>
+              <a:t>Next week</a:t>
+            </a:r>
+          </a:p>
+        </p:txBody>
+      </p:sp>
+      <p:sp>
+        <p:nvSpPr>
+          <p:cNvPr id="3" name="Content Placeholder 2">
+            <a:extLst>
+              <a:ext uri="{FF2B5EF4-FFF2-40B4-BE49-F238E27FC236}">
+                <a16:creationId xmlns:a16="http://schemas.microsoft.com/office/drawing/2014/main" id="{7DD25575-9BE7-F047-AC48-A6CCAD93EF01}"/>
+              </a:ext>
+            </a:extLst>
+          </p:cNvPr>
+          <p:cNvSpPr>
+            <a:spLocks noGrp="1"/>
+          </p:cNvSpPr>
+          <p:nvPr>
+            <p:ph idx="1"/>
+          </p:nvPr>
+        </p:nvSpPr>
+        <p:spPr/>
+        <p:txBody>
+          <a:bodyPr>
+            <a:normAutofit fontScale="92500" lnSpcReduction="10000"/>
+          </a:bodyPr>
+          <a:lstStyle/>
+          <a:p>
+            <a:r>
               <a:rPr lang="en-GB" dirty="0"/>
-              <a:t>Items from last week</a:t>
-            </a:r>
-          </a:p>
-        </p:txBody>
-      </p:sp>
-      <p:sp>
-        <p:nvSpPr>
-          <p:cNvPr id="3" name="Content Placeholder 2">
-            <a:extLst>
-              <a:ext uri="{FF2B5EF4-FFF2-40B4-BE49-F238E27FC236}">
-                <a16:creationId xmlns:a16="http://schemas.microsoft.com/office/drawing/2014/main" id="{CB282AAE-0D90-A14D-BBFF-3E663CE8B55B}"/>
-              </a:ext>
-            </a:extLst>
-          </p:cNvPr>
-          <p:cNvSpPr>
-            <a:spLocks noGrp="1"/>
-          </p:cNvSpPr>
-          <p:nvPr>
-            <p:ph idx="1"/>
-          </p:nvPr>
-        </p:nvSpPr>
-        <p:spPr/>
-        <p:txBody>
-          <a:bodyPr>
-            <a:normAutofit/>
-          </a:bodyPr>
-          <a:lstStyle/>
+              <a:t>Work on the annotation tool/pipeline</a:t>
+            </a:r>
+            <a:r>
+              <a:rPr lang="en-GB" sz="2000" dirty="0"/>
+              <a:t>* </a:t>
+            </a:r>
+          </a:p>
+          <a:p>
+            <a:pPr lvl="1"/>
+            <a:r>
+              <a:rPr lang="en-GB" sz="1600" dirty="0"/>
+              <a:t>Creating an overview for the documents, Creating a </a:t>
+            </a:r>
+            <a:r>
+              <a:rPr lang="en-GB" sz="1600"/>
+              <a:t>google forms</a:t>
+            </a:r>
+            <a:endParaRPr lang="en-GB" sz="1600" dirty="0"/>
+          </a:p>
+          <a:p>
+            <a:endParaRPr lang="en-GB" dirty="0"/>
+          </a:p>
           <a:p>
             <a:r>
               <a:rPr lang="en-GB" dirty="0"/>
-              <a:t>Questions</a:t>
-            </a:r>
-          </a:p>
-          <a:p>
-            <a:pPr lvl="1"/>
+              <a:t>Start gathering documents (and testing the google forms)</a:t>
+            </a:r>
+          </a:p>
+          <a:p>
+            <a:endParaRPr lang="en-GB" dirty="0"/>
+          </a:p>
+          <a:p>
             <a:r>
               <a:rPr lang="en-GB" dirty="0"/>
-              <a:t>What do you mean with ‘Time line?’</a:t>
+              <a:t>Start with the first sections of the introduction</a:t>
             </a:r>
           </a:p>
           <a:p>
             <a:endParaRPr lang="en-GB" dirty="0"/>
           </a:p>
           <a:p>
-            <a:r>
-              <a:rPr lang="en-GB" dirty="0"/>
-              <a:t>Completed Items</a:t>
-            </a:r>
-          </a:p>
-          <a:p>
-            <a:pPr lvl="1"/>
-            <a:r>
-              <a:rPr lang="en-GB" dirty="0"/>
-              <a:t>Documents for the annotation system</a:t>
-            </a:r>
-          </a:p>
-          <a:p>
-            <a:pPr lvl="1"/>
             <a:endParaRPr lang="en-GB" dirty="0"/>
           </a:p>
           <a:p>
-            <a:pPr marL="457200" lvl="1" indent="0">
-              <a:buNone/>
-            </a:pPr>
-            <a:r>
-              <a:rPr lang="en-GB" dirty="0">
-                <a:sym typeface="Wingdings" pitchFamily="2" charset="2"/>
-              </a:rPr>
-              <a:t> </a:t>
-            </a:r>
-            <a:r>
-              <a:rPr lang="en-GB" dirty="0"/>
-              <a:t> </a:t>
-            </a:r>
-          </a:p>
-          <a:p>
-            <a:endParaRPr lang="en-GB" dirty="0"/>
-          </a:p>
-          <a:p>
-            <a:endParaRPr lang="en-GB" dirty="0"/>
-          </a:p>
-          <a:p>
-            <a:pPr lvl="1"/>
-            <a:endParaRPr lang="en-GB" dirty="0"/>
-          </a:p>
-          <a:p>
-            <a:pPr marL="457200" lvl="1" indent="0">
+            <a:pPr marL="0" indent="0">
               <a:buNone/>
             </a:pPr>
             <a:endParaRPr lang="en-GB" dirty="0"/>
           </a:p>
+          <a:p>
+            <a:r>
+              <a:rPr lang="en-GB" sz="2000" dirty="0"/>
+              <a:t>*</a:t>
+            </a:r>
+            <a:r>
+              <a:rPr lang="en-GB" dirty="0"/>
+              <a:t> the focus will be on creating the annotation pipeline</a:t>
+            </a:r>
+          </a:p>
         </p:txBody>
       </p:sp>
       <p:sp>
@@ -4676,7 +4728,7 @@
           <p:cNvPr id="4" name="Rectangle 3">
             <a:extLst>
               <a:ext uri="{FF2B5EF4-FFF2-40B4-BE49-F238E27FC236}">
-                <a16:creationId xmlns:a16="http://schemas.microsoft.com/office/drawing/2014/main" id="{F86B3DEB-B93F-614E-9E4C-D151112A9036}"/>
+                <a16:creationId xmlns:a16="http://schemas.microsoft.com/office/drawing/2014/main" id="{FD883EF6-485B-BA45-9F57-8B5919E8917B}"/>
               </a:ext>
             </a:extLst>
           </p:cNvPr>
@@ -4726,7 +4778,7 @@
     </p:spTree>
     <p:extLst>
       <p:ext uri="{BB962C8B-B14F-4D97-AF65-F5344CB8AC3E}">
-        <p14:creationId xmlns:p14="http://schemas.microsoft.com/office/powerpoint/2010/main" val="4222110878"/>
+        <p14:creationId xmlns:p14="http://schemas.microsoft.com/office/powerpoint/2010/main" val="3297657988"/>
       </p:ext>
     </p:extLst>
   </p:cSld>
@@ -4736,7 +4788,7 @@
 </p:sld>
 </file>
 
-<file path=ppt/slides/slide3.xml><?xml version="1.0" encoding="utf-8"?>
+<file path=ppt/slides/slide2.xml><?xml version="1.0" encoding="utf-8"?>
 <p:sld xmlns:a="http://schemas.openxmlformats.org/drawingml/2006/main" xmlns:r="http://schemas.openxmlformats.org/officeDocument/2006/relationships" xmlns:p="http://schemas.openxmlformats.org/presentationml/2006/main">
   <p:cSld>
     <p:spTree>
@@ -4776,7 +4828,7 @@
           <a:p>
             <a:r>
               <a:rPr lang="en-GB" dirty="0"/>
-              <a:t>Items for next week</a:t>
+              <a:t>Items from last week</a:t>
             </a:r>
           </a:p>
         </p:txBody>
@@ -4800,13 +4852,27 @@
         <p:spPr/>
         <p:txBody>
           <a:bodyPr>
-            <a:normAutofit/>
+            <a:normAutofit fontScale="92500" lnSpcReduction="20000"/>
           </a:bodyPr>
           <a:lstStyle/>
           <a:p>
             <a:r>
               <a:rPr lang="en-GB" dirty="0"/>
-              <a:t>Time line update </a:t>
+              <a:t>Questions</a:t>
+            </a:r>
+          </a:p>
+          <a:p>
+            <a:pPr lvl="1"/>
+            <a:r>
+              <a:rPr lang="en-GB" dirty="0"/>
+              <a:t>What do you mean with ‘Time-line?’</a:t>
+            </a:r>
+          </a:p>
+          <a:p>
+            <a:pPr lvl="1"/>
+            <a:r>
+              <a:rPr lang="en-GB" dirty="0"/>
+              <a:t>Missing letter (t)</a:t>
             </a:r>
           </a:p>
           <a:p>
@@ -4815,8 +4881,71 @@
           <a:p>
             <a:r>
               <a:rPr lang="en-GB" dirty="0"/>
-              <a:t>To do’s </a:t>
-            </a:r>
+              <a:t>Completed Items</a:t>
+            </a:r>
+          </a:p>
+          <a:p>
+            <a:pPr lvl="1"/>
+            <a:r>
+              <a:rPr lang="en-GB" dirty="0"/>
+              <a:t>Wiki docs for the annotation system are clean and available on </a:t>
+            </a:r>
+            <a:r>
+              <a:rPr lang="en-GB" dirty="0" err="1"/>
+              <a:t>github</a:t>
+            </a:r>
+            <a:endParaRPr lang="en-GB" dirty="0"/>
+          </a:p>
+          <a:p>
+            <a:pPr lvl="1"/>
+            <a:endParaRPr lang="en-GB" dirty="0"/>
+          </a:p>
+          <a:p>
+            <a:pPr lvl="1"/>
+            <a:r>
+              <a:rPr lang="en-GB" dirty="0"/>
+              <a:t>Evaluating the annotation system with the users (Feedback for the instructions, but documents, so I can not evaluate this part yet)</a:t>
+            </a:r>
+          </a:p>
+          <a:p>
+            <a:pPr lvl="1"/>
+            <a:endParaRPr lang="en-GB" dirty="0"/>
+          </a:p>
+          <a:p>
+            <a:pPr lvl="1"/>
+            <a:r>
+              <a:rPr lang="en-GB" dirty="0"/>
+              <a:t>Experimenting with BERT</a:t>
+            </a:r>
+          </a:p>
+          <a:p>
+            <a:pPr lvl="1"/>
+            <a:endParaRPr lang="en-GB" dirty="0"/>
+          </a:p>
+          <a:p>
+            <a:pPr marL="457200" lvl="1" indent="0">
+              <a:buNone/>
+            </a:pPr>
+            <a:r>
+              <a:rPr lang="en-GB" dirty="0">
+                <a:sym typeface="Wingdings" pitchFamily="2" charset="2"/>
+              </a:rPr>
+              <a:t> </a:t>
+            </a:r>
+            <a:r>
+              <a:rPr lang="en-GB" dirty="0"/>
+              <a:t> </a:t>
+            </a:r>
+          </a:p>
+          <a:p>
+            <a:endParaRPr lang="en-GB" dirty="0"/>
+          </a:p>
+          <a:p>
+            <a:endParaRPr lang="en-GB" dirty="0"/>
+          </a:p>
+          <a:p>
+            <a:pPr lvl="1"/>
+            <a:endParaRPr lang="en-GB" dirty="0"/>
           </a:p>
           <a:p>
             <a:pPr marL="457200" lvl="1" indent="0">
@@ -4881,6 +5010,632 @@
     </p:spTree>
     <p:extLst>
       <p:ext uri="{BB962C8B-B14F-4D97-AF65-F5344CB8AC3E}">
+        <p14:creationId xmlns:p14="http://schemas.microsoft.com/office/powerpoint/2010/main" val="4222110878"/>
+      </p:ext>
+    </p:extLst>
+  </p:cSld>
+  <p:clrMapOvr>
+    <a:masterClrMapping/>
+  </p:clrMapOvr>
+</p:sld>
+</file>
+
+<file path=ppt/slides/slide3.xml><?xml version="1.0" encoding="utf-8"?>
+<p:sld xmlns:a="http://schemas.openxmlformats.org/drawingml/2006/main" xmlns:r="http://schemas.openxmlformats.org/officeDocument/2006/relationships" xmlns:p="http://schemas.openxmlformats.org/presentationml/2006/main">
+  <p:cSld>
+    <p:spTree>
+      <p:nvGrpSpPr>
+        <p:cNvPr id="1" name=""/>
+        <p:cNvGrpSpPr/>
+        <p:nvPr/>
+      </p:nvGrpSpPr>
+      <p:grpSpPr>
+        <a:xfrm>
+          <a:off x="0" y="0"/>
+          <a:ext cx="0" cy="0"/>
+          <a:chOff x="0" y="0"/>
+          <a:chExt cx="0" cy="0"/>
+        </a:xfrm>
+      </p:grpSpPr>
+      <p:sp>
+        <p:nvSpPr>
+          <p:cNvPr id="10" name="Rounded Rectangle 9">
+            <a:extLst>
+              <a:ext uri="{FF2B5EF4-FFF2-40B4-BE49-F238E27FC236}">
+                <a16:creationId xmlns:a16="http://schemas.microsoft.com/office/drawing/2014/main" id="{EE94FDA8-AE85-EE4A-DF73-74BB570C0C3D}"/>
+              </a:ext>
+            </a:extLst>
+          </p:cNvPr>
+          <p:cNvSpPr/>
+          <p:nvPr/>
+        </p:nvSpPr>
+        <p:spPr>
+          <a:xfrm>
+            <a:off x="537135" y="988012"/>
+            <a:ext cx="2032000" cy="1771953"/>
+          </a:xfrm>
+          <a:prstGeom prst="roundRect">
+            <a:avLst/>
+          </a:prstGeom>
+          <a:solidFill>
+            <a:schemeClr val="accent4">
+              <a:lumMod val="40000"/>
+              <a:lumOff val="60000"/>
+            </a:schemeClr>
+          </a:solidFill>
+          <a:ln w="12700"/>
+        </p:spPr>
+        <p:style>
+          <a:lnRef idx="2">
+            <a:schemeClr val="dk1"/>
+          </a:lnRef>
+          <a:fillRef idx="1">
+            <a:schemeClr val="lt1"/>
+          </a:fillRef>
+          <a:effectRef idx="0">
+            <a:schemeClr val="dk1"/>
+          </a:effectRef>
+          <a:fontRef idx="minor">
+            <a:schemeClr val="dk1"/>
+          </a:fontRef>
+        </p:style>
+        <p:txBody>
+          <a:bodyPr rtlCol="0" anchor="ctr"/>
+          <a:lstStyle/>
+          <a:p>
+            <a:pPr marL="171450" indent="-171450">
+              <a:buFont typeface="Arial" panose="020B0604020202020204" pitchFamily="34" charset="0"/>
+              <a:buChar char="•"/>
+            </a:pPr>
+            <a:endParaRPr lang="en-GB" sz="1200" dirty="0"/>
+          </a:p>
+          <a:p>
+            <a:pPr marL="171450" indent="-171450">
+              <a:buFont typeface="Arial" panose="020B0604020202020204" pitchFamily="34" charset="0"/>
+              <a:buChar char="•"/>
+            </a:pPr>
+            <a:r>
+              <a:rPr lang="en-GB" sz="1200" dirty="0"/>
+              <a:t>System check with users</a:t>
+            </a:r>
+          </a:p>
+          <a:p>
+            <a:pPr marL="171450" indent="-171450">
+              <a:buFont typeface="Arial" panose="020B0604020202020204" pitchFamily="34" charset="0"/>
+              <a:buChar char="•"/>
+            </a:pPr>
+            <a:endParaRPr lang="en-GB" sz="1200" dirty="0"/>
+          </a:p>
+          <a:p>
+            <a:pPr marL="171450" indent="-171450">
+              <a:buFont typeface="Arial" panose="020B0604020202020204" pitchFamily="34" charset="0"/>
+              <a:buChar char="•"/>
+            </a:pPr>
+            <a:r>
+              <a:rPr lang="en-GB" sz="1200" dirty="0">
+                <a:highlight>
+                  <a:srgbClr val="00FF00"/>
+                </a:highlight>
+              </a:rPr>
+              <a:t>Documents are ready for the system</a:t>
+            </a:r>
+          </a:p>
+          <a:p>
+            <a:pPr marL="171450" indent="-171450">
+              <a:buFont typeface="Arial" panose="020B0604020202020204" pitchFamily="34" charset="0"/>
+              <a:buChar char="•"/>
+            </a:pPr>
+            <a:endParaRPr lang="en-GB" sz="1200" dirty="0"/>
+          </a:p>
+          <a:p>
+            <a:pPr marL="171450" indent="-171450">
+              <a:buFont typeface="Arial" panose="020B0604020202020204" pitchFamily="34" charset="0"/>
+              <a:buChar char="•"/>
+            </a:pPr>
+            <a:r>
+              <a:rPr lang="en-GB" sz="1200" dirty="0">
+                <a:highlight>
+                  <a:srgbClr val="00FF00"/>
+                </a:highlight>
+              </a:rPr>
+              <a:t>System design and instruction text </a:t>
+            </a:r>
+          </a:p>
+        </p:txBody>
+      </p:sp>
+      <p:sp>
+        <p:nvSpPr>
+          <p:cNvPr id="7" name="Rounded Rectangle 6">
+            <a:extLst>
+              <a:ext uri="{FF2B5EF4-FFF2-40B4-BE49-F238E27FC236}">
+                <a16:creationId xmlns:a16="http://schemas.microsoft.com/office/drawing/2014/main" id="{3BC8A43D-F2FA-DB3D-8918-B1C9AD8F77B4}"/>
+              </a:ext>
+            </a:extLst>
+          </p:cNvPr>
+          <p:cNvSpPr/>
+          <p:nvPr/>
+        </p:nvSpPr>
+        <p:spPr>
+          <a:xfrm>
+            <a:off x="537135" y="682369"/>
+            <a:ext cx="2032000" cy="611287"/>
+          </a:xfrm>
+          <a:prstGeom prst="roundRect">
+            <a:avLst/>
+          </a:prstGeom>
+          <a:solidFill>
+            <a:schemeClr val="accent4">
+              <a:lumMod val="60000"/>
+              <a:lumOff val="40000"/>
+            </a:schemeClr>
+          </a:solidFill>
+          <a:ln w="12700"/>
+        </p:spPr>
+        <p:style>
+          <a:lnRef idx="2">
+            <a:schemeClr val="dk1"/>
+          </a:lnRef>
+          <a:fillRef idx="1">
+            <a:schemeClr val="lt1"/>
+          </a:fillRef>
+          <a:effectRef idx="0">
+            <a:schemeClr val="dk1"/>
+          </a:effectRef>
+          <a:fontRef idx="minor">
+            <a:schemeClr val="dk1"/>
+          </a:fontRef>
+        </p:style>
+        <p:txBody>
+          <a:bodyPr rtlCol="0" anchor="ctr"/>
+          <a:lstStyle/>
+          <a:p>
+            <a:pPr algn="ctr"/>
+            <a:r>
+              <a:rPr lang="en-GB" sz="1200" dirty="0"/>
+              <a:t>Annotation interface for users:</a:t>
+            </a:r>
+          </a:p>
+        </p:txBody>
+      </p:sp>
+      <p:sp>
+        <p:nvSpPr>
+          <p:cNvPr id="12" name="Rounded Rectangle 11">
+            <a:extLst>
+              <a:ext uri="{FF2B5EF4-FFF2-40B4-BE49-F238E27FC236}">
+                <a16:creationId xmlns:a16="http://schemas.microsoft.com/office/drawing/2014/main" id="{2F781E54-7BF0-DEC3-E167-78FB5CA23646}"/>
+              </a:ext>
+            </a:extLst>
+          </p:cNvPr>
+          <p:cNvSpPr/>
+          <p:nvPr/>
+        </p:nvSpPr>
+        <p:spPr>
+          <a:xfrm>
+            <a:off x="3263009" y="988012"/>
+            <a:ext cx="2032000" cy="1771953"/>
+          </a:xfrm>
+          <a:prstGeom prst="roundRect">
+            <a:avLst/>
+          </a:prstGeom>
+          <a:solidFill>
+            <a:schemeClr val="accent2">
+              <a:lumMod val="40000"/>
+              <a:lumOff val="60000"/>
+            </a:schemeClr>
+          </a:solidFill>
+          <a:ln w="12700"/>
+        </p:spPr>
+        <p:style>
+          <a:lnRef idx="2">
+            <a:schemeClr val="dk1"/>
+          </a:lnRef>
+          <a:fillRef idx="1">
+            <a:schemeClr val="lt1"/>
+          </a:fillRef>
+          <a:effectRef idx="0">
+            <a:schemeClr val="dk1"/>
+          </a:effectRef>
+          <a:fontRef idx="minor">
+            <a:schemeClr val="dk1"/>
+          </a:fontRef>
+        </p:style>
+        <p:txBody>
+          <a:bodyPr rtlCol="0" anchor="ctr"/>
+          <a:lstStyle/>
+          <a:p>
+            <a:pPr marL="171450" indent="-171450">
+              <a:buFont typeface="Arial" panose="020B0604020202020204" pitchFamily="34" charset="0"/>
+              <a:buChar char="•"/>
+            </a:pPr>
+            <a:endParaRPr lang="en-GB" sz="1200" dirty="0"/>
+          </a:p>
+          <a:p>
+            <a:pPr marL="171450" indent="-171450">
+              <a:buFont typeface="Arial" panose="020B0604020202020204" pitchFamily="34" charset="0"/>
+              <a:buChar char="•"/>
+            </a:pPr>
+            <a:r>
+              <a:rPr lang="en-GB" sz="1200" dirty="0"/>
+              <a:t>0/301</a:t>
+            </a:r>
+          </a:p>
+        </p:txBody>
+      </p:sp>
+      <p:sp>
+        <p:nvSpPr>
+          <p:cNvPr id="13" name="Rounded Rectangle 12">
+            <a:extLst>
+              <a:ext uri="{FF2B5EF4-FFF2-40B4-BE49-F238E27FC236}">
+                <a16:creationId xmlns:a16="http://schemas.microsoft.com/office/drawing/2014/main" id="{AE78FBFB-78C1-2978-3791-12705C5765C6}"/>
+              </a:ext>
+            </a:extLst>
+          </p:cNvPr>
+          <p:cNvSpPr/>
+          <p:nvPr/>
+        </p:nvSpPr>
+        <p:spPr>
+          <a:xfrm>
+            <a:off x="3263009" y="682369"/>
+            <a:ext cx="2032000" cy="611287"/>
+          </a:xfrm>
+          <a:prstGeom prst="roundRect">
+            <a:avLst/>
+          </a:prstGeom>
+          <a:solidFill>
+            <a:schemeClr val="accent2">
+              <a:lumMod val="60000"/>
+              <a:lumOff val="40000"/>
+            </a:schemeClr>
+          </a:solidFill>
+          <a:ln w="12700"/>
+        </p:spPr>
+        <p:style>
+          <a:lnRef idx="2">
+            <a:schemeClr val="dk1"/>
+          </a:lnRef>
+          <a:fillRef idx="1">
+            <a:schemeClr val="lt1"/>
+          </a:fillRef>
+          <a:effectRef idx="0">
+            <a:schemeClr val="dk1"/>
+          </a:effectRef>
+          <a:fontRef idx="minor">
+            <a:schemeClr val="dk1"/>
+          </a:fontRef>
+        </p:style>
+        <p:txBody>
+          <a:bodyPr rtlCol="0" anchor="ctr"/>
+          <a:lstStyle/>
+          <a:p>
+            <a:pPr algn="ctr"/>
+            <a:r>
+              <a:rPr lang="en-GB" sz="1200" dirty="0"/>
+              <a:t>User annotations</a:t>
+            </a:r>
+          </a:p>
+        </p:txBody>
+      </p:sp>
+      <p:sp>
+        <p:nvSpPr>
+          <p:cNvPr id="11" name="Rounded Rectangle 10">
+            <a:extLst>
+              <a:ext uri="{FF2B5EF4-FFF2-40B4-BE49-F238E27FC236}">
+                <a16:creationId xmlns:a16="http://schemas.microsoft.com/office/drawing/2014/main" id="{406C9342-302E-AF50-3789-47991849A84A}"/>
+              </a:ext>
+            </a:extLst>
+          </p:cNvPr>
+          <p:cNvSpPr/>
+          <p:nvPr/>
+        </p:nvSpPr>
+        <p:spPr>
+          <a:xfrm>
+            <a:off x="5988883" y="988012"/>
+            <a:ext cx="2032000" cy="2440988"/>
+          </a:xfrm>
+          <a:prstGeom prst="roundRect">
+            <a:avLst/>
+          </a:prstGeom>
+          <a:solidFill>
+            <a:schemeClr val="accent4">
+              <a:lumMod val="40000"/>
+              <a:lumOff val="60000"/>
+            </a:schemeClr>
+          </a:solidFill>
+          <a:ln w="12700"/>
+        </p:spPr>
+        <p:style>
+          <a:lnRef idx="2">
+            <a:schemeClr val="dk1"/>
+          </a:lnRef>
+          <a:fillRef idx="1">
+            <a:schemeClr val="lt1"/>
+          </a:fillRef>
+          <a:effectRef idx="0">
+            <a:schemeClr val="dk1"/>
+          </a:effectRef>
+          <a:fontRef idx="minor">
+            <a:schemeClr val="dk1"/>
+          </a:fontRef>
+        </p:style>
+        <p:txBody>
+          <a:bodyPr rtlCol="0" anchor="ctr"/>
+          <a:lstStyle/>
+          <a:p>
+            <a:pPr marL="171450" indent="-171450">
+              <a:buFont typeface="Arial" panose="020B0604020202020204" pitchFamily="34" charset="0"/>
+              <a:buChar char="•"/>
+            </a:pPr>
+            <a:endParaRPr lang="en-GB" sz="1200" dirty="0"/>
+          </a:p>
+          <a:p>
+            <a:pPr marL="171450" indent="-171450">
+              <a:buFont typeface="Arial" panose="020B0604020202020204" pitchFamily="34" charset="0"/>
+              <a:buChar char="•"/>
+            </a:pPr>
+            <a:r>
+              <a:rPr lang="en-GB" sz="1200" dirty="0">
+                <a:highlight>
+                  <a:srgbClr val="00FF00"/>
+                </a:highlight>
+              </a:rPr>
+              <a:t>Getting a first version running</a:t>
+            </a:r>
+          </a:p>
+          <a:p>
+            <a:pPr marL="171450" indent="-171450">
+              <a:buFont typeface="Arial" panose="020B0604020202020204" pitchFamily="34" charset="0"/>
+              <a:buChar char="•"/>
+            </a:pPr>
+            <a:endParaRPr lang="en-GB" sz="1200" dirty="0"/>
+          </a:p>
+          <a:p>
+            <a:pPr marL="171450" indent="-171450">
+              <a:buFont typeface="Arial" panose="020B0604020202020204" pitchFamily="34" charset="0"/>
+              <a:buChar char="•"/>
+            </a:pPr>
+            <a:r>
+              <a:rPr lang="en-GB" sz="1200" dirty="0"/>
+              <a:t>Running the Dutch benchmarks</a:t>
+            </a:r>
+          </a:p>
+          <a:p>
+            <a:pPr marL="171450" indent="-171450">
+              <a:buFont typeface="Arial" panose="020B0604020202020204" pitchFamily="34" charset="0"/>
+              <a:buChar char="•"/>
+            </a:pPr>
+            <a:endParaRPr lang="en-GB" sz="1200" dirty="0"/>
+          </a:p>
+          <a:p>
+            <a:pPr marL="171450" indent="-171450">
+              <a:buFont typeface="Arial" panose="020B0604020202020204" pitchFamily="34" charset="0"/>
+              <a:buChar char="•"/>
+            </a:pPr>
+            <a:r>
+              <a:rPr lang="en-GB" sz="1200" dirty="0"/>
+              <a:t>Getting a proper understanding of the system </a:t>
+            </a:r>
+          </a:p>
+          <a:p>
+            <a:pPr marL="171450" indent="-171450">
+              <a:buFont typeface="Arial" panose="020B0604020202020204" pitchFamily="34" charset="0"/>
+              <a:buChar char="•"/>
+            </a:pPr>
+            <a:endParaRPr lang="en-GB" sz="1200" dirty="0"/>
+          </a:p>
+        </p:txBody>
+      </p:sp>
+      <p:sp>
+        <p:nvSpPr>
+          <p:cNvPr id="14" name="Rounded Rectangle 13">
+            <a:extLst>
+              <a:ext uri="{FF2B5EF4-FFF2-40B4-BE49-F238E27FC236}">
+                <a16:creationId xmlns:a16="http://schemas.microsoft.com/office/drawing/2014/main" id="{CD3C517C-1018-C4D7-0DDE-7FD75234EAFD}"/>
+              </a:ext>
+            </a:extLst>
+          </p:cNvPr>
+          <p:cNvSpPr/>
+          <p:nvPr/>
+        </p:nvSpPr>
+        <p:spPr>
+          <a:xfrm>
+            <a:off x="5988883" y="682369"/>
+            <a:ext cx="2032000" cy="611287"/>
+          </a:xfrm>
+          <a:prstGeom prst="roundRect">
+            <a:avLst/>
+          </a:prstGeom>
+          <a:solidFill>
+            <a:schemeClr val="accent4">
+              <a:lumMod val="60000"/>
+              <a:lumOff val="40000"/>
+            </a:schemeClr>
+          </a:solidFill>
+          <a:ln w="12700"/>
+        </p:spPr>
+        <p:style>
+          <a:lnRef idx="2">
+            <a:schemeClr val="dk1"/>
+          </a:lnRef>
+          <a:fillRef idx="1">
+            <a:schemeClr val="lt1"/>
+          </a:fillRef>
+          <a:effectRef idx="0">
+            <a:schemeClr val="dk1"/>
+          </a:effectRef>
+          <a:fontRef idx="minor">
+            <a:schemeClr val="dk1"/>
+          </a:fontRef>
+        </p:style>
+        <p:txBody>
+          <a:bodyPr rtlCol="0" anchor="ctr"/>
+          <a:lstStyle/>
+          <a:p>
+            <a:pPr algn="ctr"/>
+            <a:r>
+              <a:rPr lang="en-GB" sz="1200" dirty="0"/>
+              <a:t>Bert Phase one</a:t>
+            </a:r>
+          </a:p>
+        </p:txBody>
+      </p:sp>
+    </p:spTree>
+    <p:extLst>
+      <p:ext uri="{BB962C8B-B14F-4D97-AF65-F5344CB8AC3E}">
+        <p14:creationId xmlns:p14="http://schemas.microsoft.com/office/powerpoint/2010/main" val="2108498872"/>
+      </p:ext>
+    </p:extLst>
+  </p:cSld>
+  <p:clrMapOvr>
+    <a:masterClrMapping/>
+  </p:clrMapOvr>
+</p:sld>
+</file>
+
+<file path=ppt/slides/slide4.xml><?xml version="1.0" encoding="utf-8"?>
+<p:sld xmlns:a="http://schemas.openxmlformats.org/drawingml/2006/main" xmlns:r="http://schemas.openxmlformats.org/officeDocument/2006/relationships" xmlns:p="http://schemas.openxmlformats.org/presentationml/2006/main">
+  <p:cSld>
+    <p:spTree>
+      <p:nvGrpSpPr>
+        <p:cNvPr id="1" name=""/>
+        <p:cNvGrpSpPr/>
+        <p:nvPr/>
+      </p:nvGrpSpPr>
+      <p:grpSpPr>
+        <a:xfrm>
+          <a:off x="0" y="0"/>
+          <a:ext cx="0" cy="0"/>
+          <a:chOff x="0" y="0"/>
+          <a:chExt cx="0" cy="0"/>
+        </a:xfrm>
+      </p:grpSpPr>
+      <p:sp>
+        <p:nvSpPr>
+          <p:cNvPr id="2" name="Title 1">
+            <a:extLst>
+              <a:ext uri="{FF2B5EF4-FFF2-40B4-BE49-F238E27FC236}">
+                <a16:creationId xmlns:a16="http://schemas.microsoft.com/office/drawing/2014/main" id="{54A8512E-CD77-B741-A177-AE655D089FC5}"/>
+              </a:ext>
+            </a:extLst>
+          </p:cNvPr>
+          <p:cNvSpPr>
+            <a:spLocks noGrp="1"/>
+          </p:cNvSpPr>
+          <p:nvPr>
+            <p:ph type="title"/>
+          </p:nvPr>
+        </p:nvSpPr>
+        <p:spPr/>
+        <p:txBody>
+          <a:bodyPr/>
+          <a:lstStyle/>
+          <a:p>
+            <a:r>
+              <a:rPr lang="en-GB" dirty="0"/>
+              <a:t>Items for next week</a:t>
+            </a:r>
+          </a:p>
+        </p:txBody>
+      </p:sp>
+      <p:sp>
+        <p:nvSpPr>
+          <p:cNvPr id="3" name="Content Placeholder 2">
+            <a:extLst>
+              <a:ext uri="{FF2B5EF4-FFF2-40B4-BE49-F238E27FC236}">
+                <a16:creationId xmlns:a16="http://schemas.microsoft.com/office/drawing/2014/main" id="{CB282AAE-0D90-A14D-BBFF-3E663CE8B55B}"/>
+              </a:ext>
+            </a:extLst>
+          </p:cNvPr>
+          <p:cNvSpPr>
+            <a:spLocks noGrp="1"/>
+          </p:cNvSpPr>
+          <p:nvPr>
+            <p:ph idx="1"/>
+          </p:nvPr>
+        </p:nvSpPr>
+        <p:spPr/>
+        <p:txBody>
+          <a:bodyPr>
+            <a:normAutofit/>
+          </a:bodyPr>
+          <a:lstStyle/>
+          <a:p>
+            <a:r>
+              <a:rPr lang="en-GB" dirty="0"/>
+              <a:t>Time line update </a:t>
+            </a:r>
+          </a:p>
+          <a:p>
+            <a:endParaRPr lang="en-GB" dirty="0"/>
+          </a:p>
+          <a:p>
+            <a:r>
+              <a:rPr lang="en-GB" dirty="0"/>
+              <a:t>To do’s </a:t>
+            </a:r>
+          </a:p>
+          <a:p>
+            <a:pPr marL="457200" lvl="1" indent="0">
+              <a:buNone/>
+            </a:pPr>
+            <a:endParaRPr lang="en-GB" dirty="0"/>
+          </a:p>
+        </p:txBody>
+      </p:sp>
+      <p:sp>
+        <p:nvSpPr>
+          <p:cNvPr id="4" name="Rectangle 3">
+            <a:extLst>
+              <a:ext uri="{FF2B5EF4-FFF2-40B4-BE49-F238E27FC236}">
+                <a16:creationId xmlns:a16="http://schemas.microsoft.com/office/drawing/2014/main" id="{F86B3DEB-B93F-614E-9E4C-D151112A9036}"/>
+              </a:ext>
+            </a:extLst>
+          </p:cNvPr>
+          <p:cNvSpPr/>
+          <p:nvPr/>
+        </p:nvSpPr>
+        <p:spPr>
+          <a:xfrm>
+            <a:off x="90616" y="1248032"/>
+            <a:ext cx="12010768" cy="61784"/>
+          </a:xfrm>
+          <a:prstGeom prst="rect">
+            <a:avLst/>
+          </a:prstGeom>
+          <a:solidFill>
+            <a:schemeClr val="accent2"/>
+          </a:solidFill>
+          <a:ln>
+            <a:noFill/>
+          </a:ln>
+        </p:spPr>
+        <p:style>
+          <a:lnRef idx="2">
+            <a:schemeClr val="accent1">
+              <a:shade val="50000"/>
+            </a:schemeClr>
+          </a:lnRef>
+          <a:fillRef idx="1">
+            <a:schemeClr val="accent1"/>
+          </a:fillRef>
+          <a:effectRef idx="0">
+            <a:schemeClr val="accent1"/>
+          </a:effectRef>
+          <a:fontRef idx="minor">
+            <a:schemeClr val="lt1"/>
+          </a:fontRef>
+        </p:style>
+        <p:txBody>
+          <a:bodyPr rtlCol="0" anchor="ctr"/>
+          <a:lstStyle/>
+          <a:p>
+            <a:pPr algn="ctr"/>
+            <a:endParaRPr lang="en-NL"/>
+          </a:p>
+        </p:txBody>
+      </p:sp>
+    </p:spTree>
+    <p:extLst>
+      <p:ext uri="{BB962C8B-B14F-4D97-AF65-F5344CB8AC3E}">
         <p14:creationId xmlns:p14="http://schemas.microsoft.com/office/powerpoint/2010/main" val="3111642617"/>
       </p:ext>
     </p:extLst>
@@ -4891,7 +5646,7 @@
 </p:sld>
 </file>
 
-<file path=ppt/slides/slide4.xml><?xml version="1.0" encoding="utf-8"?>
+<file path=ppt/slides/slide5.xml><?xml version="1.0" encoding="utf-8"?>
 <p:sld xmlns:a="http://schemas.openxmlformats.org/drawingml/2006/main" xmlns:r="http://schemas.openxmlformats.org/officeDocument/2006/relationships" xmlns:p="http://schemas.openxmlformats.org/presentationml/2006/main">
   <p:cSld>
     <p:bg>
@@ -5325,7 +6080,7 @@
 </p:sld>
 </file>
 
-<file path=ppt/slides/slide5.xml><?xml version="1.0" encoding="utf-8"?>
+<file path=ppt/slides/slide6.xml><?xml version="1.0" encoding="utf-8"?>
 <p:sld xmlns:a="http://schemas.openxmlformats.org/drawingml/2006/main" xmlns:r="http://schemas.openxmlformats.org/officeDocument/2006/relationships" xmlns:p="http://schemas.openxmlformats.org/presentationml/2006/main">
   <p:cSld>
     <p:spTree>
@@ -5590,7 +6345,7 @@
 </p:sld>
 </file>
 
-<file path=ppt/slides/slide6.xml><?xml version="1.0" encoding="utf-8"?>
+<file path=ppt/slides/slide7.xml><?xml version="1.0" encoding="utf-8"?>
 <p:sld xmlns:a="http://schemas.openxmlformats.org/drawingml/2006/main" xmlns:r="http://schemas.openxmlformats.org/officeDocument/2006/relationships" xmlns:p="http://schemas.openxmlformats.org/presentationml/2006/main">
   <p:cSld>
     <p:bg>
@@ -6039,7 +6794,7 @@
 </p:sld>
 </file>
 
-<file path=ppt/slides/slide7.xml><?xml version="1.0" encoding="utf-8"?>
+<file path=ppt/slides/slide8.xml><?xml version="1.0" encoding="utf-8"?>
 <p:sld xmlns:a="http://schemas.openxmlformats.org/drawingml/2006/main" xmlns:r="http://schemas.openxmlformats.org/officeDocument/2006/relationships" xmlns:p="http://schemas.openxmlformats.org/presentationml/2006/main">
   <p:cSld>
     <p:spTree>
@@ -7121,7 +7876,7 @@
 </p:sld>
 </file>
 
-<file path=ppt/slides/slide8.xml><?xml version="1.0" encoding="utf-8"?>
+<file path=ppt/slides/slide9.xml><?xml version="1.0" encoding="utf-8"?>
 <p:sld xmlns:a="http://schemas.openxmlformats.org/drawingml/2006/main" xmlns:r="http://schemas.openxmlformats.org/officeDocument/2006/relationships" xmlns:p="http://schemas.openxmlformats.org/presentationml/2006/main">
   <p:cSld>
     <p:bg>
@@ -7492,262 +8247,6 @@
     <p:extLst>
       <p:ext uri="{BB962C8B-B14F-4D97-AF65-F5344CB8AC3E}">
         <p14:creationId xmlns:p14="http://schemas.microsoft.com/office/powerpoint/2010/main" val="3852514996"/>
-      </p:ext>
-    </p:extLst>
-  </p:cSld>
-  <p:clrMapOvr>
-    <a:masterClrMapping/>
-  </p:clrMapOvr>
-</p:sld>
-</file>
-
-<file path=ppt/slides/slide9.xml><?xml version="1.0" encoding="utf-8"?>
-<p:sld xmlns:a="http://schemas.openxmlformats.org/drawingml/2006/main" xmlns:r="http://schemas.openxmlformats.org/officeDocument/2006/relationships" xmlns:p="http://schemas.openxmlformats.org/presentationml/2006/main">
-  <p:cSld>
-    <p:spTree>
-      <p:nvGrpSpPr>
-        <p:cNvPr id="1" name=""/>
-        <p:cNvGrpSpPr/>
-        <p:nvPr/>
-      </p:nvGrpSpPr>
-      <p:grpSpPr>
-        <a:xfrm>
-          <a:off x="0" y="0"/>
-          <a:ext cx="0" cy="0"/>
-          <a:chOff x="0" y="0"/>
-          <a:chExt cx="0" cy="0"/>
-        </a:xfrm>
-      </p:grpSpPr>
-      <p:sp>
-        <p:nvSpPr>
-          <p:cNvPr id="2" name="Title 1">
-            <a:extLst>
-              <a:ext uri="{FF2B5EF4-FFF2-40B4-BE49-F238E27FC236}">
-                <a16:creationId xmlns:a16="http://schemas.microsoft.com/office/drawing/2014/main" id="{54A8512E-CD77-B741-A177-AE655D089FC5}"/>
-              </a:ext>
-            </a:extLst>
-          </p:cNvPr>
-          <p:cNvSpPr>
-            <a:spLocks noGrp="1"/>
-          </p:cNvSpPr>
-          <p:nvPr>
-            <p:ph type="title"/>
-          </p:nvPr>
-        </p:nvSpPr>
-        <p:spPr/>
-        <p:txBody>
-          <a:bodyPr/>
-          <a:lstStyle/>
-          <a:p>
-            <a:r>
-              <a:rPr lang="en-NL" dirty="0"/>
-              <a:t>Last week</a:t>
-            </a:r>
-          </a:p>
-        </p:txBody>
-      </p:sp>
-      <p:sp>
-        <p:nvSpPr>
-          <p:cNvPr id="3" name="Content Placeholder 2">
-            <a:extLst>
-              <a:ext uri="{FF2B5EF4-FFF2-40B4-BE49-F238E27FC236}">
-                <a16:creationId xmlns:a16="http://schemas.microsoft.com/office/drawing/2014/main" id="{CB282AAE-0D90-A14D-BBFF-3E663CE8B55B}"/>
-              </a:ext>
-            </a:extLst>
-          </p:cNvPr>
-          <p:cNvSpPr>
-            <a:spLocks noGrp="1"/>
-          </p:cNvSpPr>
-          <p:nvPr>
-            <p:ph idx="1"/>
-          </p:nvPr>
-        </p:nvSpPr>
-        <p:spPr/>
-        <p:txBody>
-          <a:bodyPr>
-            <a:normAutofit fontScale="85000" lnSpcReduction="20000"/>
-          </a:bodyPr>
-          <a:lstStyle/>
-          <a:p>
-            <a:r>
-              <a:rPr lang="en-GB" dirty="0"/>
-              <a:t>Gathering the first few documents</a:t>
-            </a:r>
-          </a:p>
-          <a:p>
-            <a:pPr lvl="1"/>
-            <a:r>
-              <a:rPr lang="en-GB" dirty="0"/>
-              <a:t>Wikipedia is very limited </a:t>
-            </a:r>
-            <a:r>
-              <a:rPr lang="en-GB" dirty="0">
-                <a:sym typeface="Wingdings" pitchFamily="2" charset="2"/>
-              </a:rPr>
-              <a:t> acronyms are not very common</a:t>
-            </a:r>
-          </a:p>
-          <a:p>
-            <a:pPr lvl="1"/>
-            <a:r>
-              <a:rPr lang="en-GB" dirty="0">
-                <a:sym typeface="Wingdings" pitchFamily="2" charset="2"/>
-              </a:rPr>
-              <a:t>In-expansion sometimes include addition text (</a:t>
-            </a:r>
-            <a:r>
-              <a:rPr lang="en-GB" i="1" dirty="0">
-                <a:sym typeface="Wingdings" pitchFamily="2" charset="2"/>
-              </a:rPr>
-              <a:t>better known as</a:t>
-            </a:r>
-            <a:r>
-              <a:rPr lang="en-GB" dirty="0">
-                <a:sym typeface="Wingdings" pitchFamily="2" charset="2"/>
-              </a:rPr>
-              <a:t>)</a:t>
-            </a:r>
-          </a:p>
-          <a:p>
-            <a:pPr lvl="1"/>
-            <a:r>
-              <a:rPr lang="en-GB" dirty="0">
-                <a:sym typeface="Wingdings" pitchFamily="2" charset="2"/>
-              </a:rPr>
-              <a:t>Many English acronyms</a:t>
-            </a:r>
-          </a:p>
-          <a:p>
-            <a:pPr marL="457200" lvl="1" indent="0">
-              <a:buNone/>
-            </a:pPr>
-            <a:r>
-              <a:rPr lang="en-GB" dirty="0">
-                <a:sym typeface="Wingdings" pitchFamily="2" charset="2"/>
-              </a:rPr>
-              <a:t> </a:t>
-            </a:r>
-            <a:r>
-              <a:rPr lang="en-GB" dirty="0"/>
-              <a:t> </a:t>
-            </a:r>
-          </a:p>
-          <a:p>
-            <a:r>
-              <a:rPr lang="en-GB" dirty="0"/>
-              <a:t>Writing the app text</a:t>
-            </a:r>
-          </a:p>
-          <a:p>
-            <a:endParaRPr lang="en-GB" dirty="0"/>
-          </a:p>
-          <a:p>
-            <a:r>
-              <a:rPr lang="en-GB" dirty="0"/>
-              <a:t>Writing the report for the first thesis session </a:t>
-            </a:r>
-          </a:p>
-          <a:p>
-            <a:pPr lvl="1"/>
-            <a:r>
-              <a:rPr lang="en-GB" dirty="0"/>
-              <a:t>EDA report</a:t>
-            </a:r>
-          </a:p>
-          <a:p>
-            <a:endParaRPr lang="en-GB" dirty="0"/>
-          </a:p>
-          <a:p>
-            <a:r>
-              <a:rPr lang="en-GB" dirty="0"/>
-              <a:t>Question:</a:t>
-            </a:r>
-          </a:p>
-          <a:p>
-            <a:pPr lvl="1"/>
-            <a:r>
-              <a:rPr lang="en-GB" dirty="0"/>
-              <a:t>When do we call something an ‘in-expansion’</a:t>
-            </a:r>
-          </a:p>
-          <a:p>
-            <a:pPr lvl="1"/>
-            <a:r>
-              <a:rPr lang="en-GB" dirty="0"/>
-              <a:t>Issue with finding people for annotating the data</a:t>
-            </a:r>
-          </a:p>
-          <a:p>
-            <a:endParaRPr lang="en-GB" dirty="0"/>
-          </a:p>
-          <a:p>
-            <a:pPr lvl="1"/>
-            <a:endParaRPr lang="en-GB" dirty="0"/>
-          </a:p>
-          <a:p>
-            <a:pPr marL="457200" lvl="1" indent="0">
-              <a:buNone/>
-            </a:pPr>
-            <a:endParaRPr lang="en-GB" dirty="0"/>
-          </a:p>
-        </p:txBody>
-      </p:sp>
-      <p:sp>
-        <p:nvSpPr>
-          <p:cNvPr id="4" name="Rectangle 3">
-            <a:extLst>
-              <a:ext uri="{FF2B5EF4-FFF2-40B4-BE49-F238E27FC236}">
-                <a16:creationId xmlns:a16="http://schemas.microsoft.com/office/drawing/2014/main" id="{F86B3DEB-B93F-614E-9E4C-D151112A9036}"/>
-              </a:ext>
-            </a:extLst>
-          </p:cNvPr>
-          <p:cNvSpPr/>
-          <p:nvPr/>
-        </p:nvSpPr>
-        <p:spPr>
-          <a:xfrm>
-            <a:off x="90616" y="1248032"/>
-            <a:ext cx="12010768" cy="61784"/>
-          </a:xfrm>
-          <a:prstGeom prst="rect">
-            <a:avLst/>
-          </a:prstGeom>
-          <a:solidFill>
-            <a:schemeClr val="accent2"/>
-          </a:solidFill>
-          <a:ln>
-            <a:noFill/>
-          </a:ln>
-        </p:spPr>
-        <p:style>
-          <a:lnRef idx="2">
-            <a:schemeClr val="accent1">
-              <a:shade val="50000"/>
-            </a:schemeClr>
-          </a:lnRef>
-          <a:fillRef idx="1">
-            <a:schemeClr val="accent1"/>
-          </a:fillRef>
-          <a:effectRef idx="0">
-            <a:schemeClr val="accent1"/>
-          </a:effectRef>
-          <a:fontRef idx="minor">
-            <a:schemeClr val="lt1"/>
-          </a:fontRef>
-        </p:style>
-        <p:txBody>
-          <a:bodyPr rtlCol="0" anchor="ctr"/>
-          <a:lstStyle/>
-          <a:p>
-            <a:pPr algn="ctr"/>
-            <a:endParaRPr lang="en-NL"/>
-          </a:p>
-        </p:txBody>
-      </p:sp>
-    </p:spTree>
-    <p:extLst>
-      <p:ext uri="{BB962C8B-B14F-4D97-AF65-F5344CB8AC3E}">
-        <p14:creationId xmlns:p14="http://schemas.microsoft.com/office/powerpoint/2010/main" val="4050214476"/>
       </p:ext>
     </p:extLst>
   </p:cSld>

--- a/Supporting_files/Weekly_thesis_meeting.pptx
+++ b/Supporting_files/Weekly_thesis_meeting.pptx
@@ -4,10 +4,13 @@
   <p:sldMasterIdLst>
     <p:sldMasterId id="2147483648" r:id="rId1"/>
   </p:sldMasterIdLst>
+  <p:notesMasterIdLst>
+    <p:notesMasterId r:id="rId18"/>
+  </p:notesMasterIdLst>
   <p:sldIdLst>
     <p:sldId id="272" r:id="rId2"/>
     <p:sldId id="273" r:id="rId3"/>
-    <p:sldId id="275" r:id="rId4"/>
+    <p:sldId id="277" r:id="rId4"/>
     <p:sldId id="274" r:id="rId5"/>
     <p:sldId id="271" r:id="rId6"/>
     <p:sldId id="270" r:id="rId7"/>
@@ -19,6 +22,8 @@
     <p:sldId id="267" r:id="rId13"/>
     <p:sldId id="257" r:id="rId14"/>
     <p:sldId id="258" r:id="rId15"/>
+    <p:sldId id="275" r:id="rId16"/>
+    <p:sldId id="278" r:id="rId17"/>
   </p:sldIdLst>
   <p:sldSz cx="12192000" cy="6858000"/>
   <p:notesSz cx="6858000" cy="9144000"/>
@@ -125,6 +130,440 @@
 </p:presentation>
 </file>
 
+<file path=ppt/notesMasters/notesMaster1.xml><?xml version="1.0" encoding="utf-8"?>
+<p:notesMaster xmlns:a="http://schemas.openxmlformats.org/drawingml/2006/main" xmlns:r="http://schemas.openxmlformats.org/officeDocument/2006/relationships" xmlns:p="http://schemas.openxmlformats.org/presentationml/2006/main">
+  <p:cSld>
+    <p:bg>
+      <p:bgRef idx="1001">
+        <a:schemeClr val="bg1"/>
+      </p:bgRef>
+    </p:bg>
+    <p:spTree>
+      <p:nvGrpSpPr>
+        <p:cNvPr id="1" name=""/>
+        <p:cNvGrpSpPr/>
+        <p:nvPr/>
+      </p:nvGrpSpPr>
+      <p:grpSpPr>
+        <a:xfrm>
+          <a:off x="0" y="0"/>
+          <a:ext cx="0" cy="0"/>
+          <a:chOff x="0" y="0"/>
+          <a:chExt cx="0" cy="0"/>
+        </a:xfrm>
+      </p:grpSpPr>
+      <p:sp>
+        <p:nvSpPr>
+          <p:cNvPr id="2" name="Header Placeholder 1"/>
+          <p:cNvSpPr>
+            <a:spLocks noGrp="1"/>
+          </p:cNvSpPr>
+          <p:nvPr>
+            <p:ph type="hdr" sz="quarter"/>
+          </p:nvPr>
+        </p:nvSpPr>
+        <p:spPr>
+          <a:xfrm>
+            <a:off x="0" y="0"/>
+            <a:ext cx="2971800" cy="458788"/>
+          </a:xfrm>
+          <a:prstGeom prst="rect">
+            <a:avLst/>
+          </a:prstGeom>
+        </p:spPr>
+        <p:txBody>
+          <a:bodyPr vert="horz" lIns="91440" tIns="45720" rIns="91440" bIns="45720" rtlCol="0"/>
+          <a:lstStyle>
+            <a:lvl1pPr algn="l">
+              <a:defRPr sz="1200"/>
+            </a:lvl1pPr>
+          </a:lstStyle>
+          <a:p>
+            <a:endParaRPr lang="en-NL"/>
+          </a:p>
+        </p:txBody>
+      </p:sp>
+      <p:sp>
+        <p:nvSpPr>
+          <p:cNvPr id="3" name="Date Placeholder 2"/>
+          <p:cNvSpPr>
+            <a:spLocks noGrp="1"/>
+          </p:cNvSpPr>
+          <p:nvPr>
+            <p:ph type="dt" idx="1"/>
+          </p:nvPr>
+        </p:nvSpPr>
+        <p:spPr>
+          <a:xfrm>
+            <a:off x="3884613" y="0"/>
+            <a:ext cx="2971800" cy="458788"/>
+          </a:xfrm>
+          <a:prstGeom prst="rect">
+            <a:avLst/>
+          </a:prstGeom>
+        </p:spPr>
+        <p:txBody>
+          <a:bodyPr vert="horz" lIns="91440" tIns="45720" rIns="91440" bIns="45720" rtlCol="0"/>
+          <a:lstStyle>
+            <a:lvl1pPr algn="r">
+              <a:defRPr sz="1200"/>
+            </a:lvl1pPr>
+          </a:lstStyle>
+          <a:p>
+            <a:fld id="{892E7D1A-9268-4246-B1A0-D96CDA23D014}" type="datetimeFigureOut">
+              <a:rPr lang="en-NL" smtClean="0"/>
+              <a:t>03/05/2022</a:t>
+            </a:fld>
+            <a:endParaRPr lang="en-NL"/>
+          </a:p>
+        </p:txBody>
+      </p:sp>
+      <p:sp>
+        <p:nvSpPr>
+          <p:cNvPr id="4" name="Slide Image Placeholder 3"/>
+          <p:cNvSpPr>
+            <a:spLocks noGrp="1" noRot="1" noChangeAspect="1"/>
+          </p:cNvSpPr>
+          <p:nvPr>
+            <p:ph type="sldImg" idx="2"/>
+          </p:nvPr>
+        </p:nvSpPr>
+        <p:spPr>
+          <a:xfrm>
+            <a:off x="685800" y="1143000"/>
+            <a:ext cx="5486400" cy="3086100"/>
+          </a:xfrm>
+          <a:prstGeom prst="rect">
+            <a:avLst/>
+          </a:prstGeom>
+          <a:noFill/>
+          <a:ln w="12700">
+            <a:solidFill>
+              <a:prstClr val="black"/>
+            </a:solidFill>
+          </a:ln>
+        </p:spPr>
+        <p:txBody>
+          <a:bodyPr vert="horz" lIns="91440" tIns="45720" rIns="91440" bIns="45720" rtlCol="0" anchor="ctr"/>
+          <a:lstStyle/>
+          <a:p>
+            <a:endParaRPr lang="en-NL"/>
+          </a:p>
+        </p:txBody>
+      </p:sp>
+      <p:sp>
+        <p:nvSpPr>
+          <p:cNvPr id="5" name="Notes Placeholder 4"/>
+          <p:cNvSpPr>
+            <a:spLocks noGrp="1"/>
+          </p:cNvSpPr>
+          <p:nvPr>
+            <p:ph type="body" sz="quarter" idx="3"/>
+          </p:nvPr>
+        </p:nvSpPr>
+        <p:spPr>
+          <a:xfrm>
+            <a:off x="685800" y="4400550"/>
+            <a:ext cx="5486400" cy="3600450"/>
+          </a:xfrm>
+          <a:prstGeom prst="rect">
+            <a:avLst/>
+          </a:prstGeom>
+        </p:spPr>
+        <p:txBody>
+          <a:bodyPr vert="horz" lIns="91440" tIns="45720" rIns="91440" bIns="45720" rtlCol="0"/>
+          <a:lstStyle/>
+          <a:p>
+            <a:pPr lvl="0"/>
+            <a:r>
+              <a:rPr lang="en-GB"/>
+              <a:t>Click to edit Master text styles</a:t>
+            </a:r>
+          </a:p>
+          <a:p>
+            <a:pPr lvl="1"/>
+            <a:r>
+              <a:rPr lang="en-GB"/>
+              <a:t>Second level</a:t>
+            </a:r>
+          </a:p>
+          <a:p>
+            <a:pPr lvl="2"/>
+            <a:r>
+              <a:rPr lang="en-GB"/>
+              <a:t>Third level</a:t>
+            </a:r>
+          </a:p>
+          <a:p>
+            <a:pPr lvl="3"/>
+            <a:r>
+              <a:rPr lang="en-GB"/>
+              <a:t>Fourth level</a:t>
+            </a:r>
+          </a:p>
+          <a:p>
+            <a:pPr lvl="4"/>
+            <a:r>
+              <a:rPr lang="en-GB"/>
+              <a:t>Fifth level</a:t>
+            </a:r>
+            <a:endParaRPr lang="en-NL"/>
+          </a:p>
+        </p:txBody>
+      </p:sp>
+      <p:sp>
+        <p:nvSpPr>
+          <p:cNvPr id="6" name="Footer Placeholder 5"/>
+          <p:cNvSpPr>
+            <a:spLocks noGrp="1"/>
+          </p:cNvSpPr>
+          <p:nvPr>
+            <p:ph type="ftr" sz="quarter" idx="4"/>
+          </p:nvPr>
+        </p:nvSpPr>
+        <p:spPr>
+          <a:xfrm>
+            <a:off x="0" y="8685213"/>
+            <a:ext cx="2971800" cy="458787"/>
+          </a:xfrm>
+          <a:prstGeom prst="rect">
+            <a:avLst/>
+          </a:prstGeom>
+        </p:spPr>
+        <p:txBody>
+          <a:bodyPr vert="horz" lIns="91440" tIns="45720" rIns="91440" bIns="45720" rtlCol="0" anchor="b"/>
+          <a:lstStyle>
+            <a:lvl1pPr algn="l">
+              <a:defRPr sz="1200"/>
+            </a:lvl1pPr>
+          </a:lstStyle>
+          <a:p>
+            <a:endParaRPr lang="en-NL"/>
+          </a:p>
+        </p:txBody>
+      </p:sp>
+      <p:sp>
+        <p:nvSpPr>
+          <p:cNvPr id="7" name="Slide Number Placeholder 6"/>
+          <p:cNvSpPr>
+            <a:spLocks noGrp="1"/>
+          </p:cNvSpPr>
+          <p:nvPr>
+            <p:ph type="sldNum" sz="quarter" idx="5"/>
+          </p:nvPr>
+        </p:nvSpPr>
+        <p:spPr>
+          <a:xfrm>
+            <a:off x="3884613" y="8685213"/>
+            <a:ext cx="2971800" cy="458787"/>
+          </a:xfrm>
+          <a:prstGeom prst="rect">
+            <a:avLst/>
+          </a:prstGeom>
+        </p:spPr>
+        <p:txBody>
+          <a:bodyPr vert="horz" lIns="91440" tIns="45720" rIns="91440" bIns="45720" rtlCol="0" anchor="b"/>
+          <a:lstStyle>
+            <a:lvl1pPr algn="r">
+              <a:defRPr sz="1200"/>
+            </a:lvl1pPr>
+          </a:lstStyle>
+          <a:p>
+            <a:fld id="{84250FEE-57FF-8D44-8A03-382DB9362E7F}" type="slidenum">
+              <a:rPr lang="en-NL" smtClean="0"/>
+              <a:t>‹#›</a:t>
+            </a:fld>
+            <a:endParaRPr lang="en-NL"/>
+          </a:p>
+        </p:txBody>
+      </p:sp>
+    </p:spTree>
+    <p:extLst>
+      <p:ext uri="{BB962C8B-B14F-4D97-AF65-F5344CB8AC3E}">
+        <p14:creationId xmlns:p14="http://schemas.microsoft.com/office/powerpoint/2010/main" val="47351097"/>
+      </p:ext>
+    </p:extLst>
+  </p:cSld>
+  <p:clrMap bg1="lt1" tx1="dk1" bg2="lt2" tx2="dk2" accent1="accent1" accent2="accent2" accent3="accent3" accent4="accent4" accent5="accent5" accent6="accent6" hlink="hlink" folHlink="folHlink"/>
+  <p:notesStyle>
+    <a:lvl1pPr marL="0" algn="l" defTabSz="914400" rtl="0" eaLnBrk="1" latinLnBrk="0" hangingPunct="1">
+      <a:defRPr sz="1200" kern="1200">
+        <a:solidFill>
+          <a:schemeClr val="tx1"/>
+        </a:solidFill>
+        <a:latin typeface="+mn-lt"/>
+        <a:ea typeface="+mn-ea"/>
+        <a:cs typeface="+mn-cs"/>
+      </a:defRPr>
+    </a:lvl1pPr>
+    <a:lvl2pPr marL="457200" algn="l" defTabSz="914400" rtl="0" eaLnBrk="1" latinLnBrk="0" hangingPunct="1">
+      <a:defRPr sz="1200" kern="1200">
+        <a:solidFill>
+          <a:schemeClr val="tx1"/>
+        </a:solidFill>
+        <a:latin typeface="+mn-lt"/>
+        <a:ea typeface="+mn-ea"/>
+        <a:cs typeface="+mn-cs"/>
+      </a:defRPr>
+    </a:lvl2pPr>
+    <a:lvl3pPr marL="914400" algn="l" defTabSz="914400" rtl="0" eaLnBrk="1" latinLnBrk="0" hangingPunct="1">
+      <a:defRPr sz="1200" kern="1200">
+        <a:solidFill>
+          <a:schemeClr val="tx1"/>
+        </a:solidFill>
+        <a:latin typeface="+mn-lt"/>
+        <a:ea typeface="+mn-ea"/>
+        <a:cs typeface="+mn-cs"/>
+      </a:defRPr>
+    </a:lvl3pPr>
+    <a:lvl4pPr marL="1371600" algn="l" defTabSz="914400" rtl="0" eaLnBrk="1" latinLnBrk="0" hangingPunct="1">
+      <a:defRPr sz="1200" kern="1200">
+        <a:solidFill>
+          <a:schemeClr val="tx1"/>
+        </a:solidFill>
+        <a:latin typeface="+mn-lt"/>
+        <a:ea typeface="+mn-ea"/>
+        <a:cs typeface="+mn-cs"/>
+      </a:defRPr>
+    </a:lvl4pPr>
+    <a:lvl5pPr marL="1828800" algn="l" defTabSz="914400" rtl="0" eaLnBrk="1" latinLnBrk="0" hangingPunct="1">
+      <a:defRPr sz="1200" kern="1200">
+        <a:solidFill>
+          <a:schemeClr val="tx1"/>
+        </a:solidFill>
+        <a:latin typeface="+mn-lt"/>
+        <a:ea typeface="+mn-ea"/>
+        <a:cs typeface="+mn-cs"/>
+      </a:defRPr>
+    </a:lvl5pPr>
+    <a:lvl6pPr marL="2286000" algn="l" defTabSz="914400" rtl="0" eaLnBrk="1" latinLnBrk="0" hangingPunct="1">
+      <a:defRPr sz="1200" kern="1200">
+        <a:solidFill>
+          <a:schemeClr val="tx1"/>
+        </a:solidFill>
+        <a:latin typeface="+mn-lt"/>
+        <a:ea typeface="+mn-ea"/>
+        <a:cs typeface="+mn-cs"/>
+      </a:defRPr>
+    </a:lvl6pPr>
+    <a:lvl7pPr marL="2743200" algn="l" defTabSz="914400" rtl="0" eaLnBrk="1" latinLnBrk="0" hangingPunct="1">
+      <a:defRPr sz="1200" kern="1200">
+        <a:solidFill>
+          <a:schemeClr val="tx1"/>
+        </a:solidFill>
+        <a:latin typeface="+mn-lt"/>
+        <a:ea typeface="+mn-ea"/>
+        <a:cs typeface="+mn-cs"/>
+      </a:defRPr>
+    </a:lvl7pPr>
+    <a:lvl8pPr marL="3200400" algn="l" defTabSz="914400" rtl="0" eaLnBrk="1" latinLnBrk="0" hangingPunct="1">
+      <a:defRPr sz="1200" kern="1200">
+        <a:solidFill>
+          <a:schemeClr val="tx1"/>
+        </a:solidFill>
+        <a:latin typeface="+mn-lt"/>
+        <a:ea typeface="+mn-ea"/>
+        <a:cs typeface="+mn-cs"/>
+      </a:defRPr>
+    </a:lvl8pPr>
+    <a:lvl9pPr marL="3657600" algn="l" defTabSz="914400" rtl="0" eaLnBrk="1" latinLnBrk="0" hangingPunct="1">
+      <a:defRPr sz="1200" kern="1200">
+        <a:solidFill>
+          <a:schemeClr val="tx1"/>
+        </a:solidFill>
+        <a:latin typeface="+mn-lt"/>
+        <a:ea typeface="+mn-ea"/>
+        <a:cs typeface="+mn-cs"/>
+      </a:defRPr>
+    </a:lvl9pPr>
+  </p:notesStyle>
+</p:notesMaster>
+</file>
+
+<file path=ppt/notesSlides/notesSlide1.xml><?xml version="1.0" encoding="utf-8"?>
+<p:notes xmlns:a="http://schemas.openxmlformats.org/drawingml/2006/main" xmlns:r="http://schemas.openxmlformats.org/officeDocument/2006/relationships" xmlns:p="http://schemas.openxmlformats.org/presentationml/2006/main">
+  <p:cSld>
+    <p:spTree>
+      <p:nvGrpSpPr>
+        <p:cNvPr id="1" name=""/>
+        <p:cNvGrpSpPr/>
+        <p:nvPr/>
+      </p:nvGrpSpPr>
+      <p:grpSpPr>
+        <a:xfrm>
+          <a:off x="0" y="0"/>
+          <a:ext cx="0" cy="0"/>
+          <a:chOff x="0" y="0"/>
+          <a:chExt cx="0" cy="0"/>
+        </a:xfrm>
+      </p:grpSpPr>
+      <p:sp>
+        <p:nvSpPr>
+          <p:cNvPr id="2" name="Slide Image Placeholder 1"/>
+          <p:cNvSpPr>
+            <a:spLocks noGrp="1" noRot="1" noChangeAspect="1"/>
+          </p:cNvSpPr>
+          <p:nvPr>
+            <p:ph type="sldImg"/>
+          </p:nvPr>
+        </p:nvSpPr>
+        <p:spPr/>
+      </p:sp>
+      <p:sp>
+        <p:nvSpPr>
+          <p:cNvPr id="3" name="Notes Placeholder 2"/>
+          <p:cNvSpPr>
+            <a:spLocks noGrp="1"/>
+          </p:cNvSpPr>
+          <p:nvPr>
+            <p:ph type="body" idx="1"/>
+          </p:nvPr>
+        </p:nvSpPr>
+        <p:spPr/>
+        <p:txBody>
+          <a:bodyPr/>
+          <a:lstStyle/>
+          <a:p>
+            <a:endParaRPr lang="en-NL" dirty="0"/>
+          </a:p>
+        </p:txBody>
+      </p:sp>
+      <p:sp>
+        <p:nvSpPr>
+          <p:cNvPr id="4" name="Slide Number Placeholder 3"/>
+          <p:cNvSpPr>
+            <a:spLocks noGrp="1"/>
+          </p:cNvSpPr>
+          <p:nvPr>
+            <p:ph type="sldNum" sz="quarter" idx="5"/>
+          </p:nvPr>
+        </p:nvSpPr>
+        <p:spPr/>
+        <p:txBody>
+          <a:bodyPr/>
+          <a:lstStyle/>
+          <a:p>
+            <a:fld id="{84250FEE-57FF-8D44-8A03-382DB9362E7F}" type="slidenum">
+              <a:rPr lang="en-NL" smtClean="0"/>
+              <a:t>3</a:t>
+            </a:fld>
+            <a:endParaRPr lang="en-NL"/>
+          </a:p>
+        </p:txBody>
+      </p:sp>
+    </p:spTree>
+    <p:extLst>
+      <p:ext uri="{BB962C8B-B14F-4D97-AF65-F5344CB8AC3E}">
+        <p14:creationId xmlns:p14="http://schemas.microsoft.com/office/powerpoint/2010/main" val="4111528541"/>
+      </p:ext>
+    </p:extLst>
+  </p:cSld>
+  <p:clrMapOvr>
+    <a:masterClrMapping/>
+  </p:clrMapOvr>
+</p:notes>
+</file>
+
 <file path=ppt/slideLayouts/slideLayout1.xml><?xml version="1.0" encoding="utf-8"?>
 <p:sldLayout xmlns:a="http://schemas.openxmlformats.org/drawingml/2006/main" xmlns:r="http://schemas.openxmlformats.org/officeDocument/2006/relationships" xmlns:p="http://schemas.openxmlformats.org/presentationml/2006/main" type="title" preserve="1">
   <p:cSld name="Title Slide">
@@ -274,7 +713,7 @@
           <a:p>
             <a:fld id="{EF252827-A727-7A48-98A8-A94B1A953A0F}" type="datetimeFigureOut">
               <a:rPr lang="en-NL" smtClean="0"/>
-              <a:t>02/05/2022</a:t>
+              <a:t>03/05/2022</a:t>
             </a:fld>
             <a:endParaRPr lang="en-NL"/>
           </a:p>
@@ -474,7 +913,7 @@
           <a:p>
             <a:fld id="{EF252827-A727-7A48-98A8-A94B1A953A0F}" type="datetimeFigureOut">
               <a:rPr lang="en-NL" smtClean="0"/>
-              <a:t>02/05/2022</a:t>
+              <a:t>03/05/2022</a:t>
             </a:fld>
             <a:endParaRPr lang="en-NL"/>
           </a:p>
@@ -684,7 +1123,7 @@
           <a:p>
             <a:fld id="{EF252827-A727-7A48-98A8-A94B1A953A0F}" type="datetimeFigureOut">
               <a:rPr lang="en-NL" smtClean="0"/>
-              <a:t>02/05/2022</a:t>
+              <a:t>03/05/2022</a:t>
             </a:fld>
             <a:endParaRPr lang="en-NL"/>
           </a:p>
@@ -884,7 +1323,7 @@
           <a:p>
             <a:fld id="{EF252827-A727-7A48-98A8-A94B1A953A0F}" type="datetimeFigureOut">
               <a:rPr lang="en-NL" smtClean="0"/>
-              <a:t>02/05/2022</a:t>
+              <a:t>03/05/2022</a:t>
             </a:fld>
             <a:endParaRPr lang="en-NL"/>
           </a:p>
@@ -1160,7 +1599,7 @@
           <a:p>
             <a:fld id="{EF252827-A727-7A48-98A8-A94B1A953A0F}" type="datetimeFigureOut">
               <a:rPr lang="en-NL" smtClean="0"/>
-              <a:t>02/05/2022</a:t>
+              <a:t>03/05/2022</a:t>
             </a:fld>
             <a:endParaRPr lang="en-NL"/>
           </a:p>
@@ -1428,7 +1867,7 @@
           <a:p>
             <a:fld id="{EF252827-A727-7A48-98A8-A94B1A953A0F}" type="datetimeFigureOut">
               <a:rPr lang="en-NL" smtClean="0"/>
-              <a:t>02/05/2022</a:t>
+              <a:t>03/05/2022</a:t>
             </a:fld>
             <a:endParaRPr lang="en-NL"/>
           </a:p>
@@ -1843,7 +2282,7 @@
           <a:p>
             <a:fld id="{EF252827-A727-7A48-98A8-A94B1A953A0F}" type="datetimeFigureOut">
               <a:rPr lang="en-NL" smtClean="0"/>
-              <a:t>02/05/2022</a:t>
+              <a:t>03/05/2022</a:t>
             </a:fld>
             <a:endParaRPr lang="en-NL"/>
           </a:p>
@@ -1985,7 +2424,7 @@
           <a:p>
             <a:fld id="{EF252827-A727-7A48-98A8-A94B1A953A0F}" type="datetimeFigureOut">
               <a:rPr lang="en-NL" smtClean="0"/>
-              <a:t>02/05/2022</a:t>
+              <a:t>03/05/2022</a:t>
             </a:fld>
             <a:endParaRPr lang="en-NL"/>
           </a:p>
@@ -2098,7 +2537,7 @@
           <a:p>
             <a:fld id="{EF252827-A727-7A48-98A8-A94B1A953A0F}" type="datetimeFigureOut">
               <a:rPr lang="en-NL" smtClean="0"/>
-              <a:t>02/05/2022</a:t>
+              <a:t>03/05/2022</a:t>
             </a:fld>
             <a:endParaRPr lang="en-NL"/>
           </a:p>
@@ -2411,7 +2850,7 @@
           <a:p>
             <a:fld id="{EF252827-A727-7A48-98A8-A94B1A953A0F}" type="datetimeFigureOut">
               <a:rPr lang="en-NL" smtClean="0"/>
-              <a:t>02/05/2022</a:t>
+              <a:t>03/05/2022</a:t>
             </a:fld>
             <a:endParaRPr lang="en-NL"/>
           </a:p>
@@ -2700,7 +3139,7 @@
           <a:p>
             <a:fld id="{EF252827-A727-7A48-98A8-A94B1A953A0F}" type="datetimeFigureOut">
               <a:rPr lang="en-NL" smtClean="0"/>
-              <a:t>02/05/2022</a:t>
+              <a:t>03/05/2022</a:t>
             </a:fld>
             <a:endParaRPr lang="en-NL"/>
           </a:p>
@@ -2943,7 +3382,7 @@
           <a:p>
             <a:fld id="{EF252827-A727-7A48-98A8-A94B1A953A0F}" type="datetimeFigureOut">
               <a:rPr lang="en-NL" smtClean="0"/>
-              <a:t>02/05/2022</a:t>
+              <a:t>03/05/2022</a:t>
             </a:fld>
             <a:endParaRPr lang="en-NL"/>
           </a:p>
@@ -3556,7 +3995,7 @@
             </a:r>
             <a:r>
               <a:rPr lang="en-US" baseline="30000" dirty="0"/>
-              <a:t>th</a:t>
+              <a:t>rd</a:t>
             </a:r>
             <a:r>
               <a:rPr lang="en-US" kern="1200" dirty="0">
@@ -4788,6 +5227,1596 @@
 </p:sld>
 </file>
 
+<file path=ppt/slides/slide15.xml><?xml version="1.0" encoding="utf-8"?>
+<p:sld xmlns:a="http://schemas.openxmlformats.org/drawingml/2006/main" xmlns:r="http://schemas.openxmlformats.org/officeDocument/2006/relationships" xmlns:p="http://schemas.openxmlformats.org/presentationml/2006/main">
+  <p:cSld>
+    <p:spTree>
+      <p:nvGrpSpPr>
+        <p:cNvPr id="1" name=""/>
+        <p:cNvGrpSpPr/>
+        <p:nvPr/>
+      </p:nvGrpSpPr>
+      <p:grpSpPr>
+        <a:xfrm>
+          <a:off x="0" y="0"/>
+          <a:ext cx="0" cy="0"/>
+          <a:chOff x="0" y="0"/>
+          <a:chExt cx="0" cy="0"/>
+        </a:xfrm>
+      </p:grpSpPr>
+      <p:sp>
+        <p:nvSpPr>
+          <p:cNvPr id="10" name="Rounded Rectangle 9">
+            <a:extLst>
+              <a:ext uri="{FF2B5EF4-FFF2-40B4-BE49-F238E27FC236}">
+                <a16:creationId xmlns:a16="http://schemas.microsoft.com/office/drawing/2014/main" id="{EE94FDA8-AE85-EE4A-DF73-74BB570C0C3D}"/>
+              </a:ext>
+            </a:extLst>
+          </p:cNvPr>
+          <p:cNvSpPr/>
+          <p:nvPr/>
+        </p:nvSpPr>
+        <p:spPr>
+          <a:xfrm>
+            <a:off x="190198" y="990489"/>
+            <a:ext cx="2032000" cy="2438511"/>
+          </a:xfrm>
+          <a:prstGeom prst="roundRect">
+            <a:avLst/>
+          </a:prstGeom>
+          <a:solidFill>
+            <a:schemeClr val="accent4">
+              <a:lumMod val="40000"/>
+              <a:lumOff val="60000"/>
+            </a:schemeClr>
+          </a:solidFill>
+          <a:ln w="12700"/>
+        </p:spPr>
+        <p:style>
+          <a:lnRef idx="2">
+            <a:schemeClr val="dk1"/>
+          </a:lnRef>
+          <a:fillRef idx="1">
+            <a:schemeClr val="lt1"/>
+          </a:fillRef>
+          <a:effectRef idx="0">
+            <a:schemeClr val="dk1"/>
+          </a:effectRef>
+          <a:fontRef idx="minor">
+            <a:schemeClr val="dk1"/>
+          </a:fontRef>
+        </p:style>
+        <p:txBody>
+          <a:bodyPr rtlCol="0" anchor="ctr"/>
+          <a:lstStyle/>
+          <a:p>
+            <a:pPr marL="171450" indent="-171450">
+              <a:buFont typeface="Arial" panose="020B0604020202020204" pitchFamily="34" charset="0"/>
+              <a:buChar char="•"/>
+            </a:pPr>
+            <a:endParaRPr lang="en-GB" sz="1200" dirty="0"/>
+          </a:p>
+          <a:p>
+            <a:pPr marL="171450" indent="-171450">
+              <a:buFont typeface="Arial" panose="020B0604020202020204" pitchFamily="34" charset="0"/>
+              <a:buChar char="•"/>
+            </a:pPr>
+            <a:r>
+              <a:rPr lang="en-GB" sz="1200" dirty="0"/>
+              <a:t>System check with users (1/4)</a:t>
+            </a:r>
+          </a:p>
+          <a:p>
+            <a:pPr marL="171450" indent="-171450">
+              <a:buFont typeface="Arial" panose="020B0604020202020204" pitchFamily="34" charset="0"/>
+              <a:buChar char="•"/>
+            </a:pPr>
+            <a:endParaRPr lang="en-GB" sz="1200" dirty="0"/>
+          </a:p>
+          <a:p>
+            <a:pPr marL="171450" indent="-171450">
+              <a:buFont typeface="Arial" panose="020B0604020202020204" pitchFamily="34" charset="0"/>
+              <a:buChar char="•"/>
+            </a:pPr>
+            <a:r>
+              <a:rPr lang="en-GB" sz="1200" dirty="0">
+                <a:highlight>
+                  <a:srgbClr val="00FF00"/>
+                </a:highlight>
+              </a:rPr>
+              <a:t>Documents are ready for the system</a:t>
+            </a:r>
+          </a:p>
+          <a:p>
+            <a:pPr marL="171450" indent="-171450">
+              <a:buFont typeface="Arial" panose="020B0604020202020204" pitchFamily="34" charset="0"/>
+              <a:buChar char="•"/>
+            </a:pPr>
+            <a:endParaRPr lang="en-GB" sz="1200" dirty="0"/>
+          </a:p>
+          <a:p>
+            <a:pPr marL="171450" indent="-171450">
+              <a:buFont typeface="Arial" panose="020B0604020202020204" pitchFamily="34" charset="0"/>
+              <a:buChar char="•"/>
+            </a:pPr>
+            <a:r>
+              <a:rPr lang="en-GB" sz="1200" dirty="0">
+                <a:highlight>
+                  <a:srgbClr val="00FF00"/>
+                </a:highlight>
+              </a:rPr>
+              <a:t>System design and instruction text </a:t>
+            </a:r>
+          </a:p>
+        </p:txBody>
+      </p:sp>
+      <p:sp>
+        <p:nvSpPr>
+          <p:cNvPr id="7" name="Rounded Rectangle 6">
+            <a:extLst>
+              <a:ext uri="{FF2B5EF4-FFF2-40B4-BE49-F238E27FC236}">
+                <a16:creationId xmlns:a16="http://schemas.microsoft.com/office/drawing/2014/main" id="{3BC8A43D-F2FA-DB3D-8918-B1C9AD8F77B4}"/>
+              </a:ext>
+            </a:extLst>
+          </p:cNvPr>
+          <p:cNvSpPr/>
+          <p:nvPr/>
+        </p:nvSpPr>
+        <p:spPr>
+          <a:xfrm>
+            <a:off x="190198" y="684846"/>
+            <a:ext cx="2032000" cy="611287"/>
+          </a:xfrm>
+          <a:prstGeom prst="roundRect">
+            <a:avLst/>
+          </a:prstGeom>
+          <a:solidFill>
+            <a:schemeClr val="accent4">
+              <a:lumMod val="60000"/>
+              <a:lumOff val="40000"/>
+            </a:schemeClr>
+          </a:solidFill>
+          <a:ln w="12700"/>
+        </p:spPr>
+        <p:style>
+          <a:lnRef idx="2">
+            <a:schemeClr val="dk1"/>
+          </a:lnRef>
+          <a:fillRef idx="1">
+            <a:schemeClr val="lt1"/>
+          </a:fillRef>
+          <a:effectRef idx="0">
+            <a:schemeClr val="dk1"/>
+          </a:effectRef>
+          <a:fontRef idx="minor">
+            <a:schemeClr val="dk1"/>
+          </a:fontRef>
+        </p:style>
+        <p:txBody>
+          <a:bodyPr rtlCol="0" anchor="ctr"/>
+          <a:lstStyle/>
+          <a:p>
+            <a:pPr algn="ctr"/>
+            <a:r>
+              <a:rPr lang="en-GB" sz="1200" dirty="0"/>
+              <a:t>Annotation interface for users:</a:t>
+            </a:r>
+          </a:p>
+        </p:txBody>
+      </p:sp>
+      <p:sp>
+        <p:nvSpPr>
+          <p:cNvPr id="12" name="Rounded Rectangle 11">
+            <a:extLst>
+              <a:ext uri="{FF2B5EF4-FFF2-40B4-BE49-F238E27FC236}">
+                <a16:creationId xmlns:a16="http://schemas.microsoft.com/office/drawing/2014/main" id="{2F781E54-7BF0-DEC3-E167-78FB5CA23646}"/>
+              </a:ext>
+            </a:extLst>
+          </p:cNvPr>
+          <p:cNvSpPr/>
+          <p:nvPr/>
+        </p:nvSpPr>
+        <p:spPr>
+          <a:xfrm>
+            <a:off x="3263009" y="988012"/>
+            <a:ext cx="2032000" cy="2438511"/>
+          </a:xfrm>
+          <a:prstGeom prst="roundRect">
+            <a:avLst/>
+          </a:prstGeom>
+          <a:solidFill>
+            <a:schemeClr val="accent2">
+              <a:lumMod val="40000"/>
+              <a:lumOff val="60000"/>
+            </a:schemeClr>
+          </a:solidFill>
+          <a:ln w="12700"/>
+        </p:spPr>
+        <p:style>
+          <a:lnRef idx="2">
+            <a:schemeClr val="dk1"/>
+          </a:lnRef>
+          <a:fillRef idx="1">
+            <a:schemeClr val="lt1"/>
+          </a:fillRef>
+          <a:effectRef idx="0">
+            <a:schemeClr val="dk1"/>
+          </a:effectRef>
+          <a:fontRef idx="minor">
+            <a:schemeClr val="dk1"/>
+          </a:fontRef>
+        </p:style>
+        <p:txBody>
+          <a:bodyPr rtlCol="0" anchor="ctr"/>
+          <a:lstStyle/>
+          <a:p>
+            <a:pPr marL="171450" indent="-171450">
+              <a:buFont typeface="Arial" panose="020B0604020202020204" pitchFamily="34" charset="0"/>
+              <a:buChar char="•"/>
+            </a:pPr>
+            <a:endParaRPr lang="en-GB" sz="1200" dirty="0"/>
+          </a:p>
+          <a:p>
+            <a:pPr marL="171450" indent="-171450">
+              <a:buFont typeface="Arial" panose="020B0604020202020204" pitchFamily="34" charset="0"/>
+              <a:buChar char="•"/>
+            </a:pPr>
+            <a:r>
+              <a:rPr lang="en-GB" sz="1200" dirty="0"/>
+              <a:t>Annotated documents 1/301</a:t>
+            </a:r>
+          </a:p>
+        </p:txBody>
+      </p:sp>
+      <p:sp>
+        <p:nvSpPr>
+          <p:cNvPr id="13" name="Rounded Rectangle 12">
+            <a:extLst>
+              <a:ext uri="{FF2B5EF4-FFF2-40B4-BE49-F238E27FC236}">
+                <a16:creationId xmlns:a16="http://schemas.microsoft.com/office/drawing/2014/main" id="{AE78FBFB-78C1-2978-3791-12705C5765C6}"/>
+              </a:ext>
+            </a:extLst>
+          </p:cNvPr>
+          <p:cNvSpPr/>
+          <p:nvPr/>
+        </p:nvSpPr>
+        <p:spPr>
+          <a:xfrm>
+            <a:off x="3263009" y="682369"/>
+            <a:ext cx="2032000" cy="611287"/>
+          </a:xfrm>
+          <a:prstGeom prst="roundRect">
+            <a:avLst/>
+          </a:prstGeom>
+          <a:solidFill>
+            <a:schemeClr val="accent2">
+              <a:lumMod val="60000"/>
+              <a:lumOff val="40000"/>
+            </a:schemeClr>
+          </a:solidFill>
+          <a:ln w="12700"/>
+        </p:spPr>
+        <p:style>
+          <a:lnRef idx="2">
+            <a:schemeClr val="dk1"/>
+          </a:lnRef>
+          <a:fillRef idx="1">
+            <a:schemeClr val="lt1"/>
+          </a:fillRef>
+          <a:effectRef idx="0">
+            <a:schemeClr val="dk1"/>
+          </a:effectRef>
+          <a:fontRef idx="minor">
+            <a:schemeClr val="dk1"/>
+          </a:fontRef>
+        </p:style>
+        <p:txBody>
+          <a:bodyPr rtlCol="0" anchor="ctr"/>
+          <a:lstStyle/>
+          <a:p>
+            <a:pPr algn="ctr"/>
+            <a:r>
+              <a:rPr lang="en-GB" sz="1200" dirty="0"/>
+              <a:t>User annotations</a:t>
+            </a:r>
+          </a:p>
+        </p:txBody>
+      </p:sp>
+      <p:sp>
+        <p:nvSpPr>
+          <p:cNvPr id="11" name="Rounded Rectangle 10">
+            <a:extLst>
+              <a:ext uri="{FF2B5EF4-FFF2-40B4-BE49-F238E27FC236}">
+                <a16:creationId xmlns:a16="http://schemas.microsoft.com/office/drawing/2014/main" id="{406C9342-302E-AF50-3789-47991849A84A}"/>
+              </a:ext>
+            </a:extLst>
+          </p:cNvPr>
+          <p:cNvSpPr/>
+          <p:nvPr/>
+        </p:nvSpPr>
+        <p:spPr>
+          <a:xfrm>
+            <a:off x="6335820" y="988012"/>
+            <a:ext cx="2032000" cy="2440988"/>
+          </a:xfrm>
+          <a:prstGeom prst="roundRect">
+            <a:avLst/>
+          </a:prstGeom>
+          <a:solidFill>
+            <a:schemeClr val="accent4">
+              <a:lumMod val="40000"/>
+              <a:lumOff val="60000"/>
+            </a:schemeClr>
+          </a:solidFill>
+          <a:ln w="12700"/>
+        </p:spPr>
+        <p:style>
+          <a:lnRef idx="2">
+            <a:schemeClr val="dk1"/>
+          </a:lnRef>
+          <a:fillRef idx="1">
+            <a:schemeClr val="lt1"/>
+          </a:fillRef>
+          <a:effectRef idx="0">
+            <a:schemeClr val="dk1"/>
+          </a:effectRef>
+          <a:fontRef idx="minor">
+            <a:schemeClr val="dk1"/>
+          </a:fontRef>
+        </p:style>
+        <p:txBody>
+          <a:bodyPr rtlCol="0" anchor="ctr"/>
+          <a:lstStyle/>
+          <a:p>
+            <a:pPr marL="171450" indent="-171450">
+              <a:buFont typeface="Arial" panose="020B0604020202020204" pitchFamily="34" charset="0"/>
+              <a:buChar char="•"/>
+            </a:pPr>
+            <a:endParaRPr lang="en-GB" sz="1200" dirty="0"/>
+          </a:p>
+          <a:p>
+            <a:pPr marL="171450" indent="-171450">
+              <a:buFont typeface="Arial" panose="020B0604020202020204" pitchFamily="34" charset="0"/>
+              <a:buChar char="•"/>
+            </a:pPr>
+            <a:r>
+              <a:rPr lang="en-GB" sz="1200" dirty="0">
+                <a:highlight>
+                  <a:srgbClr val="00FF00"/>
+                </a:highlight>
+              </a:rPr>
+              <a:t>Getting a first version running</a:t>
+            </a:r>
+          </a:p>
+          <a:p>
+            <a:pPr marL="171450" indent="-171450">
+              <a:buFont typeface="Arial" panose="020B0604020202020204" pitchFamily="34" charset="0"/>
+              <a:buChar char="•"/>
+            </a:pPr>
+            <a:endParaRPr lang="en-GB" sz="1200" dirty="0"/>
+          </a:p>
+          <a:p>
+            <a:pPr marL="171450" indent="-171450">
+              <a:buFont typeface="Arial" panose="020B0604020202020204" pitchFamily="34" charset="0"/>
+              <a:buChar char="•"/>
+            </a:pPr>
+            <a:r>
+              <a:rPr lang="en-GB" sz="1200" dirty="0"/>
+              <a:t>Running the Dutch benchmarks</a:t>
+            </a:r>
+          </a:p>
+          <a:p>
+            <a:pPr marL="171450" indent="-171450">
+              <a:buFont typeface="Arial" panose="020B0604020202020204" pitchFamily="34" charset="0"/>
+              <a:buChar char="•"/>
+            </a:pPr>
+            <a:endParaRPr lang="en-GB" sz="1200" dirty="0"/>
+          </a:p>
+          <a:p>
+            <a:pPr marL="171450" indent="-171450">
+              <a:buFont typeface="Arial" panose="020B0604020202020204" pitchFamily="34" charset="0"/>
+              <a:buChar char="•"/>
+            </a:pPr>
+            <a:r>
+              <a:rPr lang="en-GB" sz="1200" dirty="0"/>
+              <a:t>Getting a proper understanding of the system </a:t>
+            </a:r>
+          </a:p>
+          <a:p>
+            <a:pPr marL="171450" indent="-171450">
+              <a:buFont typeface="Arial" panose="020B0604020202020204" pitchFamily="34" charset="0"/>
+              <a:buChar char="•"/>
+            </a:pPr>
+            <a:endParaRPr lang="en-GB" sz="1200" dirty="0"/>
+          </a:p>
+        </p:txBody>
+      </p:sp>
+      <p:sp>
+        <p:nvSpPr>
+          <p:cNvPr id="14" name="Rounded Rectangle 13">
+            <a:extLst>
+              <a:ext uri="{FF2B5EF4-FFF2-40B4-BE49-F238E27FC236}">
+                <a16:creationId xmlns:a16="http://schemas.microsoft.com/office/drawing/2014/main" id="{CD3C517C-1018-C4D7-0DDE-7FD75234EAFD}"/>
+              </a:ext>
+            </a:extLst>
+          </p:cNvPr>
+          <p:cNvSpPr/>
+          <p:nvPr/>
+        </p:nvSpPr>
+        <p:spPr>
+          <a:xfrm>
+            <a:off x="6335820" y="682369"/>
+            <a:ext cx="2032000" cy="611287"/>
+          </a:xfrm>
+          <a:prstGeom prst="roundRect">
+            <a:avLst/>
+          </a:prstGeom>
+          <a:solidFill>
+            <a:schemeClr val="accent4">
+              <a:lumMod val="60000"/>
+              <a:lumOff val="40000"/>
+            </a:schemeClr>
+          </a:solidFill>
+          <a:ln w="12700"/>
+        </p:spPr>
+        <p:style>
+          <a:lnRef idx="2">
+            <a:schemeClr val="dk1"/>
+          </a:lnRef>
+          <a:fillRef idx="1">
+            <a:schemeClr val="lt1"/>
+          </a:fillRef>
+          <a:effectRef idx="0">
+            <a:schemeClr val="dk1"/>
+          </a:effectRef>
+          <a:fontRef idx="minor">
+            <a:schemeClr val="dk1"/>
+          </a:fontRef>
+        </p:style>
+        <p:txBody>
+          <a:bodyPr rtlCol="0" anchor="ctr"/>
+          <a:lstStyle/>
+          <a:p>
+            <a:pPr algn="ctr"/>
+            <a:r>
+              <a:rPr lang="en-GB" sz="1200" dirty="0"/>
+              <a:t>BERT phase-1</a:t>
+            </a:r>
+          </a:p>
+        </p:txBody>
+      </p:sp>
+      <p:sp>
+        <p:nvSpPr>
+          <p:cNvPr id="8" name="Rounded Rectangle 7">
+            <a:extLst>
+              <a:ext uri="{FF2B5EF4-FFF2-40B4-BE49-F238E27FC236}">
+                <a16:creationId xmlns:a16="http://schemas.microsoft.com/office/drawing/2014/main" id="{617F712A-EC3D-07B7-2FDC-C91E53D398D1}"/>
+              </a:ext>
+            </a:extLst>
+          </p:cNvPr>
+          <p:cNvSpPr/>
+          <p:nvPr/>
+        </p:nvSpPr>
+        <p:spPr>
+          <a:xfrm>
+            <a:off x="9408631" y="988012"/>
+            <a:ext cx="2032000" cy="2440988"/>
+          </a:xfrm>
+          <a:prstGeom prst="roundRect">
+            <a:avLst/>
+          </a:prstGeom>
+          <a:solidFill>
+            <a:schemeClr val="tx2">
+              <a:lumMod val="20000"/>
+              <a:lumOff val="80000"/>
+            </a:schemeClr>
+          </a:solidFill>
+          <a:ln w="12700"/>
+        </p:spPr>
+        <p:style>
+          <a:lnRef idx="2">
+            <a:schemeClr val="dk1"/>
+          </a:lnRef>
+          <a:fillRef idx="1">
+            <a:schemeClr val="lt1"/>
+          </a:fillRef>
+          <a:effectRef idx="0">
+            <a:schemeClr val="dk1"/>
+          </a:effectRef>
+          <a:fontRef idx="minor">
+            <a:schemeClr val="dk1"/>
+          </a:fontRef>
+        </p:style>
+        <p:txBody>
+          <a:bodyPr rtlCol="0" anchor="ctr"/>
+          <a:lstStyle/>
+          <a:p>
+            <a:pPr marL="171450" indent="-171450">
+              <a:buFont typeface="Arial" panose="020B0604020202020204" pitchFamily="34" charset="0"/>
+              <a:buChar char="•"/>
+            </a:pPr>
+            <a:endParaRPr lang="en-GB" sz="1200" dirty="0"/>
+          </a:p>
+          <a:p>
+            <a:pPr marL="171450" indent="-171450">
+              <a:buFont typeface="Arial" panose="020B0604020202020204" pitchFamily="34" charset="0"/>
+              <a:buChar char="•"/>
+            </a:pPr>
+            <a:r>
+              <a:rPr lang="en-GB" sz="1200" dirty="0"/>
+              <a:t>Experimenting with Multi-language models</a:t>
+            </a:r>
+          </a:p>
+          <a:p>
+            <a:pPr marL="171450" indent="-171450">
+              <a:buFont typeface="Arial" panose="020B0604020202020204" pitchFamily="34" charset="0"/>
+              <a:buChar char="•"/>
+            </a:pPr>
+            <a:endParaRPr lang="en-GB" sz="1200" dirty="0"/>
+          </a:p>
+          <a:p>
+            <a:pPr marL="171450" indent="-171450">
+              <a:buFont typeface="Arial" panose="020B0604020202020204" pitchFamily="34" charset="0"/>
+              <a:buChar char="•"/>
+            </a:pPr>
+            <a:r>
+              <a:rPr lang="en-GB" sz="1200" dirty="0"/>
+              <a:t>Experimenting the Dutch specific models (4x)</a:t>
+            </a:r>
+          </a:p>
+          <a:p>
+            <a:pPr marL="171450" indent="-171450">
+              <a:buFont typeface="Arial" panose="020B0604020202020204" pitchFamily="34" charset="0"/>
+              <a:buChar char="•"/>
+            </a:pPr>
+            <a:endParaRPr lang="en-GB" sz="1200" dirty="0"/>
+          </a:p>
+          <a:p>
+            <a:pPr marL="171450" indent="-171450">
+              <a:buFont typeface="Arial" panose="020B0604020202020204" pitchFamily="34" charset="0"/>
+              <a:buChar char="•"/>
+            </a:pPr>
+            <a:r>
+              <a:rPr lang="en-GB" sz="1200" dirty="0"/>
+              <a:t>Experimenting with  additional pre-processing </a:t>
+            </a:r>
+          </a:p>
+        </p:txBody>
+      </p:sp>
+      <p:sp>
+        <p:nvSpPr>
+          <p:cNvPr id="9" name="Rounded Rectangle 8">
+            <a:extLst>
+              <a:ext uri="{FF2B5EF4-FFF2-40B4-BE49-F238E27FC236}">
+                <a16:creationId xmlns:a16="http://schemas.microsoft.com/office/drawing/2014/main" id="{69D85BE0-5BCD-8955-51CA-A203CF328476}"/>
+              </a:ext>
+            </a:extLst>
+          </p:cNvPr>
+          <p:cNvSpPr/>
+          <p:nvPr/>
+        </p:nvSpPr>
+        <p:spPr>
+          <a:xfrm>
+            <a:off x="9408631" y="682369"/>
+            <a:ext cx="2032000" cy="611287"/>
+          </a:xfrm>
+          <a:prstGeom prst="roundRect">
+            <a:avLst/>
+          </a:prstGeom>
+          <a:solidFill>
+            <a:schemeClr val="tx2">
+              <a:lumMod val="40000"/>
+              <a:lumOff val="60000"/>
+            </a:schemeClr>
+          </a:solidFill>
+          <a:ln w="12700"/>
+        </p:spPr>
+        <p:style>
+          <a:lnRef idx="2">
+            <a:schemeClr val="dk1"/>
+          </a:lnRef>
+          <a:fillRef idx="1">
+            <a:schemeClr val="lt1"/>
+          </a:fillRef>
+          <a:effectRef idx="0">
+            <a:schemeClr val="dk1"/>
+          </a:effectRef>
+          <a:fontRef idx="minor">
+            <a:schemeClr val="dk1"/>
+          </a:fontRef>
+        </p:style>
+        <p:txBody>
+          <a:bodyPr rtlCol="0" anchor="ctr"/>
+          <a:lstStyle/>
+          <a:p>
+            <a:pPr algn="ctr"/>
+            <a:r>
+              <a:rPr lang="en-GB" sz="1200" dirty="0"/>
+              <a:t>BERT phase-2 </a:t>
+            </a:r>
+          </a:p>
+        </p:txBody>
+      </p:sp>
+      <p:sp>
+        <p:nvSpPr>
+          <p:cNvPr id="2" name="Right Arrow 1">
+            <a:extLst>
+              <a:ext uri="{FF2B5EF4-FFF2-40B4-BE49-F238E27FC236}">
+                <a16:creationId xmlns:a16="http://schemas.microsoft.com/office/drawing/2014/main" id="{C082F698-1286-932A-8558-F0D9966F4EBD}"/>
+              </a:ext>
+            </a:extLst>
+          </p:cNvPr>
+          <p:cNvSpPr/>
+          <p:nvPr/>
+        </p:nvSpPr>
+        <p:spPr>
+          <a:xfrm>
+            <a:off x="2274934" y="2035817"/>
+            <a:ext cx="935340" cy="342900"/>
+          </a:xfrm>
+          <a:prstGeom prst="rightArrow">
+            <a:avLst/>
+          </a:prstGeom>
+        </p:spPr>
+        <p:style>
+          <a:lnRef idx="2">
+            <a:schemeClr val="dk1">
+              <a:shade val="50000"/>
+            </a:schemeClr>
+          </a:lnRef>
+          <a:fillRef idx="1">
+            <a:schemeClr val="dk1"/>
+          </a:fillRef>
+          <a:effectRef idx="0">
+            <a:schemeClr val="dk1"/>
+          </a:effectRef>
+          <a:fontRef idx="minor">
+            <a:schemeClr val="lt1"/>
+          </a:fontRef>
+        </p:style>
+        <p:txBody>
+          <a:bodyPr rtlCol="0" anchor="ctr"/>
+          <a:lstStyle/>
+          <a:p>
+            <a:pPr algn="ctr"/>
+            <a:endParaRPr lang="en-NL"/>
+          </a:p>
+        </p:txBody>
+      </p:sp>
+      <p:sp>
+        <p:nvSpPr>
+          <p:cNvPr id="15" name="Right Arrow 14">
+            <a:extLst>
+              <a:ext uri="{FF2B5EF4-FFF2-40B4-BE49-F238E27FC236}">
+                <a16:creationId xmlns:a16="http://schemas.microsoft.com/office/drawing/2014/main" id="{D745D907-76D1-9FB2-7AD9-6C023DB5B4B8}"/>
+              </a:ext>
+            </a:extLst>
+          </p:cNvPr>
+          <p:cNvSpPr/>
+          <p:nvPr/>
+        </p:nvSpPr>
+        <p:spPr>
+          <a:xfrm>
+            <a:off x="5347744" y="2035817"/>
+            <a:ext cx="935340" cy="342900"/>
+          </a:xfrm>
+          <a:prstGeom prst="rightArrow">
+            <a:avLst/>
+          </a:prstGeom>
+        </p:spPr>
+        <p:style>
+          <a:lnRef idx="2">
+            <a:schemeClr val="dk1">
+              <a:shade val="50000"/>
+            </a:schemeClr>
+          </a:lnRef>
+          <a:fillRef idx="1">
+            <a:schemeClr val="dk1"/>
+          </a:fillRef>
+          <a:effectRef idx="0">
+            <a:schemeClr val="dk1"/>
+          </a:effectRef>
+          <a:fontRef idx="minor">
+            <a:schemeClr val="lt1"/>
+          </a:fontRef>
+        </p:style>
+        <p:txBody>
+          <a:bodyPr rtlCol="0" anchor="ctr"/>
+          <a:lstStyle/>
+          <a:p>
+            <a:pPr algn="ctr"/>
+            <a:endParaRPr lang="en-NL"/>
+          </a:p>
+        </p:txBody>
+      </p:sp>
+      <p:sp>
+        <p:nvSpPr>
+          <p:cNvPr id="16" name="Right Arrow 15">
+            <a:extLst>
+              <a:ext uri="{FF2B5EF4-FFF2-40B4-BE49-F238E27FC236}">
+                <a16:creationId xmlns:a16="http://schemas.microsoft.com/office/drawing/2014/main" id="{9BB42EC5-FD34-D684-6ACC-BE83FFA24358}"/>
+              </a:ext>
+            </a:extLst>
+          </p:cNvPr>
+          <p:cNvSpPr/>
+          <p:nvPr/>
+        </p:nvSpPr>
+        <p:spPr>
+          <a:xfrm>
+            <a:off x="8415334" y="2035817"/>
+            <a:ext cx="935340" cy="342900"/>
+          </a:xfrm>
+          <a:prstGeom prst="rightArrow">
+            <a:avLst/>
+          </a:prstGeom>
+        </p:spPr>
+        <p:style>
+          <a:lnRef idx="2">
+            <a:schemeClr val="dk1">
+              <a:shade val="50000"/>
+            </a:schemeClr>
+          </a:lnRef>
+          <a:fillRef idx="1">
+            <a:schemeClr val="dk1"/>
+          </a:fillRef>
+          <a:effectRef idx="0">
+            <a:schemeClr val="dk1"/>
+          </a:effectRef>
+          <a:fontRef idx="minor">
+            <a:schemeClr val="lt1"/>
+          </a:fontRef>
+        </p:style>
+        <p:txBody>
+          <a:bodyPr rtlCol="0" anchor="ctr"/>
+          <a:lstStyle/>
+          <a:p>
+            <a:pPr algn="ctr"/>
+            <a:endParaRPr lang="en-NL"/>
+          </a:p>
+        </p:txBody>
+      </p:sp>
+      <p:sp>
+        <p:nvSpPr>
+          <p:cNvPr id="3" name="Frame 2">
+            <a:extLst>
+              <a:ext uri="{FF2B5EF4-FFF2-40B4-BE49-F238E27FC236}">
+                <a16:creationId xmlns:a16="http://schemas.microsoft.com/office/drawing/2014/main" id="{E7B996DE-4478-6301-F8FA-13B0B3AAE50D}"/>
+              </a:ext>
+            </a:extLst>
+          </p:cNvPr>
+          <p:cNvSpPr/>
+          <p:nvPr/>
+        </p:nvSpPr>
+        <p:spPr>
+          <a:xfrm>
+            <a:off x="60991" y="392754"/>
+            <a:ext cx="5363226" cy="3286125"/>
+          </a:xfrm>
+          <a:prstGeom prst="frame">
+            <a:avLst>
+              <a:gd name="adj1" fmla="val 1196"/>
+            </a:avLst>
+          </a:prstGeom>
+          <a:solidFill>
+            <a:schemeClr val="tx2">
+              <a:lumMod val="40000"/>
+              <a:lumOff val="60000"/>
+            </a:schemeClr>
+          </a:solidFill>
+        </p:spPr>
+        <p:style>
+          <a:lnRef idx="2">
+            <a:schemeClr val="accent1">
+              <a:shade val="50000"/>
+            </a:schemeClr>
+          </a:lnRef>
+          <a:fillRef idx="1">
+            <a:schemeClr val="accent1"/>
+          </a:fillRef>
+          <a:effectRef idx="0">
+            <a:schemeClr val="accent1"/>
+          </a:effectRef>
+          <a:fontRef idx="minor">
+            <a:schemeClr val="lt1"/>
+          </a:fontRef>
+        </p:style>
+        <p:txBody>
+          <a:bodyPr rtlCol="0" anchor="ctr"/>
+          <a:lstStyle/>
+          <a:p>
+            <a:pPr algn="ctr"/>
+            <a:endParaRPr lang="en-NL">
+              <a:solidFill>
+                <a:schemeClr val="tx1"/>
+              </a:solidFill>
+            </a:endParaRPr>
+          </a:p>
+        </p:txBody>
+      </p:sp>
+    </p:spTree>
+    <p:extLst>
+      <p:ext uri="{BB962C8B-B14F-4D97-AF65-F5344CB8AC3E}">
+        <p14:creationId xmlns:p14="http://schemas.microsoft.com/office/powerpoint/2010/main" val="2108498872"/>
+      </p:ext>
+    </p:extLst>
+  </p:cSld>
+  <p:clrMapOvr>
+    <a:masterClrMapping/>
+  </p:clrMapOvr>
+</p:sld>
+</file>
+
+<file path=ppt/slides/slide16.xml><?xml version="1.0" encoding="utf-8"?>
+<p:sld xmlns:a="http://schemas.openxmlformats.org/drawingml/2006/main" xmlns:r="http://schemas.openxmlformats.org/officeDocument/2006/relationships" xmlns:p="http://schemas.openxmlformats.org/presentationml/2006/main">
+  <p:cSld>
+    <p:spTree>
+      <p:nvGrpSpPr>
+        <p:cNvPr id="1" name=""/>
+        <p:cNvGrpSpPr/>
+        <p:nvPr/>
+      </p:nvGrpSpPr>
+      <p:grpSpPr>
+        <a:xfrm>
+          <a:off x="0" y="0"/>
+          <a:ext cx="0" cy="0"/>
+          <a:chOff x="0" y="0"/>
+          <a:chExt cx="0" cy="0"/>
+        </a:xfrm>
+      </p:grpSpPr>
+      <p:grpSp>
+        <p:nvGrpSpPr>
+          <p:cNvPr id="4" name="Group 3">
+            <a:extLst>
+              <a:ext uri="{FF2B5EF4-FFF2-40B4-BE49-F238E27FC236}">
+                <a16:creationId xmlns:a16="http://schemas.microsoft.com/office/drawing/2014/main" id="{25230403-3D41-4A5F-ECC0-A6EB992D1663}"/>
+              </a:ext>
+            </a:extLst>
+          </p:cNvPr>
+          <p:cNvGrpSpPr/>
+          <p:nvPr/>
+        </p:nvGrpSpPr>
+        <p:grpSpPr>
+          <a:xfrm>
+            <a:off x="425896" y="156209"/>
+            <a:ext cx="4921848" cy="1172279"/>
+            <a:chOff x="190198" y="684846"/>
+            <a:chExt cx="2032000" cy="2744154"/>
+          </a:xfrm>
+        </p:grpSpPr>
+        <p:sp>
+          <p:nvSpPr>
+            <p:cNvPr id="10" name="Rounded Rectangle 9">
+              <a:extLst>
+                <a:ext uri="{FF2B5EF4-FFF2-40B4-BE49-F238E27FC236}">
+                  <a16:creationId xmlns:a16="http://schemas.microsoft.com/office/drawing/2014/main" id="{EE94FDA8-AE85-EE4A-DF73-74BB570C0C3D}"/>
+                </a:ext>
+              </a:extLst>
+            </p:cNvPr>
+            <p:cNvSpPr/>
+            <p:nvPr/>
+          </p:nvSpPr>
+          <p:spPr>
+            <a:xfrm>
+              <a:off x="190198" y="990489"/>
+              <a:ext cx="2032000" cy="2438511"/>
+            </a:xfrm>
+            <a:prstGeom prst="roundRect">
+              <a:avLst/>
+            </a:prstGeom>
+            <a:solidFill>
+              <a:schemeClr val="accent4">
+                <a:lumMod val="40000"/>
+                <a:lumOff val="60000"/>
+              </a:schemeClr>
+            </a:solidFill>
+            <a:ln w="12700"/>
+          </p:spPr>
+          <p:style>
+            <a:lnRef idx="2">
+              <a:schemeClr val="dk1"/>
+            </a:lnRef>
+            <a:fillRef idx="1">
+              <a:schemeClr val="lt1"/>
+            </a:fillRef>
+            <a:effectRef idx="0">
+              <a:schemeClr val="dk1"/>
+            </a:effectRef>
+            <a:fontRef idx="minor">
+              <a:schemeClr val="dk1"/>
+            </a:fontRef>
+          </p:style>
+          <p:txBody>
+            <a:bodyPr rtlCol="0" anchor="ctr"/>
+            <a:lstStyle/>
+            <a:p>
+              <a:pPr marL="171450" indent="-171450">
+                <a:buFont typeface="Arial" panose="020B0604020202020204" pitchFamily="34" charset="0"/>
+                <a:buChar char="•"/>
+              </a:pPr>
+              <a:endParaRPr lang="en-GB" sz="1200" dirty="0"/>
+            </a:p>
+            <a:p>
+              <a:pPr marL="171450" indent="-171450">
+                <a:buFont typeface="Arial" panose="020B0604020202020204" pitchFamily="34" charset="0"/>
+                <a:buChar char="•"/>
+              </a:pPr>
+              <a:r>
+                <a:rPr lang="en-GB" sz="1200" dirty="0"/>
+                <a:t>System check with users (1/4)</a:t>
+              </a:r>
+            </a:p>
+            <a:p>
+              <a:pPr marL="171450" indent="-171450">
+                <a:buFont typeface="Arial" panose="020B0604020202020204" pitchFamily="34" charset="0"/>
+                <a:buChar char="•"/>
+              </a:pPr>
+              <a:r>
+                <a:rPr lang="en-GB" sz="1200" dirty="0">
+                  <a:highlight>
+                    <a:srgbClr val="00FF00"/>
+                  </a:highlight>
+                </a:rPr>
+                <a:t>Documents are ready for the system</a:t>
+              </a:r>
+              <a:endParaRPr lang="en-GB" sz="1200" dirty="0"/>
+            </a:p>
+            <a:p>
+              <a:pPr marL="171450" indent="-171450">
+                <a:buFont typeface="Arial" panose="020B0604020202020204" pitchFamily="34" charset="0"/>
+                <a:buChar char="•"/>
+              </a:pPr>
+              <a:r>
+                <a:rPr lang="en-GB" sz="1200" dirty="0">
+                  <a:highlight>
+                    <a:srgbClr val="00FF00"/>
+                  </a:highlight>
+                </a:rPr>
+                <a:t>System design and instruction text </a:t>
+              </a:r>
+            </a:p>
+          </p:txBody>
+        </p:sp>
+        <p:sp>
+          <p:nvSpPr>
+            <p:cNvPr id="7" name="Rounded Rectangle 6">
+              <a:extLst>
+                <a:ext uri="{FF2B5EF4-FFF2-40B4-BE49-F238E27FC236}">
+                  <a16:creationId xmlns:a16="http://schemas.microsoft.com/office/drawing/2014/main" id="{3BC8A43D-F2FA-DB3D-8918-B1C9AD8F77B4}"/>
+                </a:ext>
+              </a:extLst>
+            </p:cNvPr>
+            <p:cNvSpPr/>
+            <p:nvPr/>
+          </p:nvSpPr>
+          <p:spPr>
+            <a:xfrm>
+              <a:off x="190198" y="684846"/>
+              <a:ext cx="2032000" cy="611287"/>
+            </a:xfrm>
+            <a:prstGeom prst="roundRect">
+              <a:avLst/>
+            </a:prstGeom>
+            <a:solidFill>
+              <a:schemeClr val="accent4">
+                <a:lumMod val="60000"/>
+                <a:lumOff val="40000"/>
+              </a:schemeClr>
+            </a:solidFill>
+            <a:ln w="12700"/>
+          </p:spPr>
+          <p:style>
+            <a:lnRef idx="2">
+              <a:schemeClr val="dk1"/>
+            </a:lnRef>
+            <a:fillRef idx="1">
+              <a:schemeClr val="lt1"/>
+            </a:fillRef>
+            <a:effectRef idx="0">
+              <a:schemeClr val="dk1"/>
+            </a:effectRef>
+            <a:fontRef idx="minor">
+              <a:schemeClr val="dk1"/>
+            </a:fontRef>
+          </p:style>
+          <p:txBody>
+            <a:bodyPr rtlCol="0" anchor="ctr"/>
+            <a:lstStyle/>
+            <a:p>
+              <a:pPr algn="ctr"/>
+              <a:r>
+                <a:rPr lang="en-GB" sz="1200" dirty="0"/>
+                <a:t>Annotation interface for users:</a:t>
+              </a:r>
+            </a:p>
+          </p:txBody>
+        </p:sp>
+      </p:grpSp>
+      <p:grpSp>
+        <p:nvGrpSpPr>
+          <p:cNvPr id="5" name="Group 4">
+            <a:extLst>
+              <a:ext uri="{FF2B5EF4-FFF2-40B4-BE49-F238E27FC236}">
+                <a16:creationId xmlns:a16="http://schemas.microsoft.com/office/drawing/2014/main" id="{8FE882BC-1EC5-961F-77CA-4FCF92C67067}"/>
+              </a:ext>
+            </a:extLst>
+          </p:cNvPr>
+          <p:cNvGrpSpPr/>
+          <p:nvPr/>
+        </p:nvGrpSpPr>
+        <p:grpSpPr>
+          <a:xfrm>
+            <a:off x="425895" y="1525125"/>
+            <a:ext cx="4921847" cy="1041711"/>
+            <a:chOff x="3263009" y="682369"/>
+            <a:chExt cx="2032000" cy="2744154"/>
+          </a:xfrm>
+        </p:grpSpPr>
+        <p:sp>
+          <p:nvSpPr>
+            <p:cNvPr id="12" name="Rounded Rectangle 11">
+              <a:extLst>
+                <a:ext uri="{FF2B5EF4-FFF2-40B4-BE49-F238E27FC236}">
+                  <a16:creationId xmlns:a16="http://schemas.microsoft.com/office/drawing/2014/main" id="{2F781E54-7BF0-DEC3-E167-78FB5CA23646}"/>
+                </a:ext>
+              </a:extLst>
+            </p:cNvPr>
+            <p:cNvSpPr/>
+            <p:nvPr/>
+          </p:nvSpPr>
+          <p:spPr>
+            <a:xfrm>
+              <a:off x="3263009" y="988012"/>
+              <a:ext cx="2032000" cy="2438511"/>
+            </a:xfrm>
+            <a:prstGeom prst="roundRect">
+              <a:avLst/>
+            </a:prstGeom>
+            <a:solidFill>
+              <a:schemeClr val="accent2">
+                <a:lumMod val="40000"/>
+                <a:lumOff val="60000"/>
+              </a:schemeClr>
+            </a:solidFill>
+            <a:ln w="12700"/>
+          </p:spPr>
+          <p:style>
+            <a:lnRef idx="2">
+              <a:schemeClr val="dk1"/>
+            </a:lnRef>
+            <a:fillRef idx="1">
+              <a:schemeClr val="lt1"/>
+            </a:fillRef>
+            <a:effectRef idx="0">
+              <a:schemeClr val="dk1"/>
+            </a:effectRef>
+            <a:fontRef idx="minor">
+              <a:schemeClr val="dk1"/>
+            </a:fontRef>
+          </p:style>
+          <p:txBody>
+            <a:bodyPr rtlCol="0" anchor="ctr"/>
+            <a:lstStyle/>
+            <a:p>
+              <a:pPr marL="171450" indent="-171450">
+                <a:buFont typeface="Arial" panose="020B0604020202020204" pitchFamily="34" charset="0"/>
+                <a:buChar char="•"/>
+              </a:pPr>
+              <a:endParaRPr lang="en-GB" sz="1200" dirty="0"/>
+            </a:p>
+            <a:p>
+              <a:pPr marL="171450" indent="-171450">
+                <a:buFont typeface="Arial" panose="020B0604020202020204" pitchFamily="34" charset="0"/>
+                <a:buChar char="•"/>
+              </a:pPr>
+              <a:r>
+                <a:rPr lang="en-GB" sz="1200" dirty="0"/>
+                <a:t>Annotated documents 1/301</a:t>
+              </a:r>
+            </a:p>
+          </p:txBody>
+        </p:sp>
+        <p:sp>
+          <p:nvSpPr>
+            <p:cNvPr id="13" name="Rounded Rectangle 12">
+              <a:extLst>
+                <a:ext uri="{FF2B5EF4-FFF2-40B4-BE49-F238E27FC236}">
+                  <a16:creationId xmlns:a16="http://schemas.microsoft.com/office/drawing/2014/main" id="{AE78FBFB-78C1-2978-3791-12705C5765C6}"/>
+                </a:ext>
+              </a:extLst>
+            </p:cNvPr>
+            <p:cNvSpPr/>
+            <p:nvPr/>
+          </p:nvSpPr>
+          <p:spPr>
+            <a:xfrm>
+              <a:off x="3263009" y="682369"/>
+              <a:ext cx="2032000" cy="611287"/>
+            </a:xfrm>
+            <a:prstGeom prst="roundRect">
+              <a:avLst/>
+            </a:prstGeom>
+            <a:solidFill>
+              <a:schemeClr val="accent2">
+                <a:lumMod val="60000"/>
+                <a:lumOff val="40000"/>
+              </a:schemeClr>
+            </a:solidFill>
+            <a:ln w="12700"/>
+          </p:spPr>
+          <p:style>
+            <a:lnRef idx="2">
+              <a:schemeClr val="dk1"/>
+            </a:lnRef>
+            <a:fillRef idx="1">
+              <a:schemeClr val="lt1"/>
+            </a:fillRef>
+            <a:effectRef idx="0">
+              <a:schemeClr val="dk1"/>
+            </a:effectRef>
+            <a:fontRef idx="minor">
+              <a:schemeClr val="dk1"/>
+            </a:fontRef>
+          </p:style>
+          <p:txBody>
+            <a:bodyPr rtlCol="0" anchor="ctr"/>
+            <a:lstStyle/>
+            <a:p>
+              <a:pPr algn="ctr"/>
+              <a:r>
+                <a:rPr lang="en-GB" sz="1200" dirty="0"/>
+                <a:t>User annotations</a:t>
+              </a:r>
+            </a:p>
+          </p:txBody>
+        </p:sp>
+      </p:grpSp>
+      <p:grpSp>
+        <p:nvGrpSpPr>
+          <p:cNvPr id="6" name="Group 5">
+            <a:extLst>
+              <a:ext uri="{FF2B5EF4-FFF2-40B4-BE49-F238E27FC236}">
+                <a16:creationId xmlns:a16="http://schemas.microsoft.com/office/drawing/2014/main" id="{39139F78-E46D-EA8D-02D6-4A674DA5DB9D}"/>
+              </a:ext>
+            </a:extLst>
+          </p:cNvPr>
+          <p:cNvGrpSpPr/>
+          <p:nvPr/>
+        </p:nvGrpSpPr>
+        <p:grpSpPr>
+          <a:xfrm>
+            <a:off x="425895" y="2756461"/>
+            <a:ext cx="4921846" cy="1484225"/>
+            <a:chOff x="6335820" y="682369"/>
+            <a:chExt cx="2032000" cy="2746631"/>
+          </a:xfrm>
+        </p:grpSpPr>
+        <p:sp>
+          <p:nvSpPr>
+            <p:cNvPr id="11" name="Rounded Rectangle 10">
+              <a:extLst>
+                <a:ext uri="{FF2B5EF4-FFF2-40B4-BE49-F238E27FC236}">
+                  <a16:creationId xmlns:a16="http://schemas.microsoft.com/office/drawing/2014/main" id="{406C9342-302E-AF50-3789-47991849A84A}"/>
+                </a:ext>
+              </a:extLst>
+            </p:cNvPr>
+            <p:cNvSpPr/>
+            <p:nvPr/>
+          </p:nvSpPr>
+          <p:spPr>
+            <a:xfrm>
+              <a:off x="6335820" y="988012"/>
+              <a:ext cx="2032000" cy="2440988"/>
+            </a:xfrm>
+            <a:prstGeom prst="roundRect">
+              <a:avLst/>
+            </a:prstGeom>
+            <a:solidFill>
+              <a:schemeClr val="accent4">
+                <a:lumMod val="40000"/>
+                <a:lumOff val="60000"/>
+              </a:schemeClr>
+            </a:solidFill>
+            <a:ln w="12700"/>
+          </p:spPr>
+          <p:style>
+            <a:lnRef idx="2">
+              <a:schemeClr val="dk1"/>
+            </a:lnRef>
+            <a:fillRef idx="1">
+              <a:schemeClr val="lt1"/>
+            </a:fillRef>
+            <a:effectRef idx="0">
+              <a:schemeClr val="dk1"/>
+            </a:effectRef>
+            <a:fontRef idx="minor">
+              <a:schemeClr val="dk1"/>
+            </a:fontRef>
+          </p:style>
+          <p:txBody>
+            <a:bodyPr rtlCol="0" anchor="ctr"/>
+            <a:lstStyle/>
+            <a:p>
+              <a:pPr marL="171450" indent="-171450">
+                <a:buFont typeface="Arial" panose="020B0604020202020204" pitchFamily="34" charset="0"/>
+                <a:buChar char="•"/>
+              </a:pPr>
+              <a:endParaRPr lang="en-GB" sz="1200" dirty="0"/>
+            </a:p>
+            <a:p>
+              <a:pPr marL="171450" indent="-171450">
+                <a:buFont typeface="Arial" panose="020B0604020202020204" pitchFamily="34" charset="0"/>
+                <a:buChar char="•"/>
+              </a:pPr>
+              <a:r>
+                <a:rPr lang="en-GB" sz="1200" dirty="0">
+                  <a:highlight>
+                    <a:srgbClr val="00FF00"/>
+                  </a:highlight>
+                </a:rPr>
+                <a:t>Getting a first version running</a:t>
+              </a:r>
+              <a:endParaRPr lang="en-GB" sz="1200" dirty="0"/>
+            </a:p>
+            <a:p>
+              <a:pPr marL="171450" indent="-171450">
+                <a:buFont typeface="Arial" panose="020B0604020202020204" pitchFamily="34" charset="0"/>
+                <a:buChar char="•"/>
+              </a:pPr>
+              <a:r>
+                <a:rPr lang="en-GB" sz="1200" dirty="0"/>
+                <a:t>Running the Dutch benchmarks</a:t>
+              </a:r>
+            </a:p>
+            <a:p>
+              <a:pPr marL="171450" indent="-171450">
+                <a:buFont typeface="Arial" panose="020B0604020202020204" pitchFamily="34" charset="0"/>
+                <a:buChar char="•"/>
+              </a:pPr>
+              <a:r>
+                <a:rPr lang="en-GB" sz="1200" dirty="0"/>
+                <a:t>Getting a proper understanding of the system </a:t>
+              </a:r>
+            </a:p>
+            <a:p>
+              <a:pPr marL="171450" indent="-171450">
+                <a:buFont typeface="Arial" panose="020B0604020202020204" pitchFamily="34" charset="0"/>
+                <a:buChar char="•"/>
+              </a:pPr>
+              <a:endParaRPr lang="en-GB" sz="1200" dirty="0"/>
+            </a:p>
+          </p:txBody>
+        </p:sp>
+        <p:sp>
+          <p:nvSpPr>
+            <p:cNvPr id="14" name="Rounded Rectangle 13">
+              <a:extLst>
+                <a:ext uri="{FF2B5EF4-FFF2-40B4-BE49-F238E27FC236}">
+                  <a16:creationId xmlns:a16="http://schemas.microsoft.com/office/drawing/2014/main" id="{CD3C517C-1018-C4D7-0DDE-7FD75234EAFD}"/>
+                </a:ext>
+              </a:extLst>
+            </p:cNvPr>
+            <p:cNvSpPr/>
+            <p:nvPr/>
+          </p:nvSpPr>
+          <p:spPr>
+            <a:xfrm>
+              <a:off x="6335820" y="682369"/>
+              <a:ext cx="2032000" cy="611287"/>
+            </a:xfrm>
+            <a:prstGeom prst="roundRect">
+              <a:avLst/>
+            </a:prstGeom>
+            <a:solidFill>
+              <a:schemeClr val="accent4">
+                <a:lumMod val="60000"/>
+                <a:lumOff val="40000"/>
+              </a:schemeClr>
+            </a:solidFill>
+            <a:ln w="12700"/>
+          </p:spPr>
+          <p:style>
+            <a:lnRef idx="2">
+              <a:schemeClr val="dk1"/>
+            </a:lnRef>
+            <a:fillRef idx="1">
+              <a:schemeClr val="lt1"/>
+            </a:fillRef>
+            <a:effectRef idx="0">
+              <a:schemeClr val="dk1"/>
+            </a:effectRef>
+            <a:fontRef idx="minor">
+              <a:schemeClr val="dk1"/>
+            </a:fontRef>
+          </p:style>
+          <p:txBody>
+            <a:bodyPr rtlCol="0" anchor="ctr"/>
+            <a:lstStyle/>
+            <a:p>
+              <a:pPr algn="ctr"/>
+              <a:r>
+                <a:rPr lang="en-GB" sz="1200" dirty="0"/>
+                <a:t>BERT phase-1</a:t>
+              </a:r>
+            </a:p>
+          </p:txBody>
+        </p:sp>
+      </p:grpSp>
+      <p:grpSp>
+        <p:nvGrpSpPr>
+          <p:cNvPr id="17" name="Group 16">
+            <a:extLst>
+              <a:ext uri="{FF2B5EF4-FFF2-40B4-BE49-F238E27FC236}">
+                <a16:creationId xmlns:a16="http://schemas.microsoft.com/office/drawing/2014/main" id="{19C3BAE4-0235-7762-9412-E393E98E8E3C}"/>
+              </a:ext>
+            </a:extLst>
+          </p:cNvPr>
+          <p:cNvGrpSpPr/>
+          <p:nvPr/>
+        </p:nvGrpSpPr>
+        <p:grpSpPr>
+          <a:xfrm>
+            <a:off x="425895" y="4405849"/>
+            <a:ext cx="4921846" cy="1319063"/>
+            <a:chOff x="9408631" y="682369"/>
+            <a:chExt cx="2032000" cy="2746631"/>
+          </a:xfrm>
+        </p:grpSpPr>
+        <p:sp>
+          <p:nvSpPr>
+            <p:cNvPr id="8" name="Rounded Rectangle 7">
+              <a:extLst>
+                <a:ext uri="{FF2B5EF4-FFF2-40B4-BE49-F238E27FC236}">
+                  <a16:creationId xmlns:a16="http://schemas.microsoft.com/office/drawing/2014/main" id="{617F712A-EC3D-07B7-2FDC-C91E53D398D1}"/>
+                </a:ext>
+              </a:extLst>
+            </p:cNvPr>
+            <p:cNvSpPr/>
+            <p:nvPr/>
+          </p:nvSpPr>
+          <p:spPr>
+            <a:xfrm>
+              <a:off x="9408631" y="988012"/>
+              <a:ext cx="2032000" cy="2440988"/>
+            </a:xfrm>
+            <a:prstGeom prst="roundRect">
+              <a:avLst/>
+            </a:prstGeom>
+            <a:solidFill>
+              <a:schemeClr val="tx2">
+                <a:lumMod val="20000"/>
+                <a:lumOff val="80000"/>
+              </a:schemeClr>
+            </a:solidFill>
+            <a:ln w="12700"/>
+          </p:spPr>
+          <p:style>
+            <a:lnRef idx="2">
+              <a:schemeClr val="dk1"/>
+            </a:lnRef>
+            <a:fillRef idx="1">
+              <a:schemeClr val="lt1"/>
+            </a:fillRef>
+            <a:effectRef idx="0">
+              <a:schemeClr val="dk1"/>
+            </a:effectRef>
+            <a:fontRef idx="minor">
+              <a:schemeClr val="dk1"/>
+            </a:fontRef>
+          </p:style>
+          <p:txBody>
+            <a:bodyPr rtlCol="0" anchor="ctr"/>
+            <a:lstStyle/>
+            <a:p>
+              <a:pPr marL="171450" indent="-171450">
+                <a:buFont typeface="Arial" panose="020B0604020202020204" pitchFamily="34" charset="0"/>
+                <a:buChar char="•"/>
+              </a:pPr>
+              <a:endParaRPr lang="en-GB" sz="1200" dirty="0"/>
+            </a:p>
+            <a:p>
+              <a:pPr marL="171450" indent="-171450">
+                <a:buFont typeface="Arial" panose="020B0604020202020204" pitchFamily="34" charset="0"/>
+                <a:buChar char="•"/>
+              </a:pPr>
+              <a:r>
+                <a:rPr lang="en-GB" sz="1200" dirty="0"/>
+                <a:t>Experimenting with Multi-language models</a:t>
+              </a:r>
+            </a:p>
+            <a:p>
+              <a:pPr marL="171450" indent="-171450">
+                <a:buFont typeface="Arial" panose="020B0604020202020204" pitchFamily="34" charset="0"/>
+                <a:buChar char="•"/>
+              </a:pPr>
+              <a:r>
+                <a:rPr lang="en-GB" sz="1200" dirty="0"/>
+                <a:t>Experimenting the Dutch specific models (4x)</a:t>
+              </a:r>
+            </a:p>
+            <a:p>
+              <a:pPr marL="171450" indent="-171450">
+                <a:buFont typeface="Arial" panose="020B0604020202020204" pitchFamily="34" charset="0"/>
+                <a:buChar char="•"/>
+              </a:pPr>
+              <a:r>
+                <a:rPr lang="en-GB" sz="1200" dirty="0"/>
+                <a:t>Experimenting with  additional pre-processing </a:t>
+              </a:r>
+            </a:p>
+          </p:txBody>
+        </p:sp>
+        <p:sp>
+          <p:nvSpPr>
+            <p:cNvPr id="9" name="Rounded Rectangle 8">
+              <a:extLst>
+                <a:ext uri="{FF2B5EF4-FFF2-40B4-BE49-F238E27FC236}">
+                  <a16:creationId xmlns:a16="http://schemas.microsoft.com/office/drawing/2014/main" id="{69D85BE0-5BCD-8955-51CA-A203CF328476}"/>
+                </a:ext>
+              </a:extLst>
+            </p:cNvPr>
+            <p:cNvSpPr/>
+            <p:nvPr/>
+          </p:nvSpPr>
+          <p:spPr>
+            <a:xfrm>
+              <a:off x="9408631" y="682369"/>
+              <a:ext cx="2032000" cy="611287"/>
+            </a:xfrm>
+            <a:prstGeom prst="roundRect">
+              <a:avLst/>
+            </a:prstGeom>
+            <a:solidFill>
+              <a:schemeClr val="tx2">
+                <a:lumMod val="40000"/>
+                <a:lumOff val="60000"/>
+              </a:schemeClr>
+            </a:solidFill>
+            <a:ln w="12700"/>
+          </p:spPr>
+          <p:style>
+            <a:lnRef idx="2">
+              <a:schemeClr val="dk1"/>
+            </a:lnRef>
+            <a:fillRef idx="1">
+              <a:schemeClr val="lt1"/>
+            </a:fillRef>
+            <a:effectRef idx="0">
+              <a:schemeClr val="dk1"/>
+            </a:effectRef>
+            <a:fontRef idx="minor">
+              <a:schemeClr val="dk1"/>
+            </a:fontRef>
+          </p:style>
+          <p:txBody>
+            <a:bodyPr rtlCol="0" anchor="ctr"/>
+            <a:lstStyle/>
+            <a:p>
+              <a:pPr algn="ctr"/>
+              <a:r>
+                <a:rPr lang="en-GB" sz="1200" dirty="0"/>
+                <a:t>BERT phase-2 </a:t>
+              </a:r>
+            </a:p>
+          </p:txBody>
+        </p:sp>
+      </p:grpSp>
+      <p:sp>
+        <p:nvSpPr>
+          <p:cNvPr id="16" name="Right Arrow 15">
+            <a:extLst>
+              <a:ext uri="{FF2B5EF4-FFF2-40B4-BE49-F238E27FC236}">
+                <a16:creationId xmlns:a16="http://schemas.microsoft.com/office/drawing/2014/main" id="{9BB42EC5-FD34-D684-6ACC-BE83FFA24358}"/>
+              </a:ext>
+            </a:extLst>
+          </p:cNvPr>
+          <p:cNvSpPr/>
+          <p:nvPr/>
+        </p:nvSpPr>
+        <p:spPr>
+          <a:xfrm rot="5400000">
+            <a:off x="3281089" y="2823890"/>
+            <a:ext cx="4572001" cy="238669"/>
+          </a:xfrm>
+          <a:prstGeom prst="rightArrow">
+            <a:avLst/>
+          </a:prstGeom>
+        </p:spPr>
+        <p:style>
+          <a:lnRef idx="2">
+            <a:schemeClr val="dk1">
+              <a:shade val="50000"/>
+            </a:schemeClr>
+          </a:lnRef>
+          <a:fillRef idx="1">
+            <a:schemeClr val="dk1"/>
+          </a:fillRef>
+          <a:effectRef idx="0">
+            <a:schemeClr val="dk1"/>
+          </a:effectRef>
+          <a:fontRef idx="minor">
+            <a:schemeClr val="lt1"/>
+          </a:fontRef>
+        </p:style>
+        <p:txBody>
+          <a:bodyPr rtlCol="0" anchor="ctr"/>
+          <a:lstStyle/>
+          <a:p>
+            <a:pPr algn="ctr"/>
+            <a:endParaRPr lang="en-NL"/>
+          </a:p>
+        </p:txBody>
+      </p:sp>
+      <p:sp>
+        <p:nvSpPr>
+          <p:cNvPr id="3" name="Frame 2">
+            <a:extLst>
+              <a:ext uri="{FF2B5EF4-FFF2-40B4-BE49-F238E27FC236}">
+                <a16:creationId xmlns:a16="http://schemas.microsoft.com/office/drawing/2014/main" id="{E7B996DE-4478-6301-F8FA-13B0B3AAE50D}"/>
+              </a:ext>
+            </a:extLst>
+          </p:cNvPr>
+          <p:cNvSpPr/>
+          <p:nvPr/>
+        </p:nvSpPr>
+        <p:spPr>
+          <a:xfrm>
+            <a:off x="205205" y="54449"/>
+            <a:ext cx="5363226" cy="2536849"/>
+          </a:xfrm>
+          <a:prstGeom prst="frame">
+            <a:avLst>
+              <a:gd name="adj1" fmla="val 1196"/>
+            </a:avLst>
+          </a:prstGeom>
+          <a:solidFill>
+            <a:srgbClr val="FF0000"/>
+          </a:solidFill>
+          <a:ln>
+            <a:noFill/>
+          </a:ln>
+        </p:spPr>
+        <p:style>
+          <a:lnRef idx="2">
+            <a:schemeClr val="accent1">
+              <a:shade val="50000"/>
+            </a:schemeClr>
+          </a:lnRef>
+          <a:fillRef idx="1">
+            <a:schemeClr val="accent1"/>
+          </a:fillRef>
+          <a:effectRef idx="0">
+            <a:schemeClr val="accent1"/>
+          </a:effectRef>
+          <a:fontRef idx="minor">
+            <a:schemeClr val="lt1"/>
+          </a:fontRef>
+        </p:style>
+        <p:txBody>
+          <a:bodyPr rtlCol="0" anchor="ctr"/>
+          <a:lstStyle/>
+          <a:p>
+            <a:pPr algn="ctr"/>
+            <a:endParaRPr lang="en-NL">
+              <a:solidFill>
+                <a:schemeClr val="tx1"/>
+              </a:solidFill>
+            </a:endParaRPr>
+          </a:p>
+        </p:txBody>
+      </p:sp>
+    </p:spTree>
+    <p:extLst>
+      <p:ext uri="{BB962C8B-B14F-4D97-AF65-F5344CB8AC3E}">
+        <p14:creationId xmlns:p14="http://schemas.microsoft.com/office/powerpoint/2010/main" val="1679759805"/>
+      </p:ext>
+    </p:extLst>
+  </p:cSld>
+  <p:clrMapOvr>
+    <a:masterClrMapping/>
+  </p:clrMapOvr>
+</p:sld>
+</file>
+
 <file path=ppt/slides/slide2.xml><?xml version="1.0" encoding="utf-8"?>
 <p:sld xmlns:a="http://schemas.openxmlformats.org/drawingml/2006/main" xmlns:r="http://schemas.openxmlformats.org/officeDocument/2006/relationships" xmlns:p="http://schemas.openxmlformats.org/presentationml/2006/main">
   <p:cSld>
@@ -4849,10 +6878,15 @@
             <p:ph idx="1"/>
           </p:nvPr>
         </p:nvSpPr>
-        <p:spPr/>
+        <p:spPr>
+          <a:xfrm>
+            <a:off x="838200" y="1825625"/>
+            <a:ext cx="7245516" cy="4351338"/>
+          </a:xfrm>
+        </p:spPr>
         <p:txBody>
           <a:bodyPr>
-            <a:normAutofit fontScale="92500" lnSpcReduction="20000"/>
+            <a:normAutofit fontScale="85000" lnSpcReduction="20000"/>
           </a:bodyPr>
           <a:lstStyle/>
           <a:p>
@@ -4872,7 +6906,14 @@
             <a:pPr lvl="1"/>
             <a:r>
               <a:rPr lang="en-GB" dirty="0"/>
-              <a:t>Missing letter (t)</a:t>
+              <a:t>Missing letter (t) when calling scripts</a:t>
+            </a:r>
+          </a:p>
+          <a:p>
+            <a:pPr lvl="1"/>
+            <a:r>
+              <a:rPr lang="en-GB" dirty="0"/>
+              <a:t>One’ everyone gets the system working, is it possible to go over its workings one more time?</a:t>
             </a:r>
           </a:p>
           <a:p>
@@ -4904,7 +6945,7 @@
             <a:pPr lvl="1"/>
             <a:r>
               <a:rPr lang="en-GB" dirty="0"/>
-              <a:t>Evaluating the annotation system with the users (Feedback for the instructions, but documents, so I can not evaluate this part yet)</a:t>
+              <a:t>Evaluating the annotation system with the users</a:t>
             </a:r>
           </a:p>
           <a:p>
@@ -5007,6 +7048,36 @@
           </a:p>
         </p:txBody>
       </p:sp>
+      <p:pic>
+        <p:nvPicPr>
+          <p:cNvPr id="10" name="Picture 9" descr="Graphical user interface&#10;&#10;Description automatically generated with medium confidence">
+            <a:extLst>
+              <a:ext uri="{FF2B5EF4-FFF2-40B4-BE49-F238E27FC236}">
+                <a16:creationId xmlns:a16="http://schemas.microsoft.com/office/drawing/2014/main" id="{AE688A8C-3475-7BCA-E65B-61BEDA0F1730}"/>
+              </a:ext>
+            </a:extLst>
+          </p:cNvPr>
+          <p:cNvPicPr>
+            <a:picLocks noChangeAspect="1"/>
+          </p:cNvPicPr>
+          <p:nvPr/>
+        </p:nvPicPr>
+        <p:blipFill>
+          <a:blip r:embed="rId2"/>
+          <a:stretch>
+            <a:fillRect/>
+          </a:stretch>
+        </p:blipFill>
+        <p:spPr>
+          <a:xfrm>
+            <a:off x="8083716" y="1378744"/>
+            <a:ext cx="4108283" cy="4231224"/>
+          </a:xfrm>
+          <a:prstGeom prst="rect">
+            <a:avLst/>
+          </a:prstGeom>
+        </p:spPr>
+      </p:pic>
     </p:spTree>
     <p:extLst>
       <p:ext uri="{BB962C8B-B14F-4D97-AF65-F5344CB8AC3E}">
@@ -5039,10 +7110,183 @@
       </p:grpSpPr>
       <p:sp>
         <p:nvSpPr>
-          <p:cNvPr id="10" name="Rounded Rectangle 9">
-            <a:extLst>
-              <a:ext uri="{FF2B5EF4-FFF2-40B4-BE49-F238E27FC236}">
-                <a16:creationId xmlns:a16="http://schemas.microsoft.com/office/drawing/2014/main" id="{EE94FDA8-AE85-EE4A-DF73-74BB570C0C3D}"/>
+          <p:cNvPr id="2" name="Title 1">
+            <a:extLst>
+              <a:ext uri="{FF2B5EF4-FFF2-40B4-BE49-F238E27FC236}">
+                <a16:creationId xmlns:a16="http://schemas.microsoft.com/office/drawing/2014/main" id="{54A8512E-CD77-B741-A177-AE655D089FC5}"/>
+              </a:ext>
+            </a:extLst>
+          </p:cNvPr>
+          <p:cNvSpPr>
+            <a:spLocks noGrp="1"/>
+          </p:cNvSpPr>
+          <p:nvPr>
+            <p:ph type="title"/>
+          </p:nvPr>
+        </p:nvSpPr>
+        <p:spPr/>
+        <p:txBody>
+          <a:bodyPr/>
+          <a:lstStyle/>
+          <a:p>
+            <a:r>
+              <a:rPr lang="en-GB" dirty="0"/>
+              <a:t>System feedback</a:t>
+            </a:r>
+          </a:p>
+        </p:txBody>
+      </p:sp>
+      <p:sp>
+        <p:nvSpPr>
+          <p:cNvPr id="3" name="Content Placeholder 2">
+            <a:extLst>
+              <a:ext uri="{FF2B5EF4-FFF2-40B4-BE49-F238E27FC236}">
+                <a16:creationId xmlns:a16="http://schemas.microsoft.com/office/drawing/2014/main" id="{CB282AAE-0D90-A14D-BBFF-3E663CE8B55B}"/>
+              </a:ext>
+            </a:extLst>
+          </p:cNvPr>
+          <p:cNvSpPr>
+            <a:spLocks noGrp="1"/>
+          </p:cNvSpPr>
+          <p:nvPr>
+            <p:ph idx="1"/>
+          </p:nvPr>
+        </p:nvSpPr>
+        <p:spPr>
+          <a:xfrm>
+            <a:off x="838200" y="1825625"/>
+            <a:ext cx="5747416" cy="4351338"/>
+          </a:xfrm>
+        </p:spPr>
+        <p:txBody>
+          <a:bodyPr>
+            <a:normAutofit fontScale="85000" lnSpcReduction="20000"/>
+          </a:bodyPr>
+          <a:lstStyle/>
+          <a:p>
+            <a:r>
+              <a:rPr lang="en-GB" dirty="0"/>
+              <a:t>Feedback annotation system (first user*)</a:t>
+            </a:r>
+          </a:p>
+          <a:p>
+            <a:pPr lvl="1"/>
+            <a:r>
+              <a:rPr lang="en-GB" dirty="0"/>
+              <a:t>Easy to use </a:t>
+            </a:r>
+          </a:p>
+          <a:p>
+            <a:pPr lvl="1"/>
+            <a:r>
+              <a:rPr lang="en-GB" dirty="0"/>
+              <a:t>Just copy and paste </a:t>
+            </a:r>
+          </a:p>
+          <a:p>
+            <a:pPr lvl="1"/>
+            <a:endParaRPr lang="en-GB" dirty="0"/>
+          </a:p>
+          <a:p>
+            <a:pPr marL="457200" lvl="1" indent="0">
+              <a:buNone/>
+            </a:pPr>
+            <a:r>
+              <a:rPr lang="en-GB" dirty="0"/>
+              <a:t> </a:t>
+            </a:r>
+          </a:p>
+          <a:p>
+            <a:pPr lvl="1"/>
+            <a:r>
+              <a:rPr lang="en-GB" dirty="0"/>
+              <a:t>Introduction text is a bit long (</a:t>
+            </a:r>
+            <a:r>
+              <a:rPr lang="en-GB" i="1" dirty="0"/>
+              <a:t>part of life</a:t>
+            </a:r>
+            <a:r>
+              <a:rPr lang="en-GB" dirty="0"/>
+              <a:t>)</a:t>
+            </a:r>
+          </a:p>
+          <a:p>
+            <a:pPr lvl="1"/>
+            <a:r>
+              <a:rPr lang="en-GB" dirty="0"/>
+              <a:t>Language selection a bit ambiguous</a:t>
+            </a:r>
+          </a:p>
+          <a:p>
+            <a:pPr lvl="1"/>
+            <a:r>
+              <a:rPr lang="en-GB" dirty="0"/>
+              <a:t>Some random &amp; signs </a:t>
+            </a:r>
+          </a:p>
+          <a:p>
+            <a:pPr lvl="1"/>
+            <a:endParaRPr lang="en-GB" dirty="0"/>
+          </a:p>
+          <a:p>
+            <a:pPr lvl="1"/>
+            <a:r>
+              <a:rPr lang="en-GB" dirty="0"/>
+              <a:t>Are EU and EU-member two different acronyms? </a:t>
+            </a:r>
+          </a:p>
+          <a:p>
+            <a:pPr lvl="1"/>
+            <a:endParaRPr lang="en-GB" dirty="0"/>
+          </a:p>
+          <a:p>
+            <a:pPr lvl="1"/>
+            <a:endParaRPr lang="en-GB" dirty="0"/>
+          </a:p>
+          <a:p>
+            <a:pPr lvl="1"/>
+            <a:endParaRPr lang="en-GB" dirty="0"/>
+          </a:p>
+          <a:p>
+            <a:pPr marL="457200" lvl="1" indent="0">
+              <a:buNone/>
+            </a:pPr>
+            <a:r>
+              <a:rPr lang="en-GB" dirty="0">
+                <a:sym typeface="Wingdings" pitchFamily="2" charset="2"/>
+              </a:rPr>
+              <a:t> </a:t>
+            </a:r>
+            <a:r>
+              <a:rPr lang="en-GB" dirty="0"/>
+              <a:t> </a:t>
+            </a:r>
+          </a:p>
+          <a:p>
+            <a:endParaRPr lang="en-GB" dirty="0"/>
+          </a:p>
+          <a:p>
+            <a:endParaRPr lang="en-GB" dirty="0"/>
+          </a:p>
+          <a:p>
+            <a:pPr lvl="1"/>
+            <a:endParaRPr lang="en-GB" dirty="0"/>
+          </a:p>
+          <a:p>
+            <a:pPr marL="457200" lvl="1" indent="0">
+              <a:buNone/>
+            </a:pPr>
+            <a:endParaRPr lang="en-GB" dirty="0"/>
+          </a:p>
+        </p:txBody>
+      </p:sp>
+      <p:sp>
+        <p:nvSpPr>
+          <p:cNvPr id="4" name="Rectangle 3">
+            <a:extLst>
+              <a:ext uri="{FF2B5EF4-FFF2-40B4-BE49-F238E27FC236}">
+                <a16:creationId xmlns:a16="http://schemas.microsoft.com/office/drawing/2014/main" id="{F86B3DEB-B93F-614E-9E4C-D151112A9036}"/>
               </a:ext>
             </a:extLst>
           </p:cNvPr>
@@ -5051,437 +7295,77 @@
         </p:nvSpPr>
         <p:spPr>
           <a:xfrm>
-            <a:off x="537135" y="988012"/>
-            <a:ext cx="2032000" cy="1771953"/>
+            <a:off x="90616" y="1248032"/>
+            <a:ext cx="12010768" cy="61784"/>
           </a:xfrm>
-          <a:prstGeom prst="roundRect">
+          <a:prstGeom prst="rect">
             <a:avLst/>
           </a:prstGeom>
           <a:solidFill>
-            <a:schemeClr val="accent4">
-              <a:lumMod val="40000"/>
-              <a:lumOff val="60000"/>
-            </a:schemeClr>
+            <a:schemeClr val="accent2"/>
           </a:solidFill>
-          <a:ln w="12700"/>
+          <a:ln>
+            <a:noFill/>
+          </a:ln>
         </p:spPr>
         <p:style>
           <a:lnRef idx="2">
-            <a:schemeClr val="dk1"/>
+            <a:schemeClr val="accent1">
+              <a:shade val="50000"/>
+            </a:schemeClr>
           </a:lnRef>
           <a:fillRef idx="1">
-            <a:schemeClr val="lt1"/>
+            <a:schemeClr val="accent1"/>
           </a:fillRef>
           <a:effectRef idx="0">
-            <a:schemeClr val="dk1"/>
+            <a:schemeClr val="accent1"/>
           </a:effectRef>
           <a:fontRef idx="minor">
-            <a:schemeClr val="dk1"/>
+            <a:schemeClr val="lt1"/>
           </a:fontRef>
         </p:style>
         <p:txBody>
           <a:bodyPr rtlCol="0" anchor="ctr"/>
           <a:lstStyle/>
           <a:p>
-            <a:pPr marL="171450" indent="-171450">
-              <a:buFont typeface="Arial" panose="020B0604020202020204" pitchFamily="34" charset="0"/>
-              <a:buChar char="•"/>
-            </a:pPr>
-            <a:endParaRPr lang="en-GB" sz="1200" dirty="0"/>
-          </a:p>
-          <a:p>
-            <a:pPr marL="171450" indent="-171450">
-              <a:buFont typeface="Arial" panose="020B0604020202020204" pitchFamily="34" charset="0"/>
-              <a:buChar char="•"/>
-            </a:pPr>
-            <a:r>
-              <a:rPr lang="en-GB" sz="1200" dirty="0"/>
-              <a:t>System check with users</a:t>
-            </a:r>
-          </a:p>
-          <a:p>
-            <a:pPr marL="171450" indent="-171450">
-              <a:buFont typeface="Arial" panose="020B0604020202020204" pitchFamily="34" charset="0"/>
-              <a:buChar char="•"/>
-            </a:pPr>
-            <a:endParaRPr lang="en-GB" sz="1200" dirty="0"/>
-          </a:p>
-          <a:p>
-            <a:pPr marL="171450" indent="-171450">
-              <a:buFont typeface="Arial" panose="020B0604020202020204" pitchFamily="34" charset="0"/>
-              <a:buChar char="•"/>
-            </a:pPr>
-            <a:r>
-              <a:rPr lang="en-GB" sz="1200" dirty="0">
-                <a:highlight>
-                  <a:srgbClr val="00FF00"/>
-                </a:highlight>
-              </a:rPr>
-              <a:t>Documents are ready for the system</a:t>
-            </a:r>
-          </a:p>
-          <a:p>
-            <a:pPr marL="171450" indent="-171450">
-              <a:buFont typeface="Arial" panose="020B0604020202020204" pitchFamily="34" charset="0"/>
-              <a:buChar char="•"/>
-            </a:pPr>
-            <a:endParaRPr lang="en-GB" sz="1200" dirty="0"/>
-          </a:p>
-          <a:p>
-            <a:pPr marL="171450" indent="-171450">
-              <a:buFont typeface="Arial" panose="020B0604020202020204" pitchFamily="34" charset="0"/>
-              <a:buChar char="•"/>
-            </a:pPr>
-            <a:r>
-              <a:rPr lang="en-GB" sz="1200" dirty="0">
-                <a:highlight>
-                  <a:srgbClr val="00FF00"/>
-                </a:highlight>
-              </a:rPr>
-              <a:t>System design and instruction text </a:t>
-            </a:r>
-          </a:p>
-        </p:txBody>
-      </p:sp>
-      <p:sp>
-        <p:nvSpPr>
-          <p:cNvPr id="7" name="Rounded Rectangle 6">
-            <a:extLst>
-              <a:ext uri="{FF2B5EF4-FFF2-40B4-BE49-F238E27FC236}">
-                <a16:creationId xmlns:a16="http://schemas.microsoft.com/office/drawing/2014/main" id="{3BC8A43D-F2FA-DB3D-8918-B1C9AD8F77B4}"/>
-              </a:ext>
-            </a:extLst>
-          </p:cNvPr>
-          <p:cNvSpPr/>
+            <a:pPr algn="ctr"/>
+            <a:endParaRPr lang="en-NL"/>
+          </a:p>
+        </p:txBody>
+      </p:sp>
+      <p:pic>
+        <p:nvPicPr>
+          <p:cNvPr id="6" name="Picture 5" descr="Graphical user interface, text, application, email&#10;&#10;Description automatically generated">
+            <a:extLst>
+              <a:ext uri="{FF2B5EF4-FFF2-40B4-BE49-F238E27FC236}">
+                <a16:creationId xmlns:a16="http://schemas.microsoft.com/office/drawing/2014/main" id="{3BB93CDD-AD88-730F-B083-E1798AB660DA}"/>
+              </a:ext>
+            </a:extLst>
+          </p:cNvPr>
+          <p:cNvPicPr>
+            <a:picLocks noChangeAspect="1"/>
+          </p:cNvPicPr>
           <p:nvPr/>
-        </p:nvSpPr>
+        </p:nvPicPr>
+        <p:blipFill rotWithShape="1">
+          <a:blip r:embed="rId3"/>
+          <a:srcRect l="13750" t="4771"/>
+          <a:stretch/>
+        </p:blipFill>
         <p:spPr>
           <a:xfrm>
-            <a:off x="537135" y="682369"/>
-            <a:ext cx="2032000" cy="611287"/>
+            <a:off x="6444584" y="2428874"/>
+            <a:ext cx="5747416" cy="3525837"/>
           </a:xfrm>
-          <a:prstGeom prst="roundRect">
+          <a:prstGeom prst="rect">
             <a:avLst/>
           </a:prstGeom>
-          <a:solidFill>
-            <a:schemeClr val="accent4">
-              <a:lumMod val="60000"/>
-              <a:lumOff val="40000"/>
-            </a:schemeClr>
-          </a:solidFill>
-          <a:ln w="12700"/>
         </p:spPr>
-        <p:style>
-          <a:lnRef idx="2">
-            <a:schemeClr val="dk1"/>
-          </a:lnRef>
-          <a:fillRef idx="1">
-            <a:schemeClr val="lt1"/>
-          </a:fillRef>
-          <a:effectRef idx="0">
-            <a:schemeClr val="dk1"/>
-          </a:effectRef>
-          <a:fontRef idx="minor">
-            <a:schemeClr val="dk1"/>
-          </a:fontRef>
-        </p:style>
-        <p:txBody>
-          <a:bodyPr rtlCol="0" anchor="ctr"/>
-          <a:lstStyle/>
-          <a:p>
-            <a:pPr algn="ctr"/>
-            <a:r>
-              <a:rPr lang="en-GB" sz="1200" dirty="0"/>
-              <a:t>Annotation interface for users:</a:t>
-            </a:r>
-          </a:p>
-        </p:txBody>
-      </p:sp>
-      <p:sp>
-        <p:nvSpPr>
-          <p:cNvPr id="12" name="Rounded Rectangle 11">
-            <a:extLst>
-              <a:ext uri="{FF2B5EF4-FFF2-40B4-BE49-F238E27FC236}">
-                <a16:creationId xmlns:a16="http://schemas.microsoft.com/office/drawing/2014/main" id="{2F781E54-7BF0-DEC3-E167-78FB5CA23646}"/>
-              </a:ext>
-            </a:extLst>
-          </p:cNvPr>
-          <p:cNvSpPr/>
-          <p:nvPr/>
-        </p:nvSpPr>
-        <p:spPr>
-          <a:xfrm>
-            <a:off x="3263009" y="988012"/>
-            <a:ext cx="2032000" cy="1771953"/>
-          </a:xfrm>
-          <a:prstGeom prst="roundRect">
-            <a:avLst/>
-          </a:prstGeom>
-          <a:solidFill>
-            <a:schemeClr val="accent2">
-              <a:lumMod val="40000"/>
-              <a:lumOff val="60000"/>
-            </a:schemeClr>
-          </a:solidFill>
-          <a:ln w="12700"/>
-        </p:spPr>
-        <p:style>
-          <a:lnRef idx="2">
-            <a:schemeClr val="dk1"/>
-          </a:lnRef>
-          <a:fillRef idx="1">
-            <a:schemeClr val="lt1"/>
-          </a:fillRef>
-          <a:effectRef idx="0">
-            <a:schemeClr val="dk1"/>
-          </a:effectRef>
-          <a:fontRef idx="minor">
-            <a:schemeClr val="dk1"/>
-          </a:fontRef>
-        </p:style>
-        <p:txBody>
-          <a:bodyPr rtlCol="0" anchor="ctr"/>
-          <a:lstStyle/>
-          <a:p>
-            <a:pPr marL="171450" indent="-171450">
-              <a:buFont typeface="Arial" panose="020B0604020202020204" pitchFamily="34" charset="0"/>
-              <a:buChar char="•"/>
-            </a:pPr>
-            <a:endParaRPr lang="en-GB" sz="1200" dirty="0"/>
-          </a:p>
-          <a:p>
-            <a:pPr marL="171450" indent="-171450">
-              <a:buFont typeface="Arial" panose="020B0604020202020204" pitchFamily="34" charset="0"/>
-              <a:buChar char="•"/>
-            </a:pPr>
-            <a:r>
-              <a:rPr lang="en-GB" sz="1200" dirty="0"/>
-              <a:t>0/301</a:t>
-            </a:r>
-          </a:p>
-        </p:txBody>
-      </p:sp>
-      <p:sp>
-        <p:nvSpPr>
-          <p:cNvPr id="13" name="Rounded Rectangle 12">
-            <a:extLst>
-              <a:ext uri="{FF2B5EF4-FFF2-40B4-BE49-F238E27FC236}">
-                <a16:creationId xmlns:a16="http://schemas.microsoft.com/office/drawing/2014/main" id="{AE78FBFB-78C1-2978-3791-12705C5765C6}"/>
-              </a:ext>
-            </a:extLst>
-          </p:cNvPr>
-          <p:cNvSpPr/>
-          <p:nvPr/>
-        </p:nvSpPr>
-        <p:spPr>
-          <a:xfrm>
-            <a:off x="3263009" y="682369"/>
-            <a:ext cx="2032000" cy="611287"/>
-          </a:xfrm>
-          <a:prstGeom prst="roundRect">
-            <a:avLst/>
-          </a:prstGeom>
-          <a:solidFill>
-            <a:schemeClr val="accent2">
-              <a:lumMod val="60000"/>
-              <a:lumOff val="40000"/>
-            </a:schemeClr>
-          </a:solidFill>
-          <a:ln w="12700"/>
-        </p:spPr>
-        <p:style>
-          <a:lnRef idx="2">
-            <a:schemeClr val="dk1"/>
-          </a:lnRef>
-          <a:fillRef idx="1">
-            <a:schemeClr val="lt1"/>
-          </a:fillRef>
-          <a:effectRef idx="0">
-            <a:schemeClr val="dk1"/>
-          </a:effectRef>
-          <a:fontRef idx="minor">
-            <a:schemeClr val="dk1"/>
-          </a:fontRef>
-        </p:style>
-        <p:txBody>
-          <a:bodyPr rtlCol="0" anchor="ctr"/>
-          <a:lstStyle/>
-          <a:p>
-            <a:pPr algn="ctr"/>
-            <a:r>
-              <a:rPr lang="en-GB" sz="1200" dirty="0"/>
-              <a:t>User annotations</a:t>
-            </a:r>
-          </a:p>
-        </p:txBody>
-      </p:sp>
-      <p:sp>
-        <p:nvSpPr>
-          <p:cNvPr id="11" name="Rounded Rectangle 10">
-            <a:extLst>
-              <a:ext uri="{FF2B5EF4-FFF2-40B4-BE49-F238E27FC236}">
-                <a16:creationId xmlns:a16="http://schemas.microsoft.com/office/drawing/2014/main" id="{406C9342-302E-AF50-3789-47991849A84A}"/>
-              </a:ext>
-            </a:extLst>
-          </p:cNvPr>
-          <p:cNvSpPr/>
-          <p:nvPr/>
-        </p:nvSpPr>
-        <p:spPr>
-          <a:xfrm>
-            <a:off x="5988883" y="988012"/>
-            <a:ext cx="2032000" cy="2440988"/>
-          </a:xfrm>
-          <a:prstGeom prst="roundRect">
-            <a:avLst/>
-          </a:prstGeom>
-          <a:solidFill>
-            <a:schemeClr val="accent4">
-              <a:lumMod val="40000"/>
-              <a:lumOff val="60000"/>
-            </a:schemeClr>
-          </a:solidFill>
-          <a:ln w="12700"/>
-        </p:spPr>
-        <p:style>
-          <a:lnRef idx="2">
-            <a:schemeClr val="dk1"/>
-          </a:lnRef>
-          <a:fillRef idx="1">
-            <a:schemeClr val="lt1"/>
-          </a:fillRef>
-          <a:effectRef idx="0">
-            <a:schemeClr val="dk1"/>
-          </a:effectRef>
-          <a:fontRef idx="minor">
-            <a:schemeClr val="dk1"/>
-          </a:fontRef>
-        </p:style>
-        <p:txBody>
-          <a:bodyPr rtlCol="0" anchor="ctr"/>
-          <a:lstStyle/>
-          <a:p>
-            <a:pPr marL="171450" indent="-171450">
-              <a:buFont typeface="Arial" panose="020B0604020202020204" pitchFamily="34" charset="0"/>
-              <a:buChar char="•"/>
-            </a:pPr>
-            <a:endParaRPr lang="en-GB" sz="1200" dirty="0"/>
-          </a:p>
-          <a:p>
-            <a:pPr marL="171450" indent="-171450">
-              <a:buFont typeface="Arial" panose="020B0604020202020204" pitchFamily="34" charset="0"/>
-              <a:buChar char="•"/>
-            </a:pPr>
-            <a:r>
-              <a:rPr lang="en-GB" sz="1200" dirty="0">
-                <a:highlight>
-                  <a:srgbClr val="00FF00"/>
-                </a:highlight>
-              </a:rPr>
-              <a:t>Getting a first version running</a:t>
-            </a:r>
-          </a:p>
-          <a:p>
-            <a:pPr marL="171450" indent="-171450">
-              <a:buFont typeface="Arial" panose="020B0604020202020204" pitchFamily="34" charset="0"/>
-              <a:buChar char="•"/>
-            </a:pPr>
-            <a:endParaRPr lang="en-GB" sz="1200" dirty="0"/>
-          </a:p>
-          <a:p>
-            <a:pPr marL="171450" indent="-171450">
-              <a:buFont typeface="Arial" panose="020B0604020202020204" pitchFamily="34" charset="0"/>
-              <a:buChar char="•"/>
-            </a:pPr>
-            <a:r>
-              <a:rPr lang="en-GB" sz="1200" dirty="0"/>
-              <a:t>Running the Dutch benchmarks</a:t>
-            </a:r>
-          </a:p>
-          <a:p>
-            <a:pPr marL="171450" indent="-171450">
-              <a:buFont typeface="Arial" panose="020B0604020202020204" pitchFamily="34" charset="0"/>
-              <a:buChar char="•"/>
-            </a:pPr>
-            <a:endParaRPr lang="en-GB" sz="1200" dirty="0"/>
-          </a:p>
-          <a:p>
-            <a:pPr marL="171450" indent="-171450">
-              <a:buFont typeface="Arial" panose="020B0604020202020204" pitchFamily="34" charset="0"/>
-              <a:buChar char="•"/>
-            </a:pPr>
-            <a:r>
-              <a:rPr lang="en-GB" sz="1200" dirty="0"/>
-              <a:t>Getting a proper understanding of the system </a:t>
-            </a:r>
-          </a:p>
-          <a:p>
-            <a:pPr marL="171450" indent="-171450">
-              <a:buFont typeface="Arial" panose="020B0604020202020204" pitchFamily="34" charset="0"/>
-              <a:buChar char="•"/>
-            </a:pPr>
-            <a:endParaRPr lang="en-GB" sz="1200" dirty="0"/>
-          </a:p>
-        </p:txBody>
-      </p:sp>
-      <p:sp>
-        <p:nvSpPr>
-          <p:cNvPr id="14" name="Rounded Rectangle 13">
-            <a:extLst>
-              <a:ext uri="{FF2B5EF4-FFF2-40B4-BE49-F238E27FC236}">
-                <a16:creationId xmlns:a16="http://schemas.microsoft.com/office/drawing/2014/main" id="{CD3C517C-1018-C4D7-0DDE-7FD75234EAFD}"/>
-              </a:ext>
-            </a:extLst>
-          </p:cNvPr>
-          <p:cNvSpPr/>
-          <p:nvPr/>
-        </p:nvSpPr>
-        <p:spPr>
-          <a:xfrm>
-            <a:off x="5988883" y="682369"/>
-            <a:ext cx="2032000" cy="611287"/>
-          </a:xfrm>
-          <a:prstGeom prst="roundRect">
-            <a:avLst/>
-          </a:prstGeom>
-          <a:solidFill>
-            <a:schemeClr val="accent4">
-              <a:lumMod val="60000"/>
-              <a:lumOff val="40000"/>
-            </a:schemeClr>
-          </a:solidFill>
-          <a:ln w="12700"/>
-        </p:spPr>
-        <p:style>
-          <a:lnRef idx="2">
-            <a:schemeClr val="dk1"/>
-          </a:lnRef>
-          <a:fillRef idx="1">
-            <a:schemeClr val="lt1"/>
-          </a:fillRef>
-          <a:effectRef idx="0">
-            <a:schemeClr val="dk1"/>
-          </a:effectRef>
-          <a:fontRef idx="minor">
-            <a:schemeClr val="dk1"/>
-          </a:fontRef>
-        </p:style>
-        <p:txBody>
-          <a:bodyPr rtlCol="0" anchor="ctr"/>
-          <a:lstStyle/>
-          <a:p>
-            <a:pPr algn="ctr"/>
-            <a:r>
-              <a:rPr lang="en-GB" sz="1200" dirty="0"/>
-              <a:t>Bert Phase one</a:t>
-            </a:r>
-          </a:p>
-        </p:txBody>
-      </p:sp>
+      </p:pic>
     </p:spTree>
     <p:extLst>
       <p:ext uri="{BB962C8B-B14F-4D97-AF65-F5344CB8AC3E}">
-        <p14:creationId xmlns:p14="http://schemas.microsoft.com/office/powerpoint/2010/main" val="2108498872"/>
+        <p14:creationId xmlns:p14="http://schemas.microsoft.com/office/powerpoint/2010/main" val="2804407771"/>
       </p:ext>
     </p:extLst>
   </p:cSld>
@@ -5561,17 +7445,69 @@
           <a:p>
             <a:r>
               <a:rPr lang="en-GB" dirty="0"/>
-              <a:t>Time line update </a:t>
-            </a:r>
-          </a:p>
-          <a:p>
+              <a:t>To do’s </a:t>
+            </a:r>
+          </a:p>
+          <a:p>
+            <a:pPr lvl="1"/>
+            <a:r>
+              <a:rPr lang="en-GB" dirty="0"/>
+              <a:t>Testing the system on 3 other users</a:t>
+            </a:r>
+          </a:p>
+          <a:p>
+            <a:pPr lvl="1"/>
+            <a:r>
+              <a:rPr lang="en-GB" dirty="0"/>
+              <a:t>Continue exploring the system</a:t>
+            </a:r>
+          </a:p>
+          <a:p>
+            <a:pPr lvl="2"/>
+            <a:r>
+              <a:rPr lang="en-GB" dirty="0"/>
+              <a:t>Explore T error </a:t>
+            </a:r>
+          </a:p>
+          <a:p>
+            <a:pPr lvl="2"/>
+            <a:r>
+              <a:rPr lang="en-GB" dirty="0"/>
+              <a:t>Make it running (and look at João’s code)</a:t>
+            </a:r>
+          </a:p>
+          <a:p>
+            <a:pPr lvl="2"/>
+            <a:r>
+              <a:rPr lang="en-GB" dirty="0"/>
+              <a:t>Run and eval multi-L</a:t>
+            </a:r>
+          </a:p>
+          <a:p>
+            <a:pPr lvl="2"/>
+            <a:r>
+              <a:rPr lang="en-GB"/>
+              <a:t>Show João </a:t>
+            </a:r>
+            <a:r>
+              <a:rPr lang="en-GB" dirty="0"/>
+              <a:t>Methodology</a:t>
+            </a:r>
+          </a:p>
+          <a:p>
+            <a:pPr lvl="2"/>
             <a:endParaRPr lang="en-GB" dirty="0"/>
           </a:p>
           <a:p>
+            <a:pPr lvl="1"/>
             <a:r>
               <a:rPr lang="en-GB" dirty="0"/>
-              <a:t>To do’s </a:t>
-            </a:r>
+              <a:t>Thesis session </a:t>
+            </a:r>
+          </a:p>
+          <a:p>
+            <a:pPr lvl="1"/>
+            <a:endParaRPr lang="en-GB" dirty="0"/>
           </a:p>
           <a:p>
             <a:pPr marL="457200" lvl="1" indent="0">
@@ -8549,4 +10485,299 @@
     </a:ext>
   </a:extLst>
 </a:theme>
+</file>
+
+<file path=ppt/theme/theme2.xml><?xml version="1.0" encoding="utf-8"?>
+<a:theme xmlns:a="http://schemas.openxmlformats.org/drawingml/2006/main" name="Office Theme">
+  <a:themeElements>
+    <a:clrScheme name="Office">
+      <a:dk1>
+        <a:sysClr val="windowText" lastClr="000000"/>
+      </a:dk1>
+      <a:lt1>
+        <a:sysClr val="window" lastClr="FFFFFF"/>
+      </a:lt1>
+      <a:dk2>
+        <a:srgbClr val="44546A"/>
+      </a:dk2>
+      <a:lt2>
+        <a:srgbClr val="E7E6E6"/>
+      </a:lt2>
+      <a:accent1>
+        <a:srgbClr val="4472C4"/>
+      </a:accent1>
+      <a:accent2>
+        <a:srgbClr val="ED7D31"/>
+      </a:accent2>
+      <a:accent3>
+        <a:srgbClr val="A5A5A5"/>
+      </a:accent3>
+      <a:accent4>
+        <a:srgbClr val="FFC000"/>
+      </a:accent4>
+      <a:accent5>
+        <a:srgbClr val="5B9BD5"/>
+      </a:accent5>
+      <a:accent6>
+        <a:srgbClr val="70AD47"/>
+      </a:accent6>
+      <a:hlink>
+        <a:srgbClr val="0563C1"/>
+      </a:hlink>
+      <a:folHlink>
+        <a:srgbClr val="954F72"/>
+      </a:folHlink>
+    </a:clrScheme>
+    <a:fontScheme name="Office">
+      <a:majorFont>
+        <a:latin typeface="Calibri Light" panose="020F0302020204030204"/>
+        <a:ea typeface=""/>
+        <a:cs typeface=""/>
+        <a:font script="Jpan" typeface="游ゴシック Light"/>
+        <a:font script="Hang" typeface="맑은 고딕"/>
+        <a:font script="Hans" typeface="等线 Light"/>
+        <a:font script="Hant" typeface="新細明體"/>
+        <a:font script="Arab" typeface="Times New Roman"/>
+        <a:font script="Hebr" typeface="Times New Roman"/>
+        <a:font script="Thai" typeface="Angsana New"/>
+        <a:font script="Ethi" typeface="Nyala"/>
+        <a:font script="Beng" typeface="Vrinda"/>
+        <a:font script="Gujr" typeface="Shruti"/>
+        <a:font script="Khmr" typeface="MoolBoran"/>
+        <a:font script="Knda" typeface="Tunga"/>
+        <a:font script="Guru" typeface="Raavi"/>
+        <a:font script="Cans" typeface="Euphemia"/>
+        <a:font script="Cher" typeface="Plantagenet Cherokee"/>
+        <a:font script="Yiii" typeface="Microsoft Yi Baiti"/>
+        <a:font script="Tibt" typeface="Microsoft Himalaya"/>
+        <a:font script="Thaa" typeface="MV Boli"/>
+        <a:font script="Deva" typeface="Mangal"/>
+        <a:font script="Telu" typeface="Gautami"/>
+        <a:font script="Taml" typeface="Latha"/>
+        <a:font script="Syrc" typeface="Estrangelo Edessa"/>
+        <a:font script="Orya" typeface="Kalinga"/>
+        <a:font script="Mlym" typeface="Kartika"/>
+        <a:font script="Laoo" typeface="DokChampa"/>
+        <a:font script="Sinh" typeface="Iskoola Pota"/>
+        <a:font script="Mong" typeface="Mongolian Baiti"/>
+        <a:font script="Viet" typeface="Times New Roman"/>
+        <a:font script="Uigh" typeface="Microsoft Uighur"/>
+        <a:font script="Geor" typeface="Sylfaen"/>
+        <a:font script="Armn" typeface="Arial"/>
+        <a:font script="Bugi" typeface="Leelawadee UI"/>
+        <a:font script="Bopo" typeface="Microsoft JhengHei"/>
+        <a:font script="Java" typeface="Javanese Text"/>
+        <a:font script="Lisu" typeface="Segoe UI"/>
+        <a:font script="Mymr" typeface="Myanmar Text"/>
+        <a:font script="Nkoo" typeface="Ebrima"/>
+        <a:font script="Olck" typeface="Nirmala UI"/>
+        <a:font script="Osma" typeface="Ebrima"/>
+        <a:font script="Phag" typeface="Phagspa"/>
+        <a:font script="Syrn" typeface="Estrangelo Edessa"/>
+        <a:font script="Syrj" typeface="Estrangelo Edessa"/>
+        <a:font script="Syre" typeface="Estrangelo Edessa"/>
+        <a:font script="Sora" typeface="Nirmala UI"/>
+        <a:font script="Tale" typeface="Microsoft Tai Le"/>
+        <a:font script="Talu" typeface="Microsoft New Tai Lue"/>
+        <a:font script="Tfng" typeface="Ebrima"/>
+      </a:majorFont>
+      <a:minorFont>
+        <a:latin typeface="Calibri" panose="020F0502020204030204"/>
+        <a:ea typeface=""/>
+        <a:cs typeface=""/>
+        <a:font script="Jpan" typeface="游ゴシック"/>
+        <a:font script="Hang" typeface="맑은 고딕"/>
+        <a:font script="Hans" typeface="等线"/>
+        <a:font script="Hant" typeface="新細明體"/>
+        <a:font script="Arab" typeface="Arial"/>
+        <a:font script="Hebr" typeface="Arial"/>
+        <a:font script="Thai" typeface="Cordia New"/>
+        <a:font script="Ethi" typeface="Nyala"/>
+        <a:font script="Beng" typeface="Vrinda"/>
+        <a:font script="Gujr" typeface="Shruti"/>
+        <a:font script="Khmr" typeface="DaunPenh"/>
+        <a:font script="Knda" typeface="Tunga"/>
+        <a:font script="Guru" typeface="Raavi"/>
+        <a:font script="Cans" typeface="Euphemia"/>
+        <a:font script="Cher" typeface="Plantagenet Cherokee"/>
+        <a:font script="Yiii" typeface="Microsoft Yi Baiti"/>
+        <a:font script="Tibt" typeface="Microsoft Himalaya"/>
+        <a:font script="Thaa" typeface="MV Boli"/>
+        <a:font script="Deva" typeface="Mangal"/>
+        <a:font script="Telu" typeface="Gautami"/>
+        <a:font script="Taml" typeface="Latha"/>
+        <a:font script="Syrc" typeface="Estrangelo Edessa"/>
+        <a:font script="Orya" typeface="Kalinga"/>
+        <a:font script="Mlym" typeface="Kartika"/>
+        <a:font script="Laoo" typeface="DokChampa"/>
+        <a:font script="Sinh" typeface="Iskoola Pota"/>
+        <a:font script="Mong" typeface="Mongolian Baiti"/>
+        <a:font script="Viet" typeface="Arial"/>
+        <a:font script="Uigh" typeface="Microsoft Uighur"/>
+        <a:font script="Geor" typeface="Sylfaen"/>
+        <a:font script="Armn" typeface="Arial"/>
+        <a:font script="Bugi" typeface="Leelawadee UI"/>
+        <a:font script="Bopo" typeface="Microsoft JhengHei"/>
+        <a:font script="Java" typeface="Javanese Text"/>
+        <a:font script="Lisu" typeface="Segoe UI"/>
+        <a:font script="Mymr" typeface="Myanmar Text"/>
+        <a:font script="Nkoo" typeface="Ebrima"/>
+        <a:font script="Olck" typeface="Nirmala UI"/>
+        <a:font script="Osma" typeface="Ebrima"/>
+        <a:font script="Phag" typeface="Phagspa"/>
+        <a:font script="Syrn" typeface="Estrangelo Edessa"/>
+        <a:font script="Syrj" typeface="Estrangelo Edessa"/>
+        <a:font script="Syre" typeface="Estrangelo Edessa"/>
+        <a:font script="Sora" typeface="Nirmala UI"/>
+        <a:font script="Tale" typeface="Microsoft Tai Le"/>
+        <a:font script="Talu" typeface="Microsoft New Tai Lue"/>
+        <a:font script="Tfng" typeface="Ebrima"/>
+      </a:minorFont>
+    </a:fontScheme>
+    <a:fmtScheme name="Office">
+      <a:fillStyleLst>
+        <a:solidFill>
+          <a:schemeClr val="phClr"/>
+        </a:solidFill>
+        <a:gradFill rotWithShape="1">
+          <a:gsLst>
+            <a:gs pos="0">
+              <a:schemeClr val="phClr">
+                <a:lumMod val="110000"/>
+                <a:satMod val="105000"/>
+                <a:tint val="67000"/>
+              </a:schemeClr>
+            </a:gs>
+            <a:gs pos="50000">
+              <a:schemeClr val="phClr">
+                <a:lumMod val="105000"/>
+                <a:satMod val="103000"/>
+                <a:tint val="73000"/>
+              </a:schemeClr>
+            </a:gs>
+            <a:gs pos="100000">
+              <a:schemeClr val="phClr">
+                <a:lumMod val="105000"/>
+                <a:satMod val="109000"/>
+                <a:tint val="81000"/>
+              </a:schemeClr>
+            </a:gs>
+          </a:gsLst>
+          <a:lin ang="5400000" scaled="0"/>
+        </a:gradFill>
+        <a:gradFill rotWithShape="1">
+          <a:gsLst>
+            <a:gs pos="0">
+              <a:schemeClr val="phClr">
+                <a:satMod val="103000"/>
+                <a:lumMod val="102000"/>
+                <a:tint val="94000"/>
+              </a:schemeClr>
+            </a:gs>
+            <a:gs pos="50000">
+              <a:schemeClr val="phClr">
+                <a:satMod val="110000"/>
+                <a:lumMod val="100000"/>
+                <a:shade val="100000"/>
+              </a:schemeClr>
+            </a:gs>
+            <a:gs pos="100000">
+              <a:schemeClr val="phClr">
+                <a:lumMod val="99000"/>
+                <a:satMod val="120000"/>
+                <a:shade val="78000"/>
+              </a:schemeClr>
+            </a:gs>
+          </a:gsLst>
+          <a:lin ang="5400000" scaled="0"/>
+        </a:gradFill>
+      </a:fillStyleLst>
+      <a:lnStyleLst>
+        <a:ln w="6350" cap="flat" cmpd="sng" algn="ctr">
+          <a:solidFill>
+            <a:schemeClr val="phClr"/>
+          </a:solidFill>
+          <a:prstDash val="solid"/>
+          <a:miter lim="800000"/>
+        </a:ln>
+        <a:ln w="12700" cap="flat" cmpd="sng" algn="ctr">
+          <a:solidFill>
+            <a:schemeClr val="phClr"/>
+          </a:solidFill>
+          <a:prstDash val="solid"/>
+          <a:miter lim="800000"/>
+        </a:ln>
+        <a:ln w="19050" cap="flat" cmpd="sng" algn="ctr">
+          <a:solidFill>
+            <a:schemeClr val="phClr"/>
+          </a:solidFill>
+          <a:prstDash val="solid"/>
+          <a:miter lim="800000"/>
+        </a:ln>
+      </a:lnStyleLst>
+      <a:effectStyleLst>
+        <a:effectStyle>
+          <a:effectLst/>
+        </a:effectStyle>
+        <a:effectStyle>
+          <a:effectLst/>
+        </a:effectStyle>
+        <a:effectStyle>
+          <a:effectLst>
+            <a:outerShdw blurRad="57150" dist="19050" dir="5400000" algn="ctr" rotWithShape="0">
+              <a:srgbClr val="000000">
+                <a:alpha val="63000"/>
+              </a:srgbClr>
+            </a:outerShdw>
+          </a:effectLst>
+        </a:effectStyle>
+      </a:effectStyleLst>
+      <a:bgFillStyleLst>
+        <a:solidFill>
+          <a:schemeClr val="phClr"/>
+        </a:solidFill>
+        <a:solidFill>
+          <a:schemeClr val="phClr">
+            <a:tint val="95000"/>
+            <a:satMod val="170000"/>
+          </a:schemeClr>
+        </a:solidFill>
+        <a:gradFill rotWithShape="1">
+          <a:gsLst>
+            <a:gs pos="0">
+              <a:schemeClr val="phClr">
+                <a:tint val="93000"/>
+                <a:satMod val="150000"/>
+                <a:shade val="98000"/>
+                <a:lumMod val="102000"/>
+              </a:schemeClr>
+            </a:gs>
+            <a:gs pos="50000">
+              <a:schemeClr val="phClr">
+                <a:tint val="98000"/>
+                <a:satMod val="130000"/>
+                <a:shade val="90000"/>
+                <a:lumMod val="103000"/>
+              </a:schemeClr>
+            </a:gs>
+            <a:gs pos="100000">
+              <a:schemeClr val="phClr">
+                <a:shade val="63000"/>
+                <a:satMod val="120000"/>
+              </a:schemeClr>
+            </a:gs>
+          </a:gsLst>
+          <a:lin ang="5400000" scaled="0"/>
+        </a:gradFill>
+      </a:bgFillStyleLst>
+    </a:fmtScheme>
+  </a:themeElements>
+  <a:objectDefaults/>
+  <a:extraClrSchemeLst/>
+  <a:extLst>
+    <a:ext uri="{05A4C25C-085E-4340-85A3-A5531E510DB2}">
+      <thm15:themeFamily xmlns:thm15="http://schemas.microsoft.com/office/thememl/2012/main" name="Office Theme" id="{62F939B6-93AF-4DB8-9C6B-D6C7DFDC589F}" vid="{4A3C46E8-61CC-4603-A589-7422A47A8E4A}"/>
+    </a:ext>
+  </a:extLst>
+</a:theme>
 </file>
--- a/Supporting_files/Weekly_thesis_meeting.pptx
+++ b/Supporting_files/Weekly_thesis_meeting.pptx
@@ -5,25 +5,28 @@
     <p:sldMasterId id="2147483648" r:id="rId1"/>
   </p:sldMasterIdLst>
   <p:notesMasterIdLst>
-    <p:notesMasterId r:id="rId18"/>
+    <p:notesMasterId r:id="rId21"/>
   </p:notesMasterIdLst>
   <p:sldIdLst>
     <p:sldId id="272" r:id="rId2"/>
-    <p:sldId id="273" r:id="rId3"/>
-    <p:sldId id="277" r:id="rId4"/>
-    <p:sldId id="274" r:id="rId5"/>
-    <p:sldId id="271" r:id="rId6"/>
-    <p:sldId id="270" r:id="rId7"/>
-    <p:sldId id="268" r:id="rId8"/>
-    <p:sldId id="266" r:id="rId9"/>
-    <p:sldId id="256" r:id="rId10"/>
-    <p:sldId id="262" r:id="rId11"/>
-    <p:sldId id="263" r:id="rId12"/>
-    <p:sldId id="267" r:id="rId13"/>
-    <p:sldId id="257" r:id="rId14"/>
-    <p:sldId id="258" r:id="rId15"/>
-    <p:sldId id="275" r:id="rId16"/>
-    <p:sldId id="278" r:id="rId17"/>
+    <p:sldId id="280" r:id="rId3"/>
+    <p:sldId id="282" r:id="rId4"/>
+    <p:sldId id="279" r:id="rId5"/>
+    <p:sldId id="273" r:id="rId6"/>
+    <p:sldId id="277" r:id="rId7"/>
+    <p:sldId id="274" r:id="rId8"/>
+    <p:sldId id="271" r:id="rId9"/>
+    <p:sldId id="270" r:id="rId10"/>
+    <p:sldId id="268" r:id="rId11"/>
+    <p:sldId id="266" r:id="rId12"/>
+    <p:sldId id="256" r:id="rId13"/>
+    <p:sldId id="262" r:id="rId14"/>
+    <p:sldId id="263" r:id="rId15"/>
+    <p:sldId id="267" r:id="rId16"/>
+    <p:sldId id="257" r:id="rId17"/>
+    <p:sldId id="258" r:id="rId18"/>
+    <p:sldId id="275" r:id="rId19"/>
+    <p:sldId id="278" r:id="rId20"/>
   </p:sldIdLst>
   <p:sldSz cx="12192000" cy="6858000"/>
   <p:notesSz cx="6858000" cy="9144000"/>
@@ -212,7 +215,7 @@
           <a:p>
             <a:fld id="{892E7D1A-9268-4246-B1A0-D96CDA23D014}" type="datetimeFigureOut">
               <a:rPr lang="en-NL" smtClean="0"/>
-              <a:t>03/05/2022</a:t>
+              <a:t>09/05/2022</a:t>
             </a:fld>
             <a:endParaRPr lang="en-NL"/>
           </a:p>
@@ -545,7 +548,7 @@
           <a:p>
             <a:fld id="{84250FEE-57FF-8D44-8A03-382DB9362E7F}" type="slidenum">
               <a:rPr lang="en-NL" smtClean="0"/>
-              <a:t>3</a:t>
+              <a:t>6</a:t>
             </a:fld>
             <a:endParaRPr lang="en-NL"/>
           </a:p>
@@ -713,7 +716,7 @@
           <a:p>
             <a:fld id="{EF252827-A727-7A48-98A8-A94B1A953A0F}" type="datetimeFigureOut">
               <a:rPr lang="en-NL" smtClean="0"/>
-              <a:t>03/05/2022</a:t>
+              <a:t>09/05/2022</a:t>
             </a:fld>
             <a:endParaRPr lang="en-NL"/>
           </a:p>
@@ -913,7 +916,7 @@
           <a:p>
             <a:fld id="{EF252827-A727-7A48-98A8-A94B1A953A0F}" type="datetimeFigureOut">
               <a:rPr lang="en-NL" smtClean="0"/>
-              <a:t>03/05/2022</a:t>
+              <a:t>09/05/2022</a:t>
             </a:fld>
             <a:endParaRPr lang="en-NL"/>
           </a:p>
@@ -1123,7 +1126,7 @@
           <a:p>
             <a:fld id="{EF252827-A727-7A48-98A8-A94B1A953A0F}" type="datetimeFigureOut">
               <a:rPr lang="en-NL" smtClean="0"/>
-              <a:t>03/05/2022</a:t>
+              <a:t>09/05/2022</a:t>
             </a:fld>
             <a:endParaRPr lang="en-NL"/>
           </a:p>
@@ -1323,7 +1326,7 @@
           <a:p>
             <a:fld id="{EF252827-A727-7A48-98A8-A94B1A953A0F}" type="datetimeFigureOut">
               <a:rPr lang="en-NL" smtClean="0"/>
-              <a:t>03/05/2022</a:t>
+              <a:t>09/05/2022</a:t>
             </a:fld>
             <a:endParaRPr lang="en-NL"/>
           </a:p>
@@ -1599,7 +1602,7 @@
           <a:p>
             <a:fld id="{EF252827-A727-7A48-98A8-A94B1A953A0F}" type="datetimeFigureOut">
               <a:rPr lang="en-NL" smtClean="0"/>
-              <a:t>03/05/2022</a:t>
+              <a:t>09/05/2022</a:t>
             </a:fld>
             <a:endParaRPr lang="en-NL"/>
           </a:p>
@@ -1867,7 +1870,7 @@
           <a:p>
             <a:fld id="{EF252827-A727-7A48-98A8-A94B1A953A0F}" type="datetimeFigureOut">
               <a:rPr lang="en-NL" smtClean="0"/>
-              <a:t>03/05/2022</a:t>
+              <a:t>09/05/2022</a:t>
             </a:fld>
             <a:endParaRPr lang="en-NL"/>
           </a:p>
@@ -2282,7 +2285,7 @@
           <a:p>
             <a:fld id="{EF252827-A727-7A48-98A8-A94B1A953A0F}" type="datetimeFigureOut">
               <a:rPr lang="en-NL" smtClean="0"/>
-              <a:t>03/05/2022</a:t>
+              <a:t>09/05/2022</a:t>
             </a:fld>
             <a:endParaRPr lang="en-NL"/>
           </a:p>
@@ -2424,7 +2427,7 @@
           <a:p>
             <a:fld id="{EF252827-A727-7A48-98A8-A94B1A953A0F}" type="datetimeFigureOut">
               <a:rPr lang="en-NL" smtClean="0"/>
-              <a:t>03/05/2022</a:t>
+              <a:t>09/05/2022</a:t>
             </a:fld>
             <a:endParaRPr lang="en-NL"/>
           </a:p>
@@ -2537,7 +2540,7 @@
           <a:p>
             <a:fld id="{EF252827-A727-7A48-98A8-A94B1A953A0F}" type="datetimeFigureOut">
               <a:rPr lang="en-NL" smtClean="0"/>
-              <a:t>03/05/2022</a:t>
+              <a:t>09/05/2022</a:t>
             </a:fld>
             <a:endParaRPr lang="en-NL"/>
           </a:p>
@@ -2850,7 +2853,7 @@
           <a:p>
             <a:fld id="{EF252827-A727-7A48-98A8-A94B1A953A0F}" type="datetimeFigureOut">
               <a:rPr lang="en-NL" smtClean="0"/>
-              <a:t>03/05/2022</a:t>
+              <a:t>09/05/2022</a:t>
             </a:fld>
             <a:endParaRPr lang="en-NL"/>
           </a:p>
@@ -3139,7 +3142,7 @@
           <a:p>
             <a:fld id="{EF252827-A727-7A48-98A8-A94B1A953A0F}" type="datetimeFigureOut">
               <a:rPr lang="en-NL" smtClean="0"/>
-              <a:t>03/05/2022</a:t>
+              <a:t>09/05/2022</a:t>
             </a:fld>
             <a:endParaRPr lang="en-NL"/>
           </a:p>
@@ -3382,7 +3385,7 @@
           <a:p>
             <a:fld id="{EF252827-A727-7A48-98A8-A94B1A953A0F}" type="datetimeFigureOut">
               <a:rPr lang="en-NL" smtClean="0"/>
-              <a:t>03/05/2022</a:t>
+              <a:t>09/05/2022</a:t>
             </a:fld>
             <a:endParaRPr lang="en-NL"/>
           </a:p>
@@ -3991,11 +3994,11 @@
             <a:pPr algn="r"/>
             <a:r>
               <a:rPr lang="en-US" dirty="0"/>
-              <a:t>May 3</a:t>
+              <a:t>May 9</a:t>
             </a:r>
             <a:r>
               <a:rPr lang="en-US" baseline="30000" dirty="0"/>
-              <a:t>rd</a:t>
+              <a:t>th</a:t>
             </a:r>
             <a:r>
               <a:rPr lang="en-US" kern="1200" dirty="0">
@@ -4212,6 +4215,1917 @@
 <file path=ppt/slides/slide10.xml><?xml version="1.0" encoding="utf-8"?>
 <p:sld xmlns:a="http://schemas.openxmlformats.org/drawingml/2006/main" xmlns:r="http://schemas.openxmlformats.org/officeDocument/2006/relationships" xmlns:p="http://schemas.openxmlformats.org/presentationml/2006/main">
   <p:cSld>
+    <p:bg>
+      <p:bgPr>
+        <a:solidFill>
+          <a:schemeClr val="bg1"/>
+        </a:solidFill>
+        <a:effectLst/>
+      </p:bgPr>
+    </p:bg>
+    <p:spTree>
+      <p:nvGrpSpPr>
+        <p:cNvPr id="1" name=""/>
+        <p:cNvGrpSpPr/>
+        <p:nvPr/>
+      </p:nvGrpSpPr>
+      <p:grpSpPr>
+        <a:xfrm>
+          <a:off x="0" y="0"/>
+          <a:ext cx="0" cy="0"/>
+          <a:chOff x="0" y="0"/>
+          <a:chExt cx="0" cy="0"/>
+        </a:xfrm>
+      </p:grpSpPr>
+      <p:sp useBgFill="1">
+        <p:nvSpPr>
+          <p:cNvPr id="10" name="Rectangle 9">
+            <a:extLst>
+              <a:ext uri="{FF2B5EF4-FFF2-40B4-BE49-F238E27FC236}">
+                <a16:creationId xmlns:a16="http://schemas.microsoft.com/office/drawing/2014/main" id="{BAD76F3E-3A97-486B-B402-44400A8B9173}"/>
+              </a:ext>
+              <a:ext uri="{C183D7F6-B498-43B3-948B-1728B52AA6E4}">
+                <adec:decorative xmlns:adec="http://schemas.microsoft.com/office/drawing/2017/decorative" val="1"/>
+              </a:ext>
+            </a:extLst>
+          </p:cNvPr>
+          <p:cNvSpPr>
+            <a:spLocks noGrp="1" noRot="1" noChangeAspect="1" noMove="1" noResize="1" noEditPoints="1" noAdjustHandles="1" noChangeArrowheads="1" noChangeShapeType="1" noTextEdit="1"/>
+          </p:cNvSpPr>
+          <p:nvPr>
+            <p:extLst>
+              <p:ext uri="{386F3935-93C4-4BCD-93E2-E3B085C9AB24}">
+                <p16:designElem xmlns:p16="http://schemas.microsoft.com/office/powerpoint/2015/main" val="1"/>
+              </p:ext>
+            </p:extLst>
+          </p:nvPr>
+        </p:nvSpPr>
+        <p:spPr>
+          <a:xfrm>
+            <a:off x="0" y="0"/>
+            <a:ext cx="12192000" cy="6858000"/>
+          </a:xfrm>
+          <a:prstGeom prst="rect">
+            <a:avLst/>
+          </a:prstGeom>
+          <a:ln>
+            <a:noFill/>
+          </a:ln>
+        </p:spPr>
+        <p:style>
+          <a:lnRef idx="2">
+            <a:schemeClr val="accent1">
+              <a:shade val="50000"/>
+            </a:schemeClr>
+          </a:lnRef>
+          <a:fillRef idx="1">
+            <a:schemeClr val="accent1"/>
+          </a:fillRef>
+          <a:effectRef idx="0">
+            <a:schemeClr val="accent1"/>
+          </a:effectRef>
+          <a:fontRef idx="minor">
+            <a:schemeClr val="lt1"/>
+          </a:fontRef>
+        </p:style>
+        <p:txBody>
+          <a:bodyPr rtlCol="0" anchor="ctr"/>
+          <a:lstStyle/>
+          <a:p>
+            <a:pPr marL="0" marR="0" lvl="0" indent="0" algn="ctr" defTabSz="914400" rtl="0" eaLnBrk="1" fontAlgn="auto" latinLnBrk="0" hangingPunct="1">
+              <a:lnSpc>
+                <a:spcPct val="100000"/>
+              </a:lnSpc>
+              <a:spcBef>
+                <a:spcPts val="0"/>
+              </a:spcBef>
+              <a:spcAft>
+                <a:spcPts val="0"/>
+              </a:spcAft>
+              <a:buClrTx/>
+              <a:buSzTx/>
+              <a:buFontTx/>
+              <a:buNone/>
+              <a:tabLst/>
+              <a:defRPr/>
+            </a:pPr>
+            <a:endParaRPr kumimoji="0" lang="en-US" sz="1800" b="0" i="0" u="none" strike="noStrike" kern="1200" cap="none" spc="0" normalizeH="0" baseline="0" noProof="0">
+              <a:ln>
+                <a:noFill/>
+              </a:ln>
+              <a:solidFill>
+                <a:prstClr val="white"/>
+              </a:solidFill>
+              <a:effectLst/>
+              <a:uLnTx/>
+              <a:uFillTx/>
+              <a:latin typeface="Calibri" panose="020F0502020204030204"/>
+              <a:ea typeface="+mn-ea"/>
+              <a:cs typeface="+mn-cs"/>
+            </a:endParaRPr>
+          </a:p>
+        </p:txBody>
+      </p:sp>
+      <p:sp>
+        <p:nvSpPr>
+          <p:cNvPr id="5" name="TextBox 4">
+            <a:extLst>
+              <a:ext uri="{FF2B5EF4-FFF2-40B4-BE49-F238E27FC236}">
+                <a16:creationId xmlns:a16="http://schemas.microsoft.com/office/drawing/2014/main" id="{9480897E-8F40-744B-A0A7-43CF8AF09C74}"/>
+              </a:ext>
+            </a:extLst>
+          </p:cNvPr>
+          <p:cNvSpPr txBox="1"/>
+          <p:nvPr/>
+        </p:nvSpPr>
+        <p:spPr>
+          <a:xfrm>
+            <a:off x="838199" y="1093788"/>
+            <a:ext cx="10506455" cy="2967208"/>
+          </a:xfrm>
+          <a:prstGeom prst="rect">
+            <a:avLst/>
+          </a:prstGeom>
+        </p:spPr>
+        <p:txBody>
+          <a:bodyPr vert="horz" lIns="91440" tIns="45720" rIns="91440" bIns="45720" rtlCol="0" anchor="b">
+            <a:normAutofit/>
+          </a:bodyPr>
+          <a:lstStyle/>
+          <a:p>
+            <a:pPr marL="0" marR="0" lvl="0" indent="0" algn="l" defTabSz="914400" rtl="0" eaLnBrk="1" fontAlgn="auto" latinLnBrk="0" hangingPunct="1">
+              <a:lnSpc>
+                <a:spcPct val="90000"/>
+              </a:lnSpc>
+              <a:spcBef>
+                <a:spcPct val="0"/>
+              </a:spcBef>
+              <a:spcAft>
+                <a:spcPts val="600"/>
+              </a:spcAft>
+              <a:buClrTx/>
+              <a:buSzTx/>
+              <a:buFontTx/>
+              <a:buNone/>
+              <a:tabLst/>
+              <a:defRPr/>
+            </a:pPr>
+            <a:r>
+              <a:rPr kumimoji="0" lang="en-US" sz="8000" b="0" i="0" u="none" strike="noStrike" kern="1200" cap="none" spc="0" normalizeH="0" baseline="0" noProof="0" dirty="0">
+                <a:ln>
+                  <a:noFill/>
+                </a:ln>
+                <a:solidFill>
+                  <a:prstClr val="black"/>
+                </a:solidFill>
+                <a:effectLst/>
+                <a:uLnTx/>
+                <a:uFillTx/>
+                <a:latin typeface="Calibri Light" panose="020F0302020204030204"/>
+                <a:ea typeface="+mn-ea"/>
+                <a:cs typeface="+mn-cs"/>
+              </a:rPr>
+              <a:t>Weekly Thesis meeting</a:t>
+            </a:r>
+          </a:p>
+        </p:txBody>
+      </p:sp>
+      <p:sp>
+        <p:nvSpPr>
+          <p:cNvPr id="3" name="Subtitle 2">
+            <a:extLst>
+              <a:ext uri="{FF2B5EF4-FFF2-40B4-BE49-F238E27FC236}">
+                <a16:creationId xmlns:a16="http://schemas.microsoft.com/office/drawing/2014/main" id="{14E0F9EE-123A-DF41-B73D-0539E601A3C3}"/>
+              </a:ext>
+            </a:extLst>
+          </p:cNvPr>
+          <p:cNvSpPr>
+            <a:spLocks noGrp="1"/>
+          </p:cNvSpPr>
+          <p:nvPr>
+            <p:ph type="subTitle" idx="1"/>
+          </p:nvPr>
+        </p:nvSpPr>
+        <p:spPr>
+          <a:xfrm>
+            <a:off x="7400924" y="4619624"/>
+            <a:ext cx="3946779" cy="1038225"/>
+          </a:xfrm>
+        </p:spPr>
+        <p:txBody>
+          <a:bodyPr vert="horz" lIns="91440" tIns="45720" rIns="91440" bIns="45720" rtlCol="0">
+            <a:normAutofit/>
+          </a:bodyPr>
+          <a:lstStyle/>
+          <a:p>
+            <a:pPr algn="r"/>
+            <a:r>
+              <a:rPr lang="en-US" dirty="0"/>
+              <a:t>April</a:t>
+            </a:r>
+            <a:r>
+              <a:rPr lang="en-US" kern="1200" dirty="0">
+                <a:solidFill>
+                  <a:schemeClr val="tx1"/>
+                </a:solidFill>
+                <a:latin typeface="+mn-lt"/>
+                <a:ea typeface="+mn-ea"/>
+                <a:cs typeface="+mn-cs"/>
+              </a:rPr>
+              <a:t> </a:t>
+            </a:r>
+            <a:r>
+              <a:rPr lang="en-US" dirty="0"/>
+              <a:t>5</a:t>
+            </a:r>
+            <a:r>
+              <a:rPr lang="en-US" kern="1200" baseline="30000" dirty="0">
+                <a:solidFill>
+                  <a:schemeClr val="tx1"/>
+                </a:solidFill>
+                <a:latin typeface="+mn-lt"/>
+                <a:ea typeface="+mn-ea"/>
+                <a:cs typeface="+mn-cs"/>
+              </a:rPr>
+              <a:t>th</a:t>
+            </a:r>
+            <a:r>
+              <a:rPr lang="en-US" kern="1200" dirty="0">
+                <a:solidFill>
+                  <a:schemeClr val="tx1"/>
+                </a:solidFill>
+                <a:latin typeface="+mn-lt"/>
+                <a:ea typeface="+mn-ea"/>
+                <a:cs typeface="+mn-cs"/>
+              </a:rPr>
+              <a:t>, 2022</a:t>
+            </a:r>
+          </a:p>
+        </p:txBody>
+      </p:sp>
+      <p:sp>
+        <p:nvSpPr>
+          <p:cNvPr id="12" name="Rectangle 11">
+            <a:extLst>
+              <a:ext uri="{FF2B5EF4-FFF2-40B4-BE49-F238E27FC236}">
+                <a16:creationId xmlns:a16="http://schemas.microsoft.com/office/drawing/2014/main" id="{391F6B52-91F4-4AEB-B6DB-29FEBCF28C8B}"/>
+              </a:ext>
+              <a:ext uri="{C183D7F6-B498-43B3-948B-1728B52AA6E4}">
+                <adec:decorative xmlns:adec="http://schemas.microsoft.com/office/drawing/2017/decorative" val="1"/>
+              </a:ext>
+            </a:extLst>
+          </p:cNvPr>
+          <p:cNvSpPr>
+            <a:spLocks noGrp="1" noRot="1" noChangeAspect="1" noMove="1" noResize="1" noEditPoints="1" noAdjustHandles="1" noChangeArrowheads="1" noChangeShapeType="1" noTextEdit="1"/>
+          </p:cNvSpPr>
+          <p:nvPr>
+            <p:extLst>
+              <p:ext uri="{386F3935-93C4-4BCD-93E2-E3B085C9AB24}">
+                <p16:designElem xmlns:p16="http://schemas.microsoft.com/office/powerpoint/2015/main" val="1"/>
+              </p:ext>
+            </p:extLst>
+          </p:nvPr>
+        </p:nvSpPr>
+        <p:spPr>
+          <a:xfrm>
+            <a:off x="841248" y="4331166"/>
+            <a:ext cx="10506456" cy="18288"/>
+          </a:xfrm>
+          <a:prstGeom prst="rect">
+            <a:avLst/>
+          </a:prstGeom>
+          <a:solidFill>
+            <a:srgbClr val="D5D5D5"/>
+          </a:solidFill>
+          <a:ln w="3175">
+            <a:noFill/>
+          </a:ln>
+          <a:effectLst/>
+        </p:spPr>
+        <p:style>
+          <a:lnRef idx="2">
+            <a:schemeClr val="accent1">
+              <a:shade val="50000"/>
+            </a:schemeClr>
+          </a:lnRef>
+          <a:fillRef idx="1">
+            <a:schemeClr val="accent1"/>
+          </a:fillRef>
+          <a:effectRef idx="0">
+            <a:schemeClr val="accent1"/>
+          </a:effectRef>
+          <a:fontRef idx="minor">
+            <a:schemeClr val="lt1"/>
+          </a:fontRef>
+        </p:style>
+        <p:txBody>
+          <a:bodyPr rtlCol="0" anchor="ctr"/>
+          <a:lstStyle/>
+          <a:p>
+            <a:pPr marL="0" marR="0" lvl="0" indent="0" algn="ctr" defTabSz="914400" rtl="0" eaLnBrk="1" fontAlgn="auto" latinLnBrk="0" hangingPunct="1">
+              <a:lnSpc>
+                <a:spcPct val="100000"/>
+              </a:lnSpc>
+              <a:spcBef>
+                <a:spcPts val="0"/>
+              </a:spcBef>
+              <a:spcAft>
+                <a:spcPts val="0"/>
+              </a:spcAft>
+              <a:buClrTx/>
+              <a:buSzTx/>
+              <a:buFontTx/>
+              <a:buNone/>
+              <a:tabLst/>
+              <a:defRPr/>
+            </a:pPr>
+            <a:endParaRPr kumimoji="0" lang="en-US" sz="1800" b="0" i="0" u="none" strike="noStrike" kern="1200" cap="none" spc="0" normalizeH="0" baseline="0" noProof="0">
+              <a:ln>
+                <a:noFill/>
+              </a:ln>
+              <a:solidFill>
+                <a:prstClr val="white"/>
+              </a:solidFill>
+              <a:effectLst/>
+              <a:uLnTx/>
+              <a:uFillTx/>
+              <a:latin typeface="Calibri" panose="020F0502020204030204"/>
+              <a:ea typeface="+mn-ea"/>
+              <a:cs typeface="+mn-cs"/>
+            </a:endParaRPr>
+          </a:p>
+        </p:txBody>
+      </p:sp>
+      <p:sp>
+        <p:nvSpPr>
+          <p:cNvPr id="14" name="Rectangle 13">
+            <a:extLst>
+              <a:ext uri="{FF2B5EF4-FFF2-40B4-BE49-F238E27FC236}">
+                <a16:creationId xmlns:a16="http://schemas.microsoft.com/office/drawing/2014/main" id="{2CD6F061-7C53-44F4-9794-953DB70A451B}"/>
+              </a:ext>
+              <a:ext uri="{C183D7F6-B498-43B3-948B-1728B52AA6E4}">
+                <adec:decorative xmlns:adec="http://schemas.microsoft.com/office/drawing/2017/decorative" val="1"/>
+              </a:ext>
+            </a:extLst>
+          </p:cNvPr>
+          <p:cNvSpPr>
+            <a:spLocks noGrp="1" noRot="1" noChangeAspect="1" noMove="1" noResize="1" noEditPoints="1" noAdjustHandles="1" noChangeArrowheads="1" noChangeShapeType="1" noTextEdit="1"/>
+          </p:cNvSpPr>
+          <p:nvPr>
+            <p:extLst>
+              <p:ext uri="{386F3935-93C4-4BCD-93E2-E3B085C9AB24}">
+                <p16:designElem xmlns:p16="http://schemas.microsoft.com/office/powerpoint/2015/main" val="1"/>
+              </p:ext>
+            </p:extLst>
+          </p:nvPr>
+        </p:nvSpPr>
+        <p:spPr>
+          <a:xfrm rot="5400000">
+            <a:off x="9346882" y="2348839"/>
+            <a:ext cx="54864" cy="3946779"/>
+          </a:xfrm>
+          <a:prstGeom prst="rect">
+            <a:avLst/>
+          </a:prstGeom>
+          <a:solidFill>
+            <a:schemeClr val="accent2"/>
+          </a:solidFill>
+          <a:ln>
+            <a:noFill/>
+          </a:ln>
+        </p:spPr>
+        <p:style>
+          <a:lnRef idx="2">
+            <a:schemeClr val="accent1">
+              <a:shade val="50000"/>
+            </a:schemeClr>
+          </a:lnRef>
+          <a:fillRef idx="1">
+            <a:schemeClr val="accent1"/>
+          </a:fillRef>
+          <a:effectRef idx="0">
+            <a:schemeClr val="accent1"/>
+          </a:effectRef>
+          <a:fontRef idx="minor">
+            <a:schemeClr val="lt1"/>
+          </a:fontRef>
+        </p:style>
+        <p:txBody>
+          <a:bodyPr rtlCol="0" anchor="ctr"/>
+          <a:lstStyle/>
+          <a:p>
+            <a:pPr marL="0" marR="0" lvl="0" indent="0" algn="ctr" defTabSz="914400" rtl="0" eaLnBrk="1" fontAlgn="auto" latinLnBrk="0" hangingPunct="1">
+              <a:lnSpc>
+                <a:spcPct val="100000"/>
+              </a:lnSpc>
+              <a:spcBef>
+                <a:spcPts val="0"/>
+              </a:spcBef>
+              <a:spcAft>
+                <a:spcPts val="0"/>
+              </a:spcAft>
+              <a:buClrTx/>
+              <a:buSzTx/>
+              <a:buFontTx/>
+              <a:buNone/>
+              <a:tabLst/>
+              <a:defRPr/>
+            </a:pPr>
+            <a:endParaRPr kumimoji="0" lang="en-US" sz="1800" b="0" i="0" u="none" strike="noStrike" kern="1200" cap="none" spc="0" normalizeH="0" baseline="0" noProof="0">
+              <a:ln>
+                <a:noFill/>
+              </a:ln>
+              <a:solidFill>
+                <a:prstClr val="white"/>
+              </a:solidFill>
+              <a:effectLst/>
+              <a:uLnTx/>
+              <a:uFillTx/>
+              <a:latin typeface="Calibri" panose="020F0502020204030204"/>
+              <a:ea typeface="+mn-ea"/>
+              <a:cs typeface="+mn-cs"/>
+            </a:endParaRPr>
+          </a:p>
+        </p:txBody>
+      </p:sp>
+    </p:spTree>
+    <p:extLst>
+      <p:ext uri="{BB962C8B-B14F-4D97-AF65-F5344CB8AC3E}">
+        <p14:creationId xmlns:p14="http://schemas.microsoft.com/office/powerpoint/2010/main" val="1282793546"/>
+      </p:ext>
+    </p:extLst>
+  </p:cSld>
+  <p:clrMapOvr>
+    <a:masterClrMapping/>
+  </p:clrMapOvr>
+</p:sld>
+</file>
+
+<file path=ppt/slides/slide11.xml><?xml version="1.0" encoding="utf-8"?>
+<p:sld xmlns:a="http://schemas.openxmlformats.org/drawingml/2006/main" xmlns:r="http://schemas.openxmlformats.org/officeDocument/2006/relationships" xmlns:p="http://schemas.openxmlformats.org/presentationml/2006/main">
+  <p:cSld>
+    <p:spTree>
+      <p:nvGrpSpPr>
+        <p:cNvPr id="1" name=""/>
+        <p:cNvGrpSpPr/>
+        <p:nvPr/>
+      </p:nvGrpSpPr>
+      <p:grpSpPr>
+        <a:xfrm>
+          <a:off x="0" y="0"/>
+          <a:ext cx="0" cy="0"/>
+          <a:chOff x="0" y="0"/>
+          <a:chExt cx="0" cy="0"/>
+        </a:xfrm>
+      </p:grpSpPr>
+      <p:sp>
+        <p:nvSpPr>
+          <p:cNvPr id="2" name="Title 1">
+            <a:extLst>
+              <a:ext uri="{FF2B5EF4-FFF2-40B4-BE49-F238E27FC236}">
+                <a16:creationId xmlns:a16="http://schemas.microsoft.com/office/drawing/2014/main" id="{D3239BB7-F82F-6346-81F5-5FC296840A39}"/>
+              </a:ext>
+            </a:extLst>
+          </p:cNvPr>
+          <p:cNvSpPr>
+            <a:spLocks noGrp="1"/>
+          </p:cNvSpPr>
+          <p:nvPr>
+            <p:ph type="title"/>
+          </p:nvPr>
+        </p:nvSpPr>
+        <p:spPr>
+          <a:xfrm>
+            <a:off x="838200" y="70895"/>
+            <a:ext cx="10515600" cy="1325563"/>
+          </a:xfrm>
+        </p:spPr>
+        <p:txBody>
+          <a:bodyPr/>
+          <a:lstStyle/>
+          <a:p>
+            <a:r>
+              <a:rPr lang="en-GB" dirty="0"/>
+              <a:t>Visual Overview Methodology</a:t>
+            </a:r>
+          </a:p>
+        </p:txBody>
+      </p:sp>
+      <p:sp>
+        <p:nvSpPr>
+          <p:cNvPr id="4" name="Rounded Rectangle 3">
+            <a:extLst>
+              <a:ext uri="{FF2B5EF4-FFF2-40B4-BE49-F238E27FC236}">
+                <a16:creationId xmlns:a16="http://schemas.microsoft.com/office/drawing/2014/main" id="{1416D5DE-3CF5-464E-AFD1-0DA8DFC1D4D7}"/>
+              </a:ext>
+            </a:extLst>
+          </p:cNvPr>
+          <p:cNvSpPr/>
+          <p:nvPr/>
+        </p:nvSpPr>
+        <p:spPr>
+          <a:xfrm>
+            <a:off x="838200" y="2369654"/>
+            <a:ext cx="2032000" cy="952500"/>
+          </a:xfrm>
+          <a:prstGeom prst="roundRect">
+            <a:avLst/>
+          </a:prstGeom>
+          <a:solidFill>
+            <a:schemeClr val="accent5">
+              <a:lumMod val="40000"/>
+              <a:lumOff val="60000"/>
+            </a:schemeClr>
+          </a:solidFill>
+          <a:ln w="31750"/>
+        </p:spPr>
+        <p:style>
+          <a:lnRef idx="2">
+            <a:schemeClr val="dk1"/>
+          </a:lnRef>
+          <a:fillRef idx="1">
+            <a:schemeClr val="lt1"/>
+          </a:fillRef>
+          <a:effectRef idx="0">
+            <a:schemeClr val="dk1"/>
+          </a:effectRef>
+          <a:fontRef idx="minor">
+            <a:schemeClr val="dk1"/>
+          </a:fontRef>
+        </p:style>
+        <p:txBody>
+          <a:bodyPr rtlCol="0" anchor="ctr"/>
+          <a:lstStyle/>
+          <a:p>
+            <a:pPr algn="ctr"/>
+            <a:r>
+              <a:rPr lang="en-GB" dirty="0"/>
+              <a:t>Document collection</a:t>
+            </a:r>
+          </a:p>
+        </p:txBody>
+      </p:sp>
+      <p:sp>
+        <p:nvSpPr>
+          <p:cNvPr id="5" name="Rounded Rectangle 4">
+            <a:extLst>
+              <a:ext uri="{FF2B5EF4-FFF2-40B4-BE49-F238E27FC236}">
+                <a16:creationId xmlns:a16="http://schemas.microsoft.com/office/drawing/2014/main" id="{CDEE6132-27D6-B544-889C-1A8D27CB2CA9}"/>
+              </a:ext>
+            </a:extLst>
+          </p:cNvPr>
+          <p:cNvSpPr/>
+          <p:nvPr/>
+        </p:nvSpPr>
+        <p:spPr>
+          <a:xfrm>
+            <a:off x="6770098" y="2369654"/>
+            <a:ext cx="2032000" cy="952500"/>
+          </a:xfrm>
+          <a:prstGeom prst="roundRect">
+            <a:avLst/>
+          </a:prstGeom>
+          <a:ln w="31750"/>
+        </p:spPr>
+        <p:style>
+          <a:lnRef idx="2">
+            <a:schemeClr val="dk1"/>
+          </a:lnRef>
+          <a:fillRef idx="1">
+            <a:schemeClr val="lt1"/>
+          </a:fillRef>
+          <a:effectRef idx="0">
+            <a:schemeClr val="dk1"/>
+          </a:effectRef>
+          <a:fontRef idx="minor">
+            <a:schemeClr val="dk1"/>
+          </a:fontRef>
+        </p:style>
+        <p:txBody>
+          <a:bodyPr rtlCol="0" anchor="ctr"/>
+          <a:lstStyle/>
+          <a:p>
+            <a:pPr algn="ctr"/>
+            <a:r>
+              <a:rPr lang="en-GB" dirty="0"/>
+              <a:t>Data Annotation</a:t>
+            </a:r>
+          </a:p>
+        </p:txBody>
+      </p:sp>
+      <p:sp>
+        <p:nvSpPr>
+          <p:cNvPr id="6" name="Rounded Rectangle 5">
+            <a:extLst>
+              <a:ext uri="{FF2B5EF4-FFF2-40B4-BE49-F238E27FC236}">
+                <a16:creationId xmlns:a16="http://schemas.microsoft.com/office/drawing/2014/main" id="{85F9D5A5-C9A7-7E4A-931F-939D1CFE7B47}"/>
+              </a:ext>
+            </a:extLst>
+          </p:cNvPr>
+          <p:cNvSpPr/>
+          <p:nvPr/>
+        </p:nvSpPr>
+        <p:spPr>
+          <a:xfrm>
+            <a:off x="9736047" y="2369654"/>
+            <a:ext cx="2032000" cy="952500"/>
+          </a:xfrm>
+          <a:prstGeom prst="roundRect">
+            <a:avLst/>
+          </a:prstGeom>
+          <a:ln w="31750"/>
+        </p:spPr>
+        <p:style>
+          <a:lnRef idx="2">
+            <a:schemeClr val="dk1"/>
+          </a:lnRef>
+          <a:fillRef idx="1">
+            <a:schemeClr val="lt1"/>
+          </a:fillRef>
+          <a:effectRef idx="0">
+            <a:schemeClr val="dk1"/>
+          </a:effectRef>
+          <a:fontRef idx="minor">
+            <a:schemeClr val="dk1"/>
+          </a:fontRef>
+        </p:style>
+        <p:txBody>
+          <a:bodyPr rtlCol="0" anchor="ctr"/>
+          <a:lstStyle/>
+          <a:p>
+            <a:pPr algn="ctr"/>
+            <a:r>
+              <a:rPr lang="en-GB" dirty="0"/>
+              <a:t>Benchmarking (Dutch &amp; English*)</a:t>
+            </a:r>
+          </a:p>
+        </p:txBody>
+      </p:sp>
+      <p:sp>
+        <p:nvSpPr>
+          <p:cNvPr id="7" name="Rounded Rectangle 6">
+            <a:extLst>
+              <a:ext uri="{FF2B5EF4-FFF2-40B4-BE49-F238E27FC236}">
+                <a16:creationId xmlns:a16="http://schemas.microsoft.com/office/drawing/2014/main" id="{27284CBD-4873-8945-856B-CC492D17446A}"/>
+              </a:ext>
+            </a:extLst>
+          </p:cNvPr>
+          <p:cNvSpPr/>
+          <p:nvPr/>
+        </p:nvSpPr>
+        <p:spPr>
+          <a:xfrm>
+            <a:off x="838200" y="5205198"/>
+            <a:ext cx="2032000" cy="952500"/>
+          </a:xfrm>
+          <a:prstGeom prst="roundRect">
+            <a:avLst/>
+          </a:prstGeom>
+          <a:ln w="31750"/>
+        </p:spPr>
+        <p:style>
+          <a:lnRef idx="2">
+            <a:schemeClr val="dk1"/>
+          </a:lnRef>
+          <a:fillRef idx="1">
+            <a:schemeClr val="lt1"/>
+          </a:fillRef>
+          <a:effectRef idx="0">
+            <a:schemeClr val="dk1"/>
+          </a:effectRef>
+          <a:fontRef idx="minor">
+            <a:schemeClr val="dk1"/>
+          </a:fontRef>
+        </p:style>
+        <p:txBody>
+          <a:bodyPr rtlCol="0" anchor="ctr"/>
+          <a:lstStyle/>
+          <a:p>
+            <a:pPr algn="ctr"/>
+            <a:r>
+              <a:rPr lang="en-GB" dirty="0"/>
+              <a:t>Model building</a:t>
+            </a:r>
+          </a:p>
+          <a:p>
+            <a:pPr algn="ctr"/>
+            <a:r>
+              <a:rPr lang="en-GB" dirty="0"/>
+              <a:t>- Pre-processing</a:t>
+            </a:r>
+          </a:p>
+          <a:p>
+            <a:pPr algn="ctr"/>
+            <a:r>
+              <a:rPr lang="en-GB" dirty="0"/>
+              <a:t>- Bert-NL</a:t>
+            </a:r>
+          </a:p>
+        </p:txBody>
+      </p:sp>
+      <p:sp>
+        <p:nvSpPr>
+          <p:cNvPr id="8" name="Rounded Rectangle 7">
+            <a:extLst>
+              <a:ext uri="{FF2B5EF4-FFF2-40B4-BE49-F238E27FC236}">
+                <a16:creationId xmlns:a16="http://schemas.microsoft.com/office/drawing/2014/main" id="{D85865AE-E4A7-6942-9D29-8B13A04839C5}"/>
+              </a:ext>
+            </a:extLst>
+          </p:cNvPr>
+          <p:cNvSpPr/>
+          <p:nvPr/>
+        </p:nvSpPr>
+        <p:spPr>
+          <a:xfrm>
+            <a:off x="3804149" y="5199840"/>
+            <a:ext cx="2032000" cy="952500"/>
+          </a:xfrm>
+          <a:prstGeom prst="roundRect">
+            <a:avLst/>
+          </a:prstGeom>
+          <a:ln w="31750"/>
+        </p:spPr>
+        <p:style>
+          <a:lnRef idx="2">
+            <a:schemeClr val="dk1"/>
+          </a:lnRef>
+          <a:fillRef idx="1">
+            <a:schemeClr val="lt1"/>
+          </a:fillRef>
+          <a:effectRef idx="0">
+            <a:schemeClr val="dk1"/>
+          </a:effectRef>
+          <a:fontRef idx="minor">
+            <a:schemeClr val="dk1"/>
+          </a:fontRef>
+        </p:style>
+        <p:txBody>
+          <a:bodyPr rtlCol="0" anchor="ctr"/>
+          <a:lstStyle/>
+          <a:p>
+            <a:pPr algn="ctr"/>
+            <a:r>
+              <a:rPr lang="en-GB"/>
+              <a:t>Evaluation</a:t>
+            </a:r>
+          </a:p>
+        </p:txBody>
+      </p:sp>
+      <p:sp>
+        <p:nvSpPr>
+          <p:cNvPr id="9" name="Rounded Rectangle 8">
+            <a:extLst>
+              <a:ext uri="{FF2B5EF4-FFF2-40B4-BE49-F238E27FC236}">
+                <a16:creationId xmlns:a16="http://schemas.microsoft.com/office/drawing/2014/main" id="{8E45BD42-71E6-C344-8C85-C1A5B545423D}"/>
+              </a:ext>
+            </a:extLst>
+          </p:cNvPr>
+          <p:cNvSpPr/>
+          <p:nvPr/>
+        </p:nvSpPr>
+        <p:spPr>
+          <a:xfrm>
+            <a:off x="6770098" y="5199840"/>
+            <a:ext cx="2032000" cy="952500"/>
+          </a:xfrm>
+          <a:prstGeom prst="roundRect">
+            <a:avLst/>
+          </a:prstGeom>
+          <a:solidFill>
+            <a:schemeClr val="accent6">
+              <a:lumMod val="40000"/>
+              <a:lumOff val="60000"/>
+            </a:schemeClr>
+          </a:solidFill>
+          <a:ln w="31750"/>
+        </p:spPr>
+        <p:style>
+          <a:lnRef idx="2">
+            <a:schemeClr val="dk1"/>
+          </a:lnRef>
+          <a:fillRef idx="1">
+            <a:schemeClr val="lt1"/>
+          </a:fillRef>
+          <a:effectRef idx="0">
+            <a:schemeClr val="dk1"/>
+          </a:effectRef>
+          <a:fontRef idx="minor">
+            <a:schemeClr val="dk1"/>
+          </a:fontRef>
+        </p:style>
+        <p:txBody>
+          <a:bodyPr rtlCol="0" anchor="ctr"/>
+          <a:lstStyle/>
+          <a:p>
+            <a:pPr algn="ctr"/>
+            <a:r>
+              <a:rPr lang="en-GB" dirty="0"/>
+              <a:t>Validation</a:t>
+            </a:r>
+          </a:p>
+        </p:txBody>
+      </p:sp>
+      <p:sp>
+        <p:nvSpPr>
+          <p:cNvPr id="10" name="Rounded Rectangle 9">
+            <a:extLst>
+              <a:ext uri="{FF2B5EF4-FFF2-40B4-BE49-F238E27FC236}">
+                <a16:creationId xmlns:a16="http://schemas.microsoft.com/office/drawing/2014/main" id="{C146D7C5-DF97-D748-9BD3-2A041C7566F4}"/>
+              </a:ext>
+            </a:extLst>
+          </p:cNvPr>
+          <p:cNvSpPr/>
+          <p:nvPr/>
+        </p:nvSpPr>
+        <p:spPr>
+          <a:xfrm>
+            <a:off x="3804149" y="2369654"/>
+            <a:ext cx="2032000" cy="952500"/>
+          </a:xfrm>
+          <a:prstGeom prst="roundRect">
+            <a:avLst/>
+          </a:prstGeom>
+          <a:ln w="31750"/>
+        </p:spPr>
+        <p:style>
+          <a:lnRef idx="2">
+            <a:schemeClr val="dk1"/>
+          </a:lnRef>
+          <a:fillRef idx="1">
+            <a:schemeClr val="lt1"/>
+          </a:fillRef>
+          <a:effectRef idx="0">
+            <a:schemeClr val="dk1"/>
+          </a:effectRef>
+          <a:fontRef idx="minor">
+            <a:schemeClr val="dk1"/>
+          </a:fontRef>
+        </p:style>
+        <p:txBody>
+          <a:bodyPr rtlCol="0" anchor="ctr"/>
+          <a:lstStyle/>
+          <a:p>
+            <a:pPr algn="ctr"/>
+            <a:r>
+              <a:rPr lang="en-GB" dirty="0"/>
+              <a:t>Annotation interface for users</a:t>
+            </a:r>
+          </a:p>
+        </p:txBody>
+      </p:sp>
+      <p:sp>
+        <p:nvSpPr>
+          <p:cNvPr id="12" name="Merge 11">
+            <a:extLst>
+              <a:ext uri="{FF2B5EF4-FFF2-40B4-BE49-F238E27FC236}">
+                <a16:creationId xmlns:a16="http://schemas.microsoft.com/office/drawing/2014/main" id="{476F7CCD-356F-CC4A-8E7F-C30FC9BFA922}"/>
+              </a:ext>
+            </a:extLst>
+          </p:cNvPr>
+          <p:cNvSpPr/>
+          <p:nvPr/>
+        </p:nvSpPr>
+        <p:spPr>
+          <a:xfrm>
+            <a:off x="7139151" y="1280884"/>
+            <a:ext cx="1293894" cy="952499"/>
+          </a:xfrm>
+          <a:prstGeom prst="flowChartMerge">
+            <a:avLst/>
+          </a:prstGeom>
+          <a:ln w="31750"/>
+        </p:spPr>
+        <p:style>
+          <a:lnRef idx="2">
+            <a:schemeClr val="accent2"/>
+          </a:lnRef>
+          <a:fillRef idx="1">
+            <a:schemeClr val="lt1"/>
+          </a:fillRef>
+          <a:effectRef idx="0">
+            <a:schemeClr val="accent2"/>
+          </a:effectRef>
+          <a:fontRef idx="minor">
+            <a:schemeClr val="dk1"/>
+          </a:fontRef>
+        </p:style>
+        <p:txBody>
+          <a:bodyPr rtlCol="0" anchor="ctr"/>
+          <a:lstStyle/>
+          <a:p>
+            <a:pPr algn="ctr"/>
+            <a:r>
+              <a:rPr lang="en-NL" dirty="0"/>
+              <a:t>User</a:t>
+            </a:r>
+          </a:p>
+        </p:txBody>
+      </p:sp>
+      <p:cxnSp>
+        <p:nvCxnSpPr>
+          <p:cNvPr id="14" name="Straight Arrow Connector 13">
+            <a:extLst>
+              <a:ext uri="{FF2B5EF4-FFF2-40B4-BE49-F238E27FC236}">
+                <a16:creationId xmlns:a16="http://schemas.microsoft.com/office/drawing/2014/main" id="{9FB65D22-EBF6-9044-AE42-32B37313AA89}"/>
+              </a:ext>
+            </a:extLst>
+          </p:cNvPr>
+          <p:cNvCxnSpPr>
+            <a:stCxn id="4" idx="3"/>
+            <a:endCxn id="10" idx="1"/>
+          </p:cNvCxnSpPr>
+          <p:nvPr/>
+        </p:nvCxnSpPr>
+        <p:spPr>
+          <a:xfrm>
+            <a:off x="2870200" y="2845904"/>
+            <a:ext cx="933949" cy="0"/>
+          </a:xfrm>
+          <a:prstGeom prst="straightConnector1">
+            <a:avLst/>
+          </a:prstGeom>
+          <a:ln w="47625">
+            <a:solidFill>
+              <a:schemeClr val="bg2">
+                <a:lumMod val="25000"/>
+              </a:schemeClr>
+            </a:solidFill>
+            <a:tailEnd type="triangle"/>
+          </a:ln>
+        </p:spPr>
+        <p:style>
+          <a:lnRef idx="1">
+            <a:schemeClr val="accent1"/>
+          </a:lnRef>
+          <a:fillRef idx="0">
+            <a:schemeClr val="accent1"/>
+          </a:fillRef>
+          <a:effectRef idx="0">
+            <a:schemeClr val="accent1"/>
+          </a:effectRef>
+          <a:fontRef idx="minor">
+            <a:schemeClr val="tx1"/>
+          </a:fontRef>
+        </p:style>
+      </p:cxnSp>
+      <p:cxnSp>
+        <p:nvCxnSpPr>
+          <p:cNvPr id="15" name="Straight Arrow Connector 14">
+            <a:extLst>
+              <a:ext uri="{FF2B5EF4-FFF2-40B4-BE49-F238E27FC236}">
+                <a16:creationId xmlns:a16="http://schemas.microsoft.com/office/drawing/2014/main" id="{9BF3F2AD-ABD2-934F-9CF9-92D1AAB60E99}"/>
+              </a:ext>
+            </a:extLst>
+          </p:cNvPr>
+          <p:cNvCxnSpPr/>
+          <p:nvPr/>
+        </p:nvCxnSpPr>
+        <p:spPr>
+          <a:xfrm>
+            <a:off x="5836149" y="2845904"/>
+            <a:ext cx="933949" cy="0"/>
+          </a:xfrm>
+          <a:prstGeom prst="straightConnector1">
+            <a:avLst/>
+          </a:prstGeom>
+          <a:ln w="47625">
+            <a:solidFill>
+              <a:schemeClr val="bg2">
+                <a:lumMod val="25000"/>
+              </a:schemeClr>
+            </a:solidFill>
+            <a:tailEnd type="triangle"/>
+          </a:ln>
+        </p:spPr>
+        <p:style>
+          <a:lnRef idx="1">
+            <a:schemeClr val="accent1"/>
+          </a:lnRef>
+          <a:fillRef idx="0">
+            <a:schemeClr val="accent1"/>
+          </a:fillRef>
+          <a:effectRef idx="0">
+            <a:schemeClr val="accent1"/>
+          </a:effectRef>
+          <a:fontRef idx="minor">
+            <a:schemeClr val="tx1"/>
+          </a:fontRef>
+        </p:style>
+      </p:cxnSp>
+      <p:cxnSp>
+        <p:nvCxnSpPr>
+          <p:cNvPr id="16" name="Straight Arrow Connector 15">
+            <a:extLst>
+              <a:ext uri="{FF2B5EF4-FFF2-40B4-BE49-F238E27FC236}">
+                <a16:creationId xmlns:a16="http://schemas.microsoft.com/office/drawing/2014/main" id="{791CA750-405D-9B4E-9FA3-940B4DE9B678}"/>
+              </a:ext>
+            </a:extLst>
+          </p:cNvPr>
+          <p:cNvCxnSpPr/>
+          <p:nvPr/>
+        </p:nvCxnSpPr>
+        <p:spPr>
+          <a:xfrm>
+            <a:off x="8802098" y="2845904"/>
+            <a:ext cx="933949" cy="0"/>
+          </a:xfrm>
+          <a:prstGeom prst="straightConnector1">
+            <a:avLst/>
+          </a:prstGeom>
+          <a:ln w="47625">
+            <a:solidFill>
+              <a:schemeClr val="bg2">
+                <a:lumMod val="25000"/>
+              </a:schemeClr>
+            </a:solidFill>
+            <a:tailEnd type="triangle"/>
+          </a:ln>
+        </p:spPr>
+        <p:style>
+          <a:lnRef idx="1">
+            <a:schemeClr val="accent1"/>
+          </a:lnRef>
+          <a:fillRef idx="0">
+            <a:schemeClr val="accent1"/>
+          </a:fillRef>
+          <a:effectRef idx="0">
+            <a:schemeClr val="accent1"/>
+          </a:effectRef>
+          <a:fontRef idx="minor">
+            <a:schemeClr val="tx1"/>
+          </a:fontRef>
+        </p:style>
+      </p:cxnSp>
+      <p:cxnSp>
+        <p:nvCxnSpPr>
+          <p:cNvPr id="17" name="Straight Arrow Connector 16">
+            <a:extLst>
+              <a:ext uri="{FF2B5EF4-FFF2-40B4-BE49-F238E27FC236}">
+                <a16:creationId xmlns:a16="http://schemas.microsoft.com/office/drawing/2014/main" id="{736A0FE3-AB4D-B74D-A592-CDFB61E49A75}"/>
+              </a:ext>
+            </a:extLst>
+          </p:cNvPr>
+          <p:cNvCxnSpPr/>
+          <p:nvPr/>
+        </p:nvCxnSpPr>
+        <p:spPr>
+          <a:xfrm>
+            <a:off x="5836149" y="5676090"/>
+            <a:ext cx="933949" cy="0"/>
+          </a:xfrm>
+          <a:prstGeom prst="straightConnector1">
+            <a:avLst/>
+          </a:prstGeom>
+          <a:ln w="47625">
+            <a:solidFill>
+              <a:schemeClr val="bg2">
+                <a:lumMod val="25000"/>
+              </a:schemeClr>
+            </a:solidFill>
+            <a:tailEnd type="triangle"/>
+          </a:ln>
+        </p:spPr>
+        <p:style>
+          <a:lnRef idx="1">
+            <a:schemeClr val="accent1"/>
+          </a:lnRef>
+          <a:fillRef idx="0">
+            <a:schemeClr val="accent1"/>
+          </a:fillRef>
+          <a:effectRef idx="0">
+            <a:schemeClr val="accent1"/>
+          </a:effectRef>
+          <a:fontRef idx="minor">
+            <a:schemeClr val="tx1"/>
+          </a:fontRef>
+        </p:style>
+      </p:cxnSp>
+      <p:cxnSp>
+        <p:nvCxnSpPr>
+          <p:cNvPr id="18" name="Straight Arrow Connector 17">
+            <a:extLst>
+              <a:ext uri="{FF2B5EF4-FFF2-40B4-BE49-F238E27FC236}">
+                <a16:creationId xmlns:a16="http://schemas.microsoft.com/office/drawing/2014/main" id="{0C90788E-7FBA-0343-96A2-7FDA81D2BAB4}"/>
+              </a:ext>
+            </a:extLst>
+          </p:cNvPr>
+          <p:cNvCxnSpPr/>
+          <p:nvPr/>
+        </p:nvCxnSpPr>
+        <p:spPr>
+          <a:xfrm>
+            <a:off x="2870200" y="5676090"/>
+            <a:ext cx="933949" cy="0"/>
+          </a:xfrm>
+          <a:prstGeom prst="straightConnector1">
+            <a:avLst/>
+          </a:prstGeom>
+          <a:ln w="47625">
+            <a:solidFill>
+              <a:schemeClr val="bg2">
+                <a:lumMod val="25000"/>
+              </a:schemeClr>
+            </a:solidFill>
+            <a:tailEnd type="triangle"/>
+          </a:ln>
+        </p:spPr>
+        <p:style>
+          <a:lnRef idx="1">
+            <a:schemeClr val="accent1"/>
+          </a:lnRef>
+          <a:fillRef idx="0">
+            <a:schemeClr val="accent1"/>
+          </a:fillRef>
+          <a:effectRef idx="0">
+            <a:schemeClr val="accent1"/>
+          </a:effectRef>
+          <a:fontRef idx="minor">
+            <a:schemeClr val="tx1"/>
+          </a:fontRef>
+        </p:style>
+      </p:cxnSp>
+      <p:cxnSp>
+        <p:nvCxnSpPr>
+          <p:cNvPr id="20" name="Elbow Connector 19">
+            <a:extLst>
+              <a:ext uri="{FF2B5EF4-FFF2-40B4-BE49-F238E27FC236}">
+                <a16:creationId xmlns:a16="http://schemas.microsoft.com/office/drawing/2014/main" id="{CFF09BDE-37BD-9C4F-BF08-68F6084BB73A}"/>
+              </a:ext>
+            </a:extLst>
+          </p:cNvPr>
+          <p:cNvCxnSpPr>
+            <a:stCxn id="6" idx="3"/>
+            <a:endCxn id="7" idx="1"/>
+          </p:cNvCxnSpPr>
+          <p:nvPr/>
+        </p:nvCxnSpPr>
+        <p:spPr>
+          <a:xfrm flipH="1">
+            <a:off x="838200" y="2845904"/>
+            <a:ext cx="10929847" cy="2835544"/>
+          </a:xfrm>
+          <a:prstGeom prst="bentConnector5">
+            <a:avLst>
+              <a:gd name="adj1" fmla="val -2092"/>
+              <a:gd name="adj2" fmla="val 50000"/>
+              <a:gd name="adj3" fmla="val 102092"/>
+            </a:avLst>
+          </a:prstGeom>
+          <a:ln w="34925">
+            <a:solidFill>
+              <a:schemeClr val="bg2">
+                <a:lumMod val="50000"/>
+              </a:schemeClr>
+            </a:solidFill>
+            <a:tailEnd type="triangle"/>
+          </a:ln>
+        </p:spPr>
+        <p:style>
+          <a:lnRef idx="1">
+            <a:schemeClr val="accent1"/>
+          </a:lnRef>
+          <a:fillRef idx="0">
+            <a:schemeClr val="accent1"/>
+          </a:fillRef>
+          <a:effectRef idx="0">
+            <a:schemeClr val="accent1"/>
+          </a:effectRef>
+          <a:fontRef idx="minor">
+            <a:schemeClr val="tx1"/>
+          </a:fontRef>
+        </p:style>
+      </p:cxnSp>
+      <p:sp>
+        <p:nvSpPr>
+          <p:cNvPr id="22" name="Rounded Rectangle 21">
+            <a:extLst>
+              <a:ext uri="{FF2B5EF4-FFF2-40B4-BE49-F238E27FC236}">
+                <a16:creationId xmlns:a16="http://schemas.microsoft.com/office/drawing/2014/main" id="{F5FD060C-06D9-CD4B-BAC0-0C7561F81256}"/>
+              </a:ext>
+            </a:extLst>
+          </p:cNvPr>
+          <p:cNvSpPr/>
+          <p:nvPr/>
+        </p:nvSpPr>
+        <p:spPr>
+          <a:xfrm>
+            <a:off x="2011925" y="3675674"/>
+            <a:ext cx="2032000" cy="470891"/>
+          </a:xfrm>
+          <a:prstGeom prst="roundRect">
+            <a:avLst/>
+          </a:prstGeom>
+          <a:ln w="31750"/>
+        </p:spPr>
+        <p:style>
+          <a:lnRef idx="2">
+            <a:schemeClr val="dk1"/>
+          </a:lnRef>
+          <a:fillRef idx="1">
+            <a:schemeClr val="lt1"/>
+          </a:fillRef>
+          <a:effectRef idx="0">
+            <a:schemeClr val="dk1"/>
+          </a:effectRef>
+          <a:fontRef idx="minor">
+            <a:schemeClr val="dk1"/>
+          </a:fontRef>
+        </p:style>
+        <p:txBody>
+          <a:bodyPr rtlCol="0" anchor="ctr"/>
+          <a:lstStyle/>
+          <a:p>
+            <a:pPr algn="ctr"/>
+            <a:r>
+              <a:rPr lang="en-NL" dirty="0"/>
+              <a:t>Corpus evaluation</a:t>
+            </a:r>
+          </a:p>
+        </p:txBody>
+      </p:sp>
+      <p:cxnSp>
+        <p:nvCxnSpPr>
+          <p:cNvPr id="24" name="Elbow Connector 23">
+            <a:extLst>
+              <a:ext uri="{FF2B5EF4-FFF2-40B4-BE49-F238E27FC236}">
+                <a16:creationId xmlns:a16="http://schemas.microsoft.com/office/drawing/2014/main" id="{286D4946-9C47-F346-AF9F-893E256ECF0E}"/>
+              </a:ext>
+            </a:extLst>
+          </p:cNvPr>
+          <p:cNvCxnSpPr>
+            <a:stCxn id="4" idx="2"/>
+            <a:endCxn id="22" idx="0"/>
+          </p:cNvCxnSpPr>
+          <p:nvPr/>
+        </p:nvCxnSpPr>
+        <p:spPr>
+          <a:xfrm rot="16200000" flipH="1">
+            <a:off x="2264302" y="2912051"/>
+            <a:ext cx="353520" cy="1173725"/>
+          </a:xfrm>
+          <a:prstGeom prst="bentConnector3">
+            <a:avLst/>
+          </a:prstGeom>
+          <a:ln w="41275">
+            <a:solidFill>
+              <a:schemeClr val="bg2">
+                <a:lumMod val="25000"/>
+              </a:schemeClr>
+            </a:solidFill>
+            <a:tailEnd type="triangle"/>
+          </a:ln>
+        </p:spPr>
+        <p:style>
+          <a:lnRef idx="1">
+            <a:schemeClr val="accent1"/>
+          </a:lnRef>
+          <a:fillRef idx="0">
+            <a:schemeClr val="accent1"/>
+          </a:fillRef>
+          <a:effectRef idx="0">
+            <a:schemeClr val="accent1"/>
+          </a:effectRef>
+          <a:fontRef idx="minor">
+            <a:schemeClr val="tx1"/>
+          </a:fontRef>
+        </p:style>
+      </p:cxnSp>
+      <p:cxnSp>
+        <p:nvCxnSpPr>
+          <p:cNvPr id="25" name="Straight Arrow Connector 24">
+            <a:extLst>
+              <a:ext uri="{FF2B5EF4-FFF2-40B4-BE49-F238E27FC236}">
+                <a16:creationId xmlns:a16="http://schemas.microsoft.com/office/drawing/2014/main" id="{66362134-B55C-BF47-A3F9-54D3B754E856}"/>
+              </a:ext>
+            </a:extLst>
+          </p:cNvPr>
+          <p:cNvCxnSpPr>
+            <a:cxnSpLocks/>
+            <a:endCxn id="8" idx="0"/>
+          </p:cNvCxnSpPr>
+          <p:nvPr/>
+        </p:nvCxnSpPr>
+        <p:spPr>
+          <a:xfrm>
+            <a:off x="4820149" y="4959035"/>
+            <a:ext cx="0" cy="240805"/>
+          </a:xfrm>
+          <a:prstGeom prst="straightConnector1">
+            <a:avLst/>
+          </a:prstGeom>
+          <a:ln w="47625">
+            <a:solidFill>
+              <a:schemeClr val="bg2">
+                <a:lumMod val="25000"/>
+              </a:schemeClr>
+            </a:solidFill>
+            <a:tailEnd type="triangle"/>
+          </a:ln>
+        </p:spPr>
+        <p:style>
+          <a:lnRef idx="1">
+            <a:schemeClr val="accent1"/>
+          </a:lnRef>
+          <a:fillRef idx="0">
+            <a:schemeClr val="accent1"/>
+          </a:fillRef>
+          <a:effectRef idx="0">
+            <a:schemeClr val="accent1"/>
+          </a:effectRef>
+          <a:fontRef idx="minor">
+            <a:schemeClr val="tx1"/>
+          </a:fontRef>
+        </p:style>
+      </p:cxnSp>
+      <p:sp>
+        <p:nvSpPr>
+          <p:cNvPr id="28" name="Rounded Rectangle 27">
+            <a:extLst>
+              <a:ext uri="{FF2B5EF4-FFF2-40B4-BE49-F238E27FC236}">
+                <a16:creationId xmlns:a16="http://schemas.microsoft.com/office/drawing/2014/main" id="{6AE5A578-23B5-6742-BB0C-0B0F4E377CC3}"/>
+              </a:ext>
+            </a:extLst>
+          </p:cNvPr>
+          <p:cNvSpPr/>
+          <p:nvPr/>
+        </p:nvSpPr>
+        <p:spPr>
+          <a:xfrm>
+            <a:off x="5287122" y="3682829"/>
+            <a:ext cx="2430413" cy="470891"/>
+          </a:xfrm>
+          <a:prstGeom prst="roundRect">
+            <a:avLst/>
+          </a:prstGeom>
+          <a:ln w="31750"/>
+        </p:spPr>
+        <p:style>
+          <a:lnRef idx="2">
+            <a:schemeClr val="dk1"/>
+          </a:lnRef>
+          <a:fillRef idx="1">
+            <a:schemeClr val="lt1"/>
+          </a:fillRef>
+          <a:effectRef idx="0">
+            <a:schemeClr val="dk1"/>
+          </a:effectRef>
+          <a:fontRef idx="minor">
+            <a:schemeClr val="dk1"/>
+          </a:fontRef>
+        </p:style>
+        <p:txBody>
+          <a:bodyPr rtlCol="0" anchor="ctr"/>
+          <a:lstStyle/>
+          <a:p>
+            <a:pPr algn="ctr"/>
+            <a:r>
+              <a:rPr lang="en-NL" dirty="0"/>
+              <a:t>Annotation evaluation</a:t>
+            </a:r>
+          </a:p>
+        </p:txBody>
+      </p:sp>
+      <p:cxnSp>
+        <p:nvCxnSpPr>
+          <p:cNvPr id="29" name="Elbow Connector 28">
+            <a:extLst>
+              <a:ext uri="{FF2B5EF4-FFF2-40B4-BE49-F238E27FC236}">
+                <a16:creationId xmlns:a16="http://schemas.microsoft.com/office/drawing/2014/main" id="{C289A943-AA18-7A49-B1FC-B1F7AFCFED2C}"/>
+              </a:ext>
+            </a:extLst>
+          </p:cNvPr>
+          <p:cNvCxnSpPr>
+            <a:cxnSpLocks/>
+            <a:stCxn id="5" idx="2"/>
+            <a:endCxn id="28" idx="0"/>
+          </p:cNvCxnSpPr>
+          <p:nvPr/>
+        </p:nvCxnSpPr>
+        <p:spPr>
+          <a:xfrm rot="5400000">
+            <a:off x="6963877" y="2860607"/>
+            <a:ext cx="360675" cy="1283769"/>
+          </a:xfrm>
+          <a:prstGeom prst="bentConnector3">
+            <a:avLst>
+              <a:gd name="adj1" fmla="val 50000"/>
+            </a:avLst>
+          </a:prstGeom>
+          <a:ln w="41275">
+            <a:solidFill>
+              <a:schemeClr val="bg2">
+                <a:lumMod val="25000"/>
+              </a:schemeClr>
+            </a:solidFill>
+            <a:tailEnd type="triangle"/>
+          </a:ln>
+        </p:spPr>
+        <p:style>
+          <a:lnRef idx="1">
+            <a:schemeClr val="accent1"/>
+          </a:lnRef>
+          <a:fillRef idx="0">
+            <a:schemeClr val="accent1"/>
+          </a:fillRef>
+          <a:effectRef idx="0">
+            <a:schemeClr val="accent1"/>
+          </a:effectRef>
+          <a:fontRef idx="minor">
+            <a:schemeClr val="tx1"/>
+          </a:fontRef>
+        </p:style>
+      </p:cxnSp>
+      <p:cxnSp>
+        <p:nvCxnSpPr>
+          <p:cNvPr id="34" name="Elbow Connector 33">
+            <a:extLst>
+              <a:ext uri="{FF2B5EF4-FFF2-40B4-BE49-F238E27FC236}">
+                <a16:creationId xmlns:a16="http://schemas.microsoft.com/office/drawing/2014/main" id="{852405D7-6852-3840-B427-4D8487F2B836}"/>
+              </a:ext>
+            </a:extLst>
+          </p:cNvPr>
+          <p:cNvCxnSpPr>
+            <a:stCxn id="22" idx="2"/>
+            <a:endCxn id="8" idx="0"/>
+          </p:cNvCxnSpPr>
+          <p:nvPr/>
+        </p:nvCxnSpPr>
+        <p:spPr>
+          <a:xfrm rot="16200000" flipH="1">
+            <a:off x="3397400" y="3777090"/>
+            <a:ext cx="1053275" cy="1792224"/>
+          </a:xfrm>
+          <a:prstGeom prst="bentConnector3">
+            <a:avLst/>
+          </a:prstGeom>
+          <a:ln w="41275">
+            <a:solidFill>
+              <a:schemeClr val="bg2">
+                <a:lumMod val="25000"/>
+              </a:schemeClr>
+            </a:solidFill>
+            <a:tailEnd type="triangle"/>
+          </a:ln>
+        </p:spPr>
+        <p:style>
+          <a:lnRef idx="1">
+            <a:schemeClr val="accent1"/>
+          </a:lnRef>
+          <a:fillRef idx="0">
+            <a:schemeClr val="accent1"/>
+          </a:fillRef>
+          <a:effectRef idx="0">
+            <a:schemeClr val="accent1"/>
+          </a:effectRef>
+          <a:fontRef idx="minor">
+            <a:schemeClr val="tx1"/>
+          </a:fontRef>
+        </p:style>
+      </p:cxnSp>
+      <p:cxnSp>
+        <p:nvCxnSpPr>
+          <p:cNvPr id="36" name="Elbow Connector 35">
+            <a:extLst>
+              <a:ext uri="{FF2B5EF4-FFF2-40B4-BE49-F238E27FC236}">
+                <a16:creationId xmlns:a16="http://schemas.microsoft.com/office/drawing/2014/main" id="{7E669FE4-7E40-4546-A2C4-6CC615469BC5}"/>
+              </a:ext>
+            </a:extLst>
+          </p:cNvPr>
+          <p:cNvCxnSpPr>
+            <a:cxnSpLocks/>
+            <a:stCxn id="28" idx="2"/>
+            <a:endCxn id="8" idx="0"/>
+          </p:cNvCxnSpPr>
+          <p:nvPr/>
+        </p:nvCxnSpPr>
+        <p:spPr>
+          <a:xfrm rot="5400000">
+            <a:off x="5138179" y="3835690"/>
+            <a:ext cx="1046120" cy="1682180"/>
+          </a:xfrm>
+          <a:prstGeom prst="bentConnector3">
+            <a:avLst/>
+          </a:prstGeom>
+          <a:ln w="41275">
+            <a:solidFill>
+              <a:schemeClr val="bg2">
+                <a:lumMod val="25000"/>
+              </a:schemeClr>
+            </a:solidFill>
+            <a:tailEnd type="triangle"/>
+          </a:ln>
+        </p:spPr>
+        <p:style>
+          <a:lnRef idx="1">
+            <a:schemeClr val="accent1"/>
+          </a:lnRef>
+          <a:fillRef idx="0">
+            <a:schemeClr val="accent1"/>
+          </a:fillRef>
+          <a:effectRef idx="0">
+            <a:schemeClr val="accent1"/>
+          </a:effectRef>
+          <a:fontRef idx="minor">
+            <a:schemeClr val="tx1"/>
+          </a:fontRef>
+        </p:style>
+      </p:cxnSp>
+    </p:spTree>
+    <p:extLst>
+      <p:ext uri="{BB962C8B-B14F-4D97-AF65-F5344CB8AC3E}">
+        <p14:creationId xmlns:p14="http://schemas.microsoft.com/office/powerpoint/2010/main" val="3127954273"/>
+      </p:ext>
+    </p:extLst>
+  </p:cSld>
+  <p:clrMapOvr>
+    <a:masterClrMapping/>
+  </p:clrMapOvr>
+</p:sld>
+</file>
+
+<file path=ppt/slides/slide12.xml><?xml version="1.0" encoding="utf-8"?>
+<p:sld xmlns:a="http://schemas.openxmlformats.org/drawingml/2006/main" xmlns:r="http://schemas.openxmlformats.org/officeDocument/2006/relationships" xmlns:p="http://schemas.openxmlformats.org/presentationml/2006/main">
+  <p:cSld>
+    <p:bg>
+      <p:bgPr>
+        <a:solidFill>
+          <a:schemeClr val="bg1"/>
+        </a:solidFill>
+        <a:effectLst/>
+      </p:bgPr>
+    </p:bg>
+    <p:spTree>
+      <p:nvGrpSpPr>
+        <p:cNvPr id="1" name=""/>
+        <p:cNvGrpSpPr/>
+        <p:nvPr/>
+      </p:nvGrpSpPr>
+      <p:grpSpPr>
+        <a:xfrm>
+          <a:off x="0" y="0"/>
+          <a:ext cx="0" cy="0"/>
+          <a:chOff x="0" y="0"/>
+          <a:chExt cx="0" cy="0"/>
+        </a:xfrm>
+      </p:grpSpPr>
+      <p:sp useBgFill="1">
+        <p:nvSpPr>
+          <p:cNvPr id="10" name="Rectangle 9">
+            <a:extLst>
+              <a:ext uri="{FF2B5EF4-FFF2-40B4-BE49-F238E27FC236}">
+                <a16:creationId xmlns:a16="http://schemas.microsoft.com/office/drawing/2014/main" id="{BAD76F3E-3A97-486B-B402-44400A8B9173}"/>
+              </a:ext>
+              <a:ext uri="{C183D7F6-B498-43B3-948B-1728B52AA6E4}">
+                <adec:decorative xmlns:adec="http://schemas.microsoft.com/office/drawing/2017/decorative" val="1"/>
+              </a:ext>
+            </a:extLst>
+          </p:cNvPr>
+          <p:cNvSpPr>
+            <a:spLocks noGrp="1" noRot="1" noChangeAspect="1" noMove="1" noResize="1" noEditPoints="1" noAdjustHandles="1" noChangeArrowheads="1" noChangeShapeType="1" noTextEdit="1"/>
+          </p:cNvSpPr>
+          <p:nvPr>
+            <p:extLst>
+              <p:ext uri="{386F3935-93C4-4BCD-93E2-E3B085C9AB24}">
+                <p16:designElem xmlns:p16="http://schemas.microsoft.com/office/powerpoint/2015/main" val="1"/>
+              </p:ext>
+            </p:extLst>
+          </p:nvPr>
+        </p:nvSpPr>
+        <p:spPr>
+          <a:xfrm>
+            <a:off x="0" y="0"/>
+            <a:ext cx="12192000" cy="6858000"/>
+          </a:xfrm>
+          <a:prstGeom prst="rect">
+            <a:avLst/>
+          </a:prstGeom>
+          <a:ln>
+            <a:noFill/>
+          </a:ln>
+        </p:spPr>
+        <p:style>
+          <a:lnRef idx="2">
+            <a:schemeClr val="accent1">
+              <a:shade val="50000"/>
+            </a:schemeClr>
+          </a:lnRef>
+          <a:fillRef idx="1">
+            <a:schemeClr val="accent1"/>
+          </a:fillRef>
+          <a:effectRef idx="0">
+            <a:schemeClr val="accent1"/>
+          </a:effectRef>
+          <a:fontRef idx="minor">
+            <a:schemeClr val="lt1"/>
+          </a:fontRef>
+        </p:style>
+        <p:txBody>
+          <a:bodyPr rtlCol="0" anchor="ctr"/>
+          <a:lstStyle/>
+          <a:p>
+            <a:pPr algn="ctr"/>
+            <a:endParaRPr lang="en-US"/>
+          </a:p>
+        </p:txBody>
+      </p:sp>
+      <p:sp>
+        <p:nvSpPr>
+          <p:cNvPr id="5" name="TextBox 4">
+            <a:extLst>
+              <a:ext uri="{FF2B5EF4-FFF2-40B4-BE49-F238E27FC236}">
+                <a16:creationId xmlns:a16="http://schemas.microsoft.com/office/drawing/2014/main" id="{9480897E-8F40-744B-A0A7-43CF8AF09C74}"/>
+              </a:ext>
+            </a:extLst>
+          </p:cNvPr>
+          <p:cNvSpPr txBox="1"/>
+          <p:nvPr/>
+        </p:nvSpPr>
+        <p:spPr>
+          <a:xfrm>
+            <a:off x="838199" y="1093788"/>
+            <a:ext cx="10506455" cy="2967208"/>
+          </a:xfrm>
+          <a:prstGeom prst="rect">
+            <a:avLst/>
+          </a:prstGeom>
+        </p:spPr>
+        <p:txBody>
+          <a:bodyPr vert="horz" lIns="91440" tIns="45720" rIns="91440" bIns="45720" rtlCol="0" anchor="b">
+            <a:normAutofit/>
+          </a:bodyPr>
+          <a:lstStyle/>
+          <a:p>
+            <a:pPr>
+              <a:lnSpc>
+                <a:spcPct val="90000"/>
+              </a:lnSpc>
+              <a:spcBef>
+                <a:spcPct val="0"/>
+              </a:spcBef>
+              <a:spcAft>
+                <a:spcPts val="600"/>
+              </a:spcAft>
+            </a:pPr>
+            <a:r>
+              <a:rPr lang="en-US" sz="8000" kern="1200" dirty="0">
+                <a:solidFill>
+                  <a:schemeClr val="tx1"/>
+                </a:solidFill>
+                <a:latin typeface="+mj-lt"/>
+                <a:ea typeface="+mj-ea"/>
+                <a:cs typeface="+mj-cs"/>
+              </a:rPr>
+              <a:t>Weekly Thesis meeting</a:t>
+            </a:r>
+          </a:p>
+        </p:txBody>
+      </p:sp>
+      <p:sp>
+        <p:nvSpPr>
+          <p:cNvPr id="3" name="Subtitle 2">
+            <a:extLst>
+              <a:ext uri="{FF2B5EF4-FFF2-40B4-BE49-F238E27FC236}">
+                <a16:creationId xmlns:a16="http://schemas.microsoft.com/office/drawing/2014/main" id="{14E0F9EE-123A-DF41-B73D-0539E601A3C3}"/>
+              </a:ext>
+            </a:extLst>
+          </p:cNvPr>
+          <p:cNvSpPr>
+            <a:spLocks noGrp="1"/>
+          </p:cNvSpPr>
+          <p:nvPr>
+            <p:ph type="subTitle" idx="1"/>
+          </p:nvPr>
+        </p:nvSpPr>
+        <p:spPr>
+          <a:xfrm>
+            <a:off x="7400924" y="4619624"/>
+            <a:ext cx="3946779" cy="1038225"/>
+          </a:xfrm>
+        </p:spPr>
+        <p:txBody>
+          <a:bodyPr vert="horz" lIns="91440" tIns="45720" rIns="91440" bIns="45720" rtlCol="0">
+            <a:normAutofit/>
+          </a:bodyPr>
+          <a:lstStyle/>
+          <a:p>
+            <a:pPr algn="r"/>
+            <a:r>
+              <a:rPr lang="en-US" kern="1200" dirty="0">
+                <a:solidFill>
+                  <a:schemeClr val="tx1"/>
+                </a:solidFill>
+                <a:latin typeface="+mn-lt"/>
+                <a:ea typeface="+mn-ea"/>
+                <a:cs typeface="+mn-cs"/>
+              </a:rPr>
+              <a:t>March </a:t>
+            </a:r>
+            <a:r>
+              <a:rPr lang="en-US" dirty="0"/>
+              <a:t>25</a:t>
+            </a:r>
+            <a:r>
+              <a:rPr lang="en-US" kern="1200" baseline="30000" dirty="0">
+                <a:solidFill>
+                  <a:schemeClr val="tx1"/>
+                </a:solidFill>
+                <a:latin typeface="+mn-lt"/>
+                <a:ea typeface="+mn-ea"/>
+                <a:cs typeface="+mn-cs"/>
+              </a:rPr>
+              <a:t>th</a:t>
+            </a:r>
+            <a:r>
+              <a:rPr lang="en-US" kern="1200" dirty="0">
+                <a:solidFill>
+                  <a:schemeClr val="tx1"/>
+                </a:solidFill>
+                <a:latin typeface="+mn-lt"/>
+                <a:ea typeface="+mn-ea"/>
+                <a:cs typeface="+mn-cs"/>
+              </a:rPr>
+              <a:t>, 2022</a:t>
+            </a:r>
+          </a:p>
+        </p:txBody>
+      </p:sp>
+      <p:sp>
+        <p:nvSpPr>
+          <p:cNvPr id="12" name="Rectangle 11">
+            <a:extLst>
+              <a:ext uri="{FF2B5EF4-FFF2-40B4-BE49-F238E27FC236}">
+                <a16:creationId xmlns:a16="http://schemas.microsoft.com/office/drawing/2014/main" id="{391F6B52-91F4-4AEB-B6DB-29FEBCF28C8B}"/>
+              </a:ext>
+              <a:ext uri="{C183D7F6-B498-43B3-948B-1728B52AA6E4}">
+                <adec:decorative xmlns:adec="http://schemas.microsoft.com/office/drawing/2017/decorative" val="1"/>
+              </a:ext>
+            </a:extLst>
+          </p:cNvPr>
+          <p:cNvSpPr>
+            <a:spLocks noGrp="1" noRot="1" noChangeAspect="1" noMove="1" noResize="1" noEditPoints="1" noAdjustHandles="1" noChangeArrowheads="1" noChangeShapeType="1" noTextEdit="1"/>
+          </p:cNvSpPr>
+          <p:nvPr>
+            <p:extLst>
+              <p:ext uri="{386F3935-93C4-4BCD-93E2-E3B085C9AB24}">
+                <p16:designElem xmlns:p16="http://schemas.microsoft.com/office/powerpoint/2015/main" val="1"/>
+              </p:ext>
+            </p:extLst>
+          </p:nvPr>
+        </p:nvSpPr>
+        <p:spPr>
+          <a:xfrm>
+            <a:off x="841248" y="4331166"/>
+            <a:ext cx="10506456" cy="18288"/>
+          </a:xfrm>
+          <a:prstGeom prst="rect">
+            <a:avLst/>
+          </a:prstGeom>
+          <a:solidFill>
+            <a:srgbClr val="D5D5D5"/>
+          </a:solidFill>
+          <a:ln w="3175">
+            <a:noFill/>
+          </a:ln>
+          <a:effectLst/>
+        </p:spPr>
+        <p:style>
+          <a:lnRef idx="2">
+            <a:schemeClr val="accent1">
+              <a:shade val="50000"/>
+            </a:schemeClr>
+          </a:lnRef>
+          <a:fillRef idx="1">
+            <a:schemeClr val="accent1"/>
+          </a:fillRef>
+          <a:effectRef idx="0">
+            <a:schemeClr val="accent1"/>
+          </a:effectRef>
+          <a:fontRef idx="minor">
+            <a:schemeClr val="lt1"/>
+          </a:fontRef>
+        </p:style>
+        <p:txBody>
+          <a:bodyPr rtlCol="0" anchor="ctr"/>
+          <a:lstStyle/>
+          <a:p>
+            <a:pPr algn="ctr"/>
+            <a:endParaRPr lang="en-US">
+              <a:solidFill>
+                <a:prstClr val="white"/>
+              </a:solidFill>
+              <a:latin typeface="Calibri" panose="020F0502020204030204"/>
+            </a:endParaRPr>
+          </a:p>
+        </p:txBody>
+      </p:sp>
+      <p:sp>
+        <p:nvSpPr>
+          <p:cNvPr id="14" name="Rectangle 13">
+            <a:extLst>
+              <a:ext uri="{FF2B5EF4-FFF2-40B4-BE49-F238E27FC236}">
+                <a16:creationId xmlns:a16="http://schemas.microsoft.com/office/drawing/2014/main" id="{2CD6F061-7C53-44F4-9794-953DB70A451B}"/>
+              </a:ext>
+              <a:ext uri="{C183D7F6-B498-43B3-948B-1728B52AA6E4}">
+                <adec:decorative xmlns:adec="http://schemas.microsoft.com/office/drawing/2017/decorative" val="1"/>
+              </a:ext>
+            </a:extLst>
+          </p:cNvPr>
+          <p:cNvSpPr>
+            <a:spLocks noGrp="1" noRot="1" noChangeAspect="1" noMove="1" noResize="1" noEditPoints="1" noAdjustHandles="1" noChangeArrowheads="1" noChangeShapeType="1" noTextEdit="1"/>
+          </p:cNvSpPr>
+          <p:nvPr>
+            <p:extLst>
+              <p:ext uri="{386F3935-93C4-4BCD-93E2-E3B085C9AB24}">
+                <p16:designElem xmlns:p16="http://schemas.microsoft.com/office/powerpoint/2015/main" val="1"/>
+              </p:ext>
+            </p:extLst>
+          </p:nvPr>
+        </p:nvSpPr>
+        <p:spPr>
+          <a:xfrm rot="5400000">
+            <a:off x="9346882" y="2348839"/>
+            <a:ext cx="54864" cy="3946779"/>
+          </a:xfrm>
+          <a:prstGeom prst="rect">
+            <a:avLst/>
+          </a:prstGeom>
+          <a:solidFill>
+            <a:schemeClr val="accent2"/>
+          </a:solidFill>
+          <a:ln>
+            <a:noFill/>
+          </a:ln>
+        </p:spPr>
+        <p:style>
+          <a:lnRef idx="2">
+            <a:schemeClr val="accent1">
+              <a:shade val="50000"/>
+            </a:schemeClr>
+          </a:lnRef>
+          <a:fillRef idx="1">
+            <a:schemeClr val="accent1"/>
+          </a:fillRef>
+          <a:effectRef idx="0">
+            <a:schemeClr val="accent1"/>
+          </a:effectRef>
+          <a:fontRef idx="minor">
+            <a:schemeClr val="lt1"/>
+          </a:fontRef>
+        </p:style>
+        <p:txBody>
+          <a:bodyPr rtlCol="0" anchor="ctr"/>
+          <a:lstStyle/>
+          <a:p>
+            <a:pPr marL="0" marR="0" lvl="0" indent="0" algn="ctr" defTabSz="914400" rtl="0" eaLnBrk="1" fontAlgn="auto" latinLnBrk="0" hangingPunct="1">
+              <a:lnSpc>
+                <a:spcPct val="100000"/>
+              </a:lnSpc>
+              <a:spcBef>
+                <a:spcPts val="0"/>
+              </a:spcBef>
+              <a:spcAft>
+                <a:spcPts val="0"/>
+              </a:spcAft>
+              <a:buClrTx/>
+              <a:buSzTx/>
+              <a:buFontTx/>
+              <a:buNone/>
+              <a:tabLst/>
+              <a:defRPr/>
+            </a:pPr>
+            <a:endParaRPr kumimoji="0" lang="en-US" sz="1800" b="0" i="0" u="none" strike="noStrike" kern="1200" cap="none" spc="0" normalizeH="0" baseline="0" noProof="0">
+              <a:ln>
+                <a:noFill/>
+              </a:ln>
+              <a:solidFill>
+                <a:prstClr val="white"/>
+              </a:solidFill>
+              <a:effectLst/>
+              <a:uLnTx/>
+              <a:uFillTx/>
+              <a:latin typeface="Calibri" panose="020F0502020204030204"/>
+              <a:ea typeface="+mn-ea"/>
+              <a:cs typeface="+mn-cs"/>
+            </a:endParaRPr>
+          </a:p>
+        </p:txBody>
+      </p:sp>
+    </p:spTree>
+    <p:extLst>
+      <p:ext uri="{BB962C8B-B14F-4D97-AF65-F5344CB8AC3E}">
+        <p14:creationId xmlns:p14="http://schemas.microsoft.com/office/powerpoint/2010/main" val="3852514996"/>
+      </p:ext>
+    </p:extLst>
+  </p:cSld>
+  <p:clrMapOvr>
+    <a:masterClrMapping/>
+  </p:clrMapOvr>
+</p:sld>
+</file>
+
+<file path=ppt/slides/slide13.xml><?xml version="1.0" encoding="utf-8"?>
+<p:sld xmlns:a="http://schemas.openxmlformats.org/drawingml/2006/main" xmlns:r="http://schemas.openxmlformats.org/officeDocument/2006/relationships" xmlns:p="http://schemas.openxmlformats.org/presentationml/2006/main">
+  <p:cSld>
     <p:spTree>
       <p:nvGrpSpPr>
         <p:cNvPr id="1" name=""/>
@@ -4465,7 +6379,7 @@
 </p:sld>
 </file>
 
-<file path=ppt/slides/slide11.xml><?xml version="1.0" encoding="utf-8"?>
+<file path=ppt/slides/slide14.xml><?xml version="1.0" encoding="utf-8"?>
 <p:sld xmlns:a="http://schemas.openxmlformats.org/drawingml/2006/main" xmlns:r="http://schemas.openxmlformats.org/officeDocument/2006/relationships" xmlns:p="http://schemas.openxmlformats.org/presentationml/2006/main">
   <p:cSld>
     <p:spTree>
@@ -4650,7 +6564,7 @@
 </p:sld>
 </file>
 
-<file path=ppt/slides/slide12.xml><?xml version="1.0" encoding="utf-8"?>
+<file path=ppt/slides/slide15.xml><?xml version="1.0" encoding="utf-8"?>
 <p:sld xmlns:a="http://schemas.openxmlformats.org/drawingml/2006/main" xmlns:r="http://schemas.openxmlformats.org/officeDocument/2006/relationships" xmlns:p="http://schemas.openxmlformats.org/presentationml/2006/main">
   <p:cSld>
     <p:spTree>
@@ -4797,7 +6711,7 @@
 </p:sld>
 </file>
 
-<file path=ppt/slides/slide13.xml><?xml version="1.0" encoding="utf-8"?>
+<file path=ppt/slides/slide16.xml><?xml version="1.0" encoding="utf-8"?>
 <p:sld xmlns:a="http://schemas.openxmlformats.org/drawingml/2006/main" xmlns:r="http://schemas.openxmlformats.org/officeDocument/2006/relationships" xmlns:p="http://schemas.openxmlformats.org/presentationml/2006/main">
   <p:cSld>
     <p:spTree>
@@ -5031,7 +6945,7 @@
 </p:sld>
 </file>
 
-<file path=ppt/slides/slide14.xml><?xml version="1.0" encoding="utf-8"?>
+<file path=ppt/slides/slide17.xml><?xml version="1.0" encoding="utf-8"?>
 <p:sld xmlns:a="http://schemas.openxmlformats.org/drawingml/2006/main" xmlns:r="http://schemas.openxmlformats.org/officeDocument/2006/relationships" xmlns:p="http://schemas.openxmlformats.org/presentationml/2006/main">
   <p:cSld>
     <p:spTree>
@@ -5227,7 +7141,7 @@
 </p:sld>
 </file>
 
-<file path=ppt/slides/slide15.xml><?xml version="1.0" encoding="utf-8"?>
+<file path=ppt/slides/slide18.xml><?xml version="1.0" encoding="utf-8"?>
 <p:sld xmlns:a="http://schemas.openxmlformats.org/drawingml/2006/main" xmlns:r="http://schemas.openxmlformats.org/officeDocument/2006/relationships" xmlns:p="http://schemas.openxmlformats.org/presentationml/2006/main">
   <p:cSld>
     <p:spTree>
@@ -6046,7 +7960,7 @@
 </p:sld>
 </file>
 
-<file path=ppt/slides/slide16.xml><?xml version="1.0" encoding="utf-8"?>
+<file path=ppt/slides/slide19.xml><?xml version="1.0" encoding="utf-8"?>
 <p:sld xmlns:a="http://schemas.openxmlformats.org/drawingml/2006/main" xmlns:r="http://schemas.openxmlformats.org/officeDocument/2006/relationships" xmlns:p="http://schemas.openxmlformats.org/presentationml/2006/main">
   <p:cSld>
     <p:spTree>
@@ -6141,8 +8055,12 @@
                 <a:buChar char="•"/>
               </a:pPr>
               <a:r>
-                <a:rPr lang="en-GB" sz="1200" dirty="0"/>
-                <a:t>System check with users (1/4)</a:t>
+                <a:rPr lang="en-GB" sz="1200" dirty="0">
+                  <a:highlight>
+                    <a:srgbClr val="00FF00"/>
+                  </a:highlight>
+                </a:rPr>
+                <a:t>System check with users (3/3)</a:t>
               </a:r>
             </a:p>
             <a:p>
@@ -6310,7 +8228,7 @@
               </a:pPr>
               <a:r>
                 <a:rPr lang="en-GB" sz="1200" dirty="0"/>
-                <a:t>Annotated documents 1/301</a:t>
+                <a:t>Annotated documents 12/301</a:t>
               </a:r>
             </a:p>
           </p:txBody>
@@ -6465,6 +8383,16 @@
               <a:r>
                 <a:rPr lang="en-GB" sz="1200" dirty="0"/>
                 <a:t>Running the Dutch benchmarks</a:t>
+              </a:r>
+            </a:p>
+            <a:p>
+              <a:pPr marL="171450" indent="-171450">
+                <a:buFont typeface="Arial" panose="020B0604020202020204" pitchFamily="34" charset="0"/>
+                <a:buChar char="•"/>
+              </a:pPr>
+              <a:r>
+                <a:rPr lang="en-GB" sz="1200" dirty="0"/>
+                <a:t>Fine-tuning BERT/SBERT</a:t>
               </a:r>
             </a:p>
             <a:p>
@@ -6886,6 +8814,586 @@
         </p:spPr>
         <p:txBody>
           <a:bodyPr>
+            <a:normAutofit/>
+          </a:bodyPr>
+          <a:lstStyle/>
+          <a:p>
+            <a:r>
+              <a:rPr lang="en-GB" dirty="0"/>
+              <a:t>What I worked on:</a:t>
+            </a:r>
+          </a:p>
+          <a:p>
+            <a:pPr lvl="1"/>
+            <a:r>
+              <a:rPr lang="en-GB" dirty="0"/>
+              <a:t>Showed the system to two more users</a:t>
+            </a:r>
+          </a:p>
+          <a:p>
+            <a:pPr lvl="1"/>
+            <a:r>
+              <a:rPr lang="en-GB" dirty="0"/>
+              <a:t>Looked into extracting the annotations</a:t>
+            </a:r>
+          </a:p>
+          <a:p>
+            <a:pPr lvl="1"/>
+            <a:r>
+              <a:rPr lang="en-GB" dirty="0"/>
+              <a:t>Looked into fine-tuning BERT/SBERT</a:t>
+            </a:r>
+          </a:p>
+          <a:p>
+            <a:pPr marL="0" indent="0">
+              <a:buNone/>
+            </a:pPr>
+            <a:endParaRPr lang="en-GB" dirty="0"/>
+          </a:p>
+          <a:p>
+            <a:r>
+              <a:rPr lang="en-GB" dirty="0"/>
+              <a:t>Questions</a:t>
+            </a:r>
+          </a:p>
+          <a:p>
+            <a:pPr lvl="1"/>
+            <a:r>
+              <a:rPr lang="en-GB" dirty="0"/>
+              <a:t>When can we get an overview of the system?</a:t>
+            </a:r>
+          </a:p>
+          <a:p>
+            <a:pPr marL="457200" lvl="1" indent="0">
+              <a:buNone/>
+            </a:pPr>
+            <a:r>
+              <a:rPr lang="en-GB" dirty="0">
+                <a:sym typeface="Wingdings" pitchFamily="2" charset="2"/>
+              </a:rPr>
+              <a:t> </a:t>
+            </a:r>
+            <a:r>
+              <a:rPr lang="en-GB" dirty="0"/>
+              <a:t> </a:t>
+            </a:r>
+          </a:p>
+          <a:p>
+            <a:endParaRPr lang="en-GB" dirty="0"/>
+          </a:p>
+          <a:p>
+            <a:endParaRPr lang="en-GB" dirty="0"/>
+          </a:p>
+          <a:p>
+            <a:pPr lvl="1"/>
+            <a:endParaRPr lang="en-GB" dirty="0"/>
+          </a:p>
+          <a:p>
+            <a:pPr marL="457200" lvl="1" indent="0">
+              <a:buNone/>
+            </a:pPr>
+            <a:endParaRPr lang="en-GB" dirty="0"/>
+          </a:p>
+        </p:txBody>
+      </p:sp>
+      <p:sp>
+        <p:nvSpPr>
+          <p:cNvPr id="4" name="Rectangle 3">
+            <a:extLst>
+              <a:ext uri="{FF2B5EF4-FFF2-40B4-BE49-F238E27FC236}">
+                <a16:creationId xmlns:a16="http://schemas.microsoft.com/office/drawing/2014/main" id="{F86B3DEB-B93F-614E-9E4C-D151112A9036}"/>
+              </a:ext>
+            </a:extLst>
+          </p:cNvPr>
+          <p:cNvSpPr/>
+          <p:nvPr/>
+        </p:nvSpPr>
+        <p:spPr>
+          <a:xfrm>
+            <a:off x="90616" y="1248032"/>
+            <a:ext cx="12010768" cy="61784"/>
+          </a:xfrm>
+          <a:prstGeom prst="rect">
+            <a:avLst/>
+          </a:prstGeom>
+          <a:solidFill>
+            <a:schemeClr val="accent2"/>
+          </a:solidFill>
+          <a:ln>
+            <a:noFill/>
+          </a:ln>
+        </p:spPr>
+        <p:style>
+          <a:lnRef idx="2">
+            <a:schemeClr val="accent1">
+              <a:shade val="50000"/>
+            </a:schemeClr>
+          </a:lnRef>
+          <a:fillRef idx="1">
+            <a:schemeClr val="accent1"/>
+          </a:fillRef>
+          <a:effectRef idx="0">
+            <a:schemeClr val="accent1"/>
+          </a:effectRef>
+          <a:fontRef idx="minor">
+            <a:schemeClr val="lt1"/>
+          </a:fontRef>
+        </p:style>
+        <p:txBody>
+          <a:bodyPr rtlCol="0" anchor="ctr"/>
+          <a:lstStyle/>
+          <a:p>
+            <a:pPr algn="ctr"/>
+            <a:endParaRPr lang="en-NL"/>
+          </a:p>
+        </p:txBody>
+      </p:sp>
+      <p:pic>
+        <p:nvPicPr>
+          <p:cNvPr id="6" name="Picture 5" descr="Graphical user interface, text&#10;&#10;Description automatically generated">
+            <a:extLst>
+              <a:ext uri="{FF2B5EF4-FFF2-40B4-BE49-F238E27FC236}">
+                <a16:creationId xmlns:a16="http://schemas.microsoft.com/office/drawing/2014/main" id="{8780CAC6-37D4-1523-0D13-301782CA6B2D}"/>
+              </a:ext>
+            </a:extLst>
+          </p:cNvPr>
+          <p:cNvPicPr>
+            <a:picLocks noChangeAspect="1"/>
+          </p:cNvPicPr>
+          <p:nvPr/>
+        </p:nvPicPr>
+        <p:blipFill>
+          <a:blip r:embed="rId2"/>
+          <a:stretch>
+            <a:fillRect/>
+          </a:stretch>
+        </p:blipFill>
+        <p:spPr>
+          <a:xfrm>
+            <a:off x="8357170" y="1463490"/>
+            <a:ext cx="3744214" cy="3931019"/>
+          </a:xfrm>
+          <a:prstGeom prst="rect">
+            <a:avLst/>
+          </a:prstGeom>
+        </p:spPr>
+      </p:pic>
+    </p:spTree>
+    <p:extLst>
+      <p:ext uri="{BB962C8B-B14F-4D97-AF65-F5344CB8AC3E}">
+        <p14:creationId xmlns:p14="http://schemas.microsoft.com/office/powerpoint/2010/main" val="3429268129"/>
+      </p:ext>
+    </p:extLst>
+  </p:cSld>
+  <p:clrMapOvr>
+    <a:masterClrMapping/>
+  </p:clrMapOvr>
+</p:sld>
+</file>
+
+<file path=ppt/slides/slide3.xml><?xml version="1.0" encoding="utf-8"?>
+<p:sld xmlns:a="http://schemas.openxmlformats.org/drawingml/2006/main" xmlns:r="http://schemas.openxmlformats.org/officeDocument/2006/relationships" xmlns:p="http://schemas.openxmlformats.org/presentationml/2006/main">
+  <p:cSld>
+    <p:spTree>
+      <p:nvGrpSpPr>
+        <p:cNvPr id="1" name=""/>
+        <p:cNvGrpSpPr/>
+        <p:nvPr/>
+      </p:nvGrpSpPr>
+      <p:grpSpPr>
+        <a:xfrm>
+          <a:off x="0" y="0"/>
+          <a:ext cx="0" cy="0"/>
+          <a:chOff x="0" y="0"/>
+          <a:chExt cx="0" cy="0"/>
+        </a:xfrm>
+      </p:grpSpPr>
+      <p:sp>
+        <p:nvSpPr>
+          <p:cNvPr id="2" name="Title 1">
+            <a:extLst>
+              <a:ext uri="{FF2B5EF4-FFF2-40B4-BE49-F238E27FC236}">
+                <a16:creationId xmlns:a16="http://schemas.microsoft.com/office/drawing/2014/main" id="{54A8512E-CD77-B741-A177-AE655D089FC5}"/>
+              </a:ext>
+            </a:extLst>
+          </p:cNvPr>
+          <p:cNvSpPr>
+            <a:spLocks noGrp="1"/>
+          </p:cNvSpPr>
+          <p:nvPr>
+            <p:ph type="title"/>
+          </p:nvPr>
+        </p:nvSpPr>
+        <p:spPr/>
+        <p:txBody>
+          <a:bodyPr/>
+          <a:lstStyle/>
+          <a:p>
+            <a:r>
+              <a:rPr lang="en-GB" dirty="0"/>
+              <a:t>Items for next week</a:t>
+            </a:r>
+          </a:p>
+        </p:txBody>
+      </p:sp>
+      <p:sp>
+        <p:nvSpPr>
+          <p:cNvPr id="3" name="Content Placeholder 2">
+            <a:extLst>
+              <a:ext uri="{FF2B5EF4-FFF2-40B4-BE49-F238E27FC236}">
+                <a16:creationId xmlns:a16="http://schemas.microsoft.com/office/drawing/2014/main" id="{CB282AAE-0D90-A14D-BBFF-3E663CE8B55B}"/>
+              </a:ext>
+            </a:extLst>
+          </p:cNvPr>
+          <p:cNvSpPr>
+            <a:spLocks noGrp="1"/>
+          </p:cNvSpPr>
+          <p:nvPr>
+            <p:ph idx="1"/>
+          </p:nvPr>
+        </p:nvSpPr>
+        <p:spPr/>
+        <p:txBody>
+          <a:bodyPr>
+            <a:normAutofit/>
+          </a:bodyPr>
+          <a:lstStyle/>
+          <a:p>
+            <a:r>
+              <a:rPr lang="en-GB" dirty="0"/>
+              <a:t>To do’s </a:t>
+            </a:r>
+          </a:p>
+          <a:p>
+            <a:pPr lvl="1"/>
+            <a:r>
+              <a:rPr lang="en-GB" dirty="0"/>
+              <a:t>Encourage people to annotate</a:t>
+            </a:r>
+          </a:p>
+          <a:p>
+            <a:pPr lvl="1"/>
+            <a:r>
+              <a:rPr lang="en-GB" dirty="0"/>
+              <a:t>Fine-tuning BERT</a:t>
+            </a:r>
+          </a:p>
+          <a:p>
+            <a:pPr lvl="2"/>
+            <a:r>
+              <a:rPr lang="en-GB" dirty="0"/>
+              <a:t>Creating a second Dutch data set? // use semi-supervised? // …</a:t>
+            </a:r>
+          </a:p>
+          <a:p>
+            <a:pPr lvl="1"/>
+            <a:r>
+              <a:rPr lang="en-GB" dirty="0"/>
+              <a:t>Pickup writing the methodology and introduction </a:t>
+            </a:r>
+          </a:p>
+          <a:p>
+            <a:pPr lvl="2"/>
+            <a:endParaRPr lang="en-GB" dirty="0"/>
+          </a:p>
+          <a:p>
+            <a:pPr lvl="1"/>
+            <a:r>
+              <a:rPr lang="en-GB" dirty="0"/>
+              <a:t>Thesis session </a:t>
+            </a:r>
+          </a:p>
+          <a:p>
+            <a:pPr lvl="1"/>
+            <a:endParaRPr lang="en-GB" dirty="0"/>
+          </a:p>
+          <a:p>
+            <a:pPr marL="457200" lvl="1" indent="0">
+              <a:buNone/>
+            </a:pPr>
+            <a:endParaRPr lang="en-GB" dirty="0"/>
+          </a:p>
+        </p:txBody>
+      </p:sp>
+      <p:sp>
+        <p:nvSpPr>
+          <p:cNvPr id="4" name="Rectangle 3">
+            <a:extLst>
+              <a:ext uri="{FF2B5EF4-FFF2-40B4-BE49-F238E27FC236}">
+                <a16:creationId xmlns:a16="http://schemas.microsoft.com/office/drawing/2014/main" id="{F86B3DEB-B93F-614E-9E4C-D151112A9036}"/>
+              </a:ext>
+            </a:extLst>
+          </p:cNvPr>
+          <p:cNvSpPr/>
+          <p:nvPr/>
+        </p:nvSpPr>
+        <p:spPr>
+          <a:xfrm>
+            <a:off x="90616" y="1248032"/>
+            <a:ext cx="12010768" cy="61784"/>
+          </a:xfrm>
+          <a:prstGeom prst="rect">
+            <a:avLst/>
+          </a:prstGeom>
+          <a:solidFill>
+            <a:schemeClr val="accent2"/>
+          </a:solidFill>
+          <a:ln>
+            <a:noFill/>
+          </a:ln>
+        </p:spPr>
+        <p:style>
+          <a:lnRef idx="2">
+            <a:schemeClr val="accent1">
+              <a:shade val="50000"/>
+            </a:schemeClr>
+          </a:lnRef>
+          <a:fillRef idx="1">
+            <a:schemeClr val="accent1"/>
+          </a:fillRef>
+          <a:effectRef idx="0">
+            <a:schemeClr val="accent1"/>
+          </a:effectRef>
+          <a:fontRef idx="minor">
+            <a:schemeClr val="lt1"/>
+          </a:fontRef>
+        </p:style>
+        <p:txBody>
+          <a:bodyPr rtlCol="0" anchor="ctr"/>
+          <a:lstStyle/>
+          <a:p>
+            <a:pPr algn="ctr"/>
+            <a:endParaRPr lang="en-NL"/>
+          </a:p>
+        </p:txBody>
+      </p:sp>
+    </p:spTree>
+    <p:extLst>
+      <p:ext uri="{BB962C8B-B14F-4D97-AF65-F5344CB8AC3E}">
+        <p14:creationId xmlns:p14="http://schemas.microsoft.com/office/powerpoint/2010/main" val="3790007113"/>
+      </p:ext>
+    </p:extLst>
+  </p:cSld>
+  <p:clrMapOvr>
+    <a:masterClrMapping/>
+  </p:clrMapOvr>
+</p:sld>
+</file>
+
+<file path=ppt/slides/slide4.xml><?xml version="1.0" encoding="utf-8"?>
+<p:sld xmlns:a="http://schemas.openxmlformats.org/drawingml/2006/main" xmlns:r="http://schemas.openxmlformats.org/officeDocument/2006/relationships" xmlns:p="http://schemas.openxmlformats.org/presentationml/2006/main">
+  <p:cSld>
+    <p:spTree>
+      <p:nvGrpSpPr>
+        <p:cNvPr id="1" name=""/>
+        <p:cNvGrpSpPr/>
+        <p:nvPr/>
+      </p:nvGrpSpPr>
+      <p:grpSpPr>
+        <a:xfrm>
+          <a:off x="0" y="0"/>
+          <a:ext cx="0" cy="0"/>
+          <a:chOff x="0" y="0"/>
+          <a:chExt cx="0" cy="0"/>
+        </a:xfrm>
+      </p:grpSpPr>
+      <p:sp>
+        <p:nvSpPr>
+          <p:cNvPr id="5" name="TextBox 4">
+            <a:extLst>
+              <a:ext uri="{FF2B5EF4-FFF2-40B4-BE49-F238E27FC236}">
+                <a16:creationId xmlns:a16="http://schemas.microsoft.com/office/drawing/2014/main" id="{9480897E-8F40-744B-A0A7-43CF8AF09C74}"/>
+              </a:ext>
+            </a:extLst>
+          </p:cNvPr>
+          <p:cNvSpPr txBox="1"/>
+          <p:nvPr/>
+        </p:nvSpPr>
+        <p:spPr>
+          <a:xfrm>
+            <a:off x="838199" y="1093788"/>
+            <a:ext cx="10506455" cy="2967208"/>
+          </a:xfrm>
+          <a:prstGeom prst="rect">
+            <a:avLst/>
+          </a:prstGeom>
+        </p:spPr>
+        <p:txBody>
+          <a:bodyPr vert="horz" lIns="91440" tIns="45720" rIns="91440" bIns="45720" rtlCol="0" anchor="b">
+            <a:normAutofit/>
+          </a:bodyPr>
+          <a:lstStyle/>
+          <a:p>
+            <a:pPr marL="0" marR="0" lvl="0" indent="0" algn="l" defTabSz="914400" rtl="0" eaLnBrk="1" fontAlgn="auto" latinLnBrk="0" hangingPunct="1">
+              <a:lnSpc>
+                <a:spcPct val="90000"/>
+              </a:lnSpc>
+              <a:spcBef>
+                <a:spcPct val="0"/>
+              </a:spcBef>
+              <a:spcAft>
+                <a:spcPts val="600"/>
+              </a:spcAft>
+              <a:buClrTx/>
+              <a:buSzTx/>
+              <a:buFontTx/>
+              <a:buNone/>
+              <a:tabLst/>
+              <a:defRPr/>
+            </a:pPr>
+            <a:r>
+              <a:rPr kumimoji="0" lang="en-US" sz="8000" b="0" i="0" u="none" strike="noStrike" kern="1200" cap="none" spc="0" normalizeH="0" baseline="0" noProof="0" dirty="0">
+                <a:ln>
+                  <a:noFill/>
+                </a:ln>
+                <a:solidFill>
+                  <a:prstClr val="black"/>
+                </a:solidFill>
+                <a:effectLst/>
+                <a:uLnTx/>
+                <a:uFillTx/>
+                <a:latin typeface="Calibri Light" panose="020F0302020204030204"/>
+                <a:ea typeface="+mn-ea"/>
+                <a:cs typeface="+mn-cs"/>
+              </a:rPr>
+              <a:t>Weekly Thesis meeting</a:t>
+            </a:r>
+          </a:p>
+        </p:txBody>
+      </p:sp>
+      <p:sp>
+        <p:nvSpPr>
+          <p:cNvPr id="3" name="Subtitle 2">
+            <a:extLst>
+              <a:ext uri="{FF2B5EF4-FFF2-40B4-BE49-F238E27FC236}">
+                <a16:creationId xmlns:a16="http://schemas.microsoft.com/office/drawing/2014/main" id="{14E0F9EE-123A-DF41-B73D-0539E601A3C3}"/>
+              </a:ext>
+            </a:extLst>
+          </p:cNvPr>
+          <p:cNvSpPr>
+            <a:spLocks noGrp="1"/>
+          </p:cNvSpPr>
+          <p:nvPr>
+            <p:ph type="subTitle" idx="1"/>
+          </p:nvPr>
+        </p:nvSpPr>
+        <p:spPr>
+          <a:xfrm>
+            <a:off x="7400924" y="4619624"/>
+            <a:ext cx="3946779" cy="1038225"/>
+          </a:xfrm>
+        </p:spPr>
+        <p:txBody>
+          <a:bodyPr vert="horz" lIns="91440" tIns="45720" rIns="91440" bIns="45720" rtlCol="0">
+            <a:normAutofit/>
+          </a:bodyPr>
+          <a:lstStyle/>
+          <a:p>
+            <a:pPr algn="r"/>
+            <a:r>
+              <a:rPr lang="en-US" dirty="0"/>
+              <a:t>May 3</a:t>
+            </a:r>
+            <a:r>
+              <a:rPr lang="en-US" baseline="30000" dirty="0"/>
+              <a:t>rd</a:t>
+            </a:r>
+            <a:r>
+              <a:rPr lang="en-US" kern="1200" dirty="0">
+                <a:solidFill>
+                  <a:schemeClr val="tx1"/>
+                </a:solidFill>
+                <a:latin typeface="+mn-lt"/>
+                <a:ea typeface="+mn-ea"/>
+                <a:cs typeface="+mn-cs"/>
+              </a:rPr>
+              <a:t>, 2022</a:t>
+            </a:r>
+          </a:p>
+        </p:txBody>
+      </p:sp>
+    </p:spTree>
+    <p:extLst>
+      <p:ext uri="{BB962C8B-B14F-4D97-AF65-F5344CB8AC3E}">
+        <p14:creationId xmlns:p14="http://schemas.microsoft.com/office/powerpoint/2010/main" val="1303487269"/>
+      </p:ext>
+    </p:extLst>
+  </p:cSld>
+  <p:clrMapOvr>
+    <a:masterClrMapping/>
+  </p:clrMapOvr>
+</p:sld>
+</file>
+
+<file path=ppt/slides/slide5.xml><?xml version="1.0" encoding="utf-8"?>
+<p:sld xmlns:a="http://schemas.openxmlformats.org/drawingml/2006/main" xmlns:r="http://schemas.openxmlformats.org/officeDocument/2006/relationships" xmlns:p="http://schemas.openxmlformats.org/presentationml/2006/main">
+  <p:cSld>
+    <p:spTree>
+      <p:nvGrpSpPr>
+        <p:cNvPr id="1" name=""/>
+        <p:cNvGrpSpPr/>
+        <p:nvPr/>
+      </p:nvGrpSpPr>
+      <p:grpSpPr>
+        <a:xfrm>
+          <a:off x="0" y="0"/>
+          <a:ext cx="0" cy="0"/>
+          <a:chOff x="0" y="0"/>
+          <a:chExt cx="0" cy="0"/>
+        </a:xfrm>
+      </p:grpSpPr>
+      <p:sp>
+        <p:nvSpPr>
+          <p:cNvPr id="2" name="Title 1">
+            <a:extLst>
+              <a:ext uri="{FF2B5EF4-FFF2-40B4-BE49-F238E27FC236}">
+                <a16:creationId xmlns:a16="http://schemas.microsoft.com/office/drawing/2014/main" id="{54A8512E-CD77-B741-A177-AE655D089FC5}"/>
+              </a:ext>
+            </a:extLst>
+          </p:cNvPr>
+          <p:cNvSpPr>
+            <a:spLocks noGrp="1"/>
+          </p:cNvSpPr>
+          <p:nvPr>
+            <p:ph type="title"/>
+          </p:nvPr>
+        </p:nvSpPr>
+        <p:spPr/>
+        <p:txBody>
+          <a:bodyPr/>
+          <a:lstStyle/>
+          <a:p>
+            <a:r>
+              <a:rPr lang="en-GB" dirty="0"/>
+              <a:t>Items from last week</a:t>
+            </a:r>
+          </a:p>
+        </p:txBody>
+      </p:sp>
+      <p:sp>
+        <p:nvSpPr>
+          <p:cNvPr id="3" name="Content Placeholder 2">
+            <a:extLst>
+              <a:ext uri="{FF2B5EF4-FFF2-40B4-BE49-F238E27FC236}">
+                <a16:creationId xmlns:a16="http://schemas.microsoft.com/office/drawing/2014/main" id="{CB282AAE-0D90-A14D-BBFF-3E663CE8B55B}"/>
+              </a:ext>
+            </a:extLst>
+          </p:cNvPr>
+          <p:cNvSpPr>
+            <a:spLocks noGrp="1"/>
+          </p:cNvSpPr>
+          <p:nvPr>
+            <p:ph idx="1"/>
+          </p:nvPr>
+        </p:nvSpPr>
+        <p:spPr>
+          <a:xfrm>
+            <a:off x="838200" y="1825625"/>
+            <a:ext cx="7245516" cy="4351338"/>
+          </a:xfrm>
+        </p:spPr>
+        <p:txBody>
+          <a:bodyPr>
             <a:normAutofit fontScale="85000" lnSpcReduction="20000"/>
           </a:bodyPr>
           <a:lstStyle/>
@@ -7091,7 +9599,7 @@
 </p:sld>
 </file>
 
-<file path=ppt/slides/slide3.xml><?xml version="1.0" encoding="utf-8"?>
+<file path=ppt/slides/slide6.xml><?xml version="1.0" encoding="utf-8"?>
 <p:sld xmlns:a="http://schemas.openxmlformats.org/drawingml/2006/main" xmlns:r="http://schemas.openxmlformats.org/officeDocument/2006/relationships" xmlns:p="http://schemas.openxmlformats.org/presentationml/2006/main">
   <p:cSld>
     <p:spTree>
@@ -7375,7 +9883,7 @@
 </p:sld>
 </file>
 
-<file path=ppt/slides/slide4.xml><?xml version="1.0" encoding="utf-8"?>
+<file path=ppt/slides/slide7.xml><?xml version="1.0" encoding="utf-8"?>
 <p:sld xmlns:a="http://schemas.openxmlformats.org/drawingml/2006/main" xmlns:r="http://schemas.openxmlformats.org/officeDocument/2006/relationships" xmlns:p="http://schemas.openxmlformats.org/presentationml/2006/main">
   <p:cSld>
     <p:spTree>
@@ -7582,7 +10090,7 @@
 </p:sld>
 </file>
 
-<file path=ppt/slides/slide5.xml><?xml version="1.0" encoding="utf-8"?>
+<file path=ppt/slides/slide8.xml><?xml version="1.0" encoding="utf-8"?>
 <p:sld xmlns:a="http://schemas.openxmlformats.org/drawingml/2006/main" xmlns:r="http://schemas.openxmlformats.org/officeDocument/2006/relationships" xmlns:p="http://schemas.openxmlformats.org/presentationml/2006/main">
   <p:cSld>
     <p:bg>
@@ -8016,7 +10524,7 @@
 </p:sld>
 </file>
 
-<file path=ppt/slides/slide6.xml><?xml version="1.0" encoding="utf-8"?>
+<file path=ppt/slides/slide9.xml><?xml version="1.0" encoding="utf-8"?>
 <p:sld xmlns:a="http://schemas.openxmlformats.org/drawingml/2006/main" xmlns:r="http://schemas.openxmlformats.org/officeDocument/2006/relationships" xmlns:p="http://schemas.openxmlformats.org/presentationml/2006/main">
   <p:cSld>
     <p:spTree>
@@ -8272,1917 +10780,6 @@
     <p:extLst>
       <p:ext uri="{BB962C8B-B14F-4D97-AF65-F5344CB8AC3E}">
         <p14:creationId xmlns:p14="http://schemas.microsoft.com/office/powerpoint/2010/main" val="1787349415"/>
-      </p:ext>
-    </p:extLst>
-  </p:cSld>
-  <p:clrMapOvr>
-    <a:masterClrMapping/>
-  </p:clrMapOvr>
-</p:sld>
-</file>
-
-<file path=ppt/slides/slide7.xml><?xml version="1.0" encoding="utf-8"?>
-<p:sld xmlns:a="http://schemas.openxmlformats.org/drawingml/2006/main" xmlns:r="http://schemas.openxmlformats.org/officeDocument/2006/relationships" xmlns:p="http://schemas.openxmlformats.org/presentationml/2006/main">
-  <p:cSld>
-    <p:bg>
-      <p:bgPr>
-        <a:solidFill>
-          <a:schemeClr val="bg1"/>
-        </a:solidFill>
-        <a:effectLst/>
-      </p:bgPr>
-    </p:bg>
-    <p:spTree>
-      <p:nvGrpSpPr>
-        <p:cNvPr id="1" name=""/>
-        <p:cNvGrpSpPr/>
-        <p:nvPr/>
-      </p:nvGrpSpPr>
-      <p:grpSpPr>
-        <a:xfrm>
-          <a:off x="0" y="0"/>
-          <a:ext cx="0" cy="0"/>
-          <a:chOff x="0" y="0"/>
-          <a:chExt cx="0" cy="0"/>
-        </a:xfrm>
-      </p:grpSpPr>
-      <p:sp useBgFill="1">
-        <p:nvSpPr>
-          <p:cNvPr id="10" name="Rectangle 9">
-            <a:extLst>
-              <a:ext uri="{FF2B5EF4-FFF2-40B4-BE49-F238E27FC236}">
-                <a16:creationId xmlns:a16="http://schemas.microsoft.com/office/drawing/2014/main" id="{BAD76F3E-3A97-486B-B402-44400A8B9173}"/>
-              </a:ext>
-              <a:ext uri="{C183D7F6-B498-43B3-948B-1728B52AA6E4}">
-                <adec:decorative xmlns:adec="http://schemas.microsoft.com/office/drawing/2017/decorative" val="1"/>
-              </a:ext>
-            </a:extLst>
-          </p:cNvPr>
-          <p:cNvSpPr>
-            <a:spLocks noGrp="1" noRot="1" noChangeAspect="1" noMove="1" noResize="1" noEditPoints="1" noAdjustHandles="1" noChangeArrowheads="1" noChangeShapeType="1" noTextEdit="1"/>
-          </p:cNvSpPr>
-          <p:nvPr>
-            <p:extLst>
-              <p:ext uri="{386F3935-93C4-4BCD-93E2-E3B085C9AB24}">
-                <p16:designElem xmlns:p16="http://schemas.microsoft.com/office/powerpoint/2015/main" val="1"/>
-              </p:ext>
-            </p:extLst>
-          </p:nvPr>
-        </p:nvSpPr>
-        <p:spPr>
-          <a:xfrm>
-            <a:off x="0" y="0"/>
-            <a:ext cx="12192000" cy="6858000"/>
-          </a:xfrm>
-          <a:prstGeom prst="rect">
-            <a:avLst/>
-          </a:prstGeom>
-          <a:ln>
-            <a:noFill/>
-          </a:ln>
-        </p:spPr>
-        <p:style>
-          <a:lnRef idx="2">
-            <a:schemeClr val="accent1">
-              <a:shade val="50000"/>
-            </a:schemeClr>
-          </a:lnRef>
-          <a:fillRef idx="1">
-            <a:schemeClr val="accent1"/>
-          </a:fillRef>
-          <a:effectRef idx="0">
-            <a:schemeClr val="accent1"/>
-          </a:effectRef>
-          <a:fontRef idx="minor">
-            <a:schemeClr val="lt1"/>
-          </a:fontRef>
-        </p:style>
-        <p:txBody>
-          <a:bodyPr rtlCol="0" anchor="ctr"/>
-          <a:lstStyle/>
-          <a:p>
-            <a:pPr marL="0" marR="0" lvl="0" indent="0" algn="ctr" defTabSz="914400" rtl="0" eaLnBrk="1" fontAlgn="auto" latinLnBrk="0" hangingPunct="1">
-              <a:lnSpc>
-                <a:spcPct val="100000"/>
-              </a:lnSpc>
-              <a:spcBef>
-                <a:spcPts val="0"/>
-              </a:spcBef>
-              <a:spcAft>
-                <a:spcPts val="0"/>
-              </a:spcAft>
-              <a:buClrTx/>
-              <a:buSzTx/>
-              <a:buFontTx/>
-              <a:buNone/>
-              <a:tabLst/>
-              <a:defRPr/>
-            </a:pPr>
-            <a:endParaRPr kumimoji="0" lang="en-US" sz="1800" b="0" i="0" u="none" strike="noStrike" kern="1200" cap="none" spc="0" normalizeH="0" baseline="0" noProof="0">
-              <a:ln>
-                <a:noFill/>
-              </a:ln>
-              <a:solidFill>
-                <a:prstClr val="white"/>
-              </a:solidFill>
-              <a:effectLst/>
-              <a:uLnTx/>
-              <a:uFillTx/>
-              <a:latin typeface="Calibri" panose="020F0502020204030204"/>
-              <a:ea typeface="+mn-ea"/>
-              <a:cs typeface="+mn-cs"/>
-            </a:endParaRPr>
-          </a:p>
-        </p:txBody>
-      </p:sp>
-      <p:sp>
-        <p:nvSpPr>
-          <p:cNvPr id="5" name="TextBox 4">
-            <a:extLst>
-              <a:ext uri="{FF2B5EF4-FFF2-40B4-BE49-F238E27FC236}">
-                <a16:creationId xmlns:a16="http://schemas.microsoft.com/office/drawing/2014/main" id="{9480897E-8F40-744B-A0A7-43CF8AF09C74}"/>
-              </a:ext>
-            </a:extLst>
-          </p:cNvPr>
-          <p:cNvSpPr txBox="1"/>
-          <p:nvPr/>
-        </p:nvSpPr>
-        <p:spPr>
-          <a:xfrm>
-            <a:off x="838199" y="1093788"/>
-            <a:ext cx="10506455" cy="2967208"/>
-          </a:xfrm>
-          <a:prstGeom prst="rect">
-            <a:avLst/>
-          </a:prstGeom>
-        </p:spPr>
-        <p:txBody>
-          <a:bodyPr vert="horz" lIns="91440" tIns="45720" rIns="91440" bIns="45720" rtlCol="0" anchor="b">
-            <a:normAutofit/>
-          </a:bodyPr>
-          <a:lstStyle/>
-          <a:p>
-            <a:pPr marL="0" marR="0" lvl="0" indent="0" algn="l" defTabSz="914400" rtl="0" eaLnBrk="1" fontAlgn="auto" latinLnBrk="0" hangingPunct="1">
-              <a:lnSpc>
-                <a:spcPct val="90000"/>
-              </a:lnSpc>
-              <a:spcBef>
-                <a:spcPct val="0"/>
-              </a:spcBef>
-              <a:spcAft>
-                <a:spcPts val="600"/>
-              </a:spcAft>
-              <a:buClrTx/>
-              <a:buSzTx/>
-              <a:buFontTx/>
-              <a:buNone/>
-              <a:tabLst/>
-              <a:defRPr/>
-            </a:pPr>
-            <a:r>
-              <a:rPr kumimoji="0" lang="en-US" sz="8000" b="0" i="0" u="none" strike="noStrike" kern="1200" cap="none" spc="0" normalizeH="0" baseline="0" noProof="0" dirty="0">
-                <a:ln>
-                  <a:noFill/>
-                </a:ln>
-                <a:solidFill>
-                  <a:prstClr val="black"/>
-                </a:solidFill>
-                <a:effectLst/>
-                <a:uLnTx/>
-                <a:uFillTx/>
-                <a:latin typeface="Calibri Light" panose="020F0302020204030204"/>
-                <a:ea typeface="+mn-ea"/>
-                <a:cs typeface="+mn-cs"/>
-              </a:rPr>
-              <a:t>Weekly Thesis meeting</a:t>
-            </a:r>
-          </a:p>
-        </p:txBody>
-      </p:sp>
-      <p:sp>
-        <p:nvSpPr>
-          <p:cNvPr id="3" name="Subtitle 2">
-            <a:extLst>
-              <a:ext uri="{FF2B5EF4-FFF2-40B4-BE49-F238E27FC236}">
-                <a16:creationId xmlns:a16="http://schemas.microsoft.com/office/drawing/2014/main" id="{14E0F9EE-123A-DF41-B73D-0539E601A3C3}"/>
-              </a:ext>
-            </a:extLst>
-          </p:cNvPr>
-          <p:cNvSpPr>
-            <a:spLocks noGrp="1"/>
-          </p:cNvSpPr>
-          <p:nvPr>
-            <p:ph type="subTitle" idx="1"/>
-          </p:nvPr>
-        </p:nvSpPr>
-        <p:spPr>
-          <a:xfrm>
-            <a:off x="7400924" y="4619624"/>
-            <a:ext cx="3946779" cy="1038225"/>
-          </a:xfrm>
-        </p:spPr>
-        <p:txBody>
-          <a:bodyPr vert="horz" lIns="91440" tIns="45720" rIns="91440" bIns="45720" rtlCol="0">
-            <a:normAutofit/>
-          </a:bodyPr>
-          <a:lstStyle/>
-          <a:p>
-            <a:pPr algn="r"/>
-            <a:r>
-              <a:rPr lang="en-US" dirty="0"/>
-              <a:t>April</a:t>
-            </a:r>
-            <a:r>
-              <a:rPr lang="en-US" kern="1200" dirty="0">
-                <a:solidFill>
-                  <a:schemeClr val="tx1"/>
-                </a:solidFill>
-                <a:latin typeface="+mn-lt"/>
-                <a:ea typeface="+mn-ea"/>
-                <a:cs typeface="+mn-cs"/>
-              </a:rPr>
-              <a:t> </a:t>
-            </a:r>
-            <a:r>
-              <a:rPr lang="en-US" dirty="0"/>
-              <a:t>5</a:t>
-            </a:r>
-            <a:r>
-              <a:rPr lang="en-US" kern="1200" baseline="30000" dirty="0">
-                <a:solidFill>
-                  <a:schemeClr val="tx1"/>
-                </a:solidFill>
-                <a:latin typeface="+mn-lt"/>
-                <a:ea typeface="+mn-ea"/>
-                <a:cs typeface="+mn-cs"/>
-              </a:rPr>
-              <a:t>th</a:t>
-            </a:r>
-            <a:r>
-              <a:rPr lang="en-US" kern="1200" dirty="0">
-                <a:solidFill>
-                  <a:schemeClr val="tx1"/>
-                </a:solidFill>
-                <a:latin typeface="+mn-lt"/>
-                <a:ea typeface="+mn-ea"/>
-                <a:cs typeface="+mn-cs"/>
-              </a:rPr>
-              <a:t>, 2022</a:t>
-            </a:r>
-          </a:p>
-        </p:txBody>
-      </p:sp>
-      <p:sp>
-        <p:nvSpPr>
-          <p:cNvPr id="12" name="Rectangle 11">
-            <a:extLst>
-              <a:ext uri="{FF2B5EF4-FFF2-40B4-BE49-F238E27FC236}">
-                <a16:creationId xmlns:a16="http://schemas.microsoft.com/office/drawing/2014/main" id="{391F6B52-91F4-4AEB-B6DB-29FEBCF28C8B}"/>
-              </a:ext>
-              <a:ext uri="{C183D7F6-B498-43B3-948B-1728B52AA6E4}">
-                <adec:decorative xmlns:adec="http://schemas.microsoft.com/office/drawing/2017/decorative" val="1"/>
-              </a:ext>
-            </a:extLst>
-          </p:cNvPr>
-          <p:cNvSpPr>
-            <a:spLocks noGrp="1" noRot="1" noChangeAspect="1" noMove="1" noResize="1" noEditPoints="1" noAdjustHandles="1" noChangeArrowheads="1" noChangeShapeType="1" noTextEdit="1"/>
-          </p:cNvSpPr>
-          <p:nvPr>
-            <p:extLst>
-              <p:ext uri="{386F3935-93C4-4BCD-93E2-E3B085C9AB24}">
-                <p16:designElem xmlns:p16="http://schemas.microsoft.com/office/powerpoint/2015/main" val="1"/>
-              </p:ext>
-            </p:extLst>
-          </p:nvPr>
-        </p:nvSpPr>
-        <p:spPr>
-          <a:xfrm>
-            <a:off x="841248" y="4331166"/>
-            <a:ext cx="10506456" cy="18288"/>
-          </a:xfrm>
-          <a:prstGeom prst="rect">
-            <a:avLst/>
-          </a:prstGeom>
-          <a:solidFill>
-            <a:srgbClr val="D5D5D5"/>
-          </a:solidFill>
-          <a:ln w="3175">
-            <a:noFill/>
-          </a:ln>
-          <a:effectLst/>
-        </p:spPr>
-        <p:style>
-          <a:lnRef idx="2">
-            <a:schemeClr val="accent1">
-              <a:shade val="50000"/>
-            </a:schemeClr>
-          </a:lnRef>
-          <a:fillRef idx="1">
-            <a:schemeClr val="accent1"/>
-          </a:fillRef>
-          <a:effectRef idx="0">
-            <a:schemeClr val="accent1"/>
-          </a:effectRef>
-          <a:fontRef idx="minor">
-            <a:schemeClr val="lt1"/>
-          </a:fontRef>
-        </p:style>
-        <p:txBody>
-          <a:bodyPr rtlCol="0" anchor="ctr"/>
-          <a:lstStyle/>
-          <a:p>
-            <a:pPr marL="0" marR="0" lvl="0" indent="0" algn="ctr" defTabSz="914400" rtl="0" eaLnBrk="1" fontAlgn="auto" latinLnBrk="0" hangingPunct="1">
-              <a:lnSpc>
-                <a:spcPct val="100000"/>
-              </a:lnSpc>
-              <a:spcBef>
-                <a:spcPts val="0"/>
-              </a:spcBef>
-              <a:spcAft>
-                <a:spcPts val="0"/>
-              </a:spcAft>
-              <a:buClrTx/>
-              <a:buSzTx/>
-              <a:buFontTx/>
-              <a:buNone/>
-              <a:tabLst/>
-              <a:defRPr/>
-            </a:pPr>
-            <a:endParaRPr kumimoji="0" lang="en-US" sz="1800" b="0" i="0" u="none" strike="noStrike" kern="1200" cap="none" spc="0" normalizeH="0" baseline="0" noProof="0">
-              <a:ln>
-                <a:noFill/>
-              </a:ln>
-              <a:solidFill>
-                <a:prstClr val="white"/>
-              </a:solidFill>
-              <a:effectLst/>
-              <a:uLnTx/>
-              <a:uFillTx/>
-              <a:latin typeface="Calibri" panose="020F0502020204030204"/>
-              <a:ea typeface="+mn-ea"/>
-              <a:cs typeface="+mn-cs"/>
-            </a:endParaRPr>
-          </a:p>
-        </p:txBody>
-      </p:sp>
-      <p:sp>
-        <p:nvSpPr>
-          <p:cNvPr id="14" name="Rectangle 13">
-            <a:extLst>
-              <a:ext uri="{FF2B5EF4-FFF2-40B4-BE49-F238E27FC236}">
-                <a16:creationId xmlns:a16="http://schemas.microsoft.com/office/drawing/2014/main" id="{2CD6F061-7C53-44F4-9794-953DB70A451B}"/>
-              </a:ext>
-              <a:ext uri="{C183D7F6-B498-43B3-948B-1728B52AA6E4}">
-                <adec:decorative xmlns:adec="http://schemas.microsoft.com/office/drawing/2017/decorative" val="1"/>
-              </a:ext>
-            </a:extLst>
-          </p:cNvPr>
-          <p:cNvSpPr>
-            <a:spLocks noGrp="1" noRot="1" noChangeAspect="1" noMove="1" noResize="1" noEditPoints="1" noAdjustHandles="1" noChangeArrowheads="1" noChangeShapeType="1" noTextEdit="1"/>
-          </p:cNvSpPr>
-          <p:nvPr>
-            <p:extLst>
-              <p:ext uri="{386F3935-93C4-4BCD-93E2-E3B085C9AB24}">
-                <p16:designElem xmlns:p16="http://schemas.microsoft.com/office/powerpoint/2015/main" val="1"/>
-              </p:ext>
-            </p:extLst>
-          </p:nvPr>
-        </p:nvSpPr>
-        <p:spPr>
-          <a:xfrm rot="5400000">
-            <a:off x="9346882" y="2348839"/>
-            <a:ext cx="54864" cy="3946779"/>
-          </a:xfrm>
-          <a:prstGeom prst="rect">
-            <a:avLst/>
-          </a:prstGeom>
-          <a:solidFill>
-            <a:schemeClr val="accent2"/>
-          </a:solidFill>
-          <a:ln>
-            <a:noFill/>
-          </a:ln>
-        </p:spPr>
-        <p:style>
-          <a:lnRef idx="2">
-            <a:schemeClr val="accent1">
-              <a:shade val="50000"/>
-            </a:schemeClr>
-          </a:lnRef>
-          <a:fillRef idx="1">
-            <a:schemeClr val="accent1"/>
-          </a:fillRef>
-          <a:effectRef idx="0">
-            <a:schemeClr val="accent1"/>
-          </a:effectRef>
-          <a:fontRef idx="minor">
-            <a:schemeClr val="lt1"/>
-          </a:fontRef>
-        </p:style>
-        <p:txBody>
-          <a:bodyPr rtlCol="0" anchor="ctr"/>
-          <a:lstStyle/>
-          <a:p>
-            <a:pPr marL="0" marR="0" lvl="0" indent="0" algn="ctr" defTabSz="914400" rtl="0" eaLnBrk="1" fontAlgn="auto" latinLnBrk="0" hangingPunct="1">
-              <a:lnSpc>
-                <a:spcPct val="100000"/>
-              </a:lnSpc>
-              <a:spcBef>
-                <a:spcPts val="0"/>
-              </a:spcBef>
-              <a:spcAft>
-                <a:spcPts val="0"/>
-              </a:spcAft>
-              <a:buClrTx/>
-              <a:buSzTx/>
-              <a:buFontTx/>
-              <a:buNone/>
-              <a:tabLst/>
-              <a:defRPr/>
-            </a:pPr>
-            <a:endParaRPr kumimoji="0" lang="en-US" sz="1800" b="0" i="0" u="none" strike="noStrike" kern="1200" cap="none" spc="0" normalizeH="0" baseline="0" noProof="0">
-              <a:ln>
-                <a:noFill/>
-              </a:ln>
-              <a:solidFill>
-                <a:prstClr val="white"/>
-              </a:solidFill>
-              <a:effectLst/>
-              <a:uLnTx/>
-              <a:uFillTx/>
-              <a:latin typeface="Calibri" panose="020F0502020204030204"/>
-              <a:ea typeface="+mn-ea"/>
-              <a:cs typeface="+mn-cs"/>
-            </a:endParaRPr>
-          </a:p>
-        </p:txBody>
-      </p:sp>
-    </p:spTree>
-    <p:extLst>
-      <p:ext uri="{BB962C8B-B14F-4D97-AF65-F5344CB8AC3E}">
-        <p14:creationId xmlns:p14="http://schemas.microsoft.com/office/powerpoint/2010/main" val="1282793546"/>
-      </p:ext>
-    </p:extLst>
-  </p:cSld>
-  <p:clrMapOvr>
-    <a:masterClrMapping/>
-  </p:clrMapOvr>
-</p:sld>
-</file>
-
-<file path=ppt/slides/slide8.xml><?xml version="1.0" encoding="utf-8"?>
-<p:sld xmlns:a="http://schemas.openxmlformats.org/drawingml/2006/main" xmlns:r="http://schemas.openxmlformats.org/officeDocument/2006/relationships" xmlns:p="http://schemas.openxmlformats.org/presentationml/2006/main">
-  <p:cSld>
-    <p:spTree>
-      <p:nvGrpSpPr>
-        <p:cNvPr id="1" name=""/>
-        <p:cNvGrpSpPr/>
-        <p:nvPr/>
-      </p:nvGrpSpPr>
-      <p:grpSpPr>
-        <a:xfrm>
-          <a:off x="0" y="0"/>
-          <a:ext cx="0" cy="0"/>
-          <a:chOff x="0" y="0"/>
-          <a:chExt cx="0" cy="0"/>
-        </a:xfrm>
-      </p:grpSpPr>
-      <p:sp>
-        <p:nvSpPr>
-          <p:cNvPr id="2" name="Title 1">
-            <a:extLst>
-              <a:ext uri="{FF2B5EF4-FFF2-40B4-BE49-F238E27FC236}">
-                <a16:creationId xmlns:a16="http://schemas.microsoft.com/office/drawing/2014/main" id="{D3239BB7-F82F-6346-81F5-5FC296840A39}"/>
-              </a:ext>
-            </a:extLst>
-          </p:cNvPr>
-          <p:cNvSpPr>
-            <a:spLocks noGrp="1"/>
-          </p:cNvSpPr>
-          <p:nvPr>
-            <p:ph type="title"/>
-          </p:nvPr>
-        </p:nvSpPr>
-        <p:spPr>
-          <a:xfrm>
-            <a:off x="838200" y="70895"/>
-            <a:ext cx="10515600" cy="1325563"/>
-          </a:xfrm>
-        </p:spPr>
-        <p:txBody>
-          <a:bodyPr/>
-          <a:lstStyle/>
-          <a:p>
-            <a:r>
-              <a:rPr lang="en-GB" dirty="0"/>
-              <a:t>Visual Overview Methodology</a:t>
-            </a:r>
-          </a:p>
-        </p:txBody>
-      </p:sp>
-      <p:sp>
-        <p:nvSpPr>
-          <p:cNvPr id="4" name="Rounded Rectangle 3">
-            <a:extLst>
-              <a:ext uri="{FF2B5EF4-FFF2-40B4-BE49-F238E27FC236}">
-                <a16:creationId xmlns:a16="http://schemas.microsoft.com/office/drawing/2014/main" id="{1416D5DE-3CF5-464E-AFD1-0DA8DFC1D4D7}"/>
-              </a:ext>
-            </a:extLst>
-          </p:cNvPr>
-          <p:cNvSpPr/>
-          <p:nvPr/>
-        </p:nvSpPr>
-        <p:spPr>
-          <a:xfrm>
-            <a:off x="838200" y="2369654"/>
-            <a:ext cx="2032000" cy="952500"/>
-          </a:xfrm>
-          <a:prstGeom prst="roundRect">
-            <a:avLst/>
-          </a:prstGeom>
-          <a:solidFill>
-            <a:schemeClr val="accent5">
-              <a:lumMod val="40000"/>
-              <a:lumOff val="60000"/>
-            </a:schemeClr>
-          </a:solidFill>
-          <a:ln w="31750"/>
-        </p:spPr>
-        <p:style>
-          <a:lnRef idx="2">
-            <a:schemeClr val="dk1"/>
-          </a:lnRef>
-          <a:fillRef idx="1">
-            <a:schemeClr val="lt1"/>
-          </a:fillRef>
-          <a:effectRef idx="0">
-            <a:schemeClr val="dk1"/>
-          </a:effectRef>
-          <a:fontRef idx="minor">
-            <a:schemeClr val="dk1"/>
-          </a:fontRef>
-        </p:style>
-        <p:txBody>
-          <a:bodyPr rtlCol="0" anchor="ctr"/>
-          <a:lstStyle/>
-          <a:p>
-            <a:pPr algn="ctr"/>
-            <a:r>
-              <a:rPr lang="en-GB" dirty="0"/>
-              <a:t>Document collection</a:t>
-            </a:r>
-          </a:p>
-        </p:txBody>
-      </p:sp>
-      <p:sp>
-        <p:nvSpPr>
-          <p:cNvPr id="5" name="Rounded Rectangle 4">
-            <a:extLst>
-              <a:ext uri="{FF2B5EF4-FFF2-40B4-BE49-F238E27FC236}">
-                <a16:creationId xmlns:a16="http://schemas.microsoft.com/office/drawing/2014/main" id="{CDEE6132-27D6-B544-889C-1A8D27CB2CA9}"/>
-              </a:ext>
-            </a:extLst>
-          </p:cNvPr>
-          <p:cNvSpPr/>
-          <p:nvPr/>
-        </p:nvSpPr>
-        <p:spPr>
-          <a:xfrm>
-            <a:off x="6770098" y="2369654"/>
-            <a:ext cx="2032000" cy="952500"/>
-          </a:xfrm>
-          <a:prstGeom prst="roundRect">
-            <a:avLst/>
-          </a:prstGeom>
-          <a:ln w="31750"/>
-        </p:spPr>
-        <p:style>
-          <a:lnRef idx="2">
-            <a:schemeClr val="dk1"/>
-          </a:lnRef>
-          <a:fillRef idx="1">
-            <a:schemeClr val="lt1"/>
-          </a:fillRef>
-          <a:effectRef idx="0">
-            <a:schemeClr val="dk1"/>
-          </a:effectRef>
-          <a:fontRef idx="minor">
-            <a:schemeClr val="dk1"/>
-          </a:fontRef>
-        </p:style>
-        <p:txBody>
-          <a:bodyPr rtlCol="0" anchor="ctr"/>
-          <a:lstStyle/>
-          <a:p>
-            <a:pPr algn="ctr"/>
-            <a:r>
-              <a:rPr lang="en-GB" dirty="0"/>
-              <a:t>Data Annotation</a:t>
-            </a:r>
-          </a:p>
-        </p:txBody>
-      </p:sp>
-      <p:sp>
-        <p:nvSpPr>
-          <p:cNvPr id="6" name="Rounded Rectangle 5">
-            <a:extLst>
-              <a:ext uri="{FF2B5EF4-FFF2-40B4-BE49-F238E27FC236}">
-                <a16:creationId xmlns:a16="http://schemas.microsoft.com/office/drawing/2014/main" id="{85F9D5A5-C9A7-7E4A-931F-939D1CFE7B47}"/>
-              </a:ext>
-            </a:extLst>
-          </p:cNvPr>
-          <p:cNvSpPr/>
-          <p:nvPr/>
-        </p:nvSpPr>
-        <p:spPr>
-          <a:xfrm>
-            <a:off x="9736047" y="2369654"/>
-            <a:ext cx="2032000" cy="952500"/>
-          </a:xfrm>
-          <a:prstGeom prst="roundRect">
-            <a:avLst/>
-          </a:prstGeom>
-          <a:ln w="31750"/>
-        </p:spPr>
-        <p:style>
-          <a:lnRef idx="2">
-            <a:schemeClr val="dk1"/>
-          </a:lnRef>
-          <a:fillRef idx="1">
-            <a:schemeClr val="lt1"/>
-          </a:fillRef>
-          <a:effectRef idx="0">
-            <a:schemeClr val="dk1"/>
-          </a:effectRef>
-          <a:fontRef idx="minor">
-            <a:schemeClr val="dk1"/>
-          </a:fontRef>
-        </p:style>
-        <p:txBody>
-          <a:bodyPr rtlCol="0" anchor="ctr"/>
-          <a:lstStyle/>
-          <a:p>
-            <a:pPr algn="ctr"/>
-            <a:r>
-              <a:rPr lang="en-GB" dirty="0"/>
-              <a:t>Benchmarking (Dutch &amp; English*)</a:t>
-            </a:r>
-          </a:p>
-        </p:txBody>
-      </p:sp>
-      <p:sp>
-        <p:nvSpPr>
-          <p:cNvPr id="7" name="Rounded Rectangle 6">
-            <a:extLst>
-              <a:ext uri="{FF2B5EF4-FFF2-40B4-BE49-F238E27FC236}">
-                <a16:creationId xmlns:a16="http://schemas.microsoft.com/office/drawing/2014/main" id="{27284CBD-4873-8945-856B-CC492D17446A}"/>
-              </a:ext>
-            </a:extLst>
-          </p:cNvPr>
-          <p:cNvSpPr/>
-          <p:nvPr/>
-        </p:nvSpPr>
-        <p:spPr>
-          <a:xfrm>
-            <a:off x="838200" y="5205198"/>
-            <a:ext cx="2032000" cy="952500"/>
-          </a:xfrm>
-          <a:prstGeom prst="roundRect">
-            <a:avLst/>
-          </a:prstGeom>
-          <a:ln w="31750"/>
-        </p:spPr>
-        <p:style>
-          <a:lnRef idx="2">
-            <a:schemeClr val="dk1"/>
-          </a:lnRef>
-          <a:fillRef idx="1">
-            <a:schemeClr val="lt1"/>
-          </a:fillRef>
-          <a:effectRef idx="0">
-            <a:schemeClr val="dk1"/>
-          </a:effectRef>
-          <a:fontRef idx="minor">
-            <a:schemeClr val="dk1"/>
-          </a:fontRef>
-        </p:style>
-        <p:txBody>
-          <a:bodyPr rtlCol="0" anchor="ctr"/>
-          <a:lstStyle/>
-          <a:p>
-            <a:pPr algn="ctr"/>
-            <a:r>
-              <a:rPr lang="en-GB" dirty="0"/>
-              <a:t>Model building</a:t>
-            </a:r>
-          </a:p>
-          <a:p>
-            <a:pPr algn="ctr"/>
-            <a:r>
-              <a:rPr lang="en-GB" dirty="0"/>
-              <a:t>- Pre-processing</a:t>
-            </a:r>
-          </a:p>
-          <a:p>
-            <a:pPr algn="ctr"/>
-            <a:r>
-              <a:rPr lang="en-GB" dirty="0"/>
-              <a:t>- Bert-NL</a:t>
-            </a:r>
-          </a:p>
-        </p:txBody>
-      </p:sp>
-      <p:sp>
-        <p:nvSpPr>
-          <p:cNvPr id="8" name="Rounded Rectangle 7">
-            <a:extLst>
-              <a:ext uri="{FF2B5EF4-FFF2-40B4-BE49-F238E27FC236}">
-                <a16:creationId xmlns:a16="http://schemas.microsoft.com/office/drawing/2014/main" id="{D85865AE-E4A7-6942-9D29-8B13A04839C5}"/>
-              </a:ext>
-            </a:extLst>
-          </p:cNvPr>
-          <p:cNvSpPr/>
-          <p:nvPr/>
-        </p:nvSpPr>
-        <p:spPr>
-          <a:xfrm>
-            <a:off x="3804149" y="5199840"/>
-            <a:ext cx="2032000" cy="952500"/>
-          </a:xfrm>
-          <a:prstGeom prst="roundRect">
-            <a:avLst/>
-          </a:prstGeom>
-          <a:ln w="31750"/>
-        </p:spPr>
-        <p:style>
-          <a:lnRef idx="2">
-            <a:schemeClr val="dk1"/>
-          </a:lnRef>
-          <a:fillRef idx="1">
-            <a:schemeClr val="lt1"/>
-          </a:fillRef>
-          <a:effectRef idx="0">
-            <a:schemeClr val="dk1"/>
-          </a:effectRef>
-          <a:fontRef idx="minor">
-            <a:schemeClr val="dk1"/>
-          </a:fontRef>
-        </p:style>
-        <p:txBody>
-          <a:bodyPr rtlCol="0" anchor="ctr"/>
-          <a:lstStyle/>
-          <a:p>
-            <a:pPr algn="ctr"/>
-            <a:r>
-              <a:rPr lang="en-GB"/>
-              <a:t>Evaluation</a:t>
-            </a:r>
-          </a:p>
-        </p:txBody>
-      </p:sp>
-      <p:sp>
-        <p:nvSpPr>
-          <p:cNvPr id="9" name="Rounded Rectangle 8">
-            <a:extLst>
-              <a:ext uri="{FF2B5EF4-FFF2-40B4-BE49-F238E27FC236}">
-                <a16:creationId xmlns:a16="http://schemas.microsoft.com/office/drawing/2014/main" id="{8E45BD42-71E6-C344-8C85-C1A5B545423D}"/>
-              </a:ext>
-            </a:extLst>
-          </p:cNvPr>
-          <p:cNvSpPr/>
-          <p:nvPr/>
-        </p:nvSpPr>
-        <p:spPr>
-          <a:xfrm>
-            <a:off x="6770098" y="5199840"/>
-            <a:ext cx="2032000" cy="952500"/>
-          </a:xfrm>
-          <a:prstGeom prst="roundRect">
-            <a:avLst/>
-          </a:prstGeom>
-          <a:solidFill>
-            <a:schemeClr val="accent6">
-              <a:lumMod val="40000"/>
-              <a:lumOff val="60000"/>
-            </a:schemeClr>
-          </a:solidFill>
-          <a:ln w="31750"/>
-        </p:spPr>
-        <p:style>
-          <a:lnRef idx="2">
-            <a:schemeClr val="dk1"/>
-          </a:lnRef>
-          <a:fillRef idx="1">
-            <a:schemeClr val="lt1"/>
-          </a:fillRef>
-          <a:effectRef idx="0">
-            <a:schemeClr val="dk1"/>
-          </a:effectRef>
-          <a:fontRef idx="minor">
-            <a:schemeClr val="dk1"/>
-          </a:fontRef>
-        </p:style>
-        <p:txBody>
-          <a:bodyPr rtlCol="0" anchor="ctr"/>
-          <a:lstStyle/>
-          <a:p>
-            <a:pPr algn="ctr"/>
-            <a:r>
-              <a:rPr lang="en-GB" dirty="0"/>
-              <a:t>Validation</a:t>
-            </a:r>
-          </a:p>
-        </p:txBody>
-      </p:sp>
-      <p:sp>
-        <p:nvSpPr>
-          <p:cNvPr id="10" name="Rounded Rectangle 9">
-            <a:extLst>
-              <a:ext uri="{FF2B5EF4-FFF2-40B4-BE49-F238E27FC236}">
-                <a16:creationId xmlns:a16="http://schemas.microsoft.com/office/drawing/2014/main" id="{C146D7C5-DF97-D748-9BD3-2A041C7566F4}"/>
-              </a:ext>
-            </a:extLst>
-          </p:cNvPr>
-          <p:cNvSpPr/>
-          <p:nvPr/>
-        </p:nvSpPr>
-        <p:spPr>
-          <a:xfrm>
-            <a:off x="3804149" y="2369654"/>
-            <a:ext cx="2032000" cy="952500"/>
-          </a:xfrm>
-          <a:prstGeom prst="roundRect">
-            <a:avLst/>
-          </a:prstGeom>
-          <a:ln w="31750"/>
-        </p:spPr>
-        <p:style>
-          <a:lnRef idx="2">
-            <a:schemeClr val="dk1"/>
-          </a:lnRef>
-          <a:fillRef idx="1">
-            <a:schemeClr val="lt1"/>
-          </a:fillRef>
-          <a:effectRef idx="0">
-            <a:schemeClr val="dk1"/>
-          </a:effectRef>
-          <a:fontRef idx="minor">
-            <a:schemeClr val="dk1"/>
-          </a:fontRef>
-        </p:style>
-        <p:txBody>
-          <a:bodyPr rtlCol="0" anchor="ctr"/>
-          <a:lstStyle/>
-          <a:p>
-            <a:pPr algn="ctr"/>
-            <a:r>
-              <a:rPr lang="en-GB" dirty="0"/>
-              <a:t>Annotation interface for users</a:t>
-            </a:r>
-          </a:p>
-        </p:txBody>
-      </p:sp>
-      <p:sp>
-        <p:nvSpPr>
-          <p:cNvPr id="12" name="Merge 11">
-            <a:extLst>
-              <a:ext uri="{FF2B5EF4-FFF2-40B4-BE49-F238E27FC236}">
-                <a16:creationId xmlns:a16="http://schemas.microsoft.com/office/drawing/2014/main" id="{476F7CCD-356F-CC4A-8E7F-C30FC9BFA922}"/>
-              </a:ext>
-            </a:extLst>
-          </p:cNvPr>
-          <p:cNvSpPr/>
-          <p:nvPr/>
-        </p:nvSpPr>
-        <p:spPr>
-          <a:xfrm>
-            <a:off x="7139151" y="1280884"/>
-            <a:ext cx="1293894" cy="952499"/>
-          </a:xfrm>
-          <a:prstGeom prst="flowChartMerge">
-            <a:avLst/>
-          </a:prstGeom>
-          <a:ln w="31750"/>
-        </p:spPr>
-        <p:style>
-          <a:lnRef idx="2">
-            <a:schemeClr val="accent2"/>
-          </a:lnRef>
-          <a:fillRef idx="1">
-            <a:schemeClr val="lt1"/>
-          </a:fillRef>
-          <a:effectRef idx="0">
-            <a:schemeClr val="accent2"/>
-          </a:effectRef>
-          <a:fontRef idx="minor">
-            <a:schemeClr val="dk1"/>
-          </a:fontRef>
-        </p:style>
-        <p:txBody>
-          <a:bodyPr rtlCol="0" anchor="ctr"/>
-          <a:lstStyle/>
-          <a:p>
-            <a:pPr algn="ctr"/>
-            <a:r>
-              <a:rPr lang="en-NL" dirty="0"/>
-              <a:t>User</a:t>
-            </a:r>
-          </a:p>
-        </p:txBody>
-      </p:sp>
-      <p:cxnSp>
-        <p:nvCxnSpPr>
-          <p:cNvPr id="14" name="Straight Arrow Connector 13">
-            <a:extLst>
-              <a:ext uri="{FF2B5EF4-FFF2-40B4-BE49-F238E27FC236}">
-                <a16:creationId xmlns:a16="http://schemas.microsoft.com/office/drawing/2014/main" id="{9FB65D22-EBF6-9044-AE42-32B37313AA89}"/>
-              </a:ext>
-            </a:extLst>
-          </p:cNvPr>
-          <p:cNvCxnSpPr>
-            <a:stCxn id="4" idx="3"/>
-            <a:endCxn id="10" idx="1"/>
-          </p:cNvCxnSpPr>
-          <p:nvPr/>
-        </p:nvCxnSpPr>
-        <p:spPr>
-          <a:xfrm>
-            <a:off x="2870200" y="2845904"/>
-            <a:ext cx="933949" cy="0"/>
-          </a:xfrm>
-          <a:prstGeom prst="straightConnector1">
-            <a:avLst/>
-          </a:prstGeom>
-          <a:ln w="47625">
-            <a:solidFill>
-              <a:schemeClr val="bg2">
-                <a:lumMod val="25000"/>
-              </a:schemeClr>
-            </a:solidFill>
-            <a:tailEnd type="triangle"/>
-          </a:ln>
-        </p:spPr>
-        <p:style>
-          <a:lnRef idx="1">
-            <a:schemeClr val="accent1"/>
-          </a:lnRef>
-          <a:fillRef idx="0">
-            <a:schemeClr val="accent1"/>
-          </a:fillRef>
-          <a:effectRef idx="0">
-            <a:schemeClr val="accent1"/>
-          </a:effectRef>
-          <a:fontRef idx="minor">
-            <a:schemeClr val="tx1"/>
-          </a:fontRef>
-        </p:style>
-      </p:cxnSp>
-      <p:cxnSp>
-        <p:nvCxnSpPr>
-          <p:cNvPr id="15" name="Straight Arrow Connector 14">
-            <a:extLst>
-              <a:ext uri="{FF2B5EF4-FFF2-40B4-BE49-F238E27FC236}">
-                <a16:creationId xmlns:a16="http://schemas.microsoft.com/office/drawing/2014/main" id="{9BF3F2AD-ABD2-934F-9CF9-92D1AAB60E99}"/>
-              </a:ext>
-            </a:extLst>
-          </p:cNvPr>
-          <p:cNvCxnSpPr/>
-          <p:nvPr/>
-        </p:nvCxnSpPr>
-        <p:spPr>
-          <a:xfrm>
-            <a:off x="5836149" y="2845904"/>
-            <a:ext cx="933949" cy="0"/>
-          </a:xfrm>
-          <a:prstGeom prst="straightConnector1">
-            <a:avLst/>
-          </a:prstGeom>
-          <a:ln w="47625">
-            <a:solidFill>
-              <a:schemeClr val="bg2">
-                <a:lumMod val="25000"/>
-              </a:schemeClr>
-            </a:solidFill>
-            <a:tailEnd type="triangle"/>
-          </a:ln>
-        </p:spPr>
-        <p:style>
-          <a:lnRef idx="1">
-            <a:schemeClr val="accent1"/>
-          </a:lnRef>
-          <a:fillRef idx="0">
-            <a:schemeClr val="accent1"/>
-          </a:fillRef>
-          <a:effectRef idx="0">
-            <a:schemeClr val="accent1"/>
-          </a:effectRef>
-          <a:fontRef idx="minor">
-            <a:schemeClr val="tx1"/>
-          </a:fontRef>
-        </p:style>
-      </p:cxnSp>
-      <p:cxnSp>
-        <p:nvCxnSpPr>
-          <p:cNvPr id="16" name="Straight Arrow Connector 15">
-            <a:extLst>
-              <a:ext uri="{FF2B5EF4-FFF2-40B4-BE49-F238E27FC236}">
-                <a16:creationId xmlns:a16="http://schemas.microsoft.com/office/drawing/2014/main" id="{791CA750-405D-9B4E-9FA3-940B4DE9B678}"/>
-              </a:ext>
-            </a:extLst>
-          </p:cNvPr>
-          <p:cNvCxnSpPr/>
-          <p:nvPr/>
-        </p:nvCxnSpPr>
-        <p:spPr>
-          <a:xfrm>
-            <a:off x="8802098" y="2845904"/>
-            <a:ext cx="933949" cy="0"/>
-          </a:xfrm>
-          <a:prstGeom prst="straightConnector1">
-            <a:avLst/>
-          </a:prstGeom>
-          <a:ln w="47625">
-            <a:solidFill>
-              <a:schemeClr val="bg2">
-                <a:lumMod val="25000"/>
-              </a:schemeClr>
-            </a:solidFill>
-            <a:tailEnd type="triangle"/>
-          </a:ln>
-        </p:spPr>
-        <p:style>
-          <a:lnRef idx="1">
-            <a:schemeClr val="accent1"/>
-          </a:lnRef>
-          <a:fillRef idx="0">
-            <a:schemeClr val="accent1"/>
-          </a:fillRef>
-          <a:effectRef idx="0">
-            <a:schemeClr val="accent1"/>
-          </a:effectRef>
-          <a:fontRef idx="minor">
-            <a:schemeClr val="tx1"/>
-          </a:fontRef>
-        </p:style>
-      </p:cxnSp>
-      <p:cxnSp>
-        <p:nvCxnSpPr>
-          <p:cNvPr id="17" name="Straight Arrow Connector 16">
-            <a:extLst>
-              <a:ext uri="{FF2B5EF4-FFF2-40B4-BE49-F238E27FC236}">
-                <a16:creationId xmlns:a16="http://schemas.microsoft.com/office/drawing/2014/main" id="{736A0FE3-AB4D-B74D-A592-CDFB61E49A75}"/>
-              </a:ext>
-            </a:extLst>
-          </p:cNvPr>
-          <p:cNvCxnSpPr/>
-          <p:nvPr/>
-        </p:nvCxnSpPr>
-        <p:spPr>
-          <a:xfrm>
-            <a:off x="5836149" y="5676090"/>
-            <a:ext cx="933949" cy="0"/>
-          </a:xfrm>
-          <a:prstGeom prst="straightConnector1">
-            <a:avLst/>
-          </a:prstGeom>
-          <a:ln w="47625">
-            <a:solidFill>
-              <a:schemeClr val="bg2">
-                <a:lumMod val="25000"/>
-              </a:schemeClr>
-            </a:solidFill>
-            <a:tailEnd type="triangle"/>
-          </a:ln>
-        </p:spPr>
-        <p:style>
-          <a:lnRef idx="1">
-            <a:schemeClr val="accent1"/>
-          </a:lnRef>
-          <a:fillRef idx="0">
-            <a:schemeClr val="accent1"/>
-          </a:fillRef>
-          <a:effectRef idx="0">
-            <a:schemeClr val="accent1"/>
-          </a:effectRef>
-          <a:fontRef idx="minor">
-            <a:schemeClr val="tx1"/>
-          </a:fontRef>
-        </p:style>
-      </p:cxnSp>
-      <p:cxnSp>
-        <p:nvCxnSpPr>
-          <p:cNvPr id="18" name="Straight Arrow Connector 17">
-            <a:extLst>
-              <a:ext uri="{FF2B5EF4-FFF2-40B4-BE49-F238E27FC236}">
-                <a16:creationId xmlns:a16="http://schemas.microsoft.com/office/drawing/2014/main" id="{0C90788E-7FBA-0343-96A2-7FDA81D2BAB4}"/>
-              </a:ext>
-            </a:extLst>
-          </p:cNvPr>
-          <p:cNvCxnSpPr/>
-          <p:nvPr/>
-        </p:nvCxnSpPr>
-        <p:spPr>
-          <a:xfrm>
-            <a:off x="2870200" y="5676090"/>
-            <a:ext cx="933949" cy="0"/>
-          </a:xfrm>
-          <a:prstGeom prst="straightConnector1">
-            <a:avLst/>
-          </a:prstGeom>
-          <a:ln w="47625">
-            <a:solidFill>
-              <a:schemeClr val="bg2">
-                <a:lumMod val="25000"/>
-              </a:schemeClr>
-            </a:solidFill>
-            <a:tailEnd type="triangle"/>
-          </a:ln>
-        </p:spPr>
-        <p:style>
-          <a:lnRef idx="1">
-            <a:schemeClr val="accent1"/>
-          </a:lnRef>
-          <a:fillRef idx="0">
-            <a:schemeClr val="accent1"/>
-          </a:fillRef>
-          <a:effectRef idx="0">
-            <a:schemeClr val="accent1"/>
-          </a:effectRef>
-          <a:fontRef idx="minor">
-            <a:schemeClr val="tx1"/>
-          </a:fontRef>
-        </p:style>
-      </p:cxnSp>
-      <p:cxnSp>
-        <p:nvCxnSpPr>
-          <p:cNvPr id="20" name="Elbow Connector 19">
-            <a:extLst>
-              <a:ext uri="{FF2B5EF4-FFF2-40B4-BE49-F238E27FC236}">
-                <a16:creationId xmlns:a16="http://schemas.microsoft.com/office/drawing/2014/main" id="{CFF09BDE-37BD-9C4F-BF08-68F6084BB73A}"/>
-              </a:ext>
-            </a:extLst>
-          </p:cNvPr>
-          <p:cNvCxnSpPr>
-            <a:stCxn id="6" idx="3"/>
-            <a:endCxn id="7" idx="1"/>
-          </p:cNvCxnSpPr>
-          <p:nvPr/>
-        </p:nvCxnSpPr>
-        <p:spPr>
-          <a:xfrm flipH="1">
-            <a:off x="838200" y="2845904"/>
-            <a:ext cx="10929847" cy="2835544"/>
-          </a:xfrm>
-          <a:prstGeom prst="bentConnector5">
-            <a:avLst>
-              <a:gd name="adj1" fmla="val -2092"/>
-              <a:gd name="adj2" fmla="val 50000"/>
-              <a:gd name="adj3" fmla="val 102092"/>
-            </a:avLst>
-          </a:prstGeom>
-          <a:ln w="34925">
-            <a:solidFill>
-              <a:schemeClr val="bg2">
-                <a:lumMod val="50000"/>
-              </a:schemeClr>
-            </a:solidFill>
-            <a:tailEnd type="triangle"/>
-          </a:ln>
-        </p:spPr>
-        <p:style>
-          <a:lnRef idx="1">
-            <a:schemeClr val="accent1"/>
-          </a:lnRef>
-          <a:fillRef idx="0">
-            <a:schemeClr val="accent1"/>
-          </a:fillRef>
-          <a:effectRef idx="0">
-            <a:schemeClr val="accent1"/>
-          </a:effectRef>
-          <a:fontRef idx="minor">
-            <a:schemeClr val="tx1"/>
-          </a:fontRef>
-        </p:style>
-      </p:cxnSp>
-      <p:sp>
-        <p:nvSpPr>
-          <p:cNvPr id="22" name="Rounded Rectangle 21">
-            <a:extLst>
-              <a:ext uri="{FF2B5EF4-FFF2-40B4-BE49-F238E27FC236}">
-                <a16:creationId xmlns:a16="http://schemas.microsoft.com/office/drawing/2014/main" id="{F5FD060C-06D9-CD4B-BAC0-0C7561F81256}"/>
-              </a:ext>
-            </a:extLst>
-          </p:cNvPr>
-          <p:cNvSpPr/>
-          <p:nvPr/>
-        </p:nvSpPr>
-        <p:spPr>
-          <a:xfrm>
-            <a:off x="2011925" y="3675674"/>
-            <a:ext cx="2032000" cy="470891"/>
-          </a:xfrm>
-          <a:prstGeom prst="roundRect">
-            <a:avLst/>
-          </a:prstGeom>
-          <a:ln w="31750"/>
-        </p:spPr>
-        <p:style>
-          <a:lnRef idx="2">
-            <a:schemeClr val="dk1"/>
-          </a:lnRef>
-          <a:fillRef idx="1">
-            <a:schemeClr val="lt1"/>
-          </a:fillRef>
-          <a:effectRef idx="0">
-            <a:schemeClr val="dk1"/>
-          </a:effectRef>
-          <a:fontRef idx="minor">
-            <a:schemeClr val="dk1"/>
-          </a:fontRef>
-        </p:style>
-        <p:txBody>
-          <a:bodyPr rtlCol="0" anchor="ctr"/>
-          <a:lstStyle/>
-          <a:p>
-            <a:pPr algn="ctr"/>
-            <a:r>
-              <a:rPr lang="en-NL" dirty="0"/>
-              <a:t>Corpus evaluation</a:t>
-            </a:r>
-          </a:p>
-        </p:txBody>
-      </p:sp>
-      <p:cxnSp>
-        <p:nvCxnSpPr>
-          <p:cNvPr id="24" name="Elbow Connector 23">
-            <a:extLst>
-              <a:ext uri="{FF2B5EF4-FFF2-40B4-BE49-F238E27FC236}">
-                <a16:creationId xmlns:a16="http://schemas.microsoft.com/office/drawing/2014/main" id="{286D4946-9C47-F346-AF9F-893E256ECF0E}"/>
-              </a:ext>
-            </a:extLst>
-          </p:cNvPr>
-          <p:cNvCxnSpPr>
-            <a:stCxn id="4" idx="2"/>
-            <a:endCxn id="22" idx="0"/>
-          </p:cNvCxnSpPr>
-          <p:nvPr/>
-        </p:nvCxnSpPr>
-        <p:spPr>
-          <a:xfrm rot="16200000" flipH="1">
-            <a:off x="2264302" y="2912051"/>
-            <a:ext cx="353520" cy="1173725"/>
-          </a:xfrm>
-          <a:prstGeom prst="bentConnector3">
-            <a:avLst/>
-          </a:prstGeom>
-          <a:ln w="41275">
-            <a:solidFill>
-              <a:schemeClr val="bg2">
-                <a:lumMod val="25000"/>
-              </a:schemeClr>
-            </a:solidFill>
-            <a:tailEnd type="triangle"/>
-          </a:ln>
-        </p:spPr>
-        <p:style>
-          <a:lnRef idx="1">
-            <a:schemeClr val="accent1"/>
-          </a:lnRef>
-          <a:fillRef idx="0">
-            <a:schemeClr val="accent1"/>
-          </a:fillRef>
-          <a:effectRef idx="0">
-            <a:schemeClr val="accent1"/>
-          </a:effectRef>
-          <a:fontRef idx="minor">
-            <a:schemeClr val="tx1"/>
-          </a:fontRef>
-        </p:style>
-      </p:cxnSp>
-      <p:cxnSp>
-        <p:nvCxnSpPr>
-          <p:cNvPr id="25" name="Straight Arrow Connector 24">
-            <a:extLst>
-              <a:ext uri="{FF2B5EF4-FFF2-40B4-BE49-F238E27FC236}">
-                <a16:creationId xmlns:a16="http://schemas.microsoft.com/office/drawing/2014/main" id="{66362134-B55C-BF47-A3F9-54D3B754E856}"/>
-              </a:ext>
-            </a:extLst>
-          </p:cNvPr>
-          <p:cNvCxnSpPr>
-            <a:cxnSpLocks/>
-            <a:endCxn id="8" idx="0"/>
-          </p:cNvCxnSpPr>
-          <p:nvPr/>
-        </p:nvCxnSpPr>
-        <p:spPr>
-          <a:xfrm>
-            <a:off x="4820149" y="4959035"/>
-            <a:ext cx="0" cy="240805"/>
-          </a:xfrm>
-          <a:prstGeom prst="straightConnector1">
-            <a:avLst/>
-          </a:prstGeom>
-          <a:ln w="47625">
-            <a:solidFill>
-              <a:schemeClr val="bg2">
-                <a:lumMod val="25000"/>
-              </a:schemeClr>
-            </a:solidFill>
-            <a:tailEnd type="triangle"/>
-          </a:ln>
-        </p:spPr>
-        <p:style>
-          <a:lnRef idx="1">
-            <a:schemeClr val="accent1"/>
-          </a:lnRef>
-          <a:fillRef idx="0">
-            <a:schemeClr val="accent1"/>
-          </a:fillRef>
-          <a:effectRef idx="0">
-            <a:schemeClr val="accent1"/>
-          </a:effectRef>
-          <a:fontRef idx="minor">
-            <a:schemeClr val="tx1"/>
-          </a:fontRef>
-        </p:style>
-      </p:cxnSp>
-      <p:sp>
-        <p:nvSpPr>
-          <p:cNvPr id="28" name="Rounded Rectangle 27">
-            <a:extLst>
-              <a:ext uri="{FF2B5EF4-FFF2-40B4-BE49-F238E27FC236}">
-                <a16:creationId xmlns:a16="http://schemas.microsoft.com/office/drawing/2014/main" id="{6AE5A578-23B5-6742-BB0C-0B0F4E377CC3}"/>
-              </a:ext>
-            </a:extLst>
-          </p:cNvPr>
-          <p:cNvSpPr/>
-          <p:nvPr/>
-        </p:nvSpPr>
-        <p:spPr>
-          <a:xfrm>
-            <a:off x="5287122" y="3682829"/>
-            <a:ext cx="2430413" cy="470891"/>
-          </a:xfrm>
-          <a:prstGeom prst="roundRect">
-            <a:avLst/>
-          </a:prstGeom>
-          <a:ln w="31750"/>
-        </p:spPr>
-        <p:style>
-          <a:lnRef idx="2">
-            <a:schemeClr val="dk1"/>
-          </a:lnRef>
-          <a:fillRef idx="1">
-            <a:schemeClr val="lt1"/>
-          </a:fillRef>
-          <a:effectRef idx="0">
-            <a:schemeClr val="dk1"/>
-          </a:effectRef>
-          <a:fontRef idx="minor">
-            <a:schemeClr val="dk1"/>
-          </a:fontRef>
-        </p:style>
-        <p:txBody>
-          <a:bodyPr rtlCol="0" anchor="ctr"/>
-          <a:lstStyle/>
-          <a:p>
-            <a:pPr algn="ctr"/>
-            <a:r>
-              <a:rPr lang="en-NL" dirty="0"/>
-              <a:t>Annotation evaluation</a:t>
-            </a:r>
-          </a:p>
-        </p:txBody>
-      </p:sp>
-      <p:cxnSp>
-        <p:nvCxnSpPr>
-          <p:cNvPr id="29" name="Elbow Connector 28">
-            <a:extLst>
-              <a:ext uri="{FF2B5EF4-FFF2-40B4-BE49-F238E27FC236}">
-                <a16:creationId xmlns:a16="http://schemas.microsoft.com/office/drawing/2014/main" id="{C289A943-AA18-7A49-B1FC-B1F7AFCFED2C}"/>
-              </a:ext>
-            </a:extLst>
-          </p:cNvPr>
-          <p:cNvCxnSpPr>
-            <a:cxnSpLocks/>
-            <a:stCxn id="5" idx="2"/>
-            <a:endCxn id="28" idx="0"/>
-          </p:cNvCxnSpPr>
-          <p:nvPr/>
-        </p:nvCxnSpPr>
-        <p:spPr>
-          <a:xfrm rot="5400000">
-            <a:off x="6963877" y="2860607"/>
-            <a:ext cx="360675" cy="1283769"/>
-          </a:xfrm>
-          <a:prstGeom prst="bentConnector3">
-            <a:avLst>
-              <a:gd name="adj1" fmla="val 50000"/>
-            </a:avLst>
-          </a:prstGeom>
-          <a:ln w="41275">
-            <a:solidFill>
-              <a:schemeClr val="bg2">
-                <a:lumMod val="25000"/>
-              </a:schemeClr>
-            </a:solidFill>
-            <a:tailEnd type="triangle"/>
-          </a:ln>
-        </p:spPr>
-        <p:style>
-          <a:lnRef idx="1">
-            <a:schemeClr val="accent1"/>
-          </a:lnRef>
-          <a:fillRef idx="0">
-            <a:schemeClr val="accent1"/>
-          </a:fillRef>
-          <a:effectRef idx="0">
-            <a:schemeClr val="accent1"/>
-          </a:effectRef>
-          <a:fontRef idx="minor">
-            <a:schemeClr val="tx1"/>
-          </a:fontRef>
-        </p:style>
-      </p:cxnSp>
-      <p:cxnSp>
-        <p:nvCxnSpPr>
-          <p:cNvPr id="34" name="Elbow Connector 33">
-            <a:extLst>
-              <a:ext uri="{FF2B5EF4-FFF2-40B4-BE49-F238E27FC236}">
-                <a16:creationId xmlns:a16="http://schemas.microsoft.com/office/drawing/2014/main" id="{852405D7-6852-3840-B427-4D8487F2B836}"/>
-              </a:ext>
-            </a:extLst>
-          </p:cNvPr>
-          <p:cNvCxnSpPr>
-            <a:stCxn id="22" idx="2"/>
-            <a:endCxn id="8" idx="0"/>
-          </p:cNvCxnSpPr>
-          <p:nvPr/>
-        </p:nvCxnSpPr>
-        <p:spPr>
-          <a:xfrm rot="16200000" flipH="1">
-            <a:off x="3397400" y="3777090"/>
-            <a:ext cx="1053275" cy="1792224"/>
-          </a:xfrm>
-          <a:prstGeom prst="bentConnector3">
-            <a:avLst/>
-          </a:prstGeom>
-          <a:ln w="41275">
-            <a:solidFill>
-              <a:schemeClr val="bg2">
-                <a:lumMod val="25000"/>
-              </a:schemeClr>
-            </a:solidFill>
-            <a:tailEnd type="triangle"/>
-          </a:ln>
-        </p:spPr>
-        <p:style>
-          <a:lnRef idx="1">
-            <a:schemeClr val="accent1"/>
-          </a:lnRef>
-          <a:fillRef idx="0">
-            <a:schemeClr val="accent1"/>
-          </a:fillRef>
-          <a:effectRef idx="0">
-            <a:schemeClr val="accent1"/>
-          </a:effectRef>
-          <a:fontRef idx="minor">
-            <a:schemeClr val="tx1"/>
-          </a:fontRef>
-        </p:style>
-      </p:cxnSp>
-      <p:cxnSp>
-        <p:nvCxnSpPr>
-          <p:cNvPr id="36" name="Elbow Connector 35">
-            <a:extLst>
-              <a:ext uri="{FF2B5EF4-FFF2-40B4-BE49-F238E27FC236}">
-                <a16:creationId xmlns:a16="http://schemas.microsoft.com/office/drawing/2014/main" id="{7E669FE4-7E40-4546-A2C4-6CC615469BC5}"/>
-              </a:ext>
-            </a:extLst>
-          </p:cNvPr>
-          <p:cNvCxnSpPr>
-            <a:cxnSpLocks/>
-            <a:stCxn id="28" idx="2"/>
-            <a:endCxn id="8" idx="0"/>
-          </p:cNvCxnSpPr>
-          <p:nvPr/>
-        </p:nvCxnSpPr>
-        <p:spPr>
-          <a:xfrm rot="5400000">
-            <a:off x="5138179" y="3835690"/>
-            <a:ext cx="1046120" cy="1682180"/>
-          </a:xfrm>
-          <a:prstGeom prst="bentConnector3">
-            <a:avLst/>
-          </a:prstGeom>
-          <a:ln w="41275">
-            <a:solidFill>
-              <a:schemeClr val="bg2">
-                <a:lumMod val="25000"/>
-              </a:schemeClr>
-            </a:solidFill>
-            <a:tailEnd type="triangle"/>
-          </a:ln>
-        </p:spPr>
-        <p:style>
-          <a:lnRef idx="1">
-            <a:schemeClr val="accent1"/>
-          </a:lnRef>
-          <a:fillRef idx="0">
-            <a:schemeClr val="accent1"/>
-          </a:fillRef>
-          <a:effectRef idx="0">
-            <a:schemeClr val="accent1"/>
-          </a:effectRef>
-          <a:fontRef idx="minor">
-            <a:schemeClr val="tx1"/>
-          </a:fontRef>
-        </p:style>
-      </p:cxnSp>
-    </p:spTree>
-    <p:extLst>
-      <p:ext uri="{BB962C8B-B14F-4D97-AF65-F5344CB8AC3E}">
-        <p14:creationId xmlns:p14="http://schemas.microsoft.com/office/powerpoint/2010/main" val="3127954273"/>
-      </p:ext>
-    </p:extLst>
-  </p:cSld>
-  <p:clrMapOvr>
-    <a:masterClrMapping/>
-  </p:clrMapOvr>
-</p:sld>
-</file>
-
-<file path=ppt/slides/slide9.xml><?xml version="1.0" encoding="utf-8"?>
-<p:sld xmlns:a="http://schemas.openxmlformats.org/drawingml/2006/main" xmlns:r="http://schemas.openxmlformats.org/officeDocument/2006/relationships" xmlns:p="http://schemas.openxmlformats.org/presentationml/2006/main">
-  <p:cSld>
-    <p:bg>
-      <p:bgPr>
-        <a:solidFill>
-          <a:schemeClr val="bg1"/>
-        </a:solidFill>
-        <a:effectLst/>
-      </p:bgPr>
-    </p:bg>
-    <p:spTree>
-      <p:nvGrpSpPr>
-        <p:cNvPr id="1" name=""/>
-        <p:cNvGrpSpPr/>
-        <p:nvPr/>
-      </p:nvGrpSpPr>
-      <p:grpSpPr>
-        <a:xfrm>
-          <a:off x="0" y="0"/>
-          <a:ext cx="0" cy="0"/>
-          <a:chOff x="0" y="0"/>
-          <a:chExt cx="0" cy="0"/>
-        </a:xfrm>
-      </p:grpSpPr>
-      <p:sp useBgFill="1">
-        <p:nvSpPr>
-          <p:cNvPr id="10" name="Rectangle 9">
-            <a:extLst>
-              <a:ext uri="{FF2B5EF4-FFF2-40B4-BE49-F238E27FC236}">
-                <a16:creationId xmlns:a16="http://schemas.microsoft.com/office/drawing/2014/main" id="{BAD76F3E-3A97-486B-B402-44400A8B9173}"/>
-              </a:ext>
-              <a:ext uri="{C183D7F6-B498-43B3-948B-1728B52AA6E4}">
-                <adec:decorative xmlns:adec="http://schemas.microsoft.com/office/drawing/2017/decorative" val="1"/>
-              </a:ext>
-            </a:extLst>
-          </p:cNvPr>
-          <p:cNvSpPr>
-            <a:spLocks noGrp="1" noRot="1" noChangeAspect="1" noMove="1" noResize="1" noEditPoints="1" noAdjustHandles="1" noChangeArrowheads="1" noChangeShapeType="1" noTextEdit="1"/>
-          </p:cNvSpPr>
-          <p:nvPr>
-            <p:extLst>
-              <p:ext uri="{386F3935-93C4-4BCD-93E2-E3B085C9AB24}">
-                <p16:designElem xmlns:p16="http://schemas.microsoft.com/office/powerpoint/2015/main" val="1"/>
-              </p:ext>
-            </p:extLst>
-          </p:nvPr>
-        </p:nvSpPr>
-        <p:spPr>
-          <a:xfrm>
-            <a:off x="0" y="0"/>
-            <a:ext cx="12192000" cy="6858000"/>
-          </a:xfrm>
-          <a:prstGeom prst="rect">
-            <a:avLst/>
-          </a:prstGeom>
-          <a:ln>
-            <a:noFill/>
-          </a:ln>
-        </p:spPr>
-        <p:style>
-          <a:lnRef idx="2">
-            <a:schemeClr val="accent1">
-              <a:shade val="50000"/>
-            </a:schemeClr>
-          </a:lnRef>
-          <a:fillRef idx="1">
-            <a:schemeClr val="accent1"/>
-          </a:fillRef>
-          <a:effectRef idx="0">
-            <a:schemeClr val="accent1"/>
-          </a:effectRef>
-          <a:fontRef idx="minor">
-            <a:schemeClr val="lt1"/>
-          </a:fontRef>
-        </p:style>
-        <p:txBody>
-          <a:bodyPr rtlCol="0" anchor="ctr"/>
-          <a:lstStyle/>
-          <a:p>
-            <a:pPr algn="ctr"/>
-            <a:endParaRPr lang="en-US"/>
-          </a:p>
-        </p:txBody>
-      </p:sp>
-      <p:sp>
-        <p:nvSpPr>
-          <p:cNvPr id="5" name="TextBox 4">
-            <a:extLst>
-              <a:ext uri="{FF2B5EF4-FFF2-40B4-BE49-F238E27FC236}">
-                <a16:creationId xmlns:a16="http://schemas.microsoft.com/office/drawing/2014/main" id="{9480897E-8F40-744B-A0A7-43CF8AF09C74}"/>
-              </a:ext>
-            </a:extLst>
-          </p:cNvPr>
-          <p:cNvSpPr txBox="1"/>
-          <p:nvPr/>
-        </p:nvSpPr>
-        <p:spPr>
-          <a:xfrm>
-            <a:off x="838199" y="1093788"/>
-            <a:ext cx="10506455" cy="2967208"/>
-          </a:xfrm>
-          <a:prstGeom prst="rect">
-            <a:avLst/>
-          </a:prstGeom>
-        </p:spPr>
-        <p:txBody>
-          <a:bodyPr vert="horz" lIns="91440" tIns="45720" rIns="91440" bIns="45720" rtlCol="0" anchor="b">
-            <a:normAutofit/>
-          </a:bodyPr>
-          <a:lstStyle/>
-          <a:p>
-            <a:pPr>
-              <a:lnSpc>
-                <a:spcPct val="90000"/>
-              </a:lnSpc>
-              <a:spcBef>
-                <a:spcPct val="0"/>
-              </a:spcBef>
-              <a:spcAft>
-                <a:spcPts val="600"/>
-              </a:spcAft>
-            </a:pPr>
-            <a:r>
-              <a:rPr lang="en-US" sz="8000" kern="1200" dirty="0">
-                <a:solidFill>
-                  <a:schemeClr val="tx1"/>
-                </a:solidFill>
-                <a:latin typeface="+mj-lt"/>
-                <a:ea typeface="+mj-ea"/>
-                <a:cs typeface="+mj-cs"/>
-              </a:rPr>
-              <a:t>Weekly Thesis meeting</a:t>
-            </a:r>
-          </a:p>
-        </p:txBody>
-      </p:sp>
-      <p:sp>
-        <p:nvSpPr>
-          <p:cNvPr id="3" name="Subtitle 2">
-            <a:extLst>
-              <a:ext uri="{FF2B5EF4-FFF2-40B4-BE49-F238E27FC236}">
-                <a16:creationId xmlns:a16="http://schemas.microsoft.com/office/drawing/2014/main" id="{14E0F9EE-123A-DF41-B73D-0539E601A3C3}"/>
-              </a:ext>
-            </a:extLst>
-          </p:cNvPr>
-          <p:cNvSpPr>
-            <a:spLocks noGrp="1"/>
-          </p:cNvSpPr>
-          <p:nvPr>
-            <p:ph type="subTitle" idx="1"/>
-          </p:nvPr>
-        </p:nvSpPr>
-        <p:spPr>
-          <a:xfrm>
-            <a:off x="7400924" y="4619624"/>
-            <a:ext cx="3946779" cy="1038225"/>
-          </a:xfrm>
-        </p:spPr>
-        <p:txBody>
-          <a:bodyPr vert="horz" lIns="91440" tIns="45720" rIns="91440" bIns="45720" rtlCol="0">
-            <a:normAutofit/>
-          </a:bodyPr>
-          <a:lstStyle/>
-          <a:p>
-            <a:pPr algn="r"/>
-            <a:r>
-              <a:rPr lang="en-US" kern="1200" dirty="0">
-                <a:solidFill>
-                  <a:schemeClr val="tx1"/>
-                </a:solidFill>
-                <a:latin typeface="+mn-lt"/>
-                <a:ea typeface="+mn-ea"/>
-                <a:cs typeface="+mn-cs"/>
-              </a:rPr>
-              <a:t>March </a:t>
-            </a:r>
-            <a:r>
-              <a:rPr lang="en-US" dirty="0"/>
-              <a:t>25</a:t>
-            </a:r>
-            <a:r>
-              <a:rPr lang="en-US" kern="1200" baseline="30000" dirty="0">
-                <a:solidFill>
-                  <a:schemeClr val="tx1"/>
-                </a:solidFill>
-                <a:latin typeface="+mn-lt"/>
-                <a:ea typeface="+mn-ea"/>
-                <a:cs typeface="+mn-cs"/>
-              </a:rPr>
-              <a:t>th</a:t>
-            </a:r>
-            <a:r>
-              <a:rPr lang="en-US" kern="1200" dirty="0">
-                <a:solidFill>
-                  <a:schemeClr val="tx1"/>
-                </a:solidFill>
-                <a:latin typeface="+mn-lt"/>
-                <a:ea typeface="+mn-ea"/>
-                <a:cs typeface="+mn-cs"/>
-              </a:rPr>
-              <a:t>, 2022</a:t>
-            </a:r>
-          </a:p>
-        </p:txBody>
-      </p:sp>
-      <p:sp>
-        <p:nvSpPr>
-          <p:cNvPr id="12" name="Rectangle 11">
-            <a:extLst>
-              <a:ext uri="{FF2B5EF4-FFF2-40B4-BE49-F238E27FC236}">
-                <a16:creationId xmlns:a16="http://schemas.microsoft.com/office/drawing/2014/main" id="{391F6B52-91F4-4AEB-B6DB-29FEBCF28C8B}"/>
-              </a:ext>
-              <a:ext uri="{C183D7F6-B498-43B3-948B-1728B52AA6E4}">
-                <adec:decorative xmlns:adec="http://schemas.microsoft.com/office/drawing/2017/decorative" val="1"/>
-              </a:ext>
-            </a:extLst>
-          </p:cNvPr>
-          <p:cNvSpPr>
-            <a:spLocks noGrp="1" noRot="1" noChangeAspect="1" noMove="1" noResize="1" noEditPoints="1" noAdjustHandles="1" noChangeArrowheads="1" noChangeShapeType="1" noTextEdit="1"/>
-          </p:cNvSpPr>
-          <p:nvPr>
-            <p:extLst>
-              <p:ext uri="{386F3935-93C4-4BCD-93E2-E3B085C9AB24}">
-                <p16:designElem xmlns:p16="http://schemas.microsoft.com/office/powerpoint/2015/main" val="1"/>
-              </p:ext>
-            </p:extLst>
-          </p:nvPr>
-        </p:nvSpPr>
-        <p:spPr>
-          <a:xfrm>
-            <a:off x="841248" y="4331166"/>
-            <a:ext cx="10506456" cy="18288"/>
-          </a:xfrm>
-          <a:prstGeom prst="rect">
-            <a:avLst/>
-          </a:prstGeom>
-          <a:solidFill>
-            <a:srgbClr val="D5D5D5"/>
-          </a:solidFill>
-          <a:ln w="3175">
-            <a:noFill/>
-          </a:ln>
-          <a:effectLst/>
-        </p:spPr>
-        <p:style>
-          <a:lnRef idx="2">
-            <a:schemeClr val="accent1">
-              <a:shade val="50000"/>
-            </a:schemeClr>
-          </a:lnRef>
-          <a:fillRef idx="1">
-            <a:schemeClr val="accent1"/>
-          </a:fillRef>
-          <a:effectRef idx="0">
-            <a:schemeClr val="accent1"/>
-          </a:effectRef>
-          <a:fontRef idx="minor">
-            <a:schemeClr val="lt1"/>
-          </a:fontRef>
-        </p:style>
-        <p:txBody>
-          <a:bodyPr rtlCol="0" anchor="ctr"/>
-          <a:lstStyle/>
-          <a:p>
-            <a:pPr algn="ctr"/>
-            <a:endParaRPr lang="en-US">
-              <a:solidFill>
-                <a:prstClr val="white"/>
-              </a:solidFill>
-              <a:latin typeface="Calibri" panose="020F0502020204030204"/>
-            </a:endParaRPr>
-          </a:p>
-        </p:txBody>
-      </p:sp>
-      <p:sp>
-        <p:nvSpPr>
-          <p:cNvPr id="14" name="Rectangle 13">
-            <a:extLst>
-              <a:ext uri="{FF2B5EF4-FFF2-40B4-BE49-F238E27FC236}">
-                <a16:creationId xmlns:a16="http://schemas.microsoft.com/office/drawing/2014/main" id="{2CD6F061-7C53-44F4-9794-953DB70A451B}"/>
-              </a:ext>
-              <a:ext uri="{C183D7F6-B498-43B3-948B-1728B52AA6E4}">
-                <adec:decorative xmlns:adec="http://schemas.microsoft.com/office/drawing/2017/decorative" val="1"/>
-              </a:ext>
-            </a:extLst>
-          </p:cNvPr>
-          <p:cNvSpPr>
-            <a:spLocks noGrp="1" noRot="1" noChangeAspect="1" noMove="1" noResize="1" noEditPoints="1" noAdjustHandles="1" noChangeArrowheads="1" noChangeShapeType="1" noTextEdit="1"/>
-          </p:cNvSpPr>
-          <p:nvPr>
-            <p:extLst>
-              <p:ext uri="{386F3935-93C4-4BCD-93E2-E3B085C9AB24}">
-                <p16:designElem xmlns:p16="http://schemas.microsoft.com/office/powerpoint/2015/main" val="1"/>
-              </p:ext>
-            </p:extLst>
-          </p:nvPr>
-        </p:nvSpPr>
-        <p:spPr>
-          <a:xfrm rot="5400000">
-            <a:off x="9346882" y="2348839"/>
-            <a:ext cx="54864" cy="3946779"/>
-          </a:xfrm>
-          <a:prstGeom prst="rect">
-            <a:avLst/>
-          </a:prstGeom>
-          <a:solidFill>
-            <a:schemeClr val="accent2"/>
-          </a:solidFill>
-          <a:ln>
-            <a:noFill/>
-          </a:ln>
-        </p:spPr>
-        <p:style>
-          <a:lnRef idx="2">
-            <a:schemeClr val="accent1">
-              <a:shade val="50000"/>
-            </a:schemeClr>
-          </a:lnRef>
-          <a:fillRef idx="1">
-            <a:schemeClr val="accent1"/>
-          </a:fillRef>
-          <a:effectRef idx="0">
-            <a:schemeClr val="accent1"/>
-          </a:effectRef>
-          <a:fontRef idx="minor">
-            <a:schemeClr val="lt1"/>
-          </a:fontRef>
-        </p:style>
-        <p:txBody>
-          <a:bodyPr rtlCol="0" anchor="ctr"/>
-          <a:lstStyle/>
-          <a:p>
-            <a:pPr marL="0" marR="0" lvl="0" indent="0" algn="ctr" defTabSz="914400" rtl="0" eaLnBrk="1" fontAlgn="auto" latinLnBrk="0" hangingPunct="1">
-              <a:lnSpc>
-                <a:spcPct val="100000"/>
-              </a:lnSpc>
-              <a:spcBef>
-                <a:spcPts val="0"/>
-              </a:spcBef>
-              <a:spcAft>
-                <a:spcPts val="0"/>
-              </a:spcAft>
-              <a:buClrTx/>
-              <a:buSzTx/>
-              <a:buFontTx/>
-              <a:buNone/>
-              <a:tabLst/>
-              <a:defRPr/>
-            </a:pPr>
-            <a:endParaRPr kumimoji="0" lang="en-US" sz="1800" b="0" i="0" u="none" strike="noStrike" kern="1200" cap="none" spc="0" normalizeH="0" baseline="0" noProof="0">
-              <a:ln>
-                <a:noFill/>
-              </a:ln>
-              <a:solidFill>
-                <a:prstClr val="white"/>
-              </a:solidFill>
-              <a:effectLst/>
-              <a:uLnTx/>
-              <a:uFillTx/>
-              <a:latin typeface="Calibri" panose="020F0502020204030204"/>
-              <a:ea typeface="+mn-ea"/>
-              <a:cs typeface="+mn-cs"/>
-            </a:endParaRPr>
-          </a:p>
-        </p:txBody>
-      </p:sp>
-    </p:spTree>
-    <p:extLst>
-      <p:ext uri="{BB962C8B-B14F-4D97-AF65-F5344CB8AC3E}">
-        <p14:creationId xmlns:p14="http://schemas.microsoft.com/office/powerpoint/2010/main" val="3852514996"/>
       </p:ext>
     </p:extLst>
   </p:cSld>
